--- a/TP4/Presentacion-TP-4.pptx
+++ b/TP4/Presentacion-TP-4.pptx
@@ -9,6 +9,8 @@
     <p:sldId id="258" r:id="rId3"/>
     <p:sldId id="259" r:id="rId4"/>
     <p:sldId id="260" r:id="rId5"/>
+    <p:sldId id="261" r:id="rId6"/>
+    <p:sldId id="262" r:id="rId7"/>
   </p:sldIdLst>
   <p:sldSz cx="12192000" cy="6858000"/>
   <p:notesSz cx="6858000" cy="9144000"/>
@@ -107,6 +109,11 @@
       </a:defRPr>
     </a:lvl9pPr>
   </p:defaultTextStyle>
+  <p:extLst>
+    <p:ext uri="{EFAFB233-063F-42B5-8137-9DF3F51BA10A}">
+      <p15:sldGuideLst xmlns:p15="http://schemas.microsoft.com/office/powerpoint/2012/main"/>
+    </p:ext>
+  </p:extLst>
 </p:presentation>
 </file>
 
@@ -241,7 +248,7 @@
           <a:p>
             <a:fld id="{027BBF4C-5512-42A2-B10F-7DE8FA9D1287}" type="datetimeFigureOut">
               <a:rPr lang="es-AR" smtClean="0"/>
-              <a:t>5/9/2023</a:t>
+              <a:t>12/9/2023</a:t>
             </a:fld>
             <a:endParaRPr lang="es-AR"/>
           </a:p>
@@ -411,7 +418,7 @@
           <a:p>
             <a:fld id="{027BBF4C-5512-42A2-B10F-7DE8FA9D1287}" type="datetimeFigureOut">
               <a:rPr lang="es-AR" smtClean="0"/>
-              <a:t>5/9/2023</a:t>
+              <a:t>12/9/2023</a:t>
             </a:fld>
             <a:endParaRPr lang="es-AR"/>
           </a:p>
@@ -591,7 +598,7 @@
           <a:p>
             <a:fld id="{027BBF4C-5512-42A2-B10F-7DE8FA9D1287}" type="datetimeFigureOut">
               <a:rPr lang="es-AR" smtClean="0"/>
-              <a:t>5/9/2023</a:t>
+              <a:t>12/9/2023</a:t>
             </a:fld>
             <a:endParaRPr lang="es-AR"/>
           </a:p>
@@ -761,7 +768,7 @@
           <a:p>
             <a:fld id="{027BBF4C-5512-42A2-B10F-7DE8FA9D1287}" type="datetimeFigureOut">
               <a:rPr lang="es-AR" smtClean="0"/>
-              <a:t>5/9/2023</a:t>
+              <a:t>12/9/2023</a:t>
             </a:fld>
             <a:endParaRPr lang="es-AR"/>
           </a:p>
@@ -1007,7 +1014,7 @@
           <a:p>
             <a:fld id="{027BBF4C-5512-42A2-B10F-7DE8FA9D1287}" type="datetimeFigureOut">
               <a:rPr lang="es-AR" smtClean="0"/>
-              <a:t>5/9/2023</a:t>
+              <a:t>12/9/2023</a:t>
             </a:fld>
             <a:endParaRPr lang="es-AR"/>
           </a:p>
@@ -1239,7 +1246,7 @@
           <a:p>
             <a:fld id="{027BBF4C-5512-42A2-B10F-7DE8FA9D1287}" type="datetimeFigureOut">
               <a:rPr lang="es-AR" smtClean="0"/>
-              <a:t>5/9/2023</a:t>
+              <a:t>12/9/2023</a:t>
             </a:fld>
             <a:endParaRPr lang="es-AR"/>
           </a:p>
@@ -1606,7 +1613,7 @@
           <a:p>
             <a:fld id="{027BBF4C-5512-42A2-B10F-7DE8FA9D1287}" type="datetimeFigureOut">
               <a:rPr lang="es-AR" smtClean="0"/>
-              <a:t>5/9/2023</a:t>
+              <a:t>12/9/2023</a:t>
             </a:fld>
             <a:endParaRPr lang="es-AR"/>
           </a:p>
@@ -1724,7 +1731,7 @@
           <a:p>
             <a:fld id="{027BBF4C-5512-42A2-B10F-7DE8FA9D1287}" type="datetimeFigureOut">
               <a:rPr lang="es-AR" smtClean="0"/>
-              <a:t>5/9/2023</a:t>
+              <a:t>12/9/2023</a:t>
             </a:fld>
             <a:endParaRPr lang="es-AR"/>
           </a:p>
@@ -1819,7 +1826,7 @@
           <a:p>
             <a:fld id="{027BBF4C-5512-42A2-B10F-7DE8FA9D1287}" type="datetimeFigureOut">
               <a:rPr lang="es-AR" smtClean="0"/>
-              <a:t>5/9/2023</a:t>
+              <a:t>12/9/2023</a:t>
             </a:fld>
             <a:endParaRPr lang="es-AR"/>
           </a:p>
@@ -2096,7 +2103,7 @@
           <a:p>
             <a:fld id="{027BBF4C-5512-42A2-B10F-7DE8FA9D1287}" type="datetimeFigureOut">
               <a:rPr lang="es-AR" smtClean="0"/>
-              <a:t>5/9/2023</a:t>
+              <a:t>12/9/2023</a:t>
             </a:fld>
             <a:endParaRPr lang="es-AR"/>
           </a:p>
@@ -2349,7 +2356,7 @@
           <a:p>
             <a:fld id="{027BBF4C-5512-42A2-B10F-7DE8FA9D1287}" type="datetimeFigureOut">
               <a:rPr lang="es-AR" smtClean="0"/>
-              <a:t>5/9/2023</a:t>
+              <a:t>12/9/2023</a:t>
             </a:fld>
             <a:endParaRPr lang="es-AR"/>
           </a:p>
@@ -2562,7 +2569,7 @@
           <a:p>
             <a:fld id="{027BBF4C-5512-42A2-B10F-7DE8FA9D1287}" type="datetimeFigureOut">
               <a:rPr lang="es-AR" smtClean="0"/>
-              <a:t>5/9/2023</a:t>
+              <a:t>12/9/2023</a:t>
             </a:fld>
             <a:endParaRPr lang="es-AR"/>
           </a:p>
@@ -3019,7 +3026,7 @@
           <a:graphicData uri="http://schemas.openxmlformats.org/presentationml/2006/ole">
             <mc:AlternateContent xmlns:mc="http://schemas.openxmlformats.org/markup-compatibility/2006">
               <mc:Choice xmlns:v="urn:schemas-microsoft-com:vml" Requires="v">
-                <p:oleObj spid="_x0000_s1034" name="Ecuación" r:id="rId3" imgW="1371600" imgH="444240" progId="Equation.3">
+                <p:oleObj spid="_x0000_s1039" name="Ecuación" r:id="rId3" imgW="1371600" imgH="444240" progId="Equation.3">
                   <p:embed/>
                 </p:oleObj>
               </mc:Choice>
@@ -4876,10 +4883,2185 @@
           <a:chExt cx="0" cy="0"/>
         </a:xfrm>
       </p:grpSpPr>
+      <p:sp>
+        <p:nvSpPr>
+          <p:cNvPr id="3" name="Rectángulo 2"/>
+          <p:cNvSpPr/>
+          <p:nvPr/>
+        </p:nvSpPr>
+        <p:spPr>
+          <a:xfrm>
+            <a:off x="-73890" y="-79054"/>
+            <a:ext cx="12358254" cy="4647426"/>
+          </a:xfrm>
+          <a:prstGeom prst="rect">
+            <a:avLst/>
+          </a:prstGeom>
+        </p:spPr>
+        <p:txBody>
+          <a:bodyPr wrap="square">
+            <a:spAutoFit/>
+          </a:bodyPr>
+          <a:lstStyle/>
+          <a:p>
+            <a:r>
+              <a:rPr lang="es-AR" sz="1600" dirty="0" err="1">
+                <a:solidFill>
+                  <a:srgbClr val="000000"/>
+                </a:solidFill>
+                <a:latin typeface="Courier New" panose="02070309020205020404" pitchFamily="49" charset="0"/>
+              </a:rPr>
+              <a:t>clear</a:t>
+            </a:r>
+            <a:r>
+              <a:rPr lang="es-AR" sz="1600" dirty="0">
+                <a:solidFill>
+                  <a:srgbClr val="000000"/>
+                </a:solidFill>
+                <a:latin typeface="Courier New" panose="02070309020205020404" pitchFamily="49" charset="0"/>
+              </a:rPr>
+              <a:t> </a:t>
+            </a:r>
+            <a:r>
+              <a:rPr lang="es-AR" sz="1600" dirty="0" err="1">
+                <a:solidFill>
+                  <a:srgbClr val="A020F0"/>
+                </a:solidFill>
+                <a:latin typeface="Courier New" panose="02070309020205020404" pitchFamily="49" charset="0"/>
+              </a:rPr>
+              <a:t>all</a:t>
+            </a:r>
+            <a:endParaRPr lang="es-AR" sz="1600" dirty="0">
+              <a:solidFill>
+                <a:srgbClr val="A020F0"/>
+              </a:solidFill>
+              <a:latin typeface="Courier New" panose="02070309020205020404" pitchFamily="49" charset="0"/>
+            </a:endParaRPr>
+          </a:p>
+          <a:p>
+            <a:r>
+              <a:rPr lang="es-AR" sz="1600" dirty="0" err="1">
+                <a:solidFill>
+                  <a:srgbClr val="000000"/>
+                </a:solidFill>
+                <a:latin typeface="Courier New" panose="02070309020205020404" pitchFamily="49" charset="0"/>
+              </a:rPr>
+              <a:t>close</a:t>
+            </a:r>
+            <a:r>
+              <a:rPr lang="es-AR" sz="1600" dirty="0">
+                <a:solidFill>
+                  <a:srgbClr val="000000"/>
+                </a:solidFill>
+                <a:latin typeface="Courier New" panose="02070309020205020404" pitchFamily="49" charset="0"/>
+              </a:rPr>
+              <a:t> </a:t>
+            </a:r>
+            <a:r>
+              <a:rPr lang="es-AR" sz="1600" dirty="0" err="1">
+                <a:solidFill>
+                  <a:srgbClr val="A020F0"/>
+                </a:solidFill>
+                <a:latin typeface="Courier New" panose="02070309020205020404" pitchFamily="49" charset="0"/>
+              </a:rPr>
+              <a:t>all</a:t>
+            </a:r>
+            <a:endParaRPr lang="es-AR" sz="1600" dirty="0">
+              <a:solidFill>
+                <a:srgbClr val="A020F0"/>
+              </a:solidFill>
+              <a:latin typeface="Courier New" panose="02070309020205020404" pitchFamily="49" charset="0"/>
+            </a:endParaRPr>
+          </a:p>
+          <a:p>
+            <a:r>
+              <a:rPr lang="es-AR" sz="1600" dirty="0">
+                <a:solidFill>
+                  <a:srgbClr val="000000"/>
+                </a:solidFill>
+                <a:latin typeface="Courier New" panose="02070309020205020404" pitchFamily="49" charset="0"/>
+              </a:rPr>
+              <a:t>f=input(</a:t>
+            </a:r>
+            <a:r>
+              <a:rPr lang="es-AR" sz="1600" dirty="0">
+                <a:solidFill>
+                  <a:srgbClr val="A020F0"/>
+                </a:solidFill>
+                <a:latin typeface="Courier New" panose="02070309020205020404" pitchFamily="49" charset="0"/>
+              </a:rPr>
+              <a:t>'f='</a:t>
+            </a:r>
+            <a:r>
+              <a:rPr lang="es-AR" sz="1600" dirty="0">
+                <a:solidFill>
+                  <a:srgbClr val="000000"/>
+                </a:solidFill>
+                <a:latin typeface="Courier New" panose="02070309020205020404" pitchFamily="49" charset="0"/>
+              </a:rPr>
+              <a:t>); </a:t>
+            </a:r>
+            <a:r>
+              <a:rPr lang="es-AR" sz="1600" dirty="0">
+                <a:solidFill>
+                  <a:srgbClr val="228B22"/>
+                </a:solidFill>
+                <a:latin typeface="Courier New" panose="02070309020205020404" pitchFamily="49" charset="0"/>
+              </a:rPr>
+              <a:t>%frecuencia de la señal</a:t>
+            </a:r>
+          </a:p>
+          <a:p>
+            <a:r>
+              <a:rPr lang="es-AR" sz="1600" dirty="0">
+                <a:solidFill>
+                  <a:srgbClr val="000000"/>
+                </a:solidFill>
+                <a:latin typeface="Courier New" panose="02070309020205020404" pitchFamily="49" charset="0"/>
+              </a:rPr>
+              <a:t>N=input(</a:t>
+            </a:r>
+            <a:r>
+              <a:rPr lang="es-AR" sz="1600" dirty="0">
+                <a:solidFill>
+                  <a:srgbClr val="A020F0"/>
+                </a:solidFill>
+                <a:latin typeface="Courier New" panose="02070309020205020404" pitchFamily="49" charset="0"/>
+              </a:rPr>
+              <a:t>'N='</a:t>
+            </a:r>
+            <a:r>
+              <a:rPr lang="es-AR" sz="1600" dirty="0">
+                <a:solidFill>
+                  <a:srgbClr val="000000"/>
+                </a:solidFill>
+                <a:latin typeface="Courier New" panose="02070309020205020404" pitchFamily="49" charset="0"/>
+              </a:rPr>
+              <a:t>);</a:t>
+            </a:r>
+            <a:r>
+              <a:rPr lang="es-AR" sz="1600" dirty="0">
+                <a:solidFill>
+                  <a:srgbClr val="228B22"/>
+                </a:solidFill>
+                <a:latin typeface="Courier New" panose="02070309020205020404" pitchFamily="49" charset="0"/>
+              </a:rPr>
+              <a:t>%longitud de la muestra</a:t>
+            </a:r>
+          </a:p>
+          <a:p>
+            <a:r>
+              <a:rPr lang="es-AR" sz="1600" dirty="0" err="1">
+                <a:solidFill>
+                  <a:srgbClr val="000000"/>
+                </a:solidFill>
+                <a:latin typeface="Courier New" panose="02070309020205020404" pitchFamily="49" charset="0"/>
+              </a:rPr>
+              <a:t>fs</a:t>
+            </a:r>
+            <a:r>
+              <a:rPr lang="es-AR" sz="1600" dirty="0">
+                <a:solidFill>
+                  <a:srgbClr val="000000"/>
+                </a:solidFill>
+                <a:latin typeface="Courier New" panose="02070309020205020404" pitchFamily="49" charset="0"/>
+              </a:rPr>
+              <a:t>=input(</a:t>
+            </a:r>
+            <a:r>
+              <a:rPr lang="es-AR" sz="1600" dirty="0">
+                <a:solidFill>
+                  <a:srgbClr val="A020F0"/>
+                </a:solidFill>
+                <a:latin typeface="Courier New" panose="02070309020205020404" pitchFamily="49" charset="0"/>
+              </a:rPr>
+              <a:t>'</a:t>
+            </a:r>
+            <a:r>
+              <a:rPr lang="es-AR" sz="1600" dirty="0" err="1">
+                <a:solidFill>
+                  <a:srgbClr val="A020F0"/>
+                </a:solidFill>
+                <a:latin typeface="Courier New" panose="02070309020205020404" pitchFamily="49" charset="0"/>
+              </a:rPr>
+              <a:t>fs</a:t>
+            </a:r>
+            <a:r>
+              <a:rPr lang="es-AR" sz="1600" dirty="0">
+                <a:solidFill>
+                  <a:srgbClr val="A020F0"/>
+                </a:solidFill>
+                <a:latin typeface="Courier New" panose="02070309020205020404" pitchFamily="49" charset="0"/>
+              </a:rPr>
+              <a:t>='</a:t>
+            </a:r>
+            <a:r>
+              <a:rPr lang="es-AR" sz="1600" dirty="0">
+                <a:solidFill>
+                  <a:srgbClr val="000000"/>
+                </a:solidFill>
+                <a:latin typeface="Courier New" panose="02070309020205020404" pitchFamily="49" charset="0"/>
+              </a:rPr>
+              <a:t>)</a:t>
+            </a:r>
+            <a:r>
+              <a:rPr lang="es-AR" sz="1600" dirty="0">
+                <a:solidFill>
+                  <a:srgbClr val="228B22"/>
+                </a:solidFill>
+                <a:latin typeface="Courier New" panose="02070309020205020404" pitchFamily="49" charset="0"/>
+              </a:rPr>
+              <a:t>%frecuencia de muestreo</a:t>
+            </a:r>
+          </a:p>
+          <a:p>
+            <a:r>
+              <a:rPr lang="es-AR" sz="1600" dirty="0" err="1">
+                <a:solidFill>
+                  <a:srgbClr val="000000"/>
+                </a:solidFill>
+                <a:latin typeface="Courier New" panose="02070309020205020404" pitchFamily="49" charset="0"/>
+              </a:rPr>
+              <a:t>Ts</a:t>
+            </a:r>
+            <a:r>
+              <a:rPr lang="es-AR" sz="1600" dirty="0">
+                <a:solidFill>
+                  <a:srgbClr val="000000"/>
+                </a:solidFill>
+                <a:latin typeface="Courier New" panose="02070309020205020404" pitchFamily="49" charset="0"/>
+              </a:rPr>
+              <a:t>=1/</a:t>
+            </a:r>
+            <a:r>
+              <a:rPr lang="es-AR" sz="1600" dirty="0" err="1">
+                <a:solidFill>
+                  <a:srgbClr val="000000"/>
+                </a:solidFill>
+                <a:latin typeface="Courier New" panose="02070309020205020404" pitchFamily="49" charset="0"/>
+              </a:rPr>
+              <a:t>fs</a:t>
+            </a:r>
+            <a:r>
+              <a:rPr lang="es-AR" sz="1600" dirty="0">
+                <a:solidFill>
+                  <a:srgbClr val="000000"/>
+                </a:solidFill>
+                <a:latin typeface="Courier New" panose="02070309020205020404" pitchFamily="49" charset="0"/>
+              </a:rPr>
+              <a:t>;</a:t>
+            </a:r>
+          </a:p>
+          <a:p>
+            <a:r>
+              <a:rPr lang="es-AR" sz="1600" dirty="0">
+                <a:solidFill>
+                  <a:srgbClr val="000000"/>
+                </a:solidFill>
+                <a:latin typeface="Courier New" panose="02070309020205020404" pitchFamily="49" charset="0"/>
+              </a:rPr>
+              <a:t>n = </a:t>
+            </a:r>
+            <a:r>
+              <a:rPr lang="es-AR" sz="1600" dirty="0" err="1">
+                <a:solidFill>
+                  <a:srgbClr val="000000"/>
+                </a:solidFill>
+                <a:latin typeface="Courier New" panose="02070309020205020404" pitchFamily="49" charset="0"/>
+              </a:rPr>
+              <a:t>linspace</a:t>
+            </a:r>
+            <a:r>
+              <a:rPr lang="es-AR" sz="1600" dirty="0">
+                <a:solidFill>
+                  <a:srgbClr val="000000"/>
+                </a:solidFill>
+                <a:latin typeface="Courier New" panose="02070309020205020404" pitchFamily="49" charset="0"/>
+              </a:rPr>
+              <a:t>(0,N-5,N);</a:t>
+            </a:r>
+            <a:r>
+              <a:rPr lang="es-AR" sz="1600" dirty="0">
+                <a:solidFill>
+                  <a:srgbClr val="228B22"/>
+                </a:solidFill>
+                <a:latin typeface="Courier New" panose="02070309020205020404" pitchFamily="49" charset="0"/>
+              </a:rPr>
+              <a:t>%secuencia de tiempo </a:t>
+            </a:r>
+          </a:p>
+          <a:p>
+            <a:r>
+              <a:rPr lang="es-AR" sz="1600" dirty="0">
+                <a:solidFill>
+                  <a:srgbClr val="000000"/>
+                </a:solidFill>
+                <a:latin typeface="Courier New" panose="02070309020205020404" pitchFamily="49" charset="0"/>
+              </a:rPr>
+              <a:t>w=</a:t>
+            </a:r>
+            <a:r>
+              <a:rPr lang="es-AR" sz="1600" dirty="0" err="1">
+                <a:solidFill>
+                  <a:srgbClr val="000000"/>
+                </a:solidFill>
+                <a:latin typeface="Courier New" panose="02070309020205020404" pitchFamily="49" charset="0"/>
+              </a:rPr>
+              <a:t>hamming</a:t>
+            </a:r>
+            <a:r>
+              <a:rPr lang="es-AR" sz="1600" dirty="0">
+                <a:solidFill>
+                  <a:srgbClr val="000000"/>
+                </a:solidFill>
+                <a:latin typeface="Courier New" panose="02070309020205020404" pitchFamily="49" charset="0"/>
+              </a:rPr>
+              <a:t>(N);</a:t>
+            </a:r>
+            <a:r>
+              <a:rPr lang="es-AR" sz="1600" dirty="0">
+                <a:solidFill>
+                  <a:srgbClr val="228B22"/>
+                </a:solidFill>
+                <a:latin typeface="Courier New" panose="02070309020205020404" pitchFamily="49" charset="0"/>
+              </a:rPr>
+              <a:t>%ventana de </a:t>
+            </a:r>
+            <a:r>
+              <a:rPr lang="es-AR" sz="1600" dirty="0" err="1">
+                <a:solidFill>
+                  <a:srgbClr val="228B22"/>
+                </a:solidFill>
+                <a:latin typeface="Courier New" panose="02070309020205020404" pitchFamily="49" charset="0"/>
+              </a:rPr>
+              <a:t>hamming</a:t>
+            </a:r>
+            <a:endParaRPr lang="es-AR" sz="1600" dirty="0">
+              <a:solidFill>
+                <a:srgbClr val="228B22"/>
+              </a:solidFill>
+              <a:latin typeface="Courier New" panose="02070309020205020404" pitchFamily="49" charset="0"/>
+            </a:endParaRPr>
+          </a:p>
+          <a:p>
+            <a:r>
+              <a:rPr lang="es-AR" sz="1600" dirty="0">
+                <a:solidFill>
+                  <a:srgbClr val="000000"/>
+                </a:solidFill>
+                <a:latin typeface="Courier New" panose="02070309020205020404" pitchFamily="49" charset="0"/>
+              </a:rPr>
+              <a:t>y1=</a:t>
+            </a:r>
+            <a:r>
+              <a:rPr lang="es-AR" sz="1600" dirty="0" err="1">
+                <a:solidFill>
+                  <a:srgbClr val="000000"/>
+                </a:solidFill>
+                <a:latin typeface="Courier New" panose="02070309020205020404" pitchFamily="49" charset="0"/>
+              </a:rPr>
+              <a:t>cos</a:t>
+            </a:r>
+            <a:r>
+              <a:rPr lang="es-AR" sz="1600" dirty="0">
+                <a:solidFill>
+                  <a:srgbClr val="000000"/>
+                </a:solidFill>
+                <a:latin typeface="Courier New" panose="02070309020205020404" pitchFamily="49" charset="0"/>
+              </a:rPr>
+              <a:t>(2*pi*f*n*</a:t>
+            </a:r>
+            <a:r>
+              <a:rPr lang="es-AR" sz="1600" dirty="0" err="1">
+                <a:solidFill>
+                  <a:srgbClr val="000000"/>
+                </a:solidFill>
+                <a:latin typeface="Courier New" panose="02070309020205020404" pitchFamily="49" charset="0"/>
+              </a:rPr>
+              <a:t>Ts</a:t>
+            </a:r>
+            <a:r>
+              <a:rPr lang="es-AR" sz="1600" dirty="0">
+                <a:solidFill>
+                  <a:srgbClr val="000000"/>
+                </a:solidFill>
+                <a:latin typeface="Courier New" panose="02070309020205020404" pitchFamily="49" charset="0"/>
+              </a:rPr>
+              <a:t>);</a:t>
+            </a:r>
+          </a:p>
+          <a:p>
+            <a:r>
+              <a:rPr lang="es-AR" sz="1600" dirty="0">
+                <a:solidFill>
+                  <a:srgbClr val="000000"/>
+                </a:solidFill>
+                <a:latin typeface="Courier New" panose="02070309020205020404" pitchFamily="49" charset="0"/>
+              </a:rPr>
+              <a:t>y=w.*y1';</a:t>
+            </a:r>
+            <a:r>
+              <a:rPr lang="es-AR" sz="1600" dirty="0">
+                <a:solidFill>
+                  <a:srgbClr val="228B22"/>
+                </a:solidFill>
+                <a:latin typeface="Courier New" panose="02070309020205020404" pitchFamily="49" charset="0"/>
+              </a:rPr>
+              <a:t>%señal modificada por la ventana de </a:t>
+            </a:r>
+            <a:r>
+              <a:rPr lang="es-AR" sz="1600" dirty="0" err="1" smtClean="0">
+                <a:solidFill>
+                  <a:srgbClr val="228B22"/>
+                </a:solidFill>
+                <a:latin typeface="Courier New" panose="02070309020205020404" pitchFamily="49" charset="0"/>
+              </a:rPr>
+              <a:t>hamming</a:t>
+            </a:r>
+            <a:endParaRPr lang="es-AR" sz="1600" dirty="0">
+              <a:solidFill>
+                <a:srgbClr val="228B22"/>
+              </a:solidFill>
+              <a:latin typeface="Courier New" panose="02070309020205020404" pitchFamily="49" charset="0"/>
+            </a:endParaRPr>
+          </a:p>
+          <a:p>
+            <a:r>
+              <a:rPr lang="es-AR" sz="1600" dirty="0">
+                <a:solidFill>
+                  <a:srgbClr val="228B22"/>
+                </a:solidFill>
+                <a:latin typeface="Courier New" panose="02070309020205020404" pitchFamily="49" charset="0"/>
+              </a:rPr>
+              <a:t>%grafica señales y ventana de </a:t>
+            </a:r>
+            <a:r>
+              <a:rPr lang="es-AR" sz="1600" dirty="0" err="1">
+                <a:solidFill>
+                  <a:srgbClr val="228B22"/>
+                </a:solidFill>
+                <a:latin typeface="Courier New" panose="02070309020205020404" pitchFamily="49" charset="0"/>
+              </a:rPr>
+              <a:t>hamming</a:t>
+            </a:r>
+            <a:endParaRPr lang="es-AR" sz="1600" dirty="0">
+              <a:solidFill>
+                <a:srgbClr val="228B22"/>
+              </a:solidFill>
+              <a:latin typeface="Courier New" panose="02070309020205020404" pitchFamily="49" charset="0"/>
+            </a:endParaRPr>
+          </a:p>
+          <a:p>
+            <a:r>
+              <a:rPr lang="es-AR" sz="1600" dirty="0" err="1">
+                <a:solidFill>
+                  <a:srgbClr val="000000"/>
+                </a:solidFill>
+                <a:latin typeface="Courier New" panose="02070309020205020404" pitchFamily="49" charset="0"/>
+              </a:rPr>
+              <a:t>subplot</a:t>
+            </a:r>
+            <a:r>
+              <a:rPr lang="es-AR" sz="1600" dirty="0">
+                <a:solidFill>
+                  <a:srgbClr val="000000"/>
+                </a:solidFill>
+                <a:latin typeface="Courier New" panose="02070309020205020404" pitchFamily="49" charset="0"/>
+              </a:rPr>
+              <a:t>(3,1,1)</a:t>
+            </a:r>
+          </a:p>
+          <a:p>
+            <a:r>
+              <a:rPr lang="es-AR" sz="1600" dirty="0" err="1">
+                <a:solidFill>
+                  <a:srgbClr val="000000"/>
+                </a:solidFill>
+                <a:latin typeface="Courier New" panose="02070309020205020404" pitchFamily="49" charset="0"/>
+              </a:rPr>
+              <a:t>plot</a:t>
+            </a:r>
+            <a:r>
+              <a:rPr lang="es-AR" sz="1600" dirty="0">
+                <a:solidFill>
+                  <a:srgbClr val="000000"/>
+                </a:solidFill>
+                <a:latin typeface="Courier New" panose="02070309020205020404" pitchFamily="49" charset="0"/>
+              </a:rPr>
+              <a:t>(n,y1,</a:t>
+            </a:r>
+            <a:r>
+              <a:rPr lang="es-AR" sz="1600" dirty="0">
+                <a:solidFill>
+                  <a:srgbClr val="A020F0"/>
+                </a:solidFill>
+                <a:latin typeface="Courier New" panose="02070309020205020404" pitchFamily="49" charset="0"/>
+              </a:rPr>
+              <a:t>'-o'</a:t>
+            </a:r>
+            <a:r>
+              <a:rPr lang="es-AR" sz="1600" dirty="0">
+                <a:solidFill>
+                  <a:srgbClr val="000000"/>
+                </a:solidFill>
+                <a:latin typeface="Courier New" panose="02070309020205020404" pitchFamily="49" charset="0"/>
+              </a:rPr>
+              <a:t>) </a:t>
+            </a:r>
+            <a:r>
+              <a:rPr lang="es-AR" sz="1600" dirty="0">
+                <a:solidFill>
+                  <a:srgbClr val="228B22"/>
+                </a:solidFill>
+                <a:latin typeface="Courier New" panose="02070309020205020404" pitchFamily="49" charset="0"/>
+              </a:rPr>
+              <a:t>%grafica la señal a representar</a:t>
+            </a:r>
+          </a:p>
+          <a:p>
+            <a:r>
+              <a:rPr lang="es-AR" sz="1600" dirty="0" err="1">
+                <a:solidFill>
+                  <a:srgbClr val="000000"/>
+                </a:solidFill>
+                <a:latin typeface="Courier New" panose="02070309020205020404" pitchFamily="49" charset="0"/>
+              </a:rPr>
+              <a:t>subplot</a:t>
+            </a:r>
+            <a:r>
+              <a:rPr lang="es-AR" sz="1600" dirty="0">
+                <a:solidFill>
+                  <a:srgbClr val="000000"/>
+                </a:solidFill>
+                <a:latin typeface="Courier New" panose="02070309020205020404" pitchFamily="49" charset="0"/>
+              </a:rPr>
+              <a:t>(3,1,3)</a:t>
+            </a:r>
+          </a:p>
+          <a:p>
+            <a:r>
+              <a:rPr lang="es-AR" sz="1600" dirty="0" err="1">
+                <a:solidFill>
+                  <a:srgbClr val="000000"/>
+                </a:solidFill>
+                <a:latin typeface="Courier New" panose="02070309020205020404" pitchFamily="49" charset="0"/>
+              </a:rPr>
+              <a:t>plot</a:t>
+            </a:r>
+            <a:r>
+              <a:rPr lang="es-AR" sz="1600" dirty="0">
+                <a:solidFill>
+                  <a:srgbClr val="000000"/>
+                </a:solidFill>
+                <a:latin typeface="Courier New" panose="02070309020205020404" pitchFamily="49" charset="0"/>
+              </a:rPr>
+              <a:t>(</a:t>
+            </a:r>
+            <a:r>
+              <a:rPr lang="es-AR" sz="1600" dirty="0" err="1">
+                <a:solidFill>
+                  <a:srgbClr val="000000"/>
+                </a:solidFill>
+                <a:latin typeface="Courier New" panose="02070309020205020404" pitchFamily="49" charset="0"/>
+              </a:rPr>
+              <a:t>n,y,</a:t>
+            </a:r>
+            <a:r>
+              <a:rPr lang="es-AR" sz="1600" dirty="0" err="1">
+                <a:solidFill>
+                  <a:srgbClr val="A020F0"/>
+                </a:solidFill>
+                <a:latin typeface="Courier New" panose="02070309020205020404" pitchFamily="49" charset="0"/>
+              </a:rPr>
+              <a:t>'o</a:t>
+            </a:r>
+            <a:r>
+              <a:rPr lang="es-AR" sz="1600" dirty="0">
+                <a:solidFill>
+                  <a:srgbClr val="A020F0"/>
+                </a:solidFill>
+                <a:latin typeface="Courier New" panose="02070309020205020404" pitchFamily="49" charset="0"/>
+              </a:rPr>
+              <a:t>'</a:t>
+            </a:r>
+            <a:r>
+              <a:rPr lang="es-AR" sz="1600" dirty="0">
+                <a:solidFill>
+                  <a:srgbClr val="000000"/>
+                </a:solidFill>
+                <a:latin typeface="Courier New" panose="02070309020205020404" pitchFamily="49" charset="0"/>
+              </a:rPr>
+              <a:t>)</a:t>
+            </a:r>
+          </a:p>
+          <a:p>
+            <a:r>
+              <a:rPr lang="es-AR" sz="1600" dirty="0" err="1">
+                <a:solidFill>
+                  <a:srgbClr val="000000"/>
+                </a:solidFill>
+                <a:latin typeface="Courier New" panose="02070309020205020404" pitchFamily="49" charset="0"/>
+              </a:rPr>
+              <a:t>subplot</a:t>
+            </a:r>
+            <a:r>
+              <a:rPr lang="es-AR" sz="1600" dirty="0">
+                <a:solidFill>
+                  <a:srgbClr val="000000"/>
+                </a:solidFill>
+                <a:latin typeface="Courier New" panose="02070309020205020404" pitchFamily="49" charset="0"/>
+              </a:rPr>
+              <a:t>(3,1,2)</a:t>
+            </a:r>
+          </a:p>
+          <a:p>
+            <a:r>
+              <a:rPr lang="es-AR" sz="1600" dirty="0" err="1">
+                <a:solidFill>
+                  <a:srgbClr val="000000"/>
+                </a:solidFill>
+                <a:latin typeface="Courier New" panose="02070309020205020404" pitchFamily="49" charset="0"/>
+              </a:rPr>
+              <a:t>plot</a:t>
+            </a:r>
+            <a:r>
+              <a:rPr lang="es-AR" sz="1600" dirty="0">
+                <a:solidFill>
+                  <a:srgbClr val="000000"/>
+                </a:solidFill>
+                <a:latin typeface="Courier New" panose="02070309020205020404" pitchFamily="49" charset="0"/>
+              </a:rPr>
+              <a:t>(</a:t>
+            </a:r>
+            <a:r>
+              <a:rPr lang="es-AR" sz="1600" dirty="0" err="1">
+                <a:solidFill>
+                  <a:srgbClr val="000000"/>
+                </a:solidFill>
+                <a:latin typeface="Courier New" panose="02070309020205020404" pitchFamily="49" charset="0"/>
+              </a:rPr>
+              <a:t>n,w</a:t>
+            </a:r>
+            <a:r>
+              <a:rPr lang="es-AR" sz="1600" dirty="0">
+                <a:solidFill>
+                  <a:srgbClr val="000000"/>
+                </a:solidFill>
+                <a:latin typeface="Courier New" panose="02070309020205020404" pitchFamily="49" charset="0"/>
+              </a:rPr>
+              <a:t>)</a:t>
+            </a:r>
+          </a:p>
+          <a:p>
+            <a:r>
+              <a:rPr lang="es-AR" sz="1600" dirty="0">
+                <a:solidFill>
+                  <a:srgbClr val="000000"/>
+                </a:solidFill>
+                <a:latin typeface="Courier New" panose="02070309020205020404" pitchFamily="49" charset="0"/>
+              </a:rPr>
+              <a:t> </a:t>
+            </a:r>
+          </a:p>
+        </p:txBody>
+      </p:sp>
+      <p:sp>
+        <p:nvSpPr>
+          <p:cNvPr id="4" name="Rectángulo 3"/>
+          <p:cNvSpPr/>
+          <p:nvPr/>
+        </p:nvSpPr>
+        <p:spPr>
+          <a:xfrm>
+            <a:off x="-73890" y="4110182"/>
+            <a:ext cx="12284364" cy="2616101"/>
+          </a:xfrm>
+          <a:prstGeom prst="rect">
+            <a:avLst/>
+          </a:prstGeom>
+        </p:spPr>
+        <p:txBody>
+          <a:bodyPr wrap="square">
+            <a:spAutoFit/>
+          </a:bodyPr>
+          <a:lstStyle/>
+          <a:p>
+            <a:r>
+              <a:rPr lang="es-AR" sz="1600" dirty="0">
+                <a:solidFill>
+                  <a:srgbClr val="228B22"/>
+                </a:solidFill>
+                <a:latin typeface="Courier New" panose="02070309020205020404" pitchFamily="49" charset="0"/>
+              </a:rPr>
+              <a:t>%Calcula transformada discreta de Fourier de la señal original</a:t>
+            </a:r>
+          </a:p>
+          <a:p>
+            <a:r>
+              <a:rPr lang="es-AR" sz="1600" dirty="0">
+                <a:solidFill>
+                  <a:srgbClr val="000000"/>
+                </a:solidFill>
+                <a:latin typeface="Courier New" panose="02070309020205020404" pitchFamily="49" charset="0"/>
+              </a:rPr>
+              <a:t>C1 = </a:t>
+            </a:r>
+            <a:r>
+              <a:rPr lang="es-AR" sz="1600" dirty="0" err="1">
+                <a:solidFill>
+                  <a:srgbClr val="000000"/>
+                </a:solidFill>
+                <a:latin typeface="Courier New" panose="02070309020205020404" pitchFamily="49" charset="0"/>
+              </a:rPr>
+              <a:t>zeros</a:t>
+            </a:r>
+            <a:r>
+              <a:rPr lang="es-AR" sz="1600" dirty="0">
+                <a:solidFill>
+                  <a:srgbClr val="000000"/>
+                </a:solidFill>
+                <a:latin typeface="Courier New" panose="02070309020205020404" pitchFamily="49" charset="0"/>
+              </a:rPr>
+              <a:t>(</a:t>
+            </a:r>
+            <a:r>
+              <a:rPr lang="es-AR" sz="1600" dirty="0" err="1">
+                <a:solidFill>
+                  <a:srgbClr val="000000"/>
+                </a:solidFill>
+                <a:latin typeface="Courier New" panose="02070309020205020404" pitchFamily="49" charset="0"/>
+              </a:rPr>
+              <a:t>size</a:t>
+            </a:r>
+            <a:r>
+              <a:rPr lang="es-AR" sz="1600" dirty="0">
+                <a:solidFill>
+                  <a:srgbClr val="000000"/>
+                </a:solidFill>
+                <a:latin typeface="Courier New" panose="02070309020205020404" pitchFamily="49" charset="0"/>
+              </a:rPr>
+              <a:t>(y1)); </a:t>
+            </a:r>
+            <a:r>
+              <a:rPr lang="es-AR" sz="1600" dirty="0">
+                <a:solidFill>
+                  <a:srgbClr val="228B22"/>
+                </a:solidFill>
+                <a:latin typeface="Courier New" panose="02070309020205020404" pitchFamily="49" charset="0"/>
+              </a:rPr>
+              <a:t>%prepara vector de coeficientes con ceros</a:t>
+            </a:r>
+          </a:p>
+          <a:p>
+            <a:r>
+              <a:rPr lang="pt-BR" sz="1600" dirty="0">
+                <a:solidFill>
+                  <a:srgbClr val="000000"/>
+                </a:solidFill>
+                <a:latin typeface="Courier New" panose="02070309020205020404" pitchFamily="49" charset="0"/>
+              </a:rPr>
+              <a:t>  </a:t>
+            </a:r>
+            <a:r>
+              <a:rPr lang="pt-BR" sz="1600" dirty="0">
+                <a:solidFill>
+                  <a:srgbClr val="0000FF"/>
+                </a:solidFill>
+                <a:latin typeface="Courier New" panose="02070309020205020404" pitchFamily="49" charset="0"/>
+              </a:rPr>
+              <a:t>for</a:t>
+            </a:r>
+            <a:r>
+              <a:rPr lang="pt-BR" sz="1600" dirty="0">
+                <a:solidFill>
+                  <a:srgbClr val="000000"/>
+                </a:solidFill>
+                <a:latin typeface="Courier New" panose="02070309020205020404" pitchFamily="49" charset="0"/>
+              </a:rPr>
+              <a:t> k = 0 : N - 1  </a:t>
+            </a:r>
+            <a:r>
+              <a:rPr lang="pt-BR" sz="1600" dirty="0">
+                <a:solidFill>
+                  <a:srgbClr val="228B22"/>
+                </a:solidFill>
+                <a:latin typeface="Courier New" panose="02070309020205020404" pitchFamily="49" charset="0"/>
+              </a:rPr>
+              <a:t>% para cada coeficiente</a:t>
+            </a:r>
+          </a:p>
+          <a:p>
+            <a:r>
+              <a:rPr lang="es-AR" sz="1600" dirty="0">
+                <a:solidFill>
+                  <a:srgbClr val="000000"/>
+                </a:solidFill>
+                <a:latin typeface="Courier New" panose="02070309020205020404" pitchFamily="49" charset="0"/>
+              </a:rPr>
+              <a:t>    s = 0; </a:t>
+            </a:r>
+            <a:r>
+              <a:rPr lang="es-AR" sz="1600" dirty="0">
+                <a:solidFill>
+                  <a:srgbClr val="228B22"/>
+                </a:solidFill>
+                <a:latin typeface="Courier New" panose="02070309020205020404" pitchFamily="49" charset="0"/>
+              </a:rPr>
+              <a:t>%valor inicial del coeficiente</a:t>
+            </a:r>
+          </a:p>
+          <a:p>
+            <a:r>
+              <a:rPr lang="pt-BR" sz="1600" dirty="0">
+                <a:solidFill>
+                  <a:srgbClr val="000000"/>
+                </a:solidFill>
+                <a:latin typeface="Courier New" panose="02070309020205020404" pitchFamily="49" charset="0"/>
+              </a:rPr>
+              <a:t>    </a:t>
+            </a:r>
+            <a:r>
+              <a:rPr lang="pt-BR" sz="1600" dirty="0">
+                <a:solidFill>
+                  <a:srgbClr val="0000FF"/>
+                </a:solidFill>
+                <a:latin typeface="Courier New" panose="02070309020205020404" pitchFamily="49" charset="0"/>
+              </a:rPr>
+              <a:t>for</a:t>
+            </a:r>
+            <a:r>
+              <a:rPr lang="pt-BR" sz="1600" dirty="0">
+                <a:solidFill>
+                  <a:srgbClr val="000000"/>
+                </a:solidFill>
+                <a:latin typeface="Courier New" panose="02070309020205020404" pitchFamily="49" charset="0"/>
+              </a:rPr>
+              <a:t> n = 0 : N - 1  </a:t>
+            </a:r>
+            <a:r>
+              <a:rPr lang="pt-BR" sz="1600" dirty="0">
+                <a:solidFill>
+                  <a:srgbClr val="228B22"/>
+                </a:solidFill>
+                <a:latin typeface="Courier New" panose="02070309020205020404" pitchFamily="49" charset="0"/>
+              </a:rPr>
+              <a:t>% para cada valor de </a:t>
+            </a:r>
+            <a:r>
+              <a:rPr lang="pt-BR" sz="1600" dirty="0" err="1">
+                <a:solidFill>
+                  <a:srgbClr val="228B22"/>
+                </a:solidFill>
+                <a:latin typeface="Courier New" panose="02070309020205020404" pitchFamily="49" charset="0"/>
+              </a:rPr>
+              <a:t>tiempo</a:t>
+            </a:r>
+            <a:endParaRPr lang="pt-BR" sz="1600" dirty="0">
+              <a:solidFill>
+                <a:srgbClr val="228B22"/>
+              </a:solidFill>
+              <a:latin typeface="Courier New" panose="02070309020205020404" pitchFamily="49" charset="0"/>
+            </a:endParaRPr>
+          </a:p>
+          <a:p>
+            <a:r>
+              <a:rPr lang="pt-BR" sz="1600" dirty="0">
+                <a:solidFill>
+                  <a:srgbClr val="000000"/>
+                </a:solidFill>
+                <a:latin typeface="Courier New" panose="02070309020205020404" pitchFamily="49" charset="0"/>
+              </a:rPr>
+              <a:t>      </a:t>
+            </a:r>
+            <a:r>
+              <a:rPr lang="pt-BR" sz="1600" dirty="0">
+                <a:solidFill>
+                  <a:srgbClr val="228B22"/>
+                </a:solidFill>
+                <a:latin typeface="Courier New" panose="02070309020205020404" pitchFamily="49" charset="0"/>
+              </a:rPr>
+              <a:t>%s =  s+y1(n + 1) * </a:t>
+            </a:r>
+            <a:r>
+              <a:rPr lang="pt-BR" sz="1600" dirty="0" err="1">
+                <a:solidFill>
+                  <a:srgbClr val="228B22"/>
+                </a:solidFill>
+                <a:latin typeface="Courier New" panose="02070309020205020404" pitchFamily="49" charset="0"/>
+              </a:rPr>
+              <a:t>exp</a:t>
+            </a:r>
+            <a:r>
+              <a:rPr lang="pt-BR" sz="1600" dirty="0">
+                <a:solidFill>
+                  <a:srgbClr val="228B22"/>
+                </a:solidFill>
+                <a:latin typeface="Courier New" panose="02070309020205020404" pitchFamily="49" charset="0"/>
+              </a:rPr>
+              <a:t>(-j*(2 * </a:t>
+            </a:r>
+            <a:r>
+              <a:rPr lang="pt-BR" sz="1600" dirty="0" err="1">
+                <a:solidFill>
+                  <a:srgbClr val="228B22"/>
+                </a:solidFill>
+                <a:latin typeface="Courier New" panose="02070309020205020404" pitchFamily="49" charset="0"/>
+              </a:rPr>
+              <a:t>pi</a:t>
+            </a:r>
+            <a:r>
+              <a:rPr lang="pt-BR" sz="1600" dirty="0">
+                <a:solidFill>
+                  <a:srgbClr val="228B22"/>
+                </a:solidFill>
+                <a:latin typeface="Courier New" panose="02070309020205020404" pitchFamily="49" charset="0"/>
+              </a:rPr>
+              <a:t> * k / N)*n); %valor parcial de </a:t>
+            </a:r>
+            <a:r>
+              <a:rPr lang="pt-BR" sz="1600" dirty="0" err="1">
+                <a:solidFill>
+                  <a:srgbClr val="228B22"/>
+                </a:solidFill>
+                <a:latin typeface="Courier New" panose="02070309020205020404" pitchFamily="49" charset="0"/>
+              </a:rPr>
+              <a:t>coef</a:t>
+            </a:r>
+            <a:r>
+              <a:rPr lang="pt-BR" sz="1600" dirty="0">
+                <a:solidFill>
+                  <a:srgbClr val="228B22"/>
+                </a:solidFill>
+                <a:latin typeface="Courier New" panose="02070309020205020404" pitchFamily="49" charset="0"/>
+              </a:rPr>
+              <a:t>.</a:t>
+            </a:r>
+          </a:p>
+          <a:p>
+            <a:r>
+              <a:rPr lang="pt-BR" sz="1600" dirty="0">
+                <a:solidFill>
+                  <a:srgbClr val="000000"/>
+                </a:solidFill>
+                <a:latin typeface="Courier New" panose="02070309020205020404" pitchFamily="49" charset="0"/>
+              </a:rPr>
+              <a:t>      s =  s+y1(n + 1) * </a:t>
+            </a:r>
+            <a:r>
+              <a:rPr lang="pt-BR" sz="1600" dirty="0" err="1">
+                <a:solidFill>
+                  <a:srgbClr val="000000"/>
+                </a:solidFill>
+                <a:latin typeface="Courier New" panose="02070309020205020404" pitchFamily="49" charset="0"/>
+              </a:rPr>
+              <a:t>exp</a:t>
+            </a:r>
+            <a:r>
+              <a:rPr lang="pt-BR" sz="1600" dirty="0">
+                <a:solidFill>
+                  <a:srgbClr val="000000"/>
+                </a:solidFill>
+                <a:latin typeface="Courier New" panose="02070309020205020404" pitchFamily="49" charset="0"/>
+              </a:rPr>
+              <a:t>(-j*(2 * </a:t>
+            </a:r>
+            <a:r>
+              <a:rPr lang="pt-BR" sz="1600" dirty="0" err="1">
+                <a:solidFill>
+                  <a:srgbClr val="000000"/>
+                </a:solidFill>
+                <a:latin typeface="Courier New" panose="02070309020205020404" pitchFamily="49" charset="0"/>
+              </a:rPr>
+              <a:t>pi</a:t>
+            </a:r>
+            <a:r>
+              <a:rPr lang="pt-BR" sz="1600" dirty="0">
+                <a:solidFill>
+                  <a:srgbClr val="000000"/>
+                </a:solidFill>
+                <a:latin typeface="Courier New" panose="02070309020205020404" pitchFamily="49" charset="0"/>
+              </a:rPr>
+              <a:t> *k*</a:t>
+            </a:r>
+            <a:r>
+              <a:rPr lang="pt-BR" sz="1600" dirty="0" err="1">
+                <a:solidFill>
+                  <a:srgbClr val="000000"/>
+                </a:solidFill>
+                <a:latin typeface="Courier New" panose="02070309020205020404" pitchFamily="49" charset="0"/>
+              </a:rPr>
+              <a:t>Ts</a:t>
+            </a:r>
+            <a:r>
+              <a:rPr lang="pt-BR" sz="1600" dirty="0">
+                <a:solidFill>
+                  <a:srgbClr val="000000"/>
+                </a:solidFill>
+                <a:latin typeface="Courier New" panose="02070309020205020404" pitchFamily="49" charset="0"/>
+              </a:rPr>
+              <a:t>)*n); </a:t>
+            </a:r>
+            <a:r>
+              <a:rPr lang="pt-BR" sz="1600" dirty="0">
+                <a:solidFill>
+                  <a:srgbClr val="228B22"/>
+                </a:solidFill>
+                <a:latin typeface="Courier New" panose="02070309020205020404" pitchFamily="49" charset="0"/>
+              </a:rPr>
+              <a:t>%valor parcial de </a:t>
+            </a:r>
+            <a:r>
+              <a:rPr lang="pt-BR" sz="1600" dirty="0" err="1">
+                <a:solidFill>
+                  <a:srgbClr val="228B22"/>
+                </a:solidFill>
+                <a:latin typeface="Courier New" panose="02070309020205020404" pitchFamily="49" charset="0"/>
+              </a:rPr>
+              <a:t>coef</a:t>
+            </a:r>
+            <a:r>
+              <a:rPr lang="pt-BR" sz="1600" dirty="0">
+                <a:solidFill>
+                  <a:srgbClr val="228B22"/>
+                </a:solidFill>
+                <a:latin typeface="Courier New" panose="02070309020205020404" pitchFamily="49" charset="0"/>
+              </a:rPr>
+              <a:t>.</a:t>
+            </a:r>
+          </a:p>
+          <a:p>
+            <a:r>
+              <a:rPr lang="es-AR" sz="1600" dirty="0">
+                <a:solidFill>
+                  <a:srgbClr val="000000"/>
+                </a:solidFill>
+                <a:latin typeface="Courier New" panose="02070309020205020404" pitchFamily="49" charset="0"/>
+              </a:rPr>
+              <a:t>    </a:t>
+            </a:r>
+            <a:r>
+              <a:rPr lang="es-AR" sz="1600" dirty="0" err="1">
+                <a:solidFill>
+                  <a:srgbClr val="0000FF"/>
+                </a:solidFill>
+                <a:latin typeface="Courier New" panose="02070309020205020404" pitchFamily="49" charset="0"/>
+              </a:rPr>
+              <a:t>end</a:t>
+            </a:r>
+            <a:endParaRPr lang="es-AR" sz="1600" dirty="0">
+              <a:solidFill>
+                <a:srgbClr val="0000FF"/>
+              </a:solidFill>
+              <a:latin typeface="Courier New" panose="02070309020205020404" pitchFamily="49" charset="0"/>
+            </a:endParaRPr>
+          </a:p>
+          <a:p>
+            <a:r>
+              <a:rPr lang="es-AR" sz="1600" dirty="0">
+                <a:solidFill>
+                  <a:srgbClr val="000000"/>
+                </a:solidFill>
+                <a:latin typeface="Courier New" panose="02070309020205020404" pitchFamily="49" charset="0"/>
+              </a:rPr>
+              <a:t>    C1(k + 1) = s; </a:t>
+            </a:r>
+            <a:r>
+              <a:rPr lang="es-AR" sz="1600" dirty="0">
+                <a:solidFill>
+                  <a:srgbClr val="228B22"/>
+                </a:solidFill>
+                <a:latin typeface="Courier New" panose="02070309020205020404" pitchFamily="49" charset="0"/>
+              </a:rPr>
+              <a:t>% valor final de cada coeficiente</a:t>
+            </a:r>
+          </a:p>
+          <a:p>
+            <a:r>
+              <a:rPr lang="es-AR" sz="1600" dirty="0">
+                <a:solidFill>
+                  <a:srgbClr val="000000"/>
+                </a:solidFill>
+                <a:latin typeface="Courier New" panose="02070309020205020404" pitchFamily="49" charset="0"/>
+              </a:rPr>
+              <a:t>  </a:t>
+            </a:r>
+            <a:r>
+              <a:rPr lang="es-AR" sz="1600" dirty="0" err="1">
+                <a:solidFill>
+                  <a:srgbClr val="0000FF"/>
+                </a:solidFill>
+                <a:latin typeface="Courier New" panose="02070309020205020404" pitchFamily="49" charset="0"/>
+              </a:rPr>
+              <a:t>end</a:t>
+            </a:r>
+            <a:endParaRPr lang="es-AR" sz="1600" dirty="0">
+              <a:solidFill>
+                <a:srgbClr val="0000FF"/>
+              </a:solidFill>
+              <a:latin typeface="Courier New" panose="02070309020205020404" pitchFamily="49" charset="0"/>
+            </a:endParaRPr>
+          </a:p>
+        </p:txBody>
+      </p:sp>
+      <p:pic>
+        <p:nvPicPr>
+          <p:cNvPr id="5" name="Imagen 4"/>
+          <p:cNvPicPr>
+            <a:picLocks noChangeAspect="1"/>
+          </p:cNvPicPr>
+          <p:nvPr/>
+        </p:nvPicPr>
+        <p:blipFill rotWithShape="1">
+          <a:blip r:embed="rId2">
+            <a:extLst>
+              <a:ext uri="{28A0092B-C50C-407E-A947-70E740481C1C}">
+                <a14:useLocalDpi xmlns:a14="http://schemas.microsoft.com/office/drawing/2010/main" val="0"/>
+              </a:ext>
+            </a:extLst>
+          </a:blip>
+          <a:srcRect l="8264" t="5198" r="7051" b="5439"/>
+          <a:stretch/>
+        </p:blipFill>
+        <p:spPr>
+          <a:xfrm>
+            <a:off x="7024806" y="0"/>
+            <a:ext cx="5185668" cy="4104000"/>
+          </a:xfrm>
+          <a:prstGeom prst="rect">
+            <a:avLst/>
+          </a:prstGeom>
+        </p:spPr>
+      </p:pic>
     </p:spTree>
     <p:extLst>
       <p:ext uri="{BB962C8B-B14F-4D97-AF65-F5344CB8AC3E}">
         <p14:creationId xmlns:p14="http://schemas.microsoft.com/office/powerpoint/2010/main" val="419486265"/>
+      </p:ext>
+    </p:extLst>
+  </p:cSld>
+  <p:clrMapOvr>
+    <a:masterClrMapping/>
+  </p:clrMapOvr>
+</p:sld>
+</file>
+
+<file path=ppt/slides/slide5.xml><?xml version="1.0" encoding="utf-8"?>
+<p:sld xmlns:a="http://schemas.openxmlformats.org/drawingml/2006/main" xmlns:r="http://schemas.openxmlformats.org/officeDocument/2006/relationships" xmlns:p="http://schemas.openxmlformats.org/presentationml/2006/main">
+  <p:cSld>
+    <p:spTree>
+      <p:nvGrpSpPr>
+        <p:cNvPr id="1" name=""/>
+        <p:cNvGrpSpPr/>
+        <p:nvPr/>
+      </p:nvGrpSpPr>
+      <p:grpSpPr>
+        <a:xfrm>
+          <a:off x="0" y="0"/>
+          <a:ext cx="0" cy="0"/>
+          <a:chOff x="0" y="0"/>
+          <a:chExt cx="0" cy="0"/>
+        </a:xfrm>
+      </p:grpSpPr>
+      <p:sp>
+        <p:nvSpPr>
+          <p:cNvPr id="4" name="Rectángulo 3"/>
+          <p:cNvSpPr/>
+          <p:nvPr/>
+        </p:nvSpPr>
+        <p:spPr>
+          <a:xfrm>
+            <a:off x="0" y="0"/>
+            <a:ext cx="12192000" cy="4770537"/>
+          </a:xfrm>
+          <a:prstGeom prst="rect">
+            <a:avLst/>
+          </a:prstGeom>
+        </p:spPr>
+        <p:txBody>
+          <a:bodyPr wrap="square">
+            <a:spAutoFit/>
+          </a:bodyPr>
+          <a:lstStyle/>
+          <a:p>
+            <a:r>
+              <a:rPr lang="es-AR" sz="1600" dirty="0">
+                <a:solidFill>
+                  <a:srgbClr val="228B22"/>
+                </a:solidFill>
+                <a:latin typeface="Courier New" panose="02070309020205020404" pitchFamily="49" charset="0"/>
+              </a:rPr>
+              <a:t>%grafica TDF de la señal original</a:t>
+            </a:r>
+          </a:p>
+          <a:p>
+            <a:r>
+              <a:rPr lang="es-AR" sz="1600" dirty="0">
+                <a:solidFill>
+                  <a:srgbClr val="000000"/>
+                </a:solidFill>
+                <a:latin typeface="Courier New" panose="02070309020205020404" pitchFamily="49" charset="0"/>
+              </a:rPr>
+              <a:t>  figure</a:t>
+            </a:r>
+          </a:p>
+          <a:p>
+            <a:r>
+              <a:rPr lang="es-AR" sz="1600" dirty="0">
+                <a:solidFill>
+                  <a:srgbClr val="000000"/>
+                </a:solidFill>
+                <a:latin typeface="Courier New" panose="02070309020205020404" pitchFamily="49" charset="0"/>
+              </a:rPr>
+              <a:t>  </a:t>
+            </a:r>
+            <a:r>
+              <a:rPr lang="es-AR" sz="1600" dirty="0" err="1">
+                <a:solidFill>
+                  <a:srgbClr val="000000"/>
+                </a:solidFill>
+                <a:latin typeface="Courier New" panose="02070309020205020404" pitchFamily="49" charset="0"/>
+              </a:rPr>
+              <a:t>subplot</a:t>
+            </a:r>
+            <a:r>
+              <a:rPr lang="es-AR" sz="1600" dirty="0">
+                <a:solidFill>
+                  <a:srgbClr val="000000"/>
+                </a:solidFill>
+                <a:latin typeface="Courier New" panose="02070309020205020404" pitchFamily="49" charset="0"/>
+              </a:rPr>
+              <a:t>(2,1,1)</a:t>
+            </a:r>
+          </a:p>
+          <a:p>
+            <a:r>
+              <a:rPr lang="es-AR" sz="1600" dirty="0">
+                <a:solidFill>
+                  <a:srgbClr val="000000"/>
+                </a:solidFill>
+                <a:latin typeface="Courier New" panose="02070309020205020404" pitchFamily="49" charset="0"/>
+              </a:rPr>
+              <a:t>  </a:t>
+            </a:r>
+            <a:r>
+              <a:rPr lang="es-AR" sz="1600" dirty="0" err="1">
+                <a:solidFill>
+                  <a:srgbClr val="000000"/>
+                </a:solidFill>
+                <a:latin typeface="Courier New" panose="02070309020205020404" pitchFamily="49" charset="0"/>
+              </a:rPr>
+              <a:t>fre</a:t>
+            </a:r>
+            <a:r>
+              <a:rPr lang="es-AR" sz="1600" dirty="0">
+                <a:solidFill>
+                  <a:srgbClr val="000000"/>
+                </a:solidFill>
+                <a:latin typeface="Courier New" panose="02070309020205020404" pitchFamily="49" charset="0"/>
+              </a:rPr>
+              <a:t>=0:length(C1)-1;</a:t>
+            </a:r>
+          </a:p>
+          <a:p>
+            <a:r>
+              <a:rPr lang="es-AR" sz="1600" dirty="0">
+                <a:solidFill>
+                  <a:srgbClr val="000000"/>
+                </a:solidFill>
+                <a:latin typeface="Courier New" panose="02070309020205020404" pitchFamily="49" charset="0"/>
+              </a:rPr>
+              <a:t>  </a:t>
+            </a:r>
+            <a:r>
+              <a:rPr lang="es-AR" sz="1600" dirty="0" err="1">
+                <a:solidFill>
+                  <a:srgbClr val="000000"/>
+                </a:solidFill>
+                <a:latin typeface="Courier New" panose="02070309020205020404" pitchFamily="49" charset="0"/>
+              </a:rPr>
+              <a:t>stem</a:t>
+            </a:r>
+            <a:r>
+              <a:rPr lang="es-AR" sz="1600" dirty="0">
+                <a:solidFill>
+                  <a:srgbClr val="000000"/>
+                </a:solidFill>
+                <a:latin typeface="Courier New" panose="02070309020205020404" pitchFamily="49" charset="0"/>
+              </a:rPr>
+              <a:t>(</a:t>
+            </a:r>
+            <a:r>
+              <a:rPr lang="es-AR" sz="1600" dirty="0" err="1">
+                <a:solidFill>
+                  <a:srgbClr val="000000"/>
+                </a:solidFill>
+                <a:latin typeface="Courier New" panose="02070309020205020404" pitchFamily="49" charset="0"/>
+              </a:rPr>
+              <a:t>fre,abs</a:t>
+            </a:r>
+            <a:r>
+              <a:rPr lang="es-AR" sz="1600" dirty="0">
+                <a:solidFill>
+                  <a:srgbClr val="000000"/>
+                </a:solidFill>
+                <a:latin typeface="Courier New" panose="02070309020205020404" pitchFamily="49" charset="0"/>
+              </a:rPr>
+              <a:t>(C1</a:t>
+            </a:r>
+            <a:r>
+              <a:rPr lang="es-AR" sz="1600" dirty="0" smtClean="0">
+                <a:solidFill>
+                  <a:srgbClr val="000000"/>
+                </a:solidFill>
+                <a:latin typeface="Courier New" panose="02070309020205020404" pitchFamily="49" charset="0"/>
+              </a:rPr>
+              <a:t>))</a:t>
+            </a:r>
+            <a:endParaRPr lang="es-AR" sz="1600" dirty="0">
+              <a:solidFill>
+                <a:srgbClr val="000000"/>
+              </a:solidFill>
+              <a:latin typeface="Courier New" panose="02070309020205020404" pitchFamily="49" charset="0"/>
+            </a:endParaRPr>
+          </a:p>
+          <a:p>
+            <a:r>
+              <a:rPr lang="es-AR" sz="1600" dirty="0">
+                <a:solidFill>
+                  <a:srgbClr val="000000"/>
+                </a:solidFill>
+                <a:latin typeface="Courier New" panose="02070309020205020404" pitchFamily="49" charset="0"/>
+              </a:rPr>
+              <a:t>  </a:t>
+            </a:r>
+            <a:r>
+              <a:rPr lang="es-AR" sz="1600" dirty="0">
+                <a:solidFill>
+                  <a:srgbClr val="228B22"/>
+                </a:solidFill>
+                <a:latin typeface="Courier New" panose="02070309020205020404" pitchFamily="49" charset="0"/>
+              </a:rPr>
+              <a:t>%Calcula TDF de la señal modificada</a:t>
+            </a:r>
+          </a:p>
+          <a:p>
+            <a:r>
+              <a:rPr lang="es-AR" sz="1600" dirty="0">
+                <a:solidFill>
+                  <a:srgbClr val="000000"/>
+                </a:solidFill>
+                <a:latin typeface="Courier New" panose="02070309020205020404" pitchFamily="49" charset="0"/>
+              </a:rPr>
+              <a:t>  C = </a:t>
+            </a:r>
+            <a:r>
+              <a:rPr lang="es-AR" sz="1600" dirty="0" err="1">
+                <a:solidFill>
+                  <a:srgbClr val="000000"/>
+                </a:solidFill>
+                <a:latin typeface="Courier New" panose="02070309020205020404" pitchFamily="49" charset="0"/>
+              </a:rPr>
+              <a:t>zeros</a:t>
+            </a:r>
+            <a:r>
+              <a:rPr lang="es-AR" sz="1600" dirty="0">
+                <a:solidFill>
+                  <a:srgbClr val="000000"/>
+                </a:solidFill>
+                <a:latin typeface="Courier New" panose="02070309020205020404" pitchFamily="49" charset="0"/>
+              </a:rPr>
+              <a:t>(</a:t>
+            </a:r>
+            <a:r>
+              <a:rPr lang="es-AR" sz="1600" dirty="0" err="1">
+                <a:solidFill>
+                  <a:srgbClr val="000000"/>
+                </a:solidFill>
+                <a:latin typeface="Courier New" panose="02070309020205020404" pitchFamily="49" charset="0"/>
+              </a:rPr>
+              <a:t>size</a:t>
+            </a:r>
+            <a:r>
+              <a:rPr lang="es-AR" sz="1600" dirty="0">
+                <a:solidFill>
+                  <a:srgbClr val="000000"/>
+                </a:solidFill>
+                <a:latin typeface="Courier New" panose="02070309020205020404" pitchFamily="49" charset="0"/>
+              </a:rPr>
+              <a:t>(y)); </a:t>
+            </a:r>
+            <a:r>
+              <a:rPr lang="es-AR" sz="1600" dirty="0">
+                <a:solidFill>
+                  <a:srgbClr val="228B22"/>
+                </a:solidFill>
+                <a:latin typeface="Courier New" panose="02070309020205020404" pitchFamily="49" charset="0"/>
+              </a:rPr>
+              <a:t>%prepara vector de coeficientes con ceros</a:t>
+            </a:r>
+          </a:p>
+          <a:p>
+            <a:r>
+              <a:rPr lang="pt-BR" sz="1600" dirty="0">
+                <a:solidFill>
+                  <a:srgbClr val="000000"/>
+                </a:solidFill>
+                <a:latin typeface="Courier New" panose="02070309020205020404" pitchFamily="49" charset="0"/>
+              </a:rPr>
+              <a:t>  </a:t>
+            </a:r>
+            <a:r>
+              <a:rPr lang="pt-BR" sz="1600" dirty="0">
+                <a:solidFill>
+                  <a:srgbClr val="0000FF"/>
+                </a:solidFill>
+                <a:latin typeface="Courier New" panose="02070309020205020404" pitchFamily="49" charset="0"/>
+              </a:rPr>
+              <a:t>for</a:t>
+            </a:r>
+            <a:r>
+              <a:rPr lang="pt-BR" sz="1600" dirty="0">
+                <a:solidFill>
+                  <a:srgbClr val="000000"/>
+                </a:solidFill>
+                <a:latin typeface="Courier New" panose="02070309020205020404" pitchFamily="49" charset="0"/>
+              </a:rPr>
+              <a:t> k = 0 : N - 1  </a:t>
+            </a:r>
+            <a:r>
+              <a:rPr lang="pt-BR" sz="1600" dirty="0">
+                <a:solidFill>
+                  <a:srgbClr val="228B22"/>
+                </a:solidFill>
+                <a:latin typeface="Courier New" panose="02070309020205020404" pitchFamily="49" charset="0"/>
+              </a:rPr>
+              <a:t>% para cada coeficiente</a:t>
+            </a:r>
+          </a:p>
+          <a:p>
+            <a:r>
+              <a:rPr lang="es-AR" sz="1600" dirty="0">
+                <a:solidFill>
+                  <a:srgbClr val="000000"/>
+                </a:solidFill>
+                <a:latin typeface="Courier New" panose="02070309020205020404" pitchFamily="49" charset="0"/>
+              </a:rPr>
+              <a:t>    s = 0; </a:t>
+            </a:r>
+            <a:r>
+              <a:rPr lang="es-AR" sz="1600" dirty="0">
+                <a:solidFill>
+                  <a:srgbClr val="228B22"/>
+                </a:solidFill>
+                <a:latin typeface="Courier New" panose="02070309020205020404" pitchFamily="49" charset="0"/>
+              </a:rPr>
+              <a:t>%valor inicial del coeficiente</a:t>
+            </a:r>
+          </a:p>
+          <a:p>
+            <a:r>
+              <a:rPr lang="pt-BR" sz="1600" dirty="0">
+                <a:solidFill>
+                  <a:srgbClr val="000000"/>
+                </a:solidFill>
+                <a:latin typeface="Courier New" panose="02070309020205020404" pitchFamily="49" charset="0"/>
+              </a:rPr>
+              <a:t>    </a:t>
+            </a:r>
+            <a:r>
+              <a:rPr lang="pt-BR" sz="1600" dirty="0">
+                <a:solidFill>
+                  <a:srgbClr val="0000FF"/>
+                </a:solidFill>
+                <a:latin typeface="Courier New" panose="02070309020205020404" pitchFamily="49" charset="0"/>
+              </a:rPr>
+              <a:t>for</a:t>
+            </a:r>
+            <a:r>
+              <a:rPr lang="pt-BR" sz="1600" dirty="0">
+                <a:solidFill>
+                  <a:srgbClr val="000000"/>
+                </a:solidFill>
+                <a:latin typeface="Courier New" panose="02070309020205020404" pitchFamily="49" charset="0"/>
+              </a:rPr>
+              <a:t> n = 0 : N - 1  </a:t>
+            </a:r>
+            <a:r>
+              <a:rPr lang="pt-BR" sz="1600" dirty="0">
+                <a:solidFill>
+                  <a:srgbClr val="228B22"/>
+                </a:solidFill>
+                <a:latin typeface="Courier New" panose="02070309020205020404" pitchFamily="49" charset="0"/>
+              </a:rPr>
+              <a:t>% para cada valor de </a:t>
+            </a:r>
+            <a:r>
+              <a:rPr lang="pt-BR" sz="1600" dirty="0" err="1">
+                <a:solidFill>
+                  <a:srgbClr val="228B22"/>
+                </a:solidFill>
+                <a:latin typeface="Courier New" panose="02070309020205020404" pitchFamily="49" charset="0"/>
+              </a:rPr>
+              <a:t>tiempo</a:t>
+            </a:r>
+            <a:endParaRPr lang="pt-BR" sz="1600" dirty="0">
+              <a:solidFill>
+                <a:srgbClr val="228B22"/>
+              </a:solidFill>
+              <a:latin typeface="Courier New" panose="02070309020205020404" pitchFamily="49" charset="0"/>
+            </a:endParaRPr>
+          </a:p>
+          <a:p>
+            <a:r>
+              <a:rPr lang="pt-BR" sz="1600" dirty="0">
+                <a:solidFill>
+                  <a:srgbClr val="000000"/>
+                </a:solidFill>
+                <a:latin typeface="Courier New" panose="02070309020205020404" pitchFamily="49" charset="0"/>
+              </a:rPr>
+              <a:t>     </a:t>
+            </a:r>
+            <a:r>
+              <a:rPr lang="pt-BR" sz="1600" dirty="0">
+                <a:solidFill>
+                  <a:srgbClr val="228B22"/>
+                </a:solidFill>
+                <a:latin typeface="Courier New" panose="02070309020205020404" pitchFamily="49" charset="0"/>
+              </a:rPr>
+              <a:t>% s =  </a:t>
+            </a:r>
+            <a:r>
+              <a:rPr lang="pt-BR" sz="1600" dirty="0" err="1">
+                <a:solidFill>
+                  <a:srgbClr val="228B22"/>
+                </a:solidFill>
+                <a:latin typeface="Courier New" panose="02070309020205020404" pitchFamily="49" charset="0"/>
+              </a:rPr>
+              <a:t>s+y</a:t>
+            </a:r>
+            <a:r>
+              <a:rPr lang="pt-BR" sz="1600" dirty="0">
+                <a:solidFill>
+                  <a:srgbClr val="228B22"/>
+                </a:solidFill>
+                <a:latin typeface="Courier New" panose="02070309020205020404" pitchFamily="49" charset="0"/>
+              </a:rPr>
+              <a:t>(n + 1) * </a:t>
+            </a:r>
+            <a:r>
+              <a:rPr lang="pt-BR" sz="1600" dirty="0" err="1">
+                <a:solidFill>
+                  <a:srgbClr val="228B22"/>
+                </a:solidFill>
+                <a:latin typeface="Courier New" panose="02070309020205020404" pitchFamily="49" charset="0"/>
+              </a:rPr>
+              <a:t>exp</a:t>
+            </a:r>
+            <a:r>
+              <a:rPr lang="pt-BR" sz="1600" dirty="0">
+                <a:solidFill>
+                  <a:srgbClr val="228B22"/>
+                </a:solidFill>
+                <a:latin typeface="Courier New" panose="02070309020205020404" pitchFamily="49" charset="0"/>
+              </a:rPr>
+              <a:t>(-j*(2 * </a:t>
+            </a:r>
+            <a:r>
+              <a:rPr lang="pt-BR" sz="1600" dirty="0" err="1">
+                <a:solidFill>
+                  <a:srgbClr val="228B22"/>
+                </a:solidFill>
+                <a:latin typeface="Courier New" panose="02070309020205020404" pitchFamily="49" charset="0"/>
+              </a:rPr>
+              <a:t>pi</a:t>
+            </a:r>
+            <a:r>
+              <a:rPr lang="pt-BR" sz="1600" dirty="0">
+                <a:solidFill>
+                  <a:srgbClr val="228B22"/>
+                </a:solidFill>
+                <a:latin typeface="Courier New" panose="02070309020205020404" pitchFamily="49" charset="0"/>
+              </a:rPr>
+              <a:t> * k / N)*n); %valor parcial de </a:t>
+            </a:r>
+            <a:r>
+              <a:rPr lang="pt-BR" sz="1600" dirty="0" err="1">
+                <a:solidFill>
+                  <a:srgbClr val="228B22"/>
+                </a:solidFill>
+                <a:latin typeface="Courier New" panose="02070309020205020404" pitchFamily="49" charset="0"/>
+              </a:rPr>
+              <a:t>coef</a:t>
+            </a:r>
+            <a:r>
+              <a:rPr lang="pt-BR" sz="1600" dirty="0">
+                <a:solidFill>
+                  <a:srgbClr val="228B22"/>
+                </a:solidFill>
+                <a:latin typeface="Courier New" panose="02070309020205020404" pitchFamily="49" charset="0"/>
+              </a:rPr>
+              <a:t>.</a:t>
+            </a:r>
+          </a:p>
+          <a:p>
+            <a:r>
+              <a:rPr lang="pt-BR" sz="1600" dirty="0">
+                <a:solidFill>
+                  <a:srgbClr val="000000"/>
+                </a:solidFill>
+                <a:latin typeface="Courier New" panose="02070309020205020404" pitchFamily="49" charset="0"/>
+              </a:rPr>
+              <a:t>      s =  </a:t>
+            </a:r>
+            <a:r>
+              <a:rPr lang="pt-BR" sz="1600" dirty="0" err="1">
+                <a:solidFill>
+                  <a:srgbClr val="000000"/>
+                </a:solidFill>
+                <a:latin typeface="Courier New" panose="02070309020205020404" pitchFamily="49" charset="0"/>
+              </a:rPr>
+              <a:t>s+y</a:t>
+            </a:r>
+            <a:r>
+              <a:rPr lang="pt-BR" sz="1600" dirty="0">
+                <a:solidFill>
+                  <a:srgbClr val="000000"/>
+                </a:solidFill>
+                <a:latin typeface="Courier New" panose="02070309020205020404" pitchFamily="49" charset="0"/>
+              </a:rPr>
+              <a:t>(n + 1) * </a:t>
+            </a:r>
+            <a:r>
+              <a:rPr lang="pt-BR" sz="1600" dirty="0" err="1">
+                <a:solidFill>
+                  <a:srgbClr val="000000"/>
+                </a:solidFill>
+                <a:latin typeface="Courier New" panose="02070309020205020404" pitchFamily="49" charset="0"/>
+              </a:rPr>
+              <a:t>exp</a:t>
+            </a:r>
+            <a:r>
+              <a:rPr lang="pt-BR" sz="1600" dirty="0">
+                <a:solidFill>
+                  <a:srgbClr val="000000"/>
+                </a:solidFill>
+                <a:latin typeface="Courier New" panose="02070309020205020404" pitchFamily="49" charset="0"/>
+              </a:rPr>
+              <a:t>(-j*(2 * </a:t>
+            </a:r>
+            <a:r>
+              <a:rPr lang="pt-BR" sz="1600" dirty="0" err="1">
+                <a:solidFill>
+                  <a:srgbClr val="000000"/>
+                </a:solidFill>
+                <a:latin typeface="Courier New" panose="02070309020205020404" pitchFamily="49" charset="0"/>
+              </a:rPr>
+              <a:t>pi</a:t>
+            </a:r>
+            <a:r>
+              <a:rPr lang="pt-BR" sz="1600" dirty="0">
+                <a:solidFill>
+                  <a:srgbClr val="000000"/>
+                </a:solidFill>
+                <a:latin typeface="Courier New" panose="02070309020205020404" pitchFamily="49" charset="0"/>
+              </a:rPr>
+              <a:t> *k*</a:t>
+            </a:r>
+            <a:r>
+              <a:rPr lang="pt-BR" sz="1600" dirty="0" err="1">
+                <a:solidFill>
+                  <a:srgbClr val="000000"/>
+                </a:solidFill>
+                <a:latin typeface="Courier New" panose="02070309020205020404" pitchFamily="49" charset="0"/>
+              </a:rPr>
+              <a:t>Ts</a:t>
+            </a:r>
+            <a:r>
+              <a:rPr lang="pt-BR" sz="1600" dirty="0">
+                <a:solidFill>
+                  <a:srgbClr val="000000"/>
+                </a:solidFill>
+                <a:latin typeface="Courier New" panose="02070309020205020404" pitchFamily="49" charset="0"/>
+              </a:rPr>
+              <a:t>)*n); </a:t>
+            </a:r>
+            <a:r>
+              <a:rPr lang="pt-BR" sz="1600" dirty="0">
+                <a:solidFill>
+                  <a:srgbClr val="228B22"/>
+                </a:solidFill>
+                <a:latin typeface="Courier New" panose="02070309020205020404" pitchFamily="49" charset="0"/>
+              </a:rPr>
+              <a:t>%valor parcial de </a:t>
+            </a:r>
+            <a:r>
+              <a:rPr lang="pt-BR" sz="1600" dirty="0" err="1">
+                <a:solidFill>
+                  <a:srgbClr val="228B22"/>
+                </a:solidFill>
+                <a:latin typeface="Courier New" panose="02070309020205020404" pitchFamily="49" charset="0"/>
+              </a:rPr>
+              <a:t>coef</a:t>
+            </a:r>
+            <a:r>
+              <a:rPr lang="pt-BR" sz="1600" dirty="0">
+                <a:solidFill>
+                  <a:srgbClr val="228B22"/>
+                </a:solidFill>
+                <a:latin typeface="Courier New" panose="02070309020205020404" pitchFamily="49" charset="0"/>
+              </a:rPr>
+              <a:t>.</a:t>
+            </a:r>
+          </a:p>
+          <a:p>
+            <a:r>
+              <a:rPr lang="es-AR" sz="1600" dirty="0">
+                <a:solidFill>
+                  <a:srgbClr val="000000"/>
+                </a:solidFill>
+                <a:latin typeface="Courier New" panose="02070309020205020404" pitchFamily="49" charset="0"/>
+              </a:rPr>
+              <a:t>    </a:t>
+            </a:r>
+            <a:r>
+              <a:rPr lang="es-AR" sz="1600" dirty="0" err="1">
+                <a:solidFill>
+                  <a:srgbClr val="0000FF"/>
+                </a:solidFill>
+                <a:latin typeface="Courier New" panose="02070309020205020404" pitchFamily="49" charset="0"/>
+              </a:rPr>
+              <a:t>end</a:t>
+            </a:r>
+            <a:endParaRPr lang="es-AR" sz="1600" dirty="0">
+              <a:solidFill>
+                <a:srgbClr val="0000FF"/>
+              </a:solidFill>
+              <a:latin typeface="Courier New" panose="02070309020205020404" pitchFamily="49" charset="0"/>
+            </a:endParaRPr>
+          </a:p>
+          <a:p>
+            <a:r>
+              <a:rPr lang="es-AR" sz="1600" dirty="0">
+                <a:solidFill>
+                  <a:srgbClr val="000000"/>
+                </a:solidFill>
+                <a:latin typeface="Courier New" panose="02070309020205020404" pitchFamily="49" charset="0"/>
+              </a:rPr>
+              <a:t>    C(k + 1) = s; </a:t>
+            </a:r>
+            <a:r>
+              <a:rPr lang="es-AR" sz="1600" dirty="0">
+                <a:solidFill>
+                  <a:srgbClr val="228B22"/>
+                </a:solidFill>
+                <a:latin typeface="Courier New" panose="02070309020205020404" pitchFamily="49" charset="0"/>
+              </a:rPr>
+              <a:t>% valor final de cada coeficiente</a:t>
+            </a:r>
+          </a:p>
+          <a:p>
+            <a:r>
+              <a:rPr lang="es-AR" sz="1600" dirty="0">
+                <a:solidFill>
+                  <a:srgbClr val="000000"/>
+                </a:solidFill>
+                <a:latin typeface="Courier New" panose="02070309020205020404" pitchFamily="49" charset="0"/>
+              </a:rPr>
+              <a:t>  </a:t>
+            </a:r>
+            <a:r>
+              <a:rPr lang="es-AR" sz="1600" dirty="0" err="1" smtClean="0">
+                <a:solidFill>
+                  <a:srgbClr val="0000FF"/>
+                </a:solidFill>
+                <a:latin typeface="Courier New" panose="02070309020205020404" pitchFamily="49" charset="0"/>
+              </a:rPr>
+              <a:t>end</a:t>
+            </a:r>
+            <a:r>
+              <a:rPr lang="es-AR" sz="1600" dirty="0" smtClean="0">
+                <a:solidFill>
+                  <a:srgbClr val="000000"/>
+                </a:solidFill>
+                <a:latin typeface="Courier New" panose="02070309020205020404" pitchFamily="49" charset="0"/>
+              </a:rPr>
+              <a:t> </a:t>
+            </a:r>
+            <a:endParaRPr lang="es-AR" sz="1600" dirty="0">
+              <a:solidFill>
+                <a:srgbClr val="000000"/>
+              </a:solidFill>
+              <a:latin typeface="Courier New" panose="02070309020205020404" pitchFamily="49" charset="0"/>
+            </a:endParaRPr>
+          </a:p>
+          <a:p>
+            <a:r>
+              <a:rPr lang="es-AR" sz="1600" dirty="0">
+                <a:solidFill>
+                  <a:srgbClr val="228B22"/>
+                </a:solidFill>
+                <a:latin typeface="Courier New" panose="02070309020205020404" pitchFamily="49" charset="0"/>
+              </a:rPr>
+              <a:t>%grafica TDF de la señal modificada</a:t>
+            </a:r>
+          </a:p>
+          <a:p>
+            <a:r>
+              <a:rPr lang="es-AR" sz="1600" dirty="0" err="1">
+                <a:solidFill>
+                  <a:srgbClr val="000000"/>
+                </a:solidFill>
+                <a:latin typeface="Courier New" panose="02070309020205020404" pitchFamily="49" charset="0"/>
+              </a:rPr>
+              <a:t>subplot</a:t>
+            </a:r>
+            <a:r>
+              <a:rPr lang="es-AR" sz="1600" dirty="0">
+                <a:solidFill>
+                  <a:srgbClr val="000000"/>
+                </a:solidFill>
+                <a:latin typeface="Courier New" panose="02070309020205020404" pitchFamily="49" charset="0"/>
+              </a:rPr>
+              <a:t>(2,1,2)</a:t>
+            </a:r>
+          </a:p>
+          <a:p>
+            <a:r>
+              <a:rPr lang="es-AR" sz="1600" dirty="0">
+                <a:solidFill>
+                  <a:srgbClr val="000000"/>
+                </a:solidFill>
+                <a:latin typeface="Courier New" panose="02070309020205020404" pitchFamily="49" charset="0"/>
+              </a:rPr>
+              <a:t>  </a:t>
+            </a:r>
+            <a:r>
+              <a:rPr lang="es-AR" sz="1600" dirty="0" err="1">
+                <a:solidFill>
+                  <a:srgbClr val="000000"/>
+                </a:solidFill>
+                <a:latin typeface="Courier New" panose="02070309020205020404" pitchFamily="49" charset="0"/>
+              </a:rPr>
+              <a:t>fre</a:t>
+            </a:r>
+            <a:r>
+              <a:rPr lang="es-AR" sz="1600" dirty="0">
+                <a:solidFill>
+                  <a:srgbClr val="000000"/>
+                </a:solidFill>
+                <a:latin typeface="Courier New" panose="02070309020205020404" pitchFamily="49" charset="0"/>
+              </a:rPr>
+              <a:t>=0:length(C)-1;</a:t>
+            </a:r>
+          </a:p>
+          <a:p>
+            <a:r>
+              <a:rPr lang="es-AR" sz="1600" dirty="0">
+                <a:solidFill>
+                  <a:srgbClr val="000000"/>
+                </a:solidFill>
+                <a:latin typeface="Courier New" panose="02070309020205020404" pitchFamily="49" charset="0"/>
+              </a:rPr>
+              <a:t>  </a:t>
+            </a:r>
+            <a:r>
+              <a:rPr lang="es-AR" sz="1600" dirty="0" err="1">
+                <a:solidFill>
+                  <a:srgbClr val="000000"/>
+                </a:solidFill>
+                <a:latin typeface="Courier New" panose="02070309020205020404" pitchFamily="49" charset="0"/>
+              </a:rPr>
+              <a:t>stem</a:t>
+            </a:r>
+            <a:r>
+              <a:rPr lang="es-AR" sz="1600" dirty="0">
+                <a:solidFill>
+                  <a:srgbClr val="000000"/>
+                </a:solidFill>
+                <a:latin typeface="Courier New" panose="02070309020205020404" pitchFamily="49" charset="0"/>
+              </a:rPr>
+              <a:t>(</a:t>
+            </a:r>
+            <a:r>
+              <a:rPr lang="es-AR" sz="1600" dirty="0" err="1">
+                <a:solidFill>
+                  <a:srgbClr val="000000"/>
+                </a:solidFill>
+                <a:latin typeface="Courier New" panose="02070309020205020404" pitchFamily="49" charset="0"/>
+              </a:rPr>
+              <a:t>fre,abs</a:t>
+            </a:r>
+            <a:r>
+              <a:rPr lang="es-AR" sz="1600" dirty="0">
+                <a:solidFill>
+                  <a:srgbClr val="000000"/>
+                </a:solidFill>
+                <a:latin typeface="Courier New" panose="02070309020205020404" pitchFamily="49" charset="0"/>
+              </a:rPr>
+              <a:t>(C))</a:t>
+            </a:r>
+          </a:p>
+        </p:txBody>
+      </p:sp>
+      <p:pic>
+        <p:nvPicPr>
+          <p:cNvPr id="5" name="Imagen 4"/>
+          <p:cNvPicPr>
+            <a:picLocks noChangeAspect="1"/>
+          </p:cNvPicPr>
+          <p:nvPr/>
+        </p:nvPicPr>
+        <p:blipFill rotWithShape="1">
+          <a:blip r:embed="rId2">
+            <a:extLst>
+              <a:ext uri="{28A0092B-C50C-407E-A947-70E740481C1C}">
+                <a14:useLocalDpi xmlns:a14="http://schemas.microsoft.com/office/drawing/2010/main" val="0"/>
+              </a:ext>
+            </a:extLst>
+          </a:blip>
+          <a:srcRect l="9397" t="52623" r="7042" b="5934"/>
+          <a:stretch/>
+        </p:blipFill>
+        <p:spPr>
+          <a:xfrm>
+            <a:off x="6640946" y="4756728"/>
+            <a:ext cx="5338618" cy="1985818"/>
+          </a:xfrm>
+          <a:prstGeom prst="rect">
+            <a:avLst/>
+          </a:prstGeom>
+        </p:spPr>
+      </p:pic>
+      <p:pic>
+        <p:nvPicPr>
+          <p:cNvPr id="6" name="Imagen 5"/>
+          <p:cNvPicPr>
+            <a:picLocks noChangeAspect="1"/>
+          </p:cNvPicPr>
+          <p:nvPr/>
+        </p:nvPicPr>
+        <p:blipFill rotWithShape="1">
+          <a:blip r:embed="rId2">
+            <a:extLst>
+              <a:ext uri="{28A0092B-C50C-407E-A947-70E740481C1C}">
+                <a14:useLocalDpi xmlns:a14="http://schemas.microsoft.com/office/drawing/2010/main" val="0"/>
+              </a:ext>
+            </a:extLst>
+          </a:blip>
+          <a:srcRect l="9397" t="5783" r="7042" b="53931"/>
+          <a:stretch/>
+        </p:blipFill>
+        <p:spPr>
+          <a:xfrm>
+            <a:off x="932872" y="4756728"/>
+            <a:ext cx="5338618" cy="1930400"/>
+          </a:xfrm>
+          <a:prstGeom prst="rect">
+            <a:avLst/>
+          </a:prstGeom>
+        </p:spPr>
+      </p:pic>
+    </p:spTree>
+    <p:extLst>
+      <p:ext uri="{BB962C8B-B14F-4D97-AF65-F5344CB8AC3E}">
+        <p14:creationId xmlns:p14="http://schemas.microsoft.com/office/powerpoint/2010/main" val="4140946848"/>
+      </p:ext>
+    </p:extLst>
+  </p:cSld>
+  <p:clrMapOvr>
+    <a:masterClrMapping/>
+  </p:clrMapOvr>
+</p:sld>
+</file>
+
+<file path=ppt/slides/slide6.xml><?xml version="1.0" encoding="utf-8"?>
+<p:sld xmlns:a="http://schemas.openxmlformats.org/drawingml/2006/main" xmlns:r="http://schemas.openxmlformats.org/officeDocument/2006/relationships" xmlns:p="http://schemas.openxmlformats.org/presentationml/2006/main">
+  <p:cSld>
+    <p:spTree>
+      <p:nvGrpSpPr>
+        <p:cNvPr id="1" name=""/>
+        <p:cNvGrpSpPr/>
+        <p:nvPr/>
+      </p:nvGrpSpPr>
+      <p:grpSpPr>
+        <a:xfrm>
+          <a:off x="0" y="0"/>
+          <a:ext cx="0" cy="0"/>
+          <a:chOff x="0" y="0"/>
+          <a:chExt cx="0" cy="0"/>
+        </a:xfrm>
+      </p:grpSpPr>
+      <p:sp>
+        <p:nvSpPr>
+          <p:cNvPr id="4" name="Rectángulo 3"/>
+          <p:cNvSpPr/>
+          <p:nvPr/>
+        </p:nvSpPr>
+        <p:spPr>
+          <a:xfrm>
+            <a:off x="0" y="94964"/>
+            <a:ext cx="12192000" cy="1323439"/>
+          </a:xfrm>
+          <a:prstGeom prst="rect">
+            <a:avLst/>
+          </a:prstGeom>
+        </p:spPr>
+        <p:txBody>
+          <a:bodyPr wrap="square">
+            <a:spAutoFit/>
+          </a:bodyPr>
+          <a:lstStyle/>
+          <a:p>
+            <a:pPr algn="just"/>
+            <a:r>
+              <a:rPr lang="es-AR" sz="2000" dirty="0"/>
+              <a:t>Modificar el script </a:t>
+            </a:r>
+            <a:r>
+              <a:rPr lang="es-AR" sz="2000" dirty="0" err="1"/>
+              <a:t>TDF.m</a:t>
+            </a:r>
+            <a:r>
+              <a:rPr lang="es-AR" sz="2000" dirty="0"/>
+              <a:t> para que la señal y en la línea 8 sea la suma de tres cosenos. Considerar un intervalo de muestreo para que incluya un número entero de ciclos (no </a:t>
+            </a:r>
+            <a:r>
+              <a:rPr lang="es-AR" sz="2000" dirty="0" err="1"/>
+              <a:t>leakage</a:t>
+            </a:r>
+            <a:r>
+              <a:rPr lang="es-AR" sz="2000" dirty="0"/>
+              <a:t>) y para que incluya un número no entero de ciclos (</a:t>
+            </a:r>
+            <a:r>
+              <a:rPr lang="es-AR" sz="2000" dirty="0" err="1"/>
+              <a:t>leakage</a:t>
+            </a:r>
+            <a:r>
+              <a:rPr lang="es-AR" sz="2000" dirty="0"/>
+              <a:t>). Presentar gráficos en el dominio del tiempo y en el dominio de la frecuencia (sólo amplitud). </a:t>
+            </a:r>
+            <a:endParaRPr lang="es-AR" sz="2000" dirty="0" smtClean="0"/>
+          </a:p>
+          <a:p>
+            <a:pPr algn="just"/>
+            <a:r>
+              <a:rPr lang="es-AR" sz="2000" dirty="0"/>
+              <a:t>y=</a:t>
+            </a:r>
+            <a:r>
+              <a:rPr lang="es-AR" sz="2000" dirty="0" err="1"/>
+              <a:t>cos</a:t>
+            </a:r>
+            <a:r>
+              <a:rPr lang="es-AR" sz="2000" dirty="0"/>
+              <a:t>(2*pi*f*n*</a:t>
+            </a:r>
+            <a:r>
+              <a:rPr lang="es-AR" sz="2000" dirty="0" err="1"/>
+              <a:t>Ts</a:t>
+            </a:r>
+            <a:r>
+              <a:rPr lang="es-AR" sz="2000" dirty="0"/>
+              <a:t>)+0.5*</a:t>
+            </a:r>
+            <a:r>
+              <a:rPr lang="es-AR" sz="2000" dirty="0" err="1"/>
+              <a:t>cos</a:t>
+            </a:r>
+            <a:r>
+              <a:rPr lang="es-AR" sz="2000" dirty="0"/>
+              <a:t>(2*pi*2*f*n*</a:t>
+            </a:r>
+            <a:r>
+              <a:rPr lang="es-AR" sz="2000" dirty="0" err="1"/>
+              <a:t>Ts</a:t>
+            </a:r>
+            <a:r>
+              <a:rPr lang="es-AR" sz="2000" dirty="0"/>
+              <a:t>)+0.25*</a:t>
+            </a:r>
+            <a:r>
+              <a:rPr lang="es-AR" sz="2000" dirty="0" err="1"/>
+              <a:t>cos</a:t>
+            </a:r>
+            <a:r>
+              <a:rPr lang="es-AR" sz="2000" dirty="0"/>
+              <a:t>(2*pi*4*f*n*</a:t>
+            </a:r>
+            <a:r>
+              <a:rPr lang="es-AR" sz="2000" dirty="0" err="1"/>
+              <a:t>Ts</a:t>
+            </a:r>
+            <a:r>
+              <a:rPr lang="es-AR" sz="2000" dirty="0"/>
+              <a:t>) </a:t>
+            </a:r>
+          </a:p>
+        </p:txBody>
+      </p:sp>
+      <p:pic>
+        <p:nvPicPr>
+          <p:cNvPr id="5" name="Imagen 4"/>
+          <p:cNvPicPr>
+            <a:picLocks noChangeAspect="1"/>
+          </p:cNvPicPr>
+          <p:nvPr/>
+        </p:nvPicPr>
+        <p:blipFill rotWithShape="1">
+          <a:blip r:embed="rId2">
+            <a:extLst>
+              <a:ext uri="{28A0092B-C50C-407E-A947-70E740481C1C}">
+                <a14:useLocalDpi xmlns:a14="http://schemas.microsoft.com/office/drawing/2010/main" val="0"/>
+              </a:ext>
+            </a:extLst>
+          </a:blip>
+          <a:srcRect l="8263" t="5838" r="8089" b="6185"/>
+          <a:stretch/>
+        </p:blipFill>
+        <p:spPr>
+          <a:xfrm>
+            <a:off x="609600" y="1754909"/>
+            <a:ext cx="4461164" cy="3519054"/>
+          </a:xfrm>
+          <a:prstGeom prst="rect">
+            <a:avLst/>
+          </a:prstGeom>
+        </p:spPr>
+      </p:pic>
+      <p:pic>
+        <p:nvPicPr>
+          <p:cNvPr id="6" name="Imagen 5"/>
+          <p:cNvPicPr>
+            <a:picLocks noChangeAspect="1"/>
+          </p:cNvPicPr>
+          <p:nvPr/>
+        </p:nvPicPr>
+        <p:blipFill rotWithShape="1">
+          <a:blip r:embed="rId3">
+            <a:extLst>
+              <a:ext uri="{28A0092B-C50C-407E-A947-70E740481C1C}">
+                <a14:useLocalDpi xmlns:a14="http://schemas.microsoft.com/office/drawing/2010/main" val="0"/>
+              </a:ext>
+            </a:extLst>
+          </a:blip>
+          <a:srcRect l="8782" t="5550" r="6878" b="6243"/>
+          <a:stretch/>
+        </p:blipFill>
+        <p:spPr>
+          <a:xfrm>
+            <a:off x="6012873" y="1754909"/>
+            <a:ext cx="4498109" cy="3528291"/>
+          </a:xfrm>
+          <a:prstGeom prst="rect">
+            <a:avLst/>
+          </a:prstGeom>
+        </p:spPr>
+      </p:pic>
+    </p:spTree>
+    <p:extLst>
+      <p:ext uri="{BB962C8B-B14F-4D97-AF65-F5344CB8AC3E}">
+        <p14:creationId xmlns:p14="http://schemas.microsoft.com/office/powerpoint/2010/main" val="3043617709"/>
       </p:ext>
     </p:extLst>
   </p:cSld>

--- a/TP4/Presentacion-TP-4.pptx
+++ b/TP4/Presentacion-TP-4.pptx
@@ -11,6 +11,14 @@
     <p:sldId id="260" r:id="rId5"/>
     <p:sldId id="261" r:id="rId6"/>
     <p:sldId id="262" r:id="rId7"/>
+    <p:sldId id="263" r:id="rId8"/>
+    <p:sldId id="264" r:id="rId9"/>
+    <p:sldId id="265" r:id="rId10"/>
+    <p:sldId id="266" r:id="rId11"/>
+    <p:sldId id="267" r:id="rId12"/>
+    <p:sldId id="268" r:id="rId13"/>
+    <p:sldId id="269" r:id="rId14"/>
+    <p:sldId id="270" r:id="rId15"/>
   </p:sldIdLst>
   <p:sldSz cx="12192000" cy="6858000"/>
   <p:notesSz cx="6858000" cy="9144000"/>
@@ -248,7 +256,7 @@
           <a:p>
             <a:fld id="{027BBF4C-5512-42A2-B10F-7DE8FA9D1287}" type="datetimeFigureOut">
               <a:rPr lang="es-AR" smtClean="0"/>
-              <a:t>12/9/2023</a:t>
+              <a:t>18/9/2023</a:t>
             </a:fld>
             <a:endParaRPr lang="es-AR"/>
           </a:p>
@@ -418,7 +426,7 @@
           <a:p>
             <a:fld id="{027BBF4C-5512-42A2-B10F-7DE8FA9D1287}" type="datetimeFigureOut">
               <a:rPr lang="es-AR" smtClean="0"/>
-              <a:t>12/9/2023</a:t>
+              <a:t>18/9/2023</a:t>
             </a:fld>
             <a:endParaRPr lang="es-AR"/>
           </a:p>
@@ -598,7 +606,7 @@
           <a:p>
             <a:fld id="{027BBF4C-5512-42A2-B10F-7DE8FA9D1287}" type="datetimeFigureOut">
               <a:rPr lang="es-AR" smtClean="0"/>
-              <a:t>12/9/2023</a:t>
+              <a:t>18/9/2023</a:t>
             </a:fld>
             <a:endParaRPr lang="es-AR"/>
           </a:p>
@@ -768,7 +776,7 @@
           <a:p>
             <a:fld id="{027BBF4C-5512-42A2-B10F-7DE8FA9D1287}" type="datetimeFigureOut">
               <a:rPr lang="es-AR" smtClean="0"/>
-              <a:t>12/9/2023</a:t>
+              <a:t>18/9/2023</a:t>
             </a:fld>
             <a:endParaRPr lang="es-AR"/>
           </a:p>
@@ -1014,7 +1022,7 @@
           <a:p>
             <a:fld id="{027BBF4C-5512-42A2-B10F-7DE8FA9D1287}" type="datetimeFigureOut">
               <a:rPr lang="es-AR" smtClean="0"/>
-              <a:t>12/9/2023</a:t>
+              <a:t>18/9/2023</a:t>
             </a:fld>
             <a:endParaRPr lang="es-AR"/>
           </a:p>
@@ -1246,7 +1254,7 @@
           <a:p>
             <a:fld id="{027BBF4C-5512-42A2-B10F-7DE8FA9D1287}" type="datetimeFigureOut">
               <a:rPr lang="es-AR" smtClean="0"/>
-              <a:t>12/9/2023</a:t>
+              <a:t>18/9/2023</a:t>
             </a:fld>
             <a:endParaRPr lang="es-AR"/>
           </a:p>
@@ -1613,7 +1621,7 @@
           <a:p>
             <a:fld id="{027BBF4C-5512-42A2-B10F-7DE8FA9D1287}" type="datetimeFigureOut">
               <a:rPr lang="es-AR" smtClean="0"/>
-              <a:t>12/9/2023</a:t>
+              <a:t>18/9/2023</a:t>
             </a:fld>
             <a:endParaRPr lang="es-AR"/>
           </a:p>
@@ -1731,7 +1739,7 @@
           <a:p>
             <a:fld id="{027BBF4C-5512-42A2-B10F-7DE8FA9D1287}" type="datetimeFigureOut">
               <a:rPr lang="es-AR" smtClean="0"/>
-              <a:t>12/9/2023</a:t>
+              <a:t>18/9/2023</a:t>
             </a:fld>
             <a:endParaRPr lang="es-AR"/>
           </a:p>
@@ -1826,7 +1834,7 @@
           <a:p>
             <a:fld id="{027BBF4C-5512-42A2-B10F-7DE8FA9D1287}" type="datetimeFigureOut">
               <a:rPr lang="es-AR" smtClean="0"/>
-              <a:t>12/9/2023</a:t>
+              <a:t>18/9/2023</a:t>
             </a:fld>
             <a:endParaRPr lang="es-AR"/>
           </a:p>
@@ -2103,7 +2111,7 @@
           <a:p>
             <a:fld id="{027BBF4C-5512-42A2-B10F-7DE8FA9D1287}" type="datetimeFigureOut">
               <a:rPr lang="es-AR" smtClean="0"/>
-              <a:t>12/9/2023</a:t>
+              <a:t>18/9/2023</a:t>
             </a:fld>
             <a:endParaRPr lang="es-AR"/>
           </a:p>
@@ -2356,7 +2364,7 @@
           <a:p>
             <a:fld id="{027BBF4C-5512-42A2-B10F-7DE8FA9D1287}" type="datetimeFigureOut">
               <a:rPr lang="es-AR" smtClean="0"/>
-              <a:t>12/9/2023</a:t>
+              <a:t>18/9/2023</a:t>
             </a:fld>
             <a:endParaRPr lang="es-AR"/>
           </a:p>
@@ -2569,7 +2577,7 @@
           <a:p>
             <a:fld id="{027BBF4C-5512-42A2-B10F-7DE8FA9D1287}" type="datetimeFigureOut">
               <a:rPr lang="es-AR" smtClean="0"/>
-              <a:t>12/9/2023</a:t>
+              <a:t>18/9/2023</a:t>
             </a:fld>
             <a:endParaRPr lang="es-AR"/>
           </a:p>
@@ -3026,7 +3034,7 @@
           <a:graphicData uri="http://schemas.openxmlformats.org/presentationml/2006/ole">
             <mc:AlternateContent xmlns:mc="http://schemas.openxmlformats.org/markup-compatibility/2006">
               <mc:Choice xmlns:v="urn:schemas-microsoft-com:vml" Requires="v">
-                <p:oleObj spid="_x0000_s1039" name="Ecuación" r:id="rId3" imgW="1371600" imgH="444240" progId="Equation.3">
+                <p:oleObj spid="_x0000_s1054" name="Ecuación" r:id="rId3" imgW="1371600" imgH="444240" progId="Equation.3">
                   <p:embed/>
                 </p:oleObj>
               </mc:Choice>
@@ -4038,6 +4046,1564 @@
 </p:sld>
 </file>
 
+<file path=ppt/slides/slide10.xml><?xml version="1.0" encoding="utf-8"?>
+<p:sld xmlns:a="http://schemas.openxmlformats.org/drawingml/2006/main" xmlns:r="http://schemas.openxmlformats.org/officeDocument/2006/relationships" xmlns:p="http://schemas.openxmlformats.org/presentationml/2006/main">
+  <p:cSld>
+    <p:spTree>
+      <p:nvGrpSpPr>
+        <p:cNvPr id="1" name=""/>
+        <p:cNvGrpSpPr/>
+        <p:nvPr/>
+      </p:nvGrpSpPr>
+      <p:grpSpPr>
+        <a:xfrm>
+          <a:off x="0" y="0"/>
+          <a:ext cx="0" cy="0"/>
+          <a:chOff x="0" y="0"/>
+          <a:chExt cx="0" cy="0"/>
+        </a:xfrm>
+      </p:grpSpPr>
+      <p:sp>
+        <p:nvSpPr>
+          <p:cNvPr id="4" name="CuadroTexto 3"/>
+          <p:cNvSpPr txBox="1"/>
+          <p:nvPr/>
+        </p:nvSpPr>
+        <p:spPr>
+          <a:xfrm>
+            <a:off x="120074" y="0"/>
+            <a:ext cx="10806545" cy="707886"/>
+          </a:xfrm>
+          <a:prstGeom prst="rect">
+            <a:avLst/>
+          </a:prstGeom>
+          <a:noFill/>
+        </p:spPr>
+        <p:txBody>
+          <a:bodyPr wrap="square" rtlCol="0">
+            <a:spAutoFit/>
+          </a:bodyPr>
+          <a:lstStyle/>
+          <a:p>
+            <a:r>
+              <a:rPr lang="es-AR" sz="2000" dirty="0" smtClean="0"/>
+              <a:t>Considerar un pulso con las sig. </a:t>
+            </a:r>
+            <a:r>
+              <a:rPr lang="es-AR" sz="2000" dirty="0"/>
+              <a:t>c</a:t>
+            </a:r>
+            <a:r>
+              <a:rPr lang="es-AR" sz="2000" dirty="0" smtClean="0"/>
+              <a:t>aracterísticas: </a:t>
+            </a:r>
+            <a:r>
+              <a:rPr lang="es-AR" sz="2000" dirty="0"/>
+              <a:t>ancho=50 </a:t>
+            </a:r>
+            <a:r>
+              <a:rPr lang="es-AR" sz="2000" dirty="0" err="1"/>
+              <a:t>deltat</a:t>
+            </a:r>
+            <a:r>
+              <a:rPr lang="es-AR" sz="2000" dirty="0"/>
+              <a:t>=0,25 </a:t>
+            </a:r>
+            <a:r>
+              <a:rPr lang="es-AR" sz="2000" dirty="0" err="1" smtClean="0"/>
+              <a:t>fs</a:t>
+            </a:r>
+            <a:r>
+              <a:rPr lang="es-AR" sz="2000" dirty="0" smtClean="0"/>
+              <a:t>=100, luego comparar el resultado aumentando la frecuencia de muestreo a 1000. </a:t>
+            </a:r>
+            <a:endParaRPr lang="es-AR" sz="2000" dirty="0"/>
+          </a:p>
+        </p:txBody>
+      </p:sp>
+      <p:pic>
+        <p:nvPicPr>
+          <p:cNvPr id="5" name="Imagen 4"/>
+          <p:cNvPicPr>
+            <a:picLocks noChangeAspect="1"/>
+          </p:cNvPicPr>
+          <p:nvPr/>
+        </p:nvPicPr>
+        <p:blipFill rotWithShape="1">
+          <a:blip r:embed="rId2">
+            <a:extLst>
+              <a:ext uri="{28A0092B-C50C-407E-A947-70E740481C1C}">
+                <a14:useLocalDpi xmlns:a14="http://schemas.microsoft.com/office/drawing/2010/main" val="0"/>
+              </a:ext>
+            </a:extLst>
+          </a:blip>
+          <a:srcRect l="8609" t="6301" r="8609" b="6416"/>
+          <a:stretch/>
+        </p:blipFill>
+        <p:spPr>
+          <a:xfrm>
+            <a:off x="120074" y="707886"/>
+            <a:ext cx="4962097" cy="3924000"/>
+          </a:xfrm>
+          <a:prstGeom prst="rect">
+            <a:avLst/>
+          </a:prstGeom>
+        </p:spPr>
+      </p:pic>
+      <p:pic>
+        <p:nvPicPr>
+          <p:cNvPr id="6" name="Imagen 5"/>
+          <p:cNvPicPr>
+            <a:picLocks noChangeAspect="1"/>
+          </p:cNvPicPr>
+          <p:nvPr/>
+        </p:nvPicPr>
+        <p:blipFill rotWithShape="1">
+          <a:blip r:embed="rId3">
+            <a:extLst>
+              <a:ext uri="{28A0092B-C50C-407E-A947-70E740481C1C}">
+                <a14:useLocalDpi xmlns:a14="http://schemas.microsoft.com/office/drawing/2010/main" val="0"/>
+              </a:ext>
+            </a:extLst>
+          </a:blip>
+          <a:srcRect l="7224" t="6069" r="7224" b="6647"/>
+          <a:stretch/>
+        </p:blipFill>
+        <p:spPr>
+          <a:xfrm>
+            <a:off x="6156549" y="707886"/>
+            <a:ext cx="5128196" cy="3924000"/>
+          </a:xfrm>
+          <a:prstGeom prst="rect">
+            <a:avLst/>
+          </a:prstGeom>
+        </p:spPr>
+      </p:pic>
+    </p:spTree>
+    <p:extLst>
+      <p:ext uri="{BB962C8B-B14F-4D97-AF65-F5344CB8AC3E}">
+        <p14:creationId xmlns:p14="http://schemas.microsoft.com/office/powerpoint/2010/main" val="3512674693"/>
+      </p:ext>
+    </p:extLst>
+  </p:cSld>
+  <p:clrMapOvr>
+    <a:masterClrMapping/>
+  </p:clrMapOvr>
+</p:sld>
+</file>
+
+<file path=ppt/slides/slide11.xml><?xml version="1.0" encoding="utf-8"?>
+<p:sld xmlns:a="http://schemas.openxmlformats.org/drawingml/2006/main" xmlns:r="http://schemas.openxmlformats.org/officeDocument/2006/relationships" xmlns:p="http://schemas.openxmlformats.org/presentationml/2006/main">
+  <p:cSld>
+    <p:spTree>
+      <p:nvGrpSpPr>
+        <p:cNvPr id="1" name=""/>
+        <p:cNvGrpSpPr/>
+        <p:nvPr/>
+      </p:nvGrpSpPr>
+      <p:grpSpPr>
+        <a:xfrm>
+          <a:off x="0" y="0"/>
+          <a:ext cx="0" cy="0"/>
+          <a:chOff x="0" y="0"/>
+          <a:chExt cx="0" cy="0"/>
+        </a:xfrm>
+      </p:grpSpPr>
+      <p:pic>
+        <p:nvPicPr>
+          <p:cNvPr id="4" name="Imagen 3"/>
+          <p:cNvPicPr>
+            <a:picLocks noChangeAspect="1"/>
+          </p:cNvPicPr>
+          <p:nvPr/>
+        </p:nvPicPr>
+        <p:blipFill rotWithShape="1">
+          <a:blip r:embed="rId2">
+            <a:extLst>
+              <a:ext uri="{28A0092B-C50C-407E-A947-70E740481C1C}">
+                <a14:useLocalDpi xmlns:a14="http://schemas.microsoft.com/office/drawing/2010/main" val="0"/>
+              </a:ext>
+            </a:extLst>
+          </a:blip>
+          <a:srcRect t="5971" b="7677"/>
+          <a:stretch/>
+        </p:blipFill>
+        <p:spPr>
+          <a:xfrm>
+            <a:off x="425633" y="0"/>
+            <a:ext cx="10531099" cy="4284000"/>
+          </a:xfrm>
+          <a:prstGeom prst="rect">
+            <a:avLst/>
+          </a:prstGeom>
+        </p:spPr>
+      </p:pic>
+      <p:sp>
+        <p:nvSpPr>
+          <p:cNvPr id="5" name="CuadroTexto 4"/>
+          <p:cNvSpPr txBox="1"/>
+          <p:nvPr/>
+        </p:nvSpPr>
+        <p:spPr>
+          <a:xfrm>
+            <a:off x="73891" y="4542618"/>
+            <a:ext cx="9864436" cy="1015663"/>
+          </a:xfrm>
+          <a:prstGeom prst="rect">
+            <a:avLst/>
+          </a:prstGeom>
+          <a:noFill/>
+        </p:spPr>
+        <p:txBody>
+          <a:bodyPr wrap="square" rtlCol="0">
+            <a:spAutoFit/>
+          </a:bodyPr>
+          <a:lstStyle/>
+          <a:p>
+            <a:pPr marL="285750" indent="-285750">
+              <a:buFont typeface="Arial" panose="020B0604020202020204" pitchFamily="34" charset="0"/>
+              <a:buChar char="•"/>
+            </a:pPr>
+            <a:r>
+              <a:rPr lang="es-AR" sz="2000" dirty="0" smtClean="0"/>
+              <a:t>A continuación estudiar un pulso </a:t>
+            </a:r>
+            <a:r>
+              <a:rPr lang="es-AR" sz="2000" dirty="0"/>
+              <a:t>mas </a:t>
+            </a:r>
+            <a:r>
+              <a:rPr lang="es-AR" sz="2000" dirty="0" smtClean="0"/>
+              <a:t>angosto: </a:t>
+            </a:r>
+            <a:r>
+              <a:rPr lang="es-AR" sz="2000" dirty="0"/>
+              <a:t>ancho=1 </a:t>
+            </a:r>
+            <a:r>
+              <a:rPr lang="es-AR" sz="2000" dirty="0" err="1"/>
+              <a:t>deltat</a:t>
+            </a:r>
+            <a:r>
+              <a:rPr lang="es-AR" sz="2000" dirty="0"/>
+              <a:t>=0,49 </a:t>
+            </a:r>
+            <a:r>
+              <a:rPr lang="es-AR" sz="2000" dirty="0" err="1" smtClean="0"/>
+              <a:t>fs</a:t>
+            </a:r>
+            <a:r>
+              <a:rPr lang="es-AR" sz="2000" dirty="0" smtClean="0"/>
+              <a:t>=1000</a:t>
+            </a:r>
+          </a:p>
+          <a:p>
+            <a:r>
+              <a:rPr lang="es-AR" sz="2000" dirty="0"/>
+              <a:t> </a:t>
+            </a:r>
+            <a:r>
+              <a:rPr lang="es-AR" sz="2000" dirty="0" smtClean="0"/>
+              <a:t>    Al ser mas angosto la cantidad de frecuencias contenidas por el mismo es mayor</a:t>
+            </a:r>
+            <a:r>
+              <a:rPr lang="es-AR" dirty="0" smtClean="0"/>
+              <a:t>.</a:t>
+            </a:r>
+          </a:p>
+          <a:p>
+            <a:pPr marL="285750" indent="-285750">
+              <a:buFont typeface="Arial" panose="020B0604020202020204" pitchFamily="34" charset="0"/>
+              <a:buChar char="•"/>
+            </a:pPr>
+            <a:r>
+              <a:rPr lang="es-AR" sz="2000" dirty="0" smtClean="0"/>
+              <a:t>Probar con frecuencias de muestreo mas grandes y dar una conclusión al respecto</a:t>
+            </a:r>
+            <a:endParaRPr lang="es-AR" sz="2000" dirty="0"/>
+          </a:p>
+        </p:txBody>
+      </p:sp>
+    </p:spTree>
+    <p:extLst>
+      <p:ext uri="{BB962C8B-B14F-4D97-AF65-F5344CB8AC3E}">
+        <p14:creationId xmlns:p14="http://schemas.microsoft.com/office/powerpoint/2010/main" val="4129246866"/>
+      </p:ext>
+    </p:extLst>
+  </p:cSld>
+  <p:clrMapOvr>
+    <a:masterClrMapping/>
+  </p:clrMapOvr>
+</p:sld>
+</file>
+
+<file path=ppt/slides/slide12.xml><?xml version="1.0" encoding="utf-8"?>
+<p:sld xmlns:a="http://schemas.openxmlformats.org/drawingml/2006/main" xmlns:r="http://schemas.openxmlformats.org/officeDocument/2006/relationships" xmlns:p="http://schemas.openxmlformats.org/presentationml/2006/main">
+  <p:cSld>
+    <p:spTree>
+      <p:nvGrpSpPr>
+        <p:cNvPr id="1" name=""/>
+        <p:cNvGrpSpPr/>
+        <p:nvPr/>
+      </p:nvGrpSpPr>
+      <p:grpSpPr>
+        <a:xfrm>
+          <a:off x="0" y="0"/>
+          <a:ext cx="0" cy="0"/>
+          <a:chOff x="0" y="0"/>
+          <a:chExt cx="0" cy="0"/>
+        </a:xfrm>
+      </p:grpSpPr>
+      <p:pic>
+        <p:nvPicPr>
+          <p:cNvPr id="4" name="Imagen 3"/>
+          <p:cNvPicPr>
+            <a:picLocks noChangeAspect="1"/>
+          </p:cNvPicPr>
+          <p:nvPr/>
+        </p:nvPicPr>
+        <p:blipFill rotWithShape="1">
+          <a:blip r:embed="rId2">
+            <a:extLst>
+              <a:ext uri="{28A0092B-C50C-407E-A947-70E740481C1C}">
+                <a14:useLocalDpi xmlns:a14="http://schemas.microsoft.com/office/drawing/2010/main" val="0"/>
+              </a:ext>
+            </a:extLst>
+          </a:blip>
+          <a:srcRect l="8263" t="5146" r="8089" b="5722"/>
+          <a:stretch/>
+        </p:blipFill>
+        <p:spPr>
+          <a:xfrm>
+            <a:off x="147771" y="0"/>
+            <a:ext cx="5405602" cy="4320000"/>
+          </a:xfrm>
+          <a:prstGeom prst="rect">
+            <a:avLst/>
+          </a:prstGeom>
+        </p:spPr>
+      </p:pic>
+      <p:pic>
+        <p:nvPicPr>
+          <p:cNvPr id="5" name="Imagen 4"/>
+          <p:cNvPicPr>
+            <a:picLocks noChangeAspect="1"/>
+          </p:cNvPicPr>
+          <p:nvPr/>
+        </p:nvPicPr>
+        <p:blipFill rotWithShape="1">
+          <a:blip r:embed="rId3">
+            <a:extLst>
+              <a:ext uri="{28A0092B-C50C-407E-A947-70E740481C1C}">
+                <a14:useLocalDpi xmlns:a14="http://schemas.microsoft.com/office/drawing/2010/main" val="0"/>
+              </a:ext>
+            </a:extLst>
+          </a:blip>
+          <a:srcRect l="5320" t="4684" r="6877" b="5723"/>
+          <a:stretch/>
+        </p:blipFill>
+        <p:spPr>
+          <a:xfrm>
+            <a:off x="5902036" y="0"/>
+            <a:ext cx="5644949" cy="4320000"/>
+          </a:xfrm>
+          <a:prstGeom prst="rect">
+            <a:avLst/>
+          </a:prstGeom>
+        </p:spPr>
+      </p:pic>
+      <p:sp>
+        <p:nvSpPr>
+          <p:cNvPr id="6" name="CuadroTexto 5"/>
+          <p:cNvSpPr txBox="1"/>
+          <p:nvPr/>
+        </p:nvSpPr>
+        <p:spPr>
+          <a:xfrm>
+            <a:off x="258618" y="4424218"/>
+            <a:ext cx="11526982" cy="1631216"/>
+          </a:xfrm>
+          <a:prstGeom prst="rect">
+            <a:avLst/>
+          </a:prstGeom>
+          <a:noFill/>
+        </p:spPr>
+        <p:txBody>
+          <a:bodyPr wrap="square" rtlCol="0">
+            <a:spAutoFit/>
+          </a:bodyPr>
+          <a:lstStyle/>
+          <a:p>
+            <a:r>
+              <a:rPr lang="es-AR" sz="2000" dirty="0"/>
+              <a:t>¿</a:t>
+            </a:r>
+            <a:r>
+              <a:rPr lang="es-AR" sz="2000" dirty="0" smtClean="0"/>
+              <a:t>Se observa fenómeno de </a:t>
+            </a:r>
+            <a:r>
+              <a:rPr lang="es-AR" sz="2000" dirty="0" err="1" smtClean="0"/>
+              <a:t>aliasing</a:t>
+            </a:r>
+            <a:r>
+              <a:rPr lang="es-AR" sz="2000" dirty="0" smtClean="0"/>
+              <a:t> para este caso?</a:t>
+            </a:r>
+          </a:p>
+          <a:p>
+            <a:endParaRPr lang="es-AR" sz="2000" dirty="0" smtClean="0"/>
+          </a:p>
+          <a:p>
+            <a:r>
+              <a:rPr lang="es-AR" sz="2000" dirty="0" smtClean="0"/>
+              <a:t>Recordar que a mayor riqueza espectral de una señal, se requiere una mayor frecuencia de muestreo</a:t>
+            </a:r>
+          </a:p>
+          <a:p>
+            <a:endParaRPr lang="es-AR" sz="2000" dirty="0"/>
+          </a:p>
+          <a:p>
+            <a:pPr marL="342900" indent="-342900">
+              <a:buFont typeface="Arial" panose="020B0604020202020204" pitchFamily="34" charset="0"/>
+              <a:buChar char="•"/>
+            </a:pPr>
+            <a:r>
+              <a:rPr lang="es-AR" sz="2000" dirty="0"/>
+              <a:t>Aplicar el script </a:t>
+            </a:r>
+            <a:r>
+              <a:rPr lang="es-AR" sz="2000" dirty="0" err="1"/>
+              <a:t>dientedesierra.m</a:t>
+            </a:r>
+            <a:r>
+              <a:rPr lang="es-AR" sz="2000" dirty="0"/>
+              <a:t> para visualizar el fenómeno de </a:t>
+            </a:r>
+            <a:r>
+              <a:rPr lang="es-AR" sz="2000" dirty="0" err="1"/>
+              <a:t>aliasing</a:t>
+            </a:r>
+            <a:r>
+              <a:rPr lang="es-AR" sz="2000" dirty="0"/>
+              <a:t>. </a:t>
+            </a:r>
+          </a:p>
+        </p:txBody>
+      </p:sp>
+    </p:spTree>
+    <p:extLst>
+      <p:ext uri="{BB962C8B-B14F-4D97-AF65-F5344CB8AC3E}">
+        <p14:creationId xmlns:p14="http://schemas.microsoft.com/office/powerpoint/2010/main" val="2321571928"/>
+      </p:ext>
+    </p:extLst>
+  </p:cSld>
+  <p:clrMapOvr>
+    <a:masterClrMapping/>
+  </p:clrMapOvr>
+</p:sld>
+</file>
+
+<file path=ppt/slides/slide13.xml><?xml version="1.0" encoding="utf-8"?>
+<p:sld xmlns:a="http://schemas.openxmlformats.org/drawingml/2006/main" xmlns:r="http://schemas.openxmlformats.org/officeDocument/2006/relationships" xmlns:p="http://schemas.openxmlformats.org/presentationml/2006/main">
+  <p:cSld>
+    <p:spTree>
+      <p:nvGrpSpPr>
+        <p:cNvPr id="1" name=""/>
+        <p:cNvGrpSpPr/>
+        <p:nvPr/>
+      </p:nvGrpSpPr>
+      <p:grpSpPr>
+        <a:xfrm>
+          <a:off x="0" y="0"/>
+          <a:ext cx="0" cy="0"/>
+          <a:chOff x="0" y="0"/>
+          <a:chExt cx="0" cy="0"/>
+        </a:xfrm>
+      </p:grpSpPr>
+      <p:sp>
+        <p:nvSpPr>
+          <p:cNvPr id="4" name="Rectángulo 3"/>
+          <p:cNvSpPr/>
+          <p:nvPr/>
+        </p:nvSpPr>
+        <p:spPr>
+          <a:xfrm>
+            <a:off x="0" y="0"/>
+            <a:ext cx="12192000" cy="5909310"/>
+          </a:xfrm>
+          <a:prstGeom prst="rect">
+            <a:avLst/>
+          </a:prstGeom>
+        </p:spPr>
+        <p:txBody>
+          <a:bodyPr wrap="square">
+            <a:spAutoFit/>
+          </a:bodyPr>
+          <a:lstStyle/>
+          <a:p>
+            <a:r>
+              <a:rPr lang="es-AR" dirty="0" err="1">
+                <a:solidFill>
+                  <a:srgbClr val="000000"/>
+                </a:solidFill>
+                <a:latin typeface="Courier New" panose="02070309020205020404" pitchFamily="49" charset="0"/>
+              </a:rPr>
+              <a:t>clear</a:t>
+            </a:r>
+            <a:r>
+              <a:rPr lang="es-AR" dirty="0">
+                <a:solidFill>
+                  <a:srgbClr val="000000"/>
+                </a:solidFill>
+                <a:latin typeface="Courier New" panose="02070309020205020404" pitchFamily="49" charset="0"/>
+              </a:rPr>
+              <a:t> </a:t>
+            </a:r>
+            <a:r>
+              <a:rPr lang="es-AR" dirty="0" err="1">
+                <a:solidFill>
+                  <a:srgbClr val="A020F0"/>
+                </a:solidFill>
+                <a:latin typeface="Courier New" panose="02070309020205020404" pitchFamily="49" charset="0"/>
+              </a:rPr>
+              <a:t>all</a:t>
+            </a:r>
+            <a:endParaRPr lang="es-AR" dirty="0">
+              <a:solidFill>
+                <a:srgbClr val="A020F0"/>
+              </a:solidFill>
+              <a:latin typeface="Courier New" panose="02070309020205020404" pitchFamily="49" charset="0"/>
+            </a:endParaRPr>
+          </a:p>
+          <a:p>
+            <a:r>
+              <a:rPr lang="es-AR" dirty="0" err="1">
+                <a:solidFill>
+                  <a:srgbClr val="000000"/>
+                </a:solidFill>
+                <a:latin typeface="Courier New" panose="02070309020205020404" pitchFamily="49" charset="0"/>
+              </a:rPr>
+              <a:t>close</a:t>
+            </a:r>
+            <a:r>
+              <a:rPr lang="es-AR" dirty="0">
+                <a:solidFill>
+                  <a:srgbClr val="000000"/>
+                </a:solidFill>
+                <a:latin typeface="Courier New" panose="02070309020205020404" pitchFamily="49" charset="0"/>
+              </a:rPr>
+              <a:t> </a:t>
+            </a:r>
+            <a:r>
+              <a:rPr lang="es-AR" dirty="0" err="1">
+                <a:solidFill>
+                  <a:srgbClr val="A020F0"/>
+                </a:solidFill>
+                <a:latin typeface="Courier New" panose="02070309020205020404" pitchFamily="49" charset="0"/>
+              </a:rPr>
+              <a:t>all</a:t>
+            </a:r>
+            <a:endParaRPr lang="es-AR" dirty="0">
+              <a:solidFill>
+                <a:srgbClr val="A020F0"/>
+              </a:solidFill>
+              <a:latin typeface="Courier New" panose="02070309020205020404" pitchFamily="49" charset="0"/>
+            </a:endParaRPr>
+          </a:p>
+          <a:p>
+            <a:r>
+              <a:rPr lang="es-AR" dirty="0" err="1">
+                <a:solidFill>
+                  <a:srgbClr val="000000"/>
+                </a:solidFill>
+                <a:latin typeface="Courier New" panose="02070309020205020404" pitchFamily="49" charset="0"/>
+              </a:rPr>
+              <a:t>fs</a:t>
+            </a:r>
+            <a:r>
+              <a:rPr lang="es-AR" dirty="0">
+                <a:solidFill>
+                  <a:srgbClr val="000000"/>
+                </a:solidFill>
+                <a:latin typeface="Courier New" panose="02070309020205020404" pitchFamily="49" charset="0"/>
+              </a:rPr>
+              <a:t>=input(</a:t>
+            </a:r>
+            <a:r>
+              <a:rPr lang="es-AR" dirty="0">
+                <a:solidFill>
+                  <a:srgbClr val="A020F0"/>
+                </a:solidFill>
+                <a:latin typeface="Courier New" panose="02070309020205020404" pitchFamily="49" charset="0"/>
+              </a:rPr>
+              <a:t>'</a:t>
+            </a:r>
+            <a:r>
+              <a:rPr lang="es-AR" dirty="0" err="1">
+                <a:solidFill>
+                  <a:srgbClr val="A020F0"/>
+                </a:solidFill>
+                <a:latin typeface="Courier New" panose="02070309020205020404" pitchFamily="49" charset="0"/>
+              </a:rPr>
+              <a:t>fs</a:t>
+            </a:r>
+            <a:r>
+              <a:rPr lang="es-AR" dirty="0">
+                <a:solidFill>
+                  <a:srgbClr val="A020F0"/>
+                </a:solidFill>
+                <a:latin typeface="Courier New" panose="02070309020205020404" pitchFamily="49" charset="0"/>
+              </a:rPr>
+              <a:t>='</a:t>
+            </a:r>
+            <a:r>
+              <a:rPr lang="es-AR" dirty="0">
+                <a:solidFill>
+                  <a:srgbClr val="000000"/>
+                </a:solidFill>
+                <a:latin typeface="Courier New" panose="02070309020205020404" pitchFamily="49" charset="0"/>
+              </a:rPr>
+              <a:t>)</a:t>
+            </a:r>
+            <a:r>
+              <a:rPr lang="es-AR" dirty="0">
+                <a:solidFill>
+                  <a:srgbClr val="228B22"/>
+                </a:solidFill>
+                <a:latin typeface="Courier New" panose="02070309020205020404" pitchFamily="49" charset="0"/>
+              </a:rPr>
+              <a:t>%frecuencia de muestreo</a:t>
+            </a:r>
+          </a:p>
+          <a:p>
+            <a:r>
+              <a:rPr lang="es-AR" dirty="0" err="1">
+                <a:solidFill>
+                  <a:srgbClr val="000000"/>
+                </a:solidFill>
+                <a:latin typeface="Courier New" panose="02070309020205020404" pitchFamily="49" charset="0"/>
+              </a:rPr>
+              <a:t>Ts</a:t>
+            </a:r>
+            <a:r>
+              <a:rPr lang="es-AR" dirty="0">
+                <a:solidFill>
+                  <a:srgbClr val="000000"/>
+                </a:solidFill>
+                <a:latin typeface="Courier New" panose="02070309020205020404" pitchFamily="49" charset="0"/>
+              </a:rPr>
+              <a:t>=1/</a:t>
+            </a:r>
+            <a:r>
+              <a:rPr lang="es-AR" dirty="0" err="1">
+                <a:solidFill>
+                  <a:srgbClr val="000000"/>
+                </a:solidFill>
+                <a:latin typeface="Courier New" panose="02070309020205020404" pitchFamily="49" charset="0"/>
+              </a:rPr>
+              <a:t>fs</a:t>
+            </a:r>
+            <a:r>
+              <a:rPr lang="es-AR" dirty="0">
+                <a:solidFill>
+                  <a:srgbClr val="000000"/>
+                </a:solidFill>
+                <a:latin typeface="Courier New" panose="02070309020205020404" pitchFamily="49" charset="0"/>
+              </a:rPr>
+              <a:t>;</a:t>
+            </a:r>
+            <a:r>
+              <a:rPr lang="es-AR" dirty="0">
+                <a:solidFill>
+                  <a:srgbClr val="228B22"/>
+                </a:solidFill>
+                <a:latin typeface="Courier New" panose="02070309020205020404" pitchFamily="49" charset="0"/>
+              </a:rPr>
+              <a:t>%período de muestreo</a:t>
+            </a:r>
+          </a:p>
+          <a:p>
+            <a:r>
+              <a:rPr lang="es-AR" dirty="0">
+                <a:solidFill>
+                  <a:srgbClr val="000000"/>
+                </a:solidFill>
+                <a:latin typeface="Courier New" panose="02070309020205020404" pitchFamily="49" charset="0"/>
+              </a:rPr>
+              <a:t>N=</a:t>
+            </a:r>
+            <a:r>
+              <a:rPr lang="es-AR" dirty="0" err="1">
+                <a:solidFill>
+                  <a:srgbClr val="000000"/>
+                </a:solidFill>
+                <a:latin typeface="Courier New" panose="02070309020205020404" pitchFamily="49" charset="0"/>
+              </a:rPr>
+              <a:t>fs</a:t>
+            </a:r>
+            <a:r>
+              <a:rPr lang="es-AR" dirty="0">
+                <a:solidFill>
+                  <a:srgbClr val="000000"/>
+                </a:solidFill>
+                <a:latin typeface="Courier New" panose="02070309020205020404" pitchFamily="49" charset="0"/>
+              </a:rPr>
+              <a:t>;</a:t>
+            </a:r>
+          </a:p>
+          <a:p>
+            <a:r>
+              <a:rPr lang="es-AR" dirty="0">
+                <a:solidFill>
+                  <a:srgbClr val="000000"/>
+                </a:solidFill>
+                <a:latin typeface="Courier New" panose="02070309020205020404" pitchFamily="49" charset="0"/>
+              </a:rPr>
+              <a:t>n=0:1:N-1; </a:t>
+            </a:r>
+            <a:r>
+              <a:rPr lang="es-AR" dirty="0">
+                <a:solidFill>
+                  <a:srgbClr val="228B22"/>
+                </a:solidFill>
+                <a:latin typeface="Courier New" panose="02070309020205020404" pitchFamily="49" charset="0"/>
+              </a:rPr>
+              <a:t>%secuencia de tiempo </a:t>
+            </a:r>
+          </a:p>
+          <a:p>
+            <a:r>
+              <a:rPr lang="es-AR" dirty="0">
+                <a:solidFill>
+                  <a:srgbClr val="000000"/>
+                </a:solidFill>
+                <a:latin typeface="Courier New" panose="02070309020205020404" pitchFamily="49" charset="0"/>
+              </a:rPr>
+              <a:t>y = 1*</a:t>
+            </a:r>
+            <a:r>
+              <a:rPr lang="es-AR" dirty="0" err="1">
+                <a:solidFill>
+                  <a:srgbClr val="000000"/>
+                </a:solidFill>
+                <a:latin typeface="Courier New" panose="02070309020205020404" pitchFamily="49" charset="0"/>
+              </a:rPr>
+              <a:t>sawtooth</a:t>
+            </a:r>
+            <a:r>
+              <a:rPr lang="es-AR" dirty="0">
+                <a:solidFill>
+                  <a:srgbClr val="000000"/>
+                </a:solidFill>
+                <a:latin typeface="Courier New" panose="02070309020205020404" pitchFamily="49" charset="0"/>
+              </a:rPr>
+              <a:t>(2*pi*1* n*Ts,.01);</a:t>
+            </a:r>
+            <a:r>
+              <a:rPr lang="es-AR" dirty="0">
+                <a:solidFill>
+                  <a:srgbClr val="228B22"/>
+                </a:solidFill>
+                <a:latin typeface="Courier New" panose="02070309020205020404" pitchFamily="49" charset="0"/>
+              </a:rPr>
+              <a:t>%señal cuadrada</a:t>
+            </a:r>
+          </a:p>
+          <a:p>
+            <a:r>
+              <a:rPr lang="es-AR" dirty="0" err="1">
+                <a:solidFill>
+                  <a:srgbClr val="000000"/>
+                </a:solidFill>
+                <a:latin typeface="Courier New" panose="02070309020205020404" pitchFamily="49" charset="0"/>
+              </a:rPr>
+              <a:t>plot</a:t>
+            </a:r>
+            <a:r>
+              <a:rPr lang="es-AR" dirty="0">
+                <a:solidFill>
+                  <a:srgbClr val="000000"/>
+                </a:solidFill>
+                <a:latin typeface="Courier New" panose="02070309020205020404" pitchFamily="49" charset="0"/>
+              </a:rPr>
+              <a:t>(n*</a:t>
+            </a:r>
+            <a:r>
+              <a:rPr lang="es-AR" dirty="0" err="1">
+                <a:solidFill>
+                  <a:srgbClr val="000000"/>
+                </a:solidFill>
+                <a:latin typeface="Courier New" panose="02070309020205020404" pitchFamily="49" charset="0"/>
+              </a:rPr>
+              <a:t>Ts,y</a:t>
+            </a:r>
+            <a:r>
+              <a:rPr lang="es-AR" dirty="0">
+                <a:solidFill>
+                  <a:srgbClr val="000000"/>
+                </a:solidFill>
+                <a:latin typeface="Courier New" panose="02070309020205020404" pitchFamily="49" charset="0"/>
+              </a:rPr>
+              <a:t>) </a:t>
+            </a:r>
+            <a:r>
+              <a:rPr lang="es-AR" dirty="0">
+                <a:solidFill>
+                  <a:srgbClr val="228B22"/>
+                </a:solidFill>
+                <a:latin typeface="Courier New" panose="02070309020205020404" pitchFamily="49" charset="0"/>
+              </a:rPr>
+              <a:t>%grafica la señal a representar</a:t>
+            </a:r>
+          </a:p>
+          <a:p>
+            <a:r>
+              <a:rPr lang="es-AR" dirty="0">
+                <a:solidFill>
+                  <a:srgbClr val="000000"/>
+                </a:solidFill>
+                <a:latin typeface="Courier New" panose="02070309020205020404" pitchFamily="49" charset="0"/>
+              </a:rPr>
+              <a:t>C = </a:t>
+            </a:r>
+            <a:r>
+              <a:rPr lang="es-AR" dirty="0" err="1">
+                <a:solidFill>
+                  <a:srgbClr val="000000"/>
+                </a:solidFill>
+                <a:latin typeface="Courier New" panose="02070309020205020404" pitchFamily="49" charset="0"/>
+              </a:rPr>
+              <a:t>zeros</a:t>
+            </a:r>
+            <a:r>
+              <a:rPr lang="es-AR" dirty="0">
+                <a:solidFill>
+                  <a:srgbClr val="000000"/>
+                </a:solidFill>
+                <a:latin typeface="Courier New" panose="02070309020205020404" pitchFamily="49" charset="0"/>
+              </a:rPr>
+              <a:t>(</a:t>
+            </a:r>
+            <a:r>
+              <a:rPr lang="es-AR" dirty="0" err="1">
+                <a:solidFill>
+                  <a:srgbClr val="000000"/>
+                </a:solidFill>
+                <a:latin typeface="Courier New" panose="02070309020205020404" pitchFamily="49" charset="0"/>
+              </a:rPr>
+              <a:t>size</a:t>
+            </a:r>
+            <a:r>
+              <a:rPr lang="es-AR" dirty="0">
+                <a:solidFill>
+                  <a:srgbClr val="000000"/>
+                </a:solidFill>
+                <a:latin typeface="Courier New" panose="02070309020205020404" pitchFamily="49" charset="0"/>
+              </a:rPr>
+              <a:t>(y)); </a:t>
+            </a:r>
+            <a:r>
+              <a:rPr lang="es-AR" dirty="0">
+                <a:solidFill>
+                  <a:srgbClr val="228B22"/>
+                </a:solidFill>
+                <a:latin typeface="Courier New" panose="02070309020205020404" pitchFamily="49" charset="0"/>
+              </a:rPr>
+              <a:t>%prepara vector de coeficientes con ceros</a:t>
+            </a:r>
+          </a:p>
+          <a:p>
+            <a:r>
+              <a:rPr lang="pt-BR" dirty="0">
+                <a:solidFill>
+                  <a:srgbClr val="000000"/>
+                </a:solidFill>
+                <a:latin typeface="Courier New" panose="02070309020205020404" pitchFamily="49" charset="0"/>
+              </a:rPr>
+              <a:t>  </a:t>
+            </a:r>
+            <a:r>
+              <a:rPr lang="pt-BR" dirty="0">
+                <a:solidFill>
+                  <a:srgbClr val="0000FF"/>
+                </a:solidFill>
+                <a:latin typeface="Courier New" panose="02070309020205020404" pitchFamily="49" charset="0"/>
+              </a:rPr>
+              <a:t>for</a:t>
+            </a:r>
+            <a:r>
+              <a:rPr lang="pt-BR" dirty="0">
+                <a:solidFill>
+                  <a:srgbClr val="000000"/>
+                </a:solidFill>
+                <a:latin typeface="Courier New" panose="02070309020205020404" pitchFamily="49" charset="0"/>
+              </a:rPr>
+              <a:t> k = 0 : N - 1  </a:t>
+            </a:r>
+            <a:r>
+              <a:rPr lang="pt-BR" dirty="0">
+                <a:solidFill>
+                  <a:srgbClr val="228B22"/>
+                </a:solidFill>
+                <a:latin typeface="Courier New" panose="02070309020205020404" pitchFamily="49" charset="0"/>
+              </a:rPr>
+              <a:t>% para cada coeficiente</a:t>
+            </a:r>
+          </a:p>
+          <a:p>
+            <a:r>
+              <a:rPr lang="es-AR" dirty="0">
+                <a:solidFill>
+                  <a:srgbClr val="000000"/>
+                </a:solidFill>
+                <a:latin typeface="Courier New" panose="02070309020205020404" pitchFamily="49" charset="0"/>
+              </a:rPr>
+              <a:t>    s = 0; </a:t>
+            </a:r>
+            <a:r>
+              <a:rPr lang="es-AR" dirty="0">
+                <a:solidFill>
+                  <a:srgbClr val="228B22"/>
+                </a:solidFill>
+                <a:latin typeface="Courier New" panose="02070309020205020404" pitchFamily="49" charset="0"/>
+              </a:rPr>
+              <a:t>%valor inicial del coeficiente</a:t>
+            </a:r>
+          </a:p>
+          <a:p>
+            <a:r>
+              <a:rPr lang="pt-BR" dirty="0">
+                <a:solidFill>
+                  <a:srgbClr val="000000"/>
+                </a:solidFill>
+                <a:latin typeface="Courier New" panose="02070309020205020404" pitchFamily="49" charset="0"/>
+              </a:rPr>
+              <a:t>    </a:t>
+            </a:r>
+            <a:r>
+              <a:rPr lang="pt-BR" dirty="0">
+                <a:solidFill>
+                  <a:srgbClr val="0000FF"/>
+                </a:solidFill>
+                <a:latin typeface="Courier New" panose="02070309020205020404" pitchFamily="49" charset="0"/>
+              </a:rPr>
+              <a:t>for</a:t>
+            </a:r>
+            <a:r>
+              <a:rPr lang="pt-BR" dirty="0">
+                <a:solidFill>
+                  <a:srgbClr val="000000"/>
+                </a:solidFill>
+                <a:latin typeface="Courier New" panose="02070309020205020404" pitchFamily="49" charset="0"/>
+              </a:rPr>
+              <a:t> n = 0 : N - 1  </a:t>
+            </a:r>
+            <a:r>
+              <a:rPr lang="pt-BR" dirty="0">
+                <a:solidFill>
+                  <a:srgbClr val="228B22"/>
+                </a:solidFill>
+                <a:latin typeface="Courier New" panose="02070309020205020404" pitchFamily="49" charset="0"/>
+              </a:rPr>
+              <a:t>% para cada valor de </a:t>
+            </a:r>
+            <a:r>
+              <a:rPr lang="pt-BR" dirty="0" err="1">
+                <a:solidFill>
+                  <a:srgbClr val="228B22"/>
+                </a:solidFill>
+                <a:latin typeface="Courier New" panose="02070309020205020404" pitchFamily="49" charset="0"/>
+              </a:rPr>
+              <a:t>tiempo</a:t>
+            </a:r>
+            <a:endParaRPr lang="pt-BR" dirty="0">
+              <a:solidFill>
+                <a:srgbClr val="228B22"/>
+              </a:solidFill>
+              <a:latin typeface="Courier New" panose="02070309020205020404" pitchFamily="49" charset="0"/>
+            </a:endParaRPr>
+          </a:p>
+          <a:p>
+            <a:r>
+              <a:rPr lang="pt-BR" dirty="0">
+                <a:solidFill>
+                  <a:srgbClr val="000000"/>
+                </a:solidFill>
+                <a:latin typeface="Courier New" panose="02070309020205020404" pitchFamily="49" charset="0"/>
+              </a:rPr>
+              <a:t>      s =  </a:t>
+            </a:r>
+            <a:r>
+              <a:rPr lang="pt-BR" dirty="0" err="1">
+                <a:solidFill>
+                  <a:srgbClr val="000000"/>
+                </a:solidFill>
+                <a:latin typeface="Courier New" panose="02070309020205020404" pitchFamily="49" charset="0"/>
+              </a:rPr>
+              <a:t>s+y</a:t>
+            </a:r>
+            <a:r>
+              <a:rPr lang="pt-BR" dirty="0">
+                <a:solidFill>
+                  <a:srgbClr val="000000"/>
+                </a:solidFill>
+                <a:latin typeface="Courier New" panose="02070309020205020404" pitchFamily="49" charset="0"/>
+              </a:rPr>
+              <a:t>(n + 1) * </a:t>
+            </a:r>
+            <a:r>
+              <a:rPr lang="pt-BR" dirty="0" err="1">
+                <a:solidFill>
+                  <a:srgbClr val="000000"/>
+                </a:solidFill>
+                <a:latin typeface="Courier New" panose="02070309020205020404" pitchFamily="49" charset="0"/>
+              </a:rPr>
+              <a:t>exp</a:t>
+            </a:r>
+            <a:r>
+              <a:rPr lang="pt-BR" dirty="0">
+                <a:solidFill>
+                  <a:srgbClr val="000000"/>
+                </a:solidFill>
+                <a:latin typeface="Courier New" panose="02070309020205020404" pitchFamily="49" charset="0"/>
+              </a:rPr>
+              <a:t>(-j*(2 * </a:t>
+            </a:r>
+            <a:r>
+              <a:rPr lang="pt-BR" dirty="0" err="1">
+                <a:solidFill>
+                  <a:srgbClr val="000000"/>
+                </a:solidFill>
+                <a:latin typeface="Courier New" panose="02070309020205020404" pitchFamily="49" charset="0"/>
+              </a:rPr>
+              <a:t>pi</a:t>
+            </a:r>
+            <a:r>
+              <a:rPr lang="pt-BR" dirty="0">
+                <a:solidFill>
+                  <a:srgbClr val="000000"/>
+                </a:solidFill>
+                <a:latin typeface="Courier New" panose="02070309020205020404" pitchFamily="49" charset="0"/>
+              </a:rPr>
+              <a:t> *k*</a:t>
+            </a:r>
+            <a:r>
+              <a:rPr lang="pt-BR" dirty="0" err="1">
+                <a:solidFill>
+                  <a:srgbClr val="000000"/>
+                </a:solidFill>
+                <a:latin typeface="Courier New" panose="02070309020205020404" pitchFamily="49" charset="0"/>
+              </a:rPr>
+              <a:t>Ts</a:t>
+            </a:r>
+            <a:r>
+              <a:rPr lang="pt-BR" dirty="0">
+                <a:solidFill>
+                  <a:srgbClr val="000000"/>
+                </a:solidFill>
+                <a:latin typeface="Courier New" panose="02070309020205020404" pitchFamily="49" charset="0"/>
+              </a:rPr>
+              <a:t>)*n); </a:t>
+            </a:r>
+            <a:r>
+              <a:rPr lang="pt-BR" dirty="0">
+                <a:solidFill>
+                  <a:srgbClr val="228B22"/>
+                </a:solidFill>
+                <a:latin typeface="Courier New" panose="02070309020205020404" pitchFamily="49" charset="0"/>
+              </a:rPr>
+              <a:t>%valor parcial de </a:t>
+            </a:r>
+            <a:r>
+              <a:rPr lang="pt-BR" dirty="0" err="1">
+                <a:solidFill>
+                  <a:srgbClr val="228B22"/>
+                </a:solidFill>
+                <a:latin typeface="Courier New" panose="02070309020205020404" pitchFamily="49" charset="0"/>
+              </a:rPr>
+              <a:t>coef</a:t>
+            </a:r>
+            <a:r>
+              <a:rPr lang="pt-BR" dirty="0">
+                <a:solidFill>
+                  <a:srgbClr val="228B22"/>
+                </a:solidFill>
+                <a:latin typeface="Courier New" panose="02070309020205020404" pitchFamily="49" charset="0"/>
+              </a:rPr>
+              <a:t>.</a:t>
+            </a:r>
+          </a:p>
+          <a:p>
+            <a:r>
+              <a:rPr lang="es-AR" dirty="0">
+                <a:solidFill>
+                  <a:srgbClr val="000000"/>
+                </a:solidFill>
+                <a:latin typeface="Courier New" panose="02070309020205020404" pitchFamily="49" charset="0"/>
+              </a:rPr>
+              <a:t>    </a:t>
+            </a:r>
+            <a:r>
+              <a:rPr lang="es-AR" dirty="0" err="1">
+                <a:solidFill>
+                  <a:srgbClr val="0000FF"/>
+                </a:solidFill>
+                <a:latin typeface="Courier New" panose="02070309020205020404" pitchFamily="49" charset="0"/>
+              </a:rPr>
+              <a:t>end</a:t>
+            </a:r>
+            <a:endParaRPr lang="es-AR" dirty="0">
+              <a:solidFill>
+                <a:srgbClr val="0000FF"/>
+              </a:solidFill>
+              <a:latin typeface="Courier New" panose="02070309020205020404" pitchFamily="49" charset="0"/>
+            </a:endParaRPr>
+          </a:p>
+          <a:p>
+            <a:r>
+              <a:rPr lang="pt-BR" dirty="0">
+                <a:solidFill>
+                  <a:srgbClr val="000000"/>
+                </a:solidFill>
+                <a:latin typeface="Courier New" panose="02070309020205020404" pitchFamily="49" charset="0"/>
+              </a:rPr>
+              <a:t>    C(k + 1) = s/N; </a:t>
+            </a:r>
+            <a:r>
+              <a:rPr lang="pt-BR" dirty="0">
+                <a:solidFill>
+                  <a:srgbClr val="228B22"/>
+                </a:solidFill>
+                <a:latin typeface="Courier New" panose="02070309020205020404" pitchFamily="49" charset="0"/>
+              </a:rPr>
+              <a:t>% valor final de cada coeficiente</a:t>
+            </a:r>
+          </a:p>
+          <a:p>
+            <a:r>
+              <a:rPr lang="es-AR" dirty="0">
+                <a:solidFill>
+                  <a:srgbClr val="000000"/>
+                </a:solidFill>
+                <a:latin typeface="Courier New" panose="02070309020205020404" pitchFamily="49" charset="0"/>
+              </a:rPr>
+              <a:t>  </a:t>
+            </a:r>
+            <a:r>
+              <a:rPr lang="es-AR" dirty="0" err="1">
+                <a:solidFill>
+                  <a:srgbClr val="0000FF"/>
+                </a:solidFill>
+                <a:latin typeface="Courier New" panose="02070309020205020404" pitchFamily="49" charset="0"/>
+              </a:rPr>
+              <a:t>end</a:t>
+            </a:r>
+            <a:endParaRPr lang="es-AR" dirty="0">
+              <a:solidFill>
+                <a:srgbClr val="0000FF"/>
+              </a:solidFill>
+              <a:latin typeface="Courier New" panose="02070309020205020404" pitchFamily="49" charset="0"/>
+            </a:endParaRPr>
+          </a:p>
+          <a:p>
+            <a:r>
+              <a:rPr lang="es-AR" dirty="0">
+                <a:solidFill>
+                  <a:srgbClr val="000000"/>
+                </a:solidFill>
+                <a:latin typeface="Courier New" panose="02070309020205020404" pitchFamily="49" charset="0"/>
+              </a:rPr>
+              <a:t>  </a:t>
+            </a:r>
+            <a:r>
+              <a:rPr lang="es-AR" dirty="0" err="1">
+                <a:solidFill>
+                  <a:srgbClr val="000000"/>
+                </a:solidFill>
+                <a:latin typeface="Courier New" panose="02070309020205020404" pitchFamily="49" charset="0"/>
+              </a:rPr>
+              <a:t>deltaf</a:t>
+            </a:r>
+            <a:r>
+              <a:rPr lang="es-AR" dirty="0">
+                <a:solidFill>
+                  <a:srgbClr val="000000"/>
+                </a:solidFill>
+                <a:latin typeface="Courier New" panose="02070309020205020404" pitchFamily="49" charset="0"/>
+              </a:rPr>
+              <a:t>=</a:t>
+            </a:r>
+            <a:r>
+              <a:rPr lang="es-AR" dirty="0" err="1">
+                <a:solidFill>
+                  <a:srgbClr val="000000"/>
+                </a:solidFill>
+                <a:latin typeface="Courier New" panose="02070309020205020404" pitchFamily="49" charset="0"/>
+              </a:rPr>
+              <a:t>fs</a:t>
+            </a:r>
+            <a:r>
+              <a:rPr lang="es-AR" dirty="0">
+                <a:solidFill>
+                  <a:srgbClr val="000000"/>
+                </a:solidFill>
+                <a:latin typeface="Courier New" panose="02070309020205020404" pitchFamily="49" charset="0"/>
+              </a:rPr>
+              <a:t>/N;</a:t>
+            </a:r>
+          </a:p>
+          <a:p>
+            <a:r>
+              <a:rPr lang="es-AR" dirty="0">
+                <a:solidFill>
+                  <a:srgbClr val="228B22"/>
+                </a:solidFill>
+                <a:latin typeface="Courier New" panose="02070309020205020404" pitchFamily="49" charset="0"/>
+              </a:rPr>
+              <a:t>%grafica la amplitud de los coeficientes (amplitud del espectro de </a:t>
+            </a:r>
+            <a:r>
+              <a:rPr lang="es-AR" dirty="0" err="1">
+                <a:solidFill>
+                  <a:srgbClr val="228B22"/>
+                </a:solidFill>
+                <a:latin typeface="Courier New" panose="02070309020205020404" pitchFamily="49" charset="0"/>
+              </a:rPr>
+              <a:t>frec</a:t>
+            </a:r>
+            <a:r>
+              <a:rPr lang="es-AR" dirty="0">
+                <a:solidFill>
+                  <a:srgbClr val="228B22"/>
+                </a:solidFill>
+                <a:latin typeface="Courier New" panose="02070309020205020404" pitchFamily="49" charset="0"/>
+              </a:rPr>
+              <a:t>.)</a:t>
+            </a:r>
+          </a:p>
+          <a:p>
+            <a:r>
+              <a:rPr lang="es-AR" dirty="0">
+                <a:solidFill>
+                  <a:srgbClr val="000000"/>
+                </a:solidFill>
+                <a:latin typeface="Courier New" panose="02070309020205020404" pitchFamily="49" charset="0"/>
+              </a:rPr>
+              <a:t>  figure</a:t>
+            </a:r>
+          </a:p>
+          <a:p>
+            <a:r>
+              <a:rPr lang="es-AR" dirty="0">
+                <a:solidFill>
+                  <a:srgbClr val="000000"/>
+                </a:solidFill>
+                <a:latin typeface="Courier New" panose="02070309020205020404" pitchFamily="49" charset="0"/>
+              </a:rPr>
+              <a:t>  </a:t>
+            </a:r>
+            <a:r>
+              <a:rPr lang="es-AR" dirty="0" err="1">
+                <a:solidFill>
+                  <a:srgbClr val="000000"/>
+                </a:solidFill>
+                <a:latin typeface="Courier New" panose="02070309020205020404" pitchFamily="49" charset="0"/>
+              </a:rPr>
+              <a:t>fre</a:t>
+            </a:r>
+            <a:r>
+              <a:rPr lang="es-AR" dirty="0">
+                <a:solidFill>
+                  <a:srgbClr val="000000"/>
+                </a:solidFill>
+                <a:latin typeface="Courier New" panose="02070309020205020404" pitchFamily="49" charset="0"/>
+              </a:rPr>
+              <a:t>=0:deltaf:(</a:t>
+            </a:r>
+            <a:r>
+              <a:rPr lang="es-AR" dirty="0" err="1">
+                <a:solidFill>
+                  <a:srgbClr val="000000"/>
+                </a:solidFill>
+                <a:latin typeface="Courier New" panose="02070309020205020404" pitchFamily="49" charset="0"/>
+              </a:rPr>
+              <a:t>length</a:t>
+            </a:r>
+            <a:r>
+              <a:rPr lang="es-AR" dirty="0">
+                <a:solidFill>
+                  <a:srgbClr val="000000"/>
+                </a:solidFill>
+                <a:latin typeface="Courier New" panose="02070309020205020404" pitchFamily="49" charset="0"/>
+              </a:rPr>
+              <a:t>(C)-1)*</a:t>
+            </a:r>
+            <a:r>
+              <a:rPr lang="es-AR" dirty="0" err="1">
+                <a:solidFill>
+                  <a:srgbClr val="000000"/>
+                </a:solidFill>
+                <a:latin typeface="Courier New" panose="02070309020205020404" pitchFamily="49" charset="0"/>
+              </a:rPr>
+              <a:t>deltaf</a:t>
+            </a:r>
+            <a:r>
+              <a:rPr lang="es-AR" dirty="0">
+                <a:solidFill>
+                  <a:srgbClr val="000000"/>
+                </a:solidFill>
+                <a:latin typeface="Courier New" panose="02070309020205020404" pitchFamily="49" charset="0"/>
+              </a:rPr>
+              <a:t>;</a:t>
+            </a:r>
+          </a:p>
+          <a:p>
+            <a:r>
+              <a:rPr lang="es-AR" dirty="0">
+                <a:solidFill>
+                  <a:srgbClr val="000000"/>
+                </a:solidFill>
+                <a:latin typeface="Courier New" panose="02070309020205020404" pitchFamily="49" charset="0"/>
+              </a:rPr>
+              <a:t>  </a:t>
+            </a:r>
+            <a:r>
+              <a:rPr lang="es-AR" dirty="0" err="1">
+                <a:solidFill>
+                  <a:srgbClr val="000000"/>
+                </a:solidFill>
+                <a:latin typeface="Courier New" panose="02070309020205020404" pitchFamily="49" charset="0"/>
+              </a:rPr>
+              <a:t>stem</a:t>
+            </a:r>
+            <a:r>
+              <a:rPr lang="es-AR" dirty="0">
+                <a:solidFill>
+                  <a:srgbClr val="000000"/>
+                </a:solidFill>
+                <a:latin typeface="Courier New" panose="02070309020205020404" pitchFamily="49" charset="0"/>
+              </a:rPr>
+              <a:t>(</a:t>
+            </a:r>
+            <a:r>
+              <a:rPr lang="es-AR" dirty="0" err="1">
+                <a:solidFill>
+                  <a:srgbClr val="000000"/>
+                </a:solidFill>
+                <a:latin typeface="Courier New" panose="02070309020205020404" pitchFamily="49" charset="0"/>
+              </a:rPr>
+              <a:t>fre,abs</a:t>
+            </a:r>
+            <a:r>
+              <a:rPr lang="es-AR" dirty="0">
+                <a:solidFill>
+                  <a:srgbClr val="000000"/>
+                </a:solidFill>
+                <a:latin typeface="Courier New" panose="02070309020205020404" pitchFamily="49" charset="0"/>
+              </a:rPr>
+              <a:t>(C))</a:t>
+            </a:r>
+          </a:p>
+        </p:txBody>
+      </p:sp>
+      <p:sp>
+        <p:nvSpPr>
+          <p:cNvPr id="5" name="Rectángulo 4"/>
+          <p:cNvSpPr/>
+          <p:nvPr/>
+        </p:nvSpPr>
+        <p:spPr>
+          <a:xfrm>
+            <a:off x="5036736" y="0"/>
+            <a:ext cx="2069221" cy="461665"/>
+          </a:xfrm>
+          <a:prstGeom prst="rect">
+            <a:avLst/>
+          </a:prstGeom>
+        </p:spPr>
+        <p:txBody>
+          <a:bodyPr wrap="none">
+            <a:spAutoFit/>
+          </a:bodyPr>
+          <a:lstStyle/>
+          <a:p>
+            <a:r>
+              <a:rPr lang="es-AR" sz="2400" b="1" dirty="0" err="1" smtClean="0"/>
+              <a:t>Dientedesierra</a:t>
+            </a:r>
+            <a:endParaRPr lang="es-AR" sz="2400" b="1" dirty="0"/>
+          </a:p>
+        </p:txBody>
+      </p:sp>
+      <p:sp>
+        <p:nvSpPr>
+          <p:cNvPr id="6" name="CuadroTexto 5"/>
+          <p:cNvSpPr txBox="1"/>
+          <p:nvPr/>
+        </p:nvSpPr>
+        <p:spPr>
+          <a:xfrm>
+            <a:off x="138545" y="6012873"/>
+            <a:ext cx="11249891" cy="400110"/>
+          </a:xfrm>
+          <a:prstGeom prst="rect">
+            <a:avLst/>
+          </a:prstGeom>
+          <a:noFill/>
+        </p:spPr>
+        <p:txBody>
+          <a:bodyPr wrap="square" rtlCol="0">
+            <a:spAutoFit/>
+          </a:bodyPr>
+          <a:lstStyle/>
+          <a:p>
+            <a:pPr marL="285750" indent="-285750">
+              <a:buFont typeface="Arial" panose="020B0604020202020204" pitchFamily="34" charset="0"/>
+              <a:buChar char="•"/>
+            </a:pPr>
+            <a:r>
+              <a:rPr lang="es-AR" sz="2000" dirty="0" smtClean="0"/>
+              <a:t>Probar distintas 4 frecuencias de muestreo diferentes</a:t>
+            </a:r>
+            <a:endParaRPr lang="es-AR" sz="2000" dirty="0"/>
+          </a:p>
+        </p:txBody>
+      </p:sp>
+    </p:spTree>
+    <p:extLst>
+      <p:ext uri="{BB962C8B-B14F-4D97-AF65-F5344CB8AC3E}">
+        <p14:creationId xmlns:p14="http://schemas.microsoft.com/office/powerpoint/2010/main" val="3580939306"/>
+      </p:ext>
+    </p:extLst>
+  </p:cSld>
+  <p:clrMapOvr>
+    <a:masterClrMapping/>
+  </p:clrMapOvr>
+</p:sld>
+</file>
+
+<file path=ppt/slides/slide14.xml><?xml version="1.0" encoding="utf-8"?>
+<p:sld xmlns:a="http://schemas.openxmlformats.org/drawingml/2006/main" xmlns:r="http://schemas.openxmlformats.org/officeDocument/2006/relationships" xmlns:p="http://schemas.openxmlformats.org/presentationml/2006/main">
+  <p:cSld>
+    <p:spTree>
+      <p:nvGrpSpPr>
+        <p:cNvPr id="1" name=""/>
+        <p:cNvGrpSpPr/>
+        <p:nvPr/>
+      </p:nvGrpSpPr>
+      <p:grpSpPr>
+        <a:xfrm>
+          <a:off x="0" y="0"/>
+          <a:ext cx="0" cy="0"/>
+          <a:chOff x="0" y="0"/>
+          <a:chExt cx="0" cy="0"/>
+        </a:xfrm>
+      </p:grpSpPr>
+      <p:pic>
+        <p:nvPicPr>
+          <p:cNvPr id="4" name="Imagen 3"/>
+          <p:cNvPicPr>
+            <a:picLocks noChangeAspect="1"/>
+          </p:cNvPicPr>
+          <p:nvPr/>
+        </p:nvPicPr>
+        <p:blipFill rotWithShape="1">
+          <a:blip r:embed="rId2">
+            <a:extLst>
+              <a:ext uri="{28A0092B-C50C-407E-A947-70E740481C1C}">
+                <a14:useLocalDpi xmlns:a14="http://schemas.microsoft.com/office/drawing/2010/main" val="0"/>
+              </a:ext>
+            </a:extLst>
+          </a:blip>
+          <a:srcRect l="7404" t="5852" r="8798" b="6005"/>
+          <a:stretch/>
+        </p:blipFill>
+        <p:spPr>
+          <a:xfrm>
+            <a:off x="369455" y="73891"/>
+            <a:ext cx="5065352" cy="3996000"/>
+          </a:xfrm>
+          <a:prstGeom prst="rect">
+            <a:avLst/>
+          </a:prstGeom>
+        </p:spPr>
+      </p:pic>
+      <p:pic>
+        <p:nvPicPr>
+          <p:cNvPr id="5" name="Imagen 4"/>
+          <p:cNvPicPr>
+            <a:picLocks noChangeAspect="1"/>
+          </p:cNvPicPr>
+          <p:nvPr/>
+        </p:nvPicPr>
+        <p:blipFill rotWithShape="1">
+          <a:blip r:embed="rId3">
+            <a:extLst>
+              <a:ext uri="{28A0092B-C50C-407E-A947-70E740481C1C}">
+                <a14:useLocalDpi xmlns:a14="http://schemas.microsoft.com/office/drawing/2010/main" val="0"/>
+              </a:ext>
+            </a:extLst>
+          </a:blip>
+          <a:srcRect l="7210" t="5779" r="7531" b="6790"/>
+          <a:stretch/>
+        </p:blipFill>
+        <p:spPr>
+          <a:xfrm>
+            <a:off x="5994398" y="73891"/>
+            <a:ext cx="5320147" cy="4091710"/>
+          </a:xfrm>
+          <a:prstGeom prst="rect">
+            <a:avLst/>
+          </a:prstGeom>
+        </p:spPr>
+      </p:pic>
+      <p:sp>
+        <p:nvSpPr>
+          <p:cNvPr id="6" name="Rectángulo 5"/>
+          <p:cNvSpPr/>
+          <p:nvPr/>
+        </p:nvSpPr>
+        <p:spPr>
+          <a:xfrm>
+            <a:off x="7927718" y="286327"/>
+            <a:ext cx="1065741" cy="461665"/>
+          </a:xfrm>
+          <a:prstGeom prst="rect">
+            <a:avLst/>
+          </a:prstGeom>
+        </p:spPr>
+        <p:txBody>
+          <a:bodyPr wrap="none">
+            <a:spAutoFit/>
+          </a:bodyPr>
+          <a:lstStyle/>
+          <a:p>
+            <a:r>
+              <a:rPr lang="es-AR" sz="2400" b="1" dirty="0" err="1" smtClean="0"/>
+              <a:t>Fs</a:t>
+            </a:r>
+            <a:r>
+              <a:rPr lang="es-AR" sz="2400" b="1" dirty="0" smtClean="0"/>
+              <a:t>=100</a:t>
+            </a:r>
+            <a:endParaRPr lang="es-AR" sz="2400" b="1" dirty="0"/>
+          </a:p>
+        </p:txBody>
+      </p:sp>
+    </p:spTree>
+    <p:extLst>
+      <p:ext uri="{BB962C8B-B14F-4D97-AF65-F5344CB8AC3E}">
+        <p14:creationId xmlns:p14="http://schemas.microsoft.com/office/powerpoint/2010/main" val="2947667653"/>
+      </p:ext>
+    </p:extLst>
+  </p:cSld>
+  <p:clrMapOvr>
+    <a:masterClrMapping/>
+  </p:clrMapOvr>
+</p:sld>
+</file>
+
 <file path=ppt/slides/slide2.xml><?xml version="1.0" encoding="utf-8"?>
 <p:sld xmlns:a="http://schemas.openxmlformats.org/drawingml/2006/main" xmlns:r="http://schemas.openxmlformats.org/officeDocument/2006/relationships" xmlns:p="http://schemas.openxmlformats.org/presentationml/2006/main">
   <p:cSld>
@@ -4543,6 +6109,10 @@
           </a:bodyPr>
           <a:lstStyle/>
           <a:p>
+            <a:pPr marL="285750" indent="-285750">
+              <a:buFont typeface="Arial" panose="020B0604020202020204" pitchFamily="34" charset="0"/>
+              <a:buChar char="•"/>
+            </a:pPr>
             <a:r>
               <a:rPr lang="es-AR" dirty="0" smtClean="0"/>
               <a:t>Probar el script con los siguientes valores:</a:t>
@@ -4712,6 +6282,10 @@
           </a:bodyPr>
           <a:lstStyle/>
           <a:p>
+            <a:pPr marL="342900" indent="-342900">
+              <a:buFont typeface="Arial" panose="020B0604020202020204" pitchFamily="34" charset="0"/>
+              <a:buChar char="•"/>
+            </a:pPr>
             <a:r>
               <a:rPr lang="es-AR" sz="2000" dirty="0" smtClean="0"/>
               <a:t>Probar el script con los siguientes valores:</a:t>
@@ -6912,7 +8486,10 @@
           </a:bodyPr>
           <a:lstStyle/>
           <a:p>
-            <a:pPr algn="just"/>
+            <a:pPr marL="342900" indent="-342900" algn="just">
+              <a:buFont typeface="Arial" panose="020B0604020202020204" pitchFamily="34" charset="0"/>
+              <a:buChar char="•"/>
+            </a:pPr>
             <a:r>
               <a:rPr lang="es-AR" sz="2000" dirty="0"/>
               <a:t>Modificar el script </a:t>
@@ -6941,24 +8518,24 @@
               <a:rPr lang="es-AR" sz="2000" dirty="0"/>
               <a:t>). Presentar gráficos en el dominio del tiempo y en el dominio de la frecuencia (sólo amplitud). </a:t>
             </a:r>
-            <a:endParaRPr lang="es-AR" sz="2000" dirty="0" smtClean="0"/>
-          </a:p>
-          <a:p>
-            <a:pPr algn="just"/>
             <a:r>
               <a:rPr lang="es-AR" sz="2000" dirty="0"/>
+              <a:t> </a:t>
+            </a:r>
+            <a:r>
+              <a:rPr lang="es-AR" sz="2000" dirty="0" smtClean="0"/>
               <a:t>y=</a:t>
             </a:r>
             <a:r>
-              <a:rPr lang="es-AR" sz="2000" dirty="0" err="1"/>
+              <a:rPr lang="es-AR" sz="2000" dirty="0" err="1" smtClean="0"/>
               <a:t>cos</a:t>
             </a:r>
             <a:r>
-              <a:rPr lang="es-AR" sz="2000" dirty="0"/>
+              <a:rPr lang="es-AR" sz="2000" dirty="0" smtClean="0"/>
               <a:t>(2*pi*f*n*</a:t>
             </a:r>
             <a:r>
-              <a:rPr lang="es-AR" sz="2000" dirty="0" err="1"/>
+              <a:rPr lang="es-AR" sz="2000" dirty="0" err="1" smtClean="0"/>
               <a:t>Ts</a:t>
             </a:r>
             <a:r>
@@ -7022,7 +8599,7 @@
         <p:spPr>
           <a:xfrm>
             <a:off x="609600" y="1754909"/>
-            <a:ext cx="4461164" cy="3519054"/>
+            <a:ext cx="4655057" cy="3672000"/>
           </a:xfrm>
           <a:prstGeom prst="rect">
             <a:avLst/>
@@ -7050,18 +8627,1564 @@
         </p:blipFill>
         <p:spPr>
           <a:xfrm>
-            <a:off x="6012873" y="1754909"/>
-            <a:ext cx="4498109" cy="3528291"/>
+            <a:off x="6012872" y="1754908"/>
+            <a:ext cx="4635423" cy="3636000"/>
           </a:xfrm>
           <a:prstGeom prst="rect">
             <a:avLst/>
           </a:prstGeom>
         </p:spPr>
       </p:pic>
+      <p:sp>
+        <p:nvSpPr>
+          <p:cNvPr id="3" name="CuadroTexto 2"/>
+          <p:cNvSpPr txBox="1"/>
+          <p:nvPr/>
+        </p:nvSpPr>
+        <p:spPr>
+          <a:xfrm>
+            <a:off x="110836" y="5975927"/>
+            <a:ext cx="10889673" cy="400110"/>
+          </a:xfrm>
+          <a:prstGeom prst="rect">
+            <a:avLst/>
+          </a:prstGeom>
+          <a:noFill/>
+        </p:spPr>
+        <p:txBody>
+          <a:bodyPr wrap="square" rtlCol="0">
+            <a:spAutoFit/>
+          </a:bodyPr>
+          <a:lstStyle/>
+          <a:p>
+            <a:r>
+              <a:rPr lang="es-AR" sz="2000" dirty="0" smtClean="0"/>
+              <a:t>Repetir pero ahora con un numero de ciclos no entero.</a:t>
+            </a:r>
+            <a:endParaRPr lang="es-AR" sz="2000" dirty="0"/>
+          </a:p>
+        </p:txBody>
+      </p:sp>
     </p:spTree>
     <p:extLst>
       <p:ext uri="{BB962C8B-B14F-4D97-AF65-F5344CB8AC3E}">
         <p14:creationId xmlns:p14="http://schemas.microsoft.com/office/powerpoint/2010/main" val="3043617709"/>
+      </p:ext>
+    </p:extLst>
+  </p:cSld>
+  <p:clrMapOvr>
+    <a:masterClrMapping/>
+  </p:clrMapOvr>
+</p:sld>
+</file>
+
+<file path=ppt/slides/slide7.xml><?xml version="1.0" encoding="utf-8"?>
+<p:sld xmlns:a="http://schemas.openxmlformats.org/drawingml/2006/main" xmlns:r="http://schemas.openxmlformats.org/officeDocument/2006/relationships" xmlns:p="http://schemas.openxmlformats.org/presentationml/2006/main">
+  <p:cSld>
+    <p:spTree>
+      <p:nvGrpSpPr>
+        <p:cNvPr id="1" name=""/>
+        <p:cNvGrpSpPr/>
+        <p:nvPr/>
+      </p:nvGrpSpPr>
+      <p:grpSpPr>
+        <a:xfrm>
+          <a:off x="0" y="0"/>
+          <a:ext cx="0" cy="0"/>
+          <a:chOff x="0" y="0"/>
+          <a:chExt cx="0" cy="0"/>
+        </a:xfrm>
+      </p:grpSpPr>
+      <p:pic>
+        <p:nvPicPr>
+          <p:cNvPr id="4" name="Imagen 3"/>
+          <p:cNvPicPr>
+            <a:picLocks noChangeAspect="1"/>
+          </p:cNvPicPr>
+          <p:nvPr/>
+        </p:nvPicPr>
+        <p:blipFill rotWithShape="1">
+          <a:blip r:embed="rId2">
+            <a:extLst>
+              <a:ext uri="{28A0092B-C50C-407E-A947-70E740481C1C}">
+                <a14:useLocalDpi xmlns:a14="http://schemas.microsoft.com/office/drawing/2010/main" val="0"/>
+              </a:ext>
+            </a:extLst>
+          </a:blip>
+          <a:srcRect l="8090" t="6069" r="7397" b="6647"/>
+          <a:stretch/>
+        </p:blipFill>
+        <p:spPr>
+          <a:xfrm>
+            <a:off x="840510" y="617654"/>
+            <a:ext cx="5019426" cy="3888000"/>
+          </a:xfrm>
+          <a:prstGeom prst="rect">
+            <a:avLst/>
+          </a:prstGeom>
+        </p:spPr>
+      </p:pic>
+      <p:pic>
+        <p:nvPicPr>
+          <p:cNvPr id="5" name="Imagen 4"/>
+          <p:cNvPicPr>
+            <a:picLocks noChangeAspect="1"/>
+          </p:cNvPicPr>
+          <p:nvPr/>
+        </p:nvPicPr>
+        <p:blipFill rotWithShape="1">
+          <a:blip r:embed="rId3">
+            <a:extLst>
+              <a:ext uri="{28A0092B-C50C-407E-A947-70E740481C1C}">
+                <a14:useLocalDpi xmlns:a14="http://schemas.microsoft.com/office/drawing/2010/main" val="0"/>
+              </a:ext>
+            </a:extLst>
+          </a:blip>
+          <a:srcRect l="9129" t="5963" r="7744" b="7612"/>
+          <a:stretch/>
+        </p:blipFill>
+        <p:spPr>
+          <a:xfrm>
+            <a:off x="6391559" y="617653"/>
+            <a:ext cx="4748698" cy="3888000"/>
+          </a:xfrm>
+          <a:prstGeom prst="rect">
+            <a:avLst/>
+          </a:prstGeom>
+        </p:spPr>
+      </p:pic>
+      <p:sp>
+        <p:nvSpPr>
+          <p:cNvPr id="6" name="Rectángulo 5"/>
+          <p:cNvSpPr/>
+          <p:nvPr/>
+        </p:nvSpPr>
+        <p:spPr>
+          <a:xfrm>
+            <a:off x="1" y="4703817"/>
+            <a:ext cx="12191999" cy="1015663"/>
+          </a:xfrm>
+          <a:prstGeom prst="rect">
+            <a:avLst/>
+          </a:prstGeom>
+        </p:spPr>
+        <p:txBody>
+          <a:bodyPr wrap="square">
+            <a:spAutoFit/>
+          </a:bodyPr>
+          <a:lstStyle/>
+          <a:p>
+            <a:pPr marL="342900" indent="-342900" algn="just">
+              <a:buFont typeface="Arial" panose="020B0604020202020204" pitchFamily="34" charset="0"/>
+              <a:buChar char="•"/>
+            </a:pPr>
+            <a:r>
+              <a:rPr lang="es-AR" sz="2000" dirty="0"/>
+              <a:t>Aplicar el script TDFhamming1.m para procesar la misma suma de cosenos utilizada en el ejercicio anterior. Presentar gráficos y comentar qué efecto se aprecia al aplicar la ventana de </a:t>
+            </a:r>
+            <a:r>
+              <a:rPr lang="es-AR" sz="2000" dirty="0" err="1"/>
+              <a:t>Hamming</a:t>
+            </a:r>
+            <a:r>
+              <a:rPr lang="es-AR" sz="2000" dirty="0"/>
+              <a:t> para disminuir el error que produce el </a:t>
+            </a:r>
+            <a:r>
+              <a:rPr lang="es-AR" sz="2000" dirty="0" err="1"/>
+              <a:t>leakage</a:t>
+            </a:r>
+            <a:endParaRPr lang="es-AR" sz="2000" dirty="0"/>
+          </a:p>
+        </p:txBody>
+      </p:sp>
+    </p:spTree>
+    <p:extLst>
+      <p:ext uri="{BB962C8B-B14F-4D97-AF65-F5344CB8AC3E}">
+        <p14:creationId xmlns:p14="http://schemas.microsoft.com/office/powerpoint/2010/main" val="1502052386"/>
+      </p:ext>
+    </p:extLst>
+  </p:cSld>
+  <p:clrMapOvr>
+    <a:masterClrMapping/>
+  </p:clrMapOvr>
+</p:sld>
+</file>
+
+<file path=ppt/slides/slide8.xml><?xml version="1.0" encoding="utf-8"?>
+<p:sld xmlns:a="http://schemas.openxmlformats.org/drawingml/2006/main" xmlns:r="http://schemas.openxmlformats.org/officeDocument/2006/relationships" xmlns:p="http://schemas.openxmlformats.org/presentationml/2006/main">
+  <p:cSld>
+    <p:spTree>
+      <p:nvGrpSpPr>
+        <p:cNvPr id="1" name=""/>
+        <p:cNvGrpSpPr/>
+        <p:nvPr/>
+      </p:nvGrpSpPr>
+      <p:grpSpPr>
+        <a:xfrm>
+          <a:off x="0" y="0"/>
+          <a:ext cx="0" cy="0"/>
+          <a:chOff x="0" y="0"/>
+          <a:chExt cx="0" cy="0"/>
+        </a:xfrm>
+      </p:grpSpPr>
+      <p:pic>
+        <p:nvPicPr>
+          <p:cNvPr id="4" name="Imagen 3"/>
+          <p:cNvPicPr>
+            <a:picLocks noChangeAspect="1"/>
+          </p:cNvPicPr>
+          <p:nvPr/>
+        </p:nvPicPr>
+        <p:blipFill rotWithShape="1">
+          <a:blip r:embed="rId2">
+            <a:extLst>
+              <a:ext uri="{28A0092B-C50C-407E-A947-70E740481C1C}">
+                <a14:useLocalDpi xmlns:a14="http://schemas.microsoft.com/office/drawing/2010/main" val="0"/>
+              </a:ext>
+            </a:extLst>
+          </a:blip>
+          <a:srcRect l="8263" t="4915" r="6878" b="6416"/>
+          <a:stretch/>
+        </p:blipFill>
+        <p:spPr>
+          <a:xfrm>
+            <a:off x="0" y="92364"/>
+            <a:ext cx="5971888" cy="4680000"/>
+          </a:xfrm>
+          <a:prstGeom prst="rect">
+            <a:avLst/>
+          </a:prstGeom>
+        </p:spPr>
+      </p:pic>
+      <p:pic>
+        <p:nvPicPr>
+          <p:cNvPr id="6" name="Imagen 5"/>
+          <p:cNvPicPr>
+            <a:picLocks noChangeAspect="1"/>
+          </p:cNvPicPr>
+          <p:nvPr/>
+        </p:nvPicPr>
+        <p:blipFill rotWithShape="1">
+          <a:blip r:embed="rId3">
+            <a:extLst>
+              <a:ext uri="{28A0092B-C50C-407E-A947-70E740481C1C}">
+                <a14:useLocalDpi xmlns:a14="http://schemas.microsoft.com/office/drawing/2010/main" val="0"/>
+              </a:ext>
+            </a:extLst>
+          </a:blip>
+          <a:srcRect l="9822" t="5607" r="7051" b="5954"/>
+          <a:stretch/>
+        </p:blipFill>
+        <p:spPr>
+          <a:xfrm>
+            <a:off x="6123709" y="92364"/>
+            <a:ext cx="5865272" cy="4680000"/>
+          </a:xfrm>
+          <a:prstGeom prst="rect">
+            <a:avLst/>
+          </a:prstGeom>
+        </p:spPr>
+      </p:pic>
+      <p:sp>
+        <p:nvSpPr>
+          <p:cNvPr id="7" name="Rectángulo 6"/>
+          <p:cNvSpPr/>
+          <p:nvPr/>
+        </p:nvSpPr>
+        <p:spPr>
+          <a:xfrm>
+            <a:off x="73891" y="4901673"/>
+            <a:ext cx="11527163" cy="1754326"/>
+          </a:xfrm>
+          <a:prstGeom prst="rect">
+            <a:avLst/>
+          </a:prstGeom>
+        </p:spPr>
+        <p:txBody>
+          <a:bodyPr wrap="square">
+            <a:spAutoFit/>
+          </a:bodyPr>
+          <a:lstStyle/>
+          <a:p>
+            <a:pPr marL="285750" indent="-285750">
+              <a:buFont typeface="Arial" panose="020B0604020202020204" pitchFamily="34" charset="0"/>
+              <a:buChar char="•"/>
+            </a:pPr>
+            <a:r>
+              <a:rPr lang="es-AR" dirty="0"/>
+              <a:t>Hasta ahora estábamos analizando únicamente la magnitud de los coeficientes </a:t>
+            </a:r>
+            <a:r>
+              <a:rPr lang="es-AR" dirty="0" err="1"/>
+              <a:t>Ck</a:t>
+            </a:r>
+            <a:r>
+              <a:rPr lang="es-AR" dirty="0"/>
+              <a:t> de la transformada discreta de Fourier, pero ahora introduciremos el concepto de la fase. </a:t>
+            </a:r>
+            <a:r>
+              <a:rPr lang="es-AR" dirty="0" smtClean="0"/>
+              <a:t>Pare esto en el script TDF des-comentar las ultimas 2 líneas. Y analizar y comparar </a:t>
+            </a:r>
+            <a:r>
+              <a:rPr lang="es-AR" dirty="0"/>
+              <a:t>las siguientes señales: sin(2*pi*f*n*</a:t>
+            </a:r>
+            <a:r>
+              <a:rPr lang="es-AR" dirty="0" err="1"/>
+              <a:t>Ts</a:t>
+            </a:r>
+            <a:r>
+              <a:rPr lang="es-AR" dirty="0"/>
+              <a:t>) y </a:t>
+            </a:r>
+            <a:r>
+              <a:rPr lang="es-AR" dirty="0" err="1" smtClean="0"/>
+              <a:t>cos</a:t>
+            </a:r>
+            <a:r>
+              <a:rPr lang="es-AR" dirty="0" smtClean="0"/>
+              <a:t>(2*pi*f*n*</a:t>
+            </a:r>
+            <a:r>
+              <a:rPr lang="es-AR" dirty="0" err="1" smtClean="0"/>
+              <a:t>Ts</a:t>
+            </a:r>
+            <a:r>
+              <a:rPr lang="es-AR" dirty="0"/>
+              <a:t>): f=3 Hz (frecuencia de la señal) N=100 (número de muestras) </a:t>
+            </a:r>
+            <a:r>
+              <a:rPr lang="es-AR" dirty="0" err="1"/>
+              <a:t>fs</a:t>
+            </a:r>
+            <a:r>
+              <a:rPr lang="es-AR" dirty="0"/>
+              <a:t>=100 (frecuencia de muestreo</a:t>
+            </a:r>
+            <a:r>
+              <a:rPr lang="es-AR" dirty="0" smtClean="0"/>
+              <a:t>)</a:t>
+            </a:r>
+          </a:p>
+          <a:p>
+            <a:pPr marL="285750" indent="-285750">
+              <a:buFont typeface="Arial" panose="020B0604020202020204" pitchFamily="34" charset="0"/>
+              <a:buChar char="•"/>
+            </a:pPr>
+            <a:r>
+              <a:rPr lang="es-AR" dirty="0" smtClean="0"/>
+              <a:t>Luego forzar </a:t>
+            </a:r>
+            <a:r>
+              <a:rPr lang="es-AR" dirty="0" err="1" smtClean="0"/>
+              <a:t>aliasing</a:t>
+            </a:r>
+            <a:r>
+              <a:rPr lang="es-AR" dirty="0"/>
+              <a:t> </a:t>
+            </a:r>
+            <a:r>
+              <a:rPr lang="es-AR" dirty="0" smtClean="0"/>
+              <a:t>observar dicho fenómeno en el dominio de la frecuencia. </a:t>
+            </a:r>
+            <a:r>
+              <a:rPr lang="es-AR" dirty="0" err="1" smtClean="0"/>
+              <a:t>Ej</a:t>
+            </a:r>
+            <a:r>
+              <a:rPr lang="es-AR" dirty="0"/>
+              <a:t>: f=99 Hz (frecuencia de la señal) N=100 (número de muestras) </a:t>
+            </a:r>
+            <a:r>
+              <a:rPr lang="es-AR" dirty="0" err="1"/>
+              <a:t>fs</a:t>
+            </a:r>
+            <a:r>
+              <a:rPr lang="es-AR" dirty="0"/>
+              <a:t>=100 (frecuencia de muestreo</a:t>
+            </a:r>
+            <a:r>
+              <a:rPr lang="es-AR" dirty="0" smtClean="0"/>
+              <a:t>). </a:t>
+            </a:r>
+            <a:endParaRPr lang="es-AR" dirty="0"/>
+          </a:p>
+        </p:txBody>
+      </p:sp>
+    </p:spTree>
+    <p:extLst>
+      <p:ext uri="{BB962C8B-B14F-4D97-AF65-F5344CB8AC3E}">
+        <p14:creationId xmlns:p14="http://schemas.microsoft.com/office/powerpoint/2010/main" val="971927149"/>
+      </p:ext>
+    </p:extLst>
+  </p:cSld>
+  <p:clrMapOvr>
+    <a:masterClrMapping/>
+  </p:clrMapOvr>
+</p:sld>
+</file>
+
+<file path=ppt/slides/slide9.xml><?xml version="1.0" encoding="utf-8"?>
+<p:sld xmlns:a="http://schemas.openxmlformats.org/drawingml/2006/main" xmlns:r="http://schemas.openxmlformats.org/officeDocument/2006/relationships" xmlns:p="http://schemas.openxmlformats.org/presentationml/2006/main">
+  <p:cSld>
+    <p:spTree>
+      <p:nvGrpSpPr>
+        <p:cNvPr id="1" name=""/>
+        <p:cNvGrpSpPr/>
+        <p:nvPr/>
+      </p:nvGrpSpPr>
+      <p:grpSpPr>
+        <a:xfrm>
+          <a:off x="0" y="0"/>
+          <a:ext cx="0" cy="0"/>
+          <a:chOff x="0" y="0"/>
+          <a:chExt cx="0" cy="0"/>
+        </a:xfrm>
+      </p:grpSpPr>
+      <p:sp>
+        <p:nvSpPr>
+          <p:cNvPr id="4" name="Rectángulo 3"/>
+          <p:cNvSpPr/>
+          <p:nvPr/>
+        </p:nvSpPr>
+        <p:spPr>
+          <a:xfrm>
+            <a:off x="3512826" y="0"/>
+            <a:ext cx="1245854" cy="400110"/>
+          </a:xfrm>
+          <a:prstGeom prst="rect">
+            <a:avLst/>
+          </a:prstGeom>
+        </p:spPr>
+        <p:txBody>
+          <a:bodyPr wrap="none">
+            <a:spAutoFit/>
+          </a:bodyPr>
+          <a:lstStyle/>
+          <a:p>
+            <a:r>
+              <a:rPr lang="es-AR" sz="2000" b="1" dirty="0"/>
+              <a:t>TDF-Pulso</a:t>
+            </a:r>
+          </a:p>
+        </p:txBody>
+      </p:sp>
+      <p:sp>
+        <p:nvSpPr>
+          <p:cNvPr id="5" name="Rectángulo 4"/>
+          <p:cNvSpPr/>
+          <p:nvPr/>
+        </p:nvSpPr>
+        <p:spPr>
+          <a:xfrm>
+            <a:off x="0" y="0"/>
+            <a:ext cx="12367491" cy="7017306"/>
+          </a:xfrm>
+          <a:prstGeom prst="rect">
+            <a:avLst/>
+          </a:prstGeom>
+        </p:spPr>
+        <p:txBody>
+          <a:bodyPr wrap="square">
+            <a:spAutoFit/>
+          </a:bodyPr>
+          <a:lstStyle/>
+          <a:p>
+            <a:r>
+              <a:rPr lang="es-AR" dirty="0" err="1">
+                <a:solidFill>
+                  <a:srgbClr val="000000"/>
+                </a:solidFill>
+                <a:latin typeface="Courier New" panose="02070309020205020404" pitchFamily="49" charset="0"/>
+              </a:rPr>
+              <a:t>clear</a:t>
+            </a:r>
+            <a:r>
+              <a:rPr lang="es-AR" dirty="0">
+                <a:solidFill>
+                  <a:srgbClr val="000000"/>
+                </a:solidFill>
+                <a:latin typeface="Courier New" panose="02070309020205020404" pitchFamily="49" charset="0"/>
+              </a:rPr>
+              <a:t> </a:t>
+            </a:r>
+            <a:r>
+              <a:rPr lang="es-AR" dirty="0" err="1">
+                <a:solidFill>
+                  <a:srgbClr val="A020F0"/>
+                </a:solidFill>
+                <a:latin typeface="Courier New" panose="02070309020205020404" pitchFamily="49" charset="0"/>
+              </a:rPr>
+              <a:t>all</a:t>
+            </a:r>
+            <a:endParaRPr lang="es-AR" dirty="0">
+              <a:solidFill>
+                <a:srgbClr val="A020F0"/>
+              </a:solidFill>
+              <a:latin typeface="Courier New" panose="02070309020205020404" pitchFamily="49" charset="0"/>
+            </a:endParaRPr>
+          </a:p>
+          <a:p>
+            <a:r>
+              <a:rPr lang="es-AR" dirty="0" err="1">
+                <a:solidFill>
+                  <a:srgbClr val="000000"/>
+                </a:solidFill>
+                <a:latin typeface="Courier New" panose="02070309020205020404" pitchFamily="49" charset="0"/>
+              </a:rPr>
+              <a:t>close</a:t>
+            </a:r>
+            <a:r>
+              <a:rPr lang="es-AR" dirty="0">
+                <a:solidFill>
+                  <a:srgbClr val="000000"/>
+                </a:solidFill>
+                <a:latin typeface="Courier New" panose="02070309020205020404" pitchFamily="49" charset="0"/>
+              </a:rPr>
+              <a:t> </a:t>
+            </a:r>
+            <a:r>
+              <a:rPr lang="es-AR" dirty="0" err="1">
+                <a:solidFill>
+                  <a:srgbClr val="A020F0"/>
+                </a:solidFill>
+                <a:latin typeface="Courier New" panose="02070309020205020404" pitchFamily="49" charset="0"/>
+              </a:rPr>
+              <a:t>all</a:t>
+            </a:r>
+            <a:endParaRPr lang="es-AR" dirty="0">
+              <a:solidFill>
+                <a:srgbClr val="A020F0"/>
+              </a:solidFill>
+              <a:latin typeface="Courier New" panose="02070309020205020404" pitchFamily="49" charset="0"/>
+            </a:endParaRPr>
+          </a:p>
+          <a:p>
+            <a:r>
+              <a:rPr lang="it-IT" dirty="0">
+                <a:solidFill>
+                  <a:srgbClr val="000000"/>
+                </a:solidFill>
+                <a:latin typeface="Courier New" panose="02070309020205020404" pitchFamily="49" charset="0"/>
+              </a:rPr>
+              <a:t>ancho=input(</a:t>
+            </a:r>
+            <a:r>
+              <a:rPr lang="it-IT" dirty="0">
+                <a:solidFill>
+                  <a:srgbClr val="A020F0"/>
+                </a:solidFill>
+                <a:latin typeface="Courier New" panose="02070309020205020404" pitchFamily="49" charset="0"/>
+              </a:rPr>
+              <a:t>'ancho='</a:t>
+            </a:r>
+            <a:r>
+              <a:rPr lang="it-IT" dirty="0">
+                <a:solidFill>
+                  <a:srgbClr val="000000"/>
+                </a:solidFill>
+                <a:latin typeface="Courier New" panose="02070309020205020404" pitchFamily="49" charset="0"/>
+              </a:rPr>
+              <a:t>); </a:t>
+            </a:r>
+            <a:r>
+              <a:rPr lang="it-IT" dirty="0">
+                <a:solidFill>
+                  <a:srgbClr val="228B22"/>
+                </a:solidFill>
+                <a:latin typeface="Courier New" panose="02070309020205020404" pitchFamily="49" charset="0"/>
+              </a:rPr>
+              <a:t>%ancho del pulso</a:t>
+            </a:r>
+          </a:p>
+          <a:p>
+            <a:r>
+              <a:rPr lang="it-IT" dirty="0">
+                <a:solidFill>
+                  <a:srgbClr val="000000"/>
+                </a:solidFill>
+                <a:latin typeface="Courier New" panose="02070309020205020404" pitchFamily="49" charset="0"/>
+              </a:rPr>
+              <a:t>deltat=input(</a:t>
+            </a:r>
+            <a:r>
+              <a:rPr lang="it-IT" dirty="0">
+                <a:solidFill>
+                  <a:srgbClr val="A020F0"/>
+                </a:solidFill>
+                <a:latin typeface="Courier New" panose="02070309020205020404" pitchFamily="49" charset="0"/>
+              </a:rPr>
+              <a:t>'deltat='</a:t>
+            </a:r>
+            <a:r>
+              <a:rPr lang="it-IT" dirty="0">
+                <a:solidFill>
+                  <a:srgbClr val="000000"/>
+                </a:solidFill>
+                <a:latin typeface="Courier New" panose="02070309020205020404" pitchFamily="49" charset="0"/>
+              </a:rPr>
+              <a:t>); </a:t>
+            </a:r>
+            <a:r>
+              <a:rPr lang="it-IT" dirty="0">
+                <a:solidFill>
+                  <a:srgbClr val="228B22"/>
+                </a:solidFill>
+                <a:latin typeface="Courier New" panose="02070309020205020404" pitchFamily="49" charset="0"/>
+              </a:rPr>
+              <a:t>%retardo del pulso</a:t>
+            </a:r>
+          </a:p>
+          <a:p>
+            <a:r>
+              <a:rPr lang="es-AR" dirty="0" err="1">
+                <a:solidFill>
+                  <a:srgbClr val="000000"/>
+                </a:solidFill>
+                <a:latin typeface="Courier New" panose="02070309020205020404" pitchFamily="49" charset="0"/>
+              </a:rPr>
+              <a:t>fs</a:t>
+            </a:r>
+            <a:r>
+              <a:rPr lang="es-AR" dirty="0">
+                <a:solidFill>
+                  <a:srgbClr val="000000"/>
+                </a:solidFill>
+                <a:latin typeface="Courier New" panose="02070309020205020404" pitchFamily="49" charset="0"/>
+              </a:rPr>
+              <a:t>=input(</a:t>
+            </a:r>
+            <a:r>
+              <a:rPr lang="es-AR" dirty="0">
+                <a:solidFill>
+                  <a:srgbClr val="A020F0"/>
+                </a:solidFill>
+                <a:latin typeface="Courier New" panose="02070309020205020404" pitchFamily="49" charset="0"/>
+              </a:rPr>
+              <a:t>'</a:t>
+            </a:r>
+            <a:r>
+              <a:rPr lang="es-AR" dirty="0" err="1">
+                <a:solidFill>
+                  <a:srgbClr val="A020F0"/>
+                </a:solidFill>
+                <a:latin typeface="Courier New" panose="02070309020205020404" pitchFamily="49" charset="0"/>
+              </a:rPr>
+              <a:t>fs</a:t>
+            </a:r>
+            <a:r>
+              <a:rPr lang="es-AR" dirty="0">
+                <a:solidFill>
+                  <a:srgbClr val="A020F0"/>
+                </a:solidFill>
+                <a:latin typeface="Courier New" panose="02070309020205020404" pitchFamily="49" charset="0"/>
+              </a:rPr>
+              <a:t>='</a:t>
+            </a:r>
+            <a:r>
+              <a:rPr lang="es-AR" dirty="0">
+                <a:solidFill>
+                  <a:srgbClr val="000000"/>
+                </a:solidFill>
+                <a:latin typeface="Courier New" panose="02070309020205020404" pitchFamily="49" charset="0"/>
+              </a:rPr>
+              <a:t>)</a:t>
+            </a:r>
+            <a:r>
+              <a:rPr lang="es-AR" dirty="0">
+                <a:solidFill>
+                  <a:srgbClr val="228B22"/>
+                </a:solidFill>
+                <a:latin typeface="Courier New" panose="02070309020205020404" pitchFamily="49" charset="0"/>
+              </a:rPr>
+              <a:t>%frecuencia de muestreo</a:t>
+            </a:r>
+          </a:p>
+          <a:p>
+            <a:r>
+              <a:rPr lang="es-AR" dirty="0">
+                <a:solidFill>
+                  <a:srgbClr val="000000"/>
+                </a:solidFill>
+                <a:latin typeface="Courier New" panose="02070309020205020404" pitchFamily="49" charset="0"/>
+              </a:rPr>
+              <a:t>N=</a:t>
+            </a:r>
+            <a:r>
+              <a:rPr lang="es-AR" dirty="0" err="1">
+                <a:solidFill>
+                  <a:srgbClr val="000000"/>
+                </a:solidFill>
+                <a:latin typeface="Courier New" panose="02070309020205020404" pitchFamily="49" charset="0"/>
+              </a:rPr>
+              <a:t>fs</a:t>
+            </a:r>
+            <a:r>
+              <a:rPr lang="es-AR" dirty="0">
+                <a:solidFill>
+                  <a:srgbClr val="000000"/>
+                </a:solidFill>
+                <a:latin typeface="Courier New" panose="02070309020205020404" pitchFamily="49" charset="0"/>
+              </a:rPr>
+              <a:t>;</a:t>
+            </a:r>
+          </a:p>
+          <a:p>
+            <a:r>
+              <a:rPr lang="es-AR" dirty="0" err="1">
+                <a:solidFill>
+                  <a:srgbClr val="000000"/>
+                </a:solidFill>
+                <a:latin typeface="Courier New" panose="02070309020205020404" pitchFamily="49" charset="0"/>
+              </a:rPr>
+              <a:t>Ts</a:t>
+            </a:r>
+            <a:r>
+              <a:rPr lang="es-AR" dirty="0">
+                <a:solidFill>
+                  <a:srgbClr val="000000"/>
+                </a:solidFill>
+                <a:latin typeface="Courier New" panose="02070309020205020404" pitchFamily="49" charset="0"/>
+              </a:rPr>
+              <a:t>=1/</a:t>
+            </a:r>
+            <a:r>
+              <a:rPr lang="es-AR" dirty="0" err="1">
+                <a:solidFill>
+                  <a:srgbClr val="000000"/>
+                </a:solidFill>
+                <a:latin typeface="Courier New" panose="02070309020205020404" pitchFamily="49" charset="0"/>
+              </a:rPr>
+              <a:t>fs</a:t>
+            </a:r>
+            <a:r>
+              <a:rPr lang="es-AR" dirty="0">
+                <a:solidFill>
+                  <a:srgbClr val="000000"/>
+                </a:solidFill>
+                <a:latin typeface="Courier New" panose="02070309020205020404" pitchFamily="49" charset="0"/>
+              </a:rPr>
+              <a:t>;</a:t>
+            </a:r>
+            <a:r>
+              <a:rPr lang="es-AR" dirty="0">
+                <a:solidFill>
+                  <a:srgbClr val="228B22"/>
+                </a:solidFill>
+                <a:latin typeface="Courier New" panose="02070309020205020404" pitchFamily="49" charset="0"/>
+              </a:rPr>
+              <a:t>%período de muestreo</a:t>
+            </a:r>
+          </a:p>
+          <a:p>
+            <a:r>
+              <a:rPr lang="es-AR" dirty="0">
+                <a:solidFill>
+                  <a:srgbClr val="000000"/>
+                </a:solidFill>
+                <a:latin typeface="Courier New" panose="02070309020205020404" pitchFamily="49" charset="0"/>
+              </a:rPr>
+              <a:t>n=0:1:N-1; </a:t>
+            </a:r>
+            <a:r>
+              <a:rPr lang="es-AR" dirty="0">
+                <a:solidFill>
+                  <a:srgbClr val="228B22"/>
+                </a:solidFill>
+                <a:latin typeface="Courier New" panose="02070309020205020404" pitchFamily="49" charset="0"/>
+              </a:rPr>
+              <a:t>%secuencia de tiempo </a:t>
+            </a:r>
+          </a:p>
+          <a:p>
+            <a:r>
+              <a:rPr lang="es-AR" dirty="0">
+                <a:solidFill>
+                  <a:srgbClr val="000000"/>
+                </a:solidFill>
+                <a:latin typeface="Courier New" panose="02070309020205020404" pitchFamily="49" charset="0"/>
+              </a:rPr>
+              <a:t>y = 1*</a:t>
+            </a:r>
+            <a:r>
+              <a:rPr lang="es-AR" dirty="0" err="1">
+                <a:solidFill>
+                  <a:srgbClr val="000000"/>
+                </a:solidFill>
+                <a:latin typeface="Courier New" panose="02070309020205020404" pitchFamily="49" charset="0"/>
+              </a:rPr>
+              <a:t>square</a:t>
+            </a:r>
+            <a:r>
+              <a:rPr lang="es-AR" dirty="0">
+                <a:solidFill>
+                  <a:srgbClr val="000000"/>
+                </a:solidFill>
+                <a:latin typeface="Courier New" panose="02070309020205020404" pitchFamily="49" charset="0"/>
+              </a:rPr>
+              <a:t>(2*pi*1 * (n*</a:t>
+            </a:r>
+            <a:r>
+              <a:rPr lang="es-AR" dirty="0" err="1">
+                <a:solidFill>
+                  <a:srgbClr val="000000"/>
+                </a:solidFill>
+                <a:latin typeface="Courier New" panose="02070309020205020404" pitchFamily="49" charset="0"/>
+              </a:rPr>
+              <a:t>Ts-deltat</a:t>
+            </a:r>
+            <a:r>
+              <a:rPr lang="es-AR" dirty="0">
+                <a:solidFill>
+                  <a:srgbClr val="000000"/>
+                </a:solidFill>
+                <a:latin typeface="Courier New" panose="02070309020205020404" pitchFamily="49" charset="0"/>
+              </a:rPr>
+              <a:t>),ancho);</a:t>
+            </a:r>
+            <a:r>
+              <a:rPr lang="es-AR" dirty="0">
+                <a:solidFill>
+                  <a:srgbClr val="228B22"/>
+                </a:solidFill>
+                <a:latin typeface="Courier New" panose="02070309020205020404" pitchFamily="49" charset="0"/>
+              </a:rPr>
+              <a:t>%señal cuadrada</a:t>
+            </a:r>
+          </a:p>
+          <a:p>
+            <a:r>
+              <a:rPr lang="es-AR" dirty="0">
+                <a:solidFill>
+                  <a:srgbClr val="000000"/>
+                </a:solidFill>
+                <a:latin typeface="Courier New" panose="02070309020205020404" pitchFamily="49" charset="0"/>
+              </a:rPr>
+              <a:t>y=</a:t>
+            </a:r>
+            <a:r>
+              <a:rPr lang="es-AR" dirty="0" err="1">
+                <a:solidFill>
+                  <a:srgbClr val="000000"/>
+                </a:solidFill>
+                <a:latin typeface="Courier New" panose="02070309020205020404" pitchFamily="49" charset="0"/>
+              </a:rPr>
+              <a:t>heaviside</a:t>
+            </a:r>
+            <a:r>
+              <a:rPr lang="es-AR" dirty="0">
+                <a:solidFill>
+                  <a:srgbClr val="000000"/>
+                </a:solidFill>
+                <a:latin typeface="Courier New" panose="02070309020205020404" pitchFamily="49" charset="0"/>
+              </a:rPr>
+              <a:t>(y);</a:t>
+            </a:r>
+            <a:r>
+              <a:rPr lang="es-AR" dirty="0">
+                <a:solidFill>
+                  <a:srgbClr val="228B22"/>
+                </a:solidFill>
+                <a:latin typeface="Courier New" panose="02070309020205020404" pitchFamily="49" charset="0"/>
+              </a:rPr>
+              <a:t>%acota los valores del pulso entre 0 y 1</a:t>
+            </a:r>
+          </a:p>
+          <a:p>
+            <a:r>
+              <a:rPr lang="es-AR" dirty="0" err="1">
+                <a:solidFill>
+                  <a:srgbClr val="000000"/>
+                </a:solidFill>
+                <a:latin typeface="Courier New" panose="02070309020205020404" pitchFamily="49" charset="0"/>
+              </a:rPr>
+              <a:t>plot</a:t>
+            </a:r>
+            <a:r>
+              <a:rPr lang="es-AR" dirty="0">
+                <a:solidFill>
+                  <a:srgbClr val="000000"/>
+                </a:solidFill>
+                <a:latin typeface="Courier New" panose="02070309020205020404" pitchFamily="49" charset="0"/>
+              </a:rPr>
+              <a:t>(n*</a:t>
+            </a:r>
+            <a:r>
+              <a:rPr lang="es-AR" dirty="0" err="1">
+                <a:solidFill>
+                  <a:srgbClr val="000000"/>
+                </a:solidFill>
+                <a:latin typeface="Courier New" panose="02070309020205020404" pitchFamily="49" charset="0"/>
+              </a:rPr>
+              <a:t>Ts,y</a:t>
+            </a:r>
+            <a:r>
+              <a:rPr lang="es-AR" dirty="0">
+                <a:solidFill>
+                  <a:srgbClr val="000000"/>
+                </a:solidFill>
+                <a:latin typeface="Courier New" panose="02070309020205020404" pitchFamily="49" charset="0"/>
+              </a:rPr>
+              <a:t>,</a:t>
+            </a:r>
+            <a:r>
+              <a:rPr lang="es-AR" dirty="0">
+                <a:solidFill>
+                  <a:srgbClr val="A020F0"/>
+                </a:solidFill>
+                <a:latin typeface="Courier New" panose="02070309020205020404" pitchFamily="49" charset="0"/>
+              </a:rPr>
+              <a:t>'.'</a:t>
+            </a:r>
+            <a:r>
+              <a:rPr lang="es-AR" dirty="0">
+                <a:solidFill>
+                  <a:srgbClr val="000000"/>
+                </a:solidFill>
+                <a:latin typeface="Courier New" panose="02070309020205020404" pitchFamily="49" charset="0"/>
+              </a:rPr>
+              <a:t>) </a:t>
+            </a:r>
+            <a:r>
+              <a:rPr lang="es-AR" dirty="0">
+                <a:solidFill>
+                  <a:srgbClr val="228B22"/>
+                </a:solidFill>
+                <a:latin typeface="Courier New" panose="02070309020205020404" pitchFamily="49" charset="0"/>
+              </a:rPr>
+              <a:t>%grafica la señal a representar</a:t>
+            </a:r>
+          </a:p>
+          <a:p>
+            <a:r>
+              <a:rPr lang="es-AR" dirty="0">
+                <a:solidFill>
+                  <a:srgbClr val="000000"/>
+                </a:solidFill>
+                <a:latin typeface="Courier New" panose="02070309020205020404" pitchFamily="49" charset="0"/>
+              </a:rPr>
+              <a:t>C = </a:t>
+            </a:r>
+            <a:r>
+              <a:rPr lang="es-AR" dirty="0" err="1">
+                <a:solidFill>
+                  <a:srgbClr val="000000"/>
+                </a:solidFill>
+                <a:latin typeface="Courier New" panose="02070309020205020404" pitchFamily="49" charset="0"/>
+              </a:rPr>
+              <a:t>zeros</a:t>
+            </a:r>
+            <a:r>
+              <a:rPr lang="es-AR" dirty="0">
+                <a:solidFill>
+                  <a:srgbClr val="000000"/>
+                </a:solidFill>
+                <a:latin typeface="Courier New" panose="02070309020205020404" pitchFamily="49" charset="0"/>
+              </a:rPr>
+              <a:t>(</a:t>
+            </a:r>
+            <a:r>
+              <a:rPr lang="es-AR" dirty="0" err="1">
+                <a:solidFill>
+                  <a:srgbClr val="000000"/>
+                </a:solidFill>
+                <a:latin typeface="Courier New" panose="02070309020205020404" pitchFamily="49" charset="0"/>
+              </a:rPr>
+              <a:t>size</a:t>
+            </a:r>
+            <a:r>
+              <a:rPr lang="es-AR" dirty="0">
+                <a:solidFill>
+                  <a:srgbClr val="000000"/>
+                </a:solidFill>
+                <a:latin typeface="Courier New" panose="02070309020205020404" pitchFamily="49" charset="0"/>
+              </a:rPr>
+              <a:t>(y)); </a:t>
+            </a:r>
+            <a:r>
+              <a:rPr lang="es-AR" dirty="0">
+                <a:solidFill>
+                  <a:srgbClr val="228B22"/>
+                </a:solidFill>
+                <a:latin typeface="Courier New" panose="02070309020205020404" pitchFamily="49" charset="0"/>
+              </a:rPr>
+              <a:t>%prepara vector de coeficientes con ceros</a:t>
+            </a:r>
+          </a:p>
+          <a:p>
+            <a:r>
+              <a:rPr lang="pt-BR" dirty="0">
+                <a:solidFill>
+                  <a:srgbClr val="000000"/>
+                </a:solidFill>
+                <a:latin typeface="Courier New" panose="02070309020205020404" pitchFamily="49" charset="0"/>
+              </a:rPr>
+              <a:t>  </a:t>
+            </a:r>
+            <a:r>
+              <a:rPr lang="pt-BR" dirty="0">
+                <a:solidFill>
+                  <a:srgbClr val="0000FF"/>
+                </a:solidFill>
+                <a:latin typeface="Courier New" panose="02070309020205020404" pitchFamily="49" charset="0"/>
+              </a:rPr>
+              <a:t>for</a:t>
+            </a:r>
+            <a:r>
+              <a:rPr lang="pt-BR" dirty="0">
+                <a:solidFill>
+                  <a:srgbClr val="000000"/>
+                </a:solidFill>
+                <a:latin typeface="Courier New" panose="02070309020205020404" pitchFamily="49" charset="0"/>
+              </a:rPr>
+              <a:t> k = 0 : N - 1  </a:t>
+            </a:r>
+            <a:r>
+              <a:rPr lang="pt-BR" dirty="0">
+                <a:solidFill>
+                  <a:srgbClr val="228B22"/>
+                </a:solidFill>
+                <a:latin typeface="Courier New" panose="02070309020205020404" pitchFamily="49" charset="0"/>
+              </a:rPr>
+              <a:t>% para cada coeficiente</a:t>
+            </a:r>
+          </a:p>
+          <a:p>
+            <a:r>
+              <a:rPr lang="es-AR" dirty="0">
+                <a:solidFill>
+                  <a:srgbClr val="000000"/>
+                </a:solidFill>
+                <a:latin typeface="Courier New" panose="02070309020205020404" pitchFamily="49" charset="0"/>
+              </a:rPr>
+              <a:t>    s = 0; </a:t>
+            </a:r>
+            <a:r>
+              <a:rPr lang="es-AR" dirty="0">
+                <a:solidFill>
+                  <a:srgbClr val="228B22"/>
+                </a:solidFill>
+                <a:latin typeface="Courier New" panose="02070309020205020404" pitchFamily="49" charset="0"/>
+              </a:rPr>
+              <a:t>%valor inicial del coeficiente</a:t>
+            </a:r>
+          </a:p>
+          <a:p>
+            <a:r>
+              <a:rPr lang="pt-BR" dirty="0">
+                <a:solidFill>
+                  <a:srgbClr val="000000"/>
+                </a:solidFill>
+                <a:latin typeface="Courier New" panose="02070309020205020404" pitchFamily="49" charset="0"/>
+              </a:rPr>
+              <a:t>    </a:t>
+            </a:r>
+            <a:r>
+              <a:rPr lang="pt-BR" dirty="0">
+                <a:solidFill>
+                  <a:srgbClr val="0000FF"/>
+                </a:solidFill>
+                <a:latin typeface="Courier New" panose="02070309020205020404" pitchFamily="49" charset="0"/>
+              </a:rPr>
+              <a:t>for</a:t>
+            </a:r>
+            <a:r>
+              <a:rPr lang="pt-BR" dirty="0">
+                <a:solidFill>
+                  <a:srgbClr val="000000"/>
+                </a:solidFill>
+                <a:latin typeface="Courier New" panose="02070309020205020404" pitchFamily="49" charset="0"/>
+              </a:rPr>
+              <a:t> n = 0 : N - 1  </a:t>
+            </a:r>
+            <a:r>
+              <a:rPr lang="pt-BR" dirty="0">
+                <a:solidFill>
+                  <a:srgbClr val="228B22"/>
+                </a:solidFill>
+                <a:latin typeface="Courier New" panose="02070309020205020404" pitchFamily="49" charset="0"/>
+              </a:rPr>
+              <a:t>% para cada valor de </a:t>
+            </a:r>
+            <a:r>
+              <a:rPr lang="pt-BR" dirty="0" err="1">
+                <a:solidFill>
+                  <a:srgbClr val="228B22"/>
+                </a:solidFill>
+                <a:latin typeface="Courier New" panose="02070309020205020404" pitchFamily="49" charset="0"/>
+              </a:rPr>
+              <a:t>tiempo</a:t>
+            </a:r>
+            <a:endParaRPr lang="pt-BR" dirty="0">
+              <a:solidFill>
+                <a:srgbClr val="228B22"/>
+              </a:solidFill>
+              <a:latin typeface="Courier New" panose="02070309020205020404" pitchFamily="49" charset="0"/>
+            </a:endParaRPr>
+          </a:p>
+          <a:p>
+            <a:r>
+              <a:rPr lang="pt-BR" dirty="0">
+                <a:solidFill>
+                  <a:srgbClr val="000000"/>
+                </a:solidFill>
+                <a:latin typeface="Courier New" panose="02070309020205020404" pitchFamily="49" charset="0"/>
+              </a:rPr>
+              <a:t>      </a:t>
+            </a:r>
+            <a:r>
+              <a:rPr lang="pt-BR" dirty="0">
+                <a:solidFill>
+                  <a:srgbClr val="228B22"/>
+                </a:solidFill>
+                <a:latin typeface="Courier New" panose="02070309020205020404" pitchFamily="49" charset="0"/>
+              </a:rPr>
+              <a:t>%s =  s+y1(n + 1) * </a:t>
+            </a:r>
+            <a:r>
+              <a:rPr lang="pt-BR" dirty="0" err="1">
+                <a:solidFill>
+                  <a:srgbClr val="228B22"/>
+                </a:solidFill>
+                <a:latin typeface="Courier New" panose="02070309020205020404" pitchFamily="49" charset="0"/>
+              </a:rPr>
+              <a:t>exp</a:t>
+            </a:r>
+            <a:r>
+              <a:rPr lang="pt-BR" dirty="0">
+                <a:solidFill>
+                  <a:srgbClr val="228B22"/>
+                </a:solidFill>
+                <a:latin typeface="Courier New" panose="02070309020205020404" pitchFamily="49" charset="0"/>
+              </a:rPr>
+              <a:t>(-j*(2 * </a:t>
+            </a:r>
+            <a:r>
+              <a:rPr lang="pt-BR" dirty="0" err="1">
+                <a:solidFill>
+                  <a:srgbClr val="228B22"/>
+                </a:solidFill>
+                <a:latin typeface="Courier New" panose="02070309020205020404" pitchFamily="49" charset="0"/>
+              </a:rPr>
+              <a:t>pi</a:t>
+            </a:r>
+            <a:r>
+              <a:rPr lang="pt-BR" dirty="0">
+                <a:solidFill>
+                  <a:srgbClr val="228B22"/>
+                </a:solidFill>
+                <a:latin typeface="Courier New" panose="02070309020205020404" pitchFamily="49" charset="0"/>
+              </a:rPr>
+              <a:t> * k / N)*n); %valor parcial de </a:t>
+            </a:r>
+            <a:r>
+              <a:rPr lang="pt-BR" dirty="0" err="1">
+                <a:solidFill>
+                  <a:srgbClr val="228B22"/>
+                </a:solidFill>
+                <a:latin typeface="Courier New" panose="02070309020205020404" pitchFamily="49" charset="0"/>
+              </a:rPr>
+              <a:t>coef</a:t>
+            </a:r>
+            <a:r>
+              <a:rPr lang="pt-BR" dirty="0">
+                <a:solidFill>
+                  <a:srgbClr val="228B22"/>
+                </a:solidFill>
+                <a:latin typeface="Courier New" panose="02070309020205020404" pitchFamily="49" charset="0"/>
+              </a:rPr>
+              <a:t>. </a:t>
+            </a:r>
+          </a:p>
+          <a:p>
+            <a:r>
+              <a:rPr lang="pt-BR" dirty="0">
+                <a:solidFill>
+                  <a:srgbClr val="000000"/>
+                </a:solidFill>
+                <a:latin typeface="Courier New" panose="02070309020205020404" pitchFamily="49" charset="0"/>
+              </a:rPr>
+              <a:t>      s =  </a:t>
+            </a:r>
+            <a:r>
+              <a:rPr lang="pt-BR" dirty="0" err="1">
+                <a:solidFill>
+                  <a:srgbClr val="000000"/>
+                </a:solidFill>
+                <a:latin typeface="Courier New" panose="02070309020205020404" pitchFamily="49" charset="0"/>
+              </a:rPr>
+              <a:t>s+y</a:t>
+            </a:r>
+            <a:r>
+              <a:rPr lang="pt-BR" dirty="0">
+                <a:solidFill>
+                  <a:srgbClr val="000000"/>
+                </a:solidFill>
+                <a:latin typeface="Courier New" panose="02070309020205020404" pitchFamily="49" charset="0"/>
+              </a:rPr>
+              <a:t>(n + 1) * </a:t>
+            </a:r>
+            <a:r>
+              <a:rPr lang="pt-BR" dirty="0" err="1">
+                <a:solidFill>
+                  <a:srgbClr val="000000"/>
+                </a:solidFill>
+                <a:latin typeface="Courier New" panose="02070309020205020404" pitchFamily="49" charset="0"/>
+              </a:rPr>
+              <a:t>exp</a:t>
+            </a:r>
+            <a:r>
+              <a:rPr lang="pt-BR" dirty="0">
+                <a:solidFill>
+                  <a:srgbClr val="000000"/>
+                </a:solidFill>
+                <a:latin typeface="Courier New" panose="02070309020205020404" pitchFamily="49" charset="0"/>
+              </a:rPr>
+              <a:t>(-j*(2 * </a:t>
+            </a:r>
+            <a:r>
+              <a:rPr lang="pt-BR" dirty="0" err="1">
+                <a:solidFill>
+                  <a:srgbClr val="000000"/>
+                </a:solidFill>
+                <a:latin typeface="Courier New" panose="02070309020205020404" pitchFamily="49" charset="0"/>
+              </a:rPr>
+              <a:t>pi</a:t>
+            </a:r>
+            <a:r>
+              <a:rPr lang="pt-BR" dirty="0">
+                <a:solidFill>
+                  <a:srgbClr val="000000"/>
+                </a:solidFill>
+                <a:latin typeface="Courier New" panose="02070309020205020404" pitchFamily="49" charset="0"/>
+              </a:rPr>
+              <a:t> *k*</a:t>
+            </a:r>
+            <a:r>
+              <a:rPr lang="pt-BR" dirty="0" err="1">
+                <a:solidFill>
+                  <a:srgbClr val="000000"/>
+                </a:solidFill>
+                <a:latin typeface="Courier New" panose="02070309020205020404" pitchFamily="49" charset="0"/>
+              </a:rPr>
+              <a:t>Ts</a:t>
+            </a:r>
+            <a:r>
+              <a:rPr lang="pt-BR" dirty="0">
+                <a:solidFill>
+                  <a:srgbClr val="000000"/>
+                </a:solidFill>
+                <a:latin typeface="Courier New" panose="02070309020205020404" pitchFamily="49" charset="0"/>
+              </a:rPr>
+              <a:t>)*n); </a:t>
+            </a:r>
+            <a:r>
+              <a:rPr lang="pt-BR" dirty="0">
+                <a:solidFill>
+                  <a:srgbClr val="228B22"/>
+                </a:solidFill>
+                <a:latin typeface="Courier New" panose="02070309020205020404" pitchFamily="49" charset="0"/>
+              </a:rPr>
+              <a:t>%valor parcial de </a:t>
+            </a:r>
+            <a:r>
+              <a:rPr lang="pt-BR" dirty="0" err="1">
+                <a:solidFill>
+                  <a:srgbClr val="228B22"/>
+                </a:solidFill>
+                <a:latin typeface="Courier New" panose="02070309020205020404" pitchFamily="49" charset="0"/>
+              </a:rPr>
+              <a:t>coef</a:t>
+            </a:r>
+            <a:r>
+              <a:rPr lang="pt-BR" dirty="0">
+                <a:solidFill>
+                  <a:srgbClr val="228B22"/>
+                </a:solidFill>
+                <a:latin typeface="Courier New" panose="02070309020205020404" pitchFamily="49" charset="0"/>
+              </a:rPr>
+              <a:t>.</a:t>
+            </a:r>
+          </a:p>
+          <a:p>
+            <a:r>
+              <a:rPr lang="es-AR" dirty="0">
+                <a:solidFill>
+                  <a:srgbClr val="000000"/>
+                </a:solidFill>
+                <a:latin typeface="Courier New" panose="02070309020205020404" pitchFamily="49" charset="0"/>
+              </a:rPr>
+              <a:t>    </a:t>
+            </a:r>
+            <a:r>
+              <a:rPr lang="es-AR" dirty="0" err="1">
+                <a:solidFill>
+                  <a:srgbClr val="0000FF"/>
+                </a:solidFill>
+                <a:latin typeface="Courier New" panose="02070309020205020404" pitchFamily="49" charset="0"/>
+              </a:rPr>
+              <a:t>end</a:t>
+            </a:r>
+            <a:endParaRPr lang="es-AR" dirty="0">
+              <a:solidFill>
+                <a:srgbClr val="0000FF"/>
+              </a:solidFill>
+              <a:latin typeface="Courier New" panose="02070309020205020404" pitchFamily="49" charset="0"/>
+            </a:endParaRPr>
+          </a:p>
+          <a:p>
+            <a:r>
+              <a:rPr lang="pt-BR" dirty="0">
+                <a:solidFill>
+                  <a:srgbClr val="000000"/>
+                </a:solidFill>
+                <a:latin typeface="Courier New" panose="02070309020205020404" pitchFamily="49" charset="0"/>
+              </a:rPr>
+              <a:t>    C(k + 1) = s/N; </a:t>
+            </a:r>
+            <a:r>
+              <a:rPr lang="pt-BR" dirty="0">
+                <a:solidFill>
+                  <a:srgbClr val="228B22"/>
+                </a:solidFill>
+                <a:latin typeface="Courier New" panose="02070309020205020404" pitchFamily="49" charset="0"/>
+              </a:rPr>
+              <a:t>% valor final de cada coeficiente</a:t>
+            </a:r>
+          </a:p>
+          <a:p>
+            <a:r>
+              <a:rPr lang="es-AR" dirty="0">
+                <a:solidFill>
+                  <a:srgbClr val="000000"/>
+                </a:solidFill>
+                <a:latin typeface="Courier New" panose="02070309020205020404" pitchFamily="49" charset="0"/>
+              </a:rPr>
+              <a:t>  </a:t>
+            </a:r>
+            <a:r>
+              <a:rPr lang="es-AR" dirty="0" err="1">
+                <a:solidFill>
+                  <a:srgbClr val="0000FF"/>
+                </a:solidFill>
+                <a:latin typeface="Courier New" panose="02070309020205020404" pitchFamily="49" charset="0"/>
+              </a:rPr>
+              <a:t>end</a:t>
+            </a:r>
+            <a:endParaRPr lang="es-AR" dirty="0">
+              <a:solidFill>
+                <a:srgbClr val="0000FF"/>
+              </a:solidFill>
+              <a:latin typeface="Courier New" panose="02070309020205020404" pitchFamily="49" charset="0"/>
+            </a:endParaRPr>
+          </a:p>
+          <a:p>
+            <a:r>
+              <a:rPr lang="es-AR" dirty="0">
+                <a:solidFill>
+                  <a:srgbClr val="000000"/>
+                </a:solidFill>
+                <a:latin typeface="Courier New" panose="02070309020205020404" pitchFamily="49" charset="0"/>
+              </a:rPr>
+              <a:t>  </a:t>
+            </a:r>
+            <a:r>
+              <a:rPr lang="es-AR" dirty="0" err="1">
+                <a:solidFill>
+                  <a:srgbClr val="000000"/>
+                </a:solidFill>
+                <a:latin typeface="Courier New" panose="02070309020205020404" pitchFamily="49" charset="0"/>
+              </a:rPr>
+              <a:t>deltaf</a:t>
+            </a:r>
+            <a:r>
+              <a:rPr lang="es-AR" dirty="0">
+                <a:solidFill>
+                  <a:srgbClr val="000000"/>
+                </a:solidFill>
+                <a:latin typeface="Courier New" panose="02070309020205020404" pitchFamily="49" charset="0"/>
+              </a:rPr>
+              <a:t>=</a:t>
+            </a:r>
+            <a:r>
+              <a:rPr lang="es-AR" dirty="0" err="1">
+                <a:solidFill>
+                  <a:srgbClr val="000000"/>
+                </a:solidFill>
+                <a:latin typeface="Courier New" panose="02070309020205020404" pitchFamily="49" charset="0"/>
+              </a:rPr>
+              <a:t>fs</a:t>
+            </a:r>
+            <a:r>
+              <a:rPr lang="es-AR" dirty="0">
+                <a:solidFill>
+                  <a:srgbClr val="000000"/>
+                </a:solidFill>
+                <a:latin typeface="Courier New" panose="02070309020205020404" pitchFamily="49" charset="0"/>
+              </a:rPr>
+              <a:t>/N;</a:t>
+            </a:r>
+          </a:p>
+          <a:p>
+            <a:r>
+              <a:rPr lang="es-AR" dirty="0">
+                <a:solidFill>
+                  <a:srgbClr val="228B22"/>
+                </a:solidFill>
+                <a:latin typeface="Courier New" panose="02070309020205020404" pitchFamily="49" charset="0"/>
+              </a:rPr>
+              <a:t>%grafica la amplitud de los coeficientes (amplitud del espectro de </a:t>
+            </a:r>
+            <a:r>
+              <a:rPr lang="es-AR" dirty="0" err="1">
+                <a:solidFill>
+                  <a:srgbClr val="228B22"/>
+                </a:solidFill>
+                <a:latin typeface="Courier New" panose="02070309020205020404" pitchFamily="49" charset="0"/>
+              </a:rPr>
+              <a:t>frec</a:t>
+            </a:r>
+            <a:r>
+              <a:rPr lang="es-AR" dirty="0">
+                <a:solidFill>
+                  <a:srgbClr val="228B22"/>
+                </a:solidFill>
+                <a:latin typeface="Courier New" panose="02070309020205020404" pitchFamily="49" charset="0"/>
+              </a:rPr>
+              <a:t>.)</a:t>
+            </a:r>
+          </a:p>
+          <a:p>
+            <a:r>
+              <a:rPr lang="es-AR" dirty="0">
+                <a:solidFill>
+                  <a:srgbClr val="000000"/>
+                </a:solidFill>
+                <a:latin typeface="Courier New" panose="02070309020205020404" pitchFamily="49" charset="0"/>
+              </a:rPr>
+              <a:t>  figure</a:t>
+            </a:r>
+          </a:p>
+          <a:p>
+            <a:r>
+              <a:rPr lang="es-AR" dirty="0">
+                <a:solidFill>
+                  <a:srgbClr val="000000"/>
+                </a:solidFill>
+                <a:latin typeface="Courier New" panose="02070309020205020404" pitchFamily="49" charset="0"/>
+              </a:rPr>
+              <a:t>  </a:t>
+            </a:r>
+            <a:r>
+              <a:rPr lang="es-AR" dirty="0" err="1">
+                <a:solidFill>
+                  <a:srgbClr val="000000"/>
+                </a:solidFill>
+                <a:latin typeface="Courier New" panose="02070309020205020404" pitchFamily="49" charset="0"/>
+              </a:rPr>
+              <a:t>fre</a:t>
+            </a:r>
+            <a:r>
+              <a:rPr lang="es-AR" dirty="0">
+                <a:solidFill>
+                  <a:srgbClr val="000000"/>
+                </a:solidFill>
+                <a:latin typeface="Courier New" panose="02070309020205020404" pitchFamily="49" charset="0"/>
+              </a:rPr>
+              <a:t>=0:deltaf:(</a:t>
+            </a:r>
+            <a:r>
+              <a:rPr lang="es-AR" dirty="0" err="1">
+                <a:solidFill>
+                  <a:srgbClr val="000000"/>
+                </a:solidFill>
+                <a:latin typeface="Courier New" panose="02070309020205020404" pitchFamily="49" charset="0"/>
+              </a:rPr>
+              <a:t>length</a:t>
+            </a:r>
+            <a:r>
+              <a:rPr lang="es-AR" dirty="0">
+                <a:solidFill>
+                  <a:srgbClr val="000000"/>
+                </a:solidFill>
+                <a:latin typeface="Courier New" panose="02070309020205020404" pitchFamily="49" charset="0"/>
+              </a:rPr>
+              <a:t>(C)-1)*</a:t>
+            </a:r>
+            <a:r>
+              <a:rPr lang="es-AR" dirty="0" err="1">
+                <a:solidFill>
+                  <a:srgbClr val="000000"/>
+                </a:solidFill>
+                <a:latin typeface="Courier New" panose="02070309020205020404" pitchFamily="49" charset="0"/>
+              </a:rPr>
+              <a:t>deltaf</a:t>
+            </a:r>
+            <a:r>
+              <a:rPr lang="es-AR" dirty="0">
+                <a:solidFill>
+                  <a:srgbClr val="000000"/>
+                </a:solidFill>
+                <a:latin typeface="Courier New" panose="02070309020205020404" pitchFamily="49" charset="0"/>
+              </a:rPr>
+              <a:t>;</a:t>
+            </a:r>
+          </a:p>
+          <a:p>
+            <a:r>
+              <a:rPr lang="es-AR" dirty="0">
+                <a:solidFill>
+                  <a:srgbClr val="000000"/>
+                </a:solidFill>
+                <a:latin typeface="Courier New" panose="02070309020205020404" pitchFamily="49" charset="0"/>
+              </a:rPr>
+              <a:t>  </a:t>
+            </a:r>
+            <a:r>
+              <a:rPr lang="es-AR" dirty="0" err="1">
+                <a:solidFill>
+                  <a:srgbClr val="000000"/>
+                </a:solidFill>
+                <a:latin typeface="Courier New" panose="02070309020205020404" pitchFamily="49" charset="0"/>
+              </a:rPr>
+              <a:t>stem</a:t>
+            </a:r>
+            <a:r>
+              <a:rPr lang="es-AR" dirty="0">
+                <a:solidFill>
+                  <a:srgbClr val="000000"/>
+                </a:solidFill>
+                <a:latin typeface="Courier New" panose="02070309020205020404" pitchFamily="49" charset="0"/>
+              </a:rPr>
+              <a:t>(</a:t>
+            </a:r>
+            <a:r>
+              <a:rPr lang="es-AR" dirty="0" err="1">
+                <a:solidFill>
+                  <a:srgbClr val="000000"/>
+                </a:solidFill>
+                <a:latin typeface="Courier New" panose="02070309020205020404" pitchFamily="49" charset="0"/>
+              </a:rPr>
+              <a:t>fre,abs</a:t>
+            </a:r>
+            <a:r>
+              <a:rPr lang="es-AR" dirty="0">
+                <a:solidFill>
+                  <a:srgbClr val="000000"/>
+                </a:solidFill>
+                <a:latin typeface="Courier New" panose="02070309020205020404" pitchFamily="49" charset="0"/>
+              </a:rPr>
+              <a:t>(C))</a:t>
+            </a:r>
+          </a:p>
+        </p:txBody>
+      </p:sp>
+    </p:spTree>
+    <p:extLst>
+      <p:ext uri="{BB962C8B-B14F-4D97-AF65-F5344CB8AC3E}">
+        <p14:creationId xmlns:p14="http://schemas.microsoft.com/office/powerpoint/2010/main" val="3031141251"/>
       </p:ext>
     </p:extLst>
   </p:cSld>

--- a/TP4/Presentacion-TP-4.pptx
+++ b/TP4/Presentacion-TP-4.pptx
@@ -5,20 +5,21 @@
     <p:sldMasterId id="2147483648" r:id="rId1"/>
   </p:sldMasterIdLst>
   <p:sldIdLst>
-    <p:sldId id="257" r:id="rId2"/>
-    <p:sldId id="258" r:id="rId3"/>
-    <p:sldId id="259" r:id="rId4"/>
-    <p:sldId id="260" r:id="rId5"/>
-    <p:sldId id="261" r:id="rId6"/>
-    <p:sldId id="262" r:id="rId7"/>
-    <p:sldId id="263" r:id="rId8"/>
-    <p:sldId id="264" r:id="rId9"/>
-    <p:sldId id="265" r:id="rId10"/>
-    <p:sldId id="266" r:id="rId11"/>
-    <p:sldId id="267" r:id="rId12"/>
-    <p:sldId id="268" r:id="rId13"/>
-    <p:sldId id="269" r:id="rId14"/>
-    <p:sldId id="270" r:id="rId15"/>
+    <p:sldId id="271" r:id="rId2"/>
+    <p:sldId id="257" r:id="rId3"/>
+    <p:sldId id="258" r:id="rId4"/>
+    <p:sldId id="259" r:id="rId5"/>
+    <p:sldId id="260" r:id="rId6"/>
+    <p:sldId id="261" r:id="rId7"/>
+    <p:sldId id="262" r:id="rId8"/>
+    <p:sldId id="263" r:id="rId9"/>
+    <p:sldId id="264" r:id="rId10"/>
+    <p:sldId id="265" r:id="rId11"/>
+    <p:sldId id="266" r:id="rId12"/>
+    <p:sldId id="267" r:id="rId13"/>
+    <p:sldId id="268" r:id="rId14"/>
+    <p:sldId id="269" r:id="rId15"/>
+    <p:sldId id="270" r:id="rId16"/>
   </p:sldIdLst>
   <p:sldSz cx="12192000" cy="6858000"/>
   <p:notesSz cx="6858000" cy="9144000"/>
@@ -256,7 +257,7 @@
           <a:p>
             <a:fld id="{027BBF4C-5512-42A2-B10F-7DE8FA9D1287}" type="datetimeFigureOut">
               <a:rPr lang="es-AR" smtClean="0"/>
-              <a:t>18/9/2023</a:t>
+              <a:t>29/9/2024</a:t>
             </a:fld>
             <a:endParaRPr lang="es-AR"/>
           </a:p>
@@ -426,7 +427,7 @@
           <a:p>
             <a:fld id="{027BBF4C-5512-42A2-B10F-7DE8FA9D1287}" type="datetimeFigureOut">
               <a:rPr lang="es-AR" smtClean="0"/>
-              <a:t>18/9/2023</a:t>
+              <a:t>29/9/2024</a:t>
             </a:fld>
             <a:endParaRPr lang="es-AR"/>
           </a:p>
@@ -606,7 +607,7 @@
           <a:p>
             <a:fld id="{027BBF4C-5512-42A2-B10F-7DE8FA9D1287}" type="datetimeFigureOut">
               <a:rPr lang="es-AR" smtClean="0"/>
-              <a:t>18/9/2023</a:t>
+              <a:t>29/9/2024</a:t>
             </a:fld>
             <a:endParaRPr lang="es-AR"/>
           </a:p>
@@ -776,7 +777,7 @@
           <a:p>
             <a:fld id="{027BBF4C-5512-42A2-B10F-7DE8FA9D1287}" type="datetimeFigureOut">
               <a:rPr lang="es-AR" smtClean="0"/>
-              <a:t>18/9/2023</a:t>
+              <a:t>29/9/2024</a:t>
             </a:fld>
             <a:endParaRPr lang="es-AR"/>
           </a:p>
@@ -1022,7 +1023,7 @@
           <a:p>
             <a:fld id="{027BBF4C-5512-42A2-B10F-7DE8FA9D1287}" type="datetimeFigureOut">
               <a:rPr lang="es-AR" smtClean="0"/>
-              <a:t>18/9/2023</a:t>
+              <a:t>29/9/2024</a:t>
             </a:fld>
             <a:endParaRPr lang="es-AR"/>
           </a:p>
@@ -1254,7 +1255,7 @@
           <a:p>
             <a:fld id="{027BBF4C-5512-42A2-B10F-7DE8FA9D1287}" type="datetimeFigureOut">
               <a:rPr lang="es-AR" smtClean="0"/>
-              <a:t>18/9/2023</a:t>
+              <a:t>29/9/2024</a:t>
             </a:fld>
             <a:endParaRPr lang="es-AR"/>
           </a:p>
@@ -1621,7 +1622,7 @@
           <a:p>
             <a:fld id="{027BBF4C-5512-42A2-B10F-7DE8FA9D1287}" type="datetimeFigureOut">
               <a:rPr lang="es-AR" smtClean="0"/>
-              <a:t>18/9/2023</a:t>
+              <a:t>29/9/2024</a:t>
             </a:fld>
             <a:endParaRPr lang="es-AR"/>
           </a:p>
@@ -1739,7 +1740,7 @@
           <a:p>
             <a:fld id="{027BBF4C-5512-42A2-B10F-7DE8FA9D1287}" type="datetimeFigureOut">
               <a:rPr lang="es-AR" smtClean="0"/>
-              <a:t>18/9/2023</a:t>
+              <a:t>29/9/2024</a:t>
             </a:fld>
             <a:endParaRPr lang="es-AR"/>
           </a:p>
@@ -1834,7 +1835,7 @@
           <a:p>
             <a:fld id="{027BBF4C-5512-42A2-B10F-7DE8FA9D1287}" type="datetimeFigureOut">
               <a:rPr lang="es-AR" smtClean="0"/>
-              <a:t>18/9/2023</a:t>
+              <a:t>29/9/2024</a:t>
             </a:fld>
             <a:endParaRPr lang="es-AR"/>
           </a:p>
@@ -2111,7 +2112,7 @@
           <a:p>
             <a:fld id="{027BBF4C-5512-42A2-B10F-7DE8FA9D1287}" type="datetimeFigureOut">
               <a:rPr lang="es-AR" smtClean="0"/>
-              <a:t>18/9/2023</a:t>
+              <a:t>29/9/2024</a:t>
             </a:fld>
             <a:endParaRPr lang="es-AR"/>
           </a:p>
@@ -2364,7 +2365,7 @@
           <a:p>
             <a:fld id="{027BBF4C-5512-42A2-B10F-7DE8FA9D1287}" type="datetimeFigureOut">
               <a:rPr lang="es-AR" smtClean="0"/>
-              <a:t>18/9/2023</a:t>
+              <a:t>29/9/2024</a:t>
             </a:fld>
             <a:endParaRPr lang="es-AR"/>
           </a:p>
@@ -2577,7 +2578,7 @@
           <a:p>
             <a:fld id="{027BBF4C-5512-42A2-B10F-7DE8FA9D1287}" type="datetimeFigureOut">
               <a:rPr lang="es-AR" smtClean="0"/>
-              <a:t>18/9/2023</a:t>
+              <a:t>29/9/2024</a:t>
             </a:fld>
             <a:endParaRPr lang="es-AR"/>
           </a:p>
@@ -2984,121 +2985,84 @@
       </p:grpSpPr>
       <p:sp>
         <p:nvSpPr>
-          <p:cNvPr id="4" name="9 CuadroTexto"/>
-          <p:cNvSpPr txBox="1"/>
+          <p:cNvPr id="4" name="Rectángulo 3"/>
+          <p:cNvSpPr/>
           <p:nvPr/>
         </p:nvSpPr>
         <p:spPr>
           <a:xfrm>
-            <a:off x="3216700" y="921296"/>
-            <a:ext cx="4127092" cy="369332"/>
+            <a:off x="64655" y="769171"/>
+            <a:ext cx="12201236" cy="923330"/>
           </a:xfrm>
           <a:prstGeom prst="rect">
             <a:avLst/>
           </a:prstGeom>
-          <a:noFill/>
         </p:spPr>
         <p:txBody>
-          <a:bodyPr wrap="none" rtlCol="0">
+          <a:bodyPr wrap="square">
             <a:spAutoFit/>
           </a:bodyPr>
           <a:lstStyle/>
           <a:p>
             <a:r>
-              <a:rPr lang="es-AR" dirty="0" smtClean="0"/>
-              <a:t>,   Transformada Discreta de Fourier  (TDF)</a:t>
-            </a:r>
+              <a:rPr lang="es-ES" dirty="0" smtClean="0">
+                <a:solidFill>
+                  <a:srgbClr val="000000"/>
+                </a:solidFill>
+                <a:latin typeface="Times New Roman" panose="02020603050405020304" pitchFamily="18" charset="0"/>
+                <a:ea typeface="Times New Roman" panose="02020603050405020304" pitchFamily="18" charset="0"/>
+              </a:rPr>
+              <a:t>Si </a:t>
+            </a:r>
+            <a:r>
+              <a:rPr lang="es-ES" dirty="0">
+                <a:solidFill>
+                  <a:srgbClr val="000000"/>
+                </a:solidFill>
+                <a:latin typeface="Times New Roman" panose="02020603050405020304" pitchFamily="18" charset="0"/>
+                <a:ea typeface="Times New Roman" panose="02020603050405020304" pitchFamily="18" charset="0"/>
+              </a:rPr>
+              <a:t>se conoce el resultado de la aplicación de la Transformada Continua de Fourier a una función del </a:t>
+            </a:r>
+            <a:r>
+              <a:rPr lang="es-ES" dirty="0" smtClean="0">
+                <a:solidFill>
+                  <a:srgbClr val="000000"/>
+                </a:solidFill>
+                <a:latin typeface="Times New Roman" panose="02020603050405020304" pitchFamily="18" charset="0"/>
+                <a:ea typeface="Times New Roman" panose="02020603050405020304" pitchFamily="18" charset="0"/>
+              </a:rPr>
+              <a:t>tiempo, </a:t>
+            </a:r>
+            <a:r>
+              <a:rPr lang="es-ES" dirty="0">
+                <a:solidFill>
+                  <a:srgbClr val="000000"/>
+                </a:solidFill>
+                <a:latin typeface="Times New Roman" panose="02020603050405020304" pitchFamily="18" charset="0"/>
+                <a:ea typeface="Times New Roman" panose="02020603050405020304" pitchFamily="18" charset="0"/>
+              </a:rPr>
+              <a:t>a esa misma señal, "muestreada", se le aplica la Transformada Discreta de </a:t>
+            </a:r>
+            <a:r>
+              <a:rPr lang="es-ES" dirty="0" smtClean="0">
+                <a:solidFill>
+                  <a:srgbClr val="000000"/>
+                </a:solidFill>
+                <a:latin typeface="Times New Roman" panose="02020603050405020304" pitchFamily="18" charset="0"/>
+                <a:ea typeface="Times New Roman" panose="02020603050405020304" pitchFamily="18" charset="0"/>
+              </a:rPr>
+              <a:t>Fourier.</a:t>
+            </a:r>
+          </a:p>
+          <a:p>
             <a:endParaRPr lang="es-AR" dirty="0"/>
           </a:p>
         </p:txBody>
       </p:sp>
-      <p:graphicFrame>
-        <p:nvGraphicFramePr>
-          <p:cNvPr id="5" name="Object 7"/>
-          <p:cNvGraphicFramePr>
-            <a:graphicFrameLocks noChangeAspect="1"/>
-          </p:cNvGraphicFramePr>
-          <p:nvPr>
-            <p:extLst>
-              <p:ext uri="{D42A27DB-BD31-4B8C-83A1-F6EECF244321}">
-                <p14:modId xmlns:p14="http://schemas.microsoft.com/office/powerpoint/2010/main" val="141827668"/>
-              </p:ext>
-            </p:extLst>
-          </p:nvPr>
-        </p:nvGraphicFramePr>
-        <p:xfrm>
-          <a:off x="771496" y="719124"/>
-          <a:ext cx="2374900" cy="769938"/>
-        </p:xfrm>
-        <a:graphic>
-          <a:graphicData uri="http://schemas.openxmlformats.org/presentationml/2006/ole">
-            <mc:AlternateContent xmlns:mc="http://schemas.openxmlformats.org/markup-compatibility/2006">
-              <mc:Choice xmlns:v="urn:schemas-microsoft-com:vml" Requires="v">
-                <p:oleObj spid="_x0000_s1054" name="Ecuación" r:id="rId3" imgW="1371600" imgH="444240" progId="Equation.3">
-                  <p:embed/>
-                </p:oleObj>
-              </mc:Choice>
-              <mc:Fallback>
-                <p:oleObj name="Ecuación" r:id="rId3" imgW="1371600" imgH="444240" progId="Equation.3">
-                  <p:embed/>
-                  <p:pic>
-                    <p:nvPicPr>
-                      <p:cNvPr id="1031" name="Object 7"/>
-                      <p:cNvPicPr>
-                        <a:picLocks noChangeAspect="1" noChangeArrowheads="1"/>
-                      </p:cNvPicPr>
-                      <p:nvPr/>
-                    </p:nvPicPr>
-                    <p:blipFill>
-                      <a:blip r:embed="rId4">
-                        <a:extLst>
-                          <a:ext uri="{28A0092B-C50C-407E-A947-70E740481C1C}">
-                            <a14:useLocalDpi xmlns:a14="http://schemas.microsoft.com/office/drawing/2010/main" val="0"/>
-                          </a:ext>
-                        </a:extLst>
-                      </a:blip>
-                      <a:srcRect/>
-                      <a:stretch>
-                        <a:fillRect/>
-                      </a:stretch>
-                    </p:blipFill>
-                    <p:spPr bwMode="auto">
-                      <a:xfrm>
-                        <a:off x="771496" y="719124"/>
-                        <a:ext cx="2374900" cy="769938"/>
-                      </a:xfrm>
-                      <a:prstGeom prst="rect">
-                        <a:avLst/>
-                      </a:prstGeom>
-                      <a:noFill/>
-                      <a:ln w="34925">
-                        <a:solidFill>
-                          <a:srgbClr val="FF0000"/>
-                        </a:solidFill>
-                        <a:miter lim="800000"/>
-                        <a:headEnd/>
-                        <a:tailEnd/>
-                      </a:ln>
-                      <a:extLst>
-                        <a:ext uri="{909E8E84-426E-40DD-AFC4-6F175D3DCCD1}">
-                          <a14:hiddenFill xmlns:a14="http://schemas.microsoft.com/office/drawing/2010/main">
-                            <a:solidFill>
-                              <a:srgbClr val="FFFFFF"/>
-                            </a:solidFill>
-                          </a14:hiddenFill>
-                        </a:ext>
-                      </a:extLst>
-                    </p:spPr>
-                  </p:pic>
-                </p:oleObj>
-              </mc:Fallback>
-            </mc:AlternateContent>
-          </a:graphicData>
-        </a:graphic>
-      </p:graphicFrame>
       <p:sp>
         <p:nvSpPr>
-          <p:cNvPr id="6" name="8 CuadroTexto"/>
+          <p:cNvPr id="5" name="8 CuadroTexto"/>
           <p:cNvSpPr txBox="1"/>
           <p:nvPr/>
         </p:nvSpPr>
@@ -3130,16 +3094,70 @@
           </a:p>
         </p:txBody>
       </p:sp>
+      <p:pic>
+        <p:nvPicPr>
+          <p:cNvPr id="2050" name="Picture 2"/>
+          <p:cNvPicPr>
+            <a:picLocks noChangeAspect="1" noChangeArrowheads="1"/>
+          </p:cNvPicPr>
+          <p:nvPr/>
+        </p:nvPicPr>
+        <p:blipFill>
+          <a:blip r:embed="rId2">
+            <a:extLst>
+              <a:ext uri="{28A0092B-C50C-407E-A947-70E740481C1C}">
+                <a14:useLocalDpi xmlns:a14="http://schemas.microsoft.com/office/drawing/2010/main" val="0"/>
+              </a:ext>
+            </a:extLst>
+          </a:blip>
+          <a:srcRect r="27760"/>
+          <a:stretch>
+            <a:fillRect/>
+          </a:stretch>
+        </p:blipFill>
+        <p:spPr bwMode="auto">
+          <a:xfrm>
+            <a:off x="2730847" y="1368133"/>
+            <a:ext cx="4436571" cy="1073820"/>
+          </a:xfrm>
+          <a:prstGeom prst="rect">
+            <a:avLst/>
+          </a:prstGeom>
+          <a:noFill/>
+          <a:ln>
+            <a:noFill/>
+          </a:ln>
+          <a:extLst>
+            <a:ext uri="{909E8E84-426E-40DD-AFC4-6F175D3DCCD1}">
+              <a14:hiddenFill xmlns:a14="http://schemas.microsoft.com/office/drawing/2010/main">
+                <a:solidFill>
+                  <a:srgbClr val="FFFFFF"/>
+                </a:solidFill>
+              </a14:hiddenFill>
+            </a:ext>
+            <a:ext uri="{91240B29-F687-4F45-9708-019B960494DF}">
+              <a14:hiddenLine xmlns:a14="http://schemas.microsoft.com/office/drawing/2010/main" w="9525">
+                <a:solidFill>
+                  <a:srgbClr val="000000"/>
+                </a:solidFill>
+                <a:miter lim="800000"/>
+                <a:headEnd/>
+                <a:tailEnd/>
+              </a14:hiddenLine>
+            </a:ext>
+          </a:extLst>
+        </p:spPr>
+      </p:pic>
       <p:sp>
         <p:nvSpPr>
-          <p:cNvPr id="7" name="Rectángulo 6"/>
+          <p:cNvPr id="6" name="Rectángulo 5"/>
           <p:cNvSpPr/>
           <p:nvPr/>
         </p:nvSpPr>
         <p:spPr>
           <a:xfrm>
-            <a:off x="133348" y="1489062"/>
-            <a:ext cx="12058651" cy="5355312"/>
+            <a:off x="0" y="2348070"/>
+            <a:ext cx="12108873" cy="646331"/>
           </a:xfrm>
           <a:prstGeom prst="rect">
             <a:avLst/>
@@ -3152,891 +3170,319 @@
           <a:lstStyle/>
           <a:p>
             <a:r>
-              <a:rPr lang="es-AR" dirty="0" err="1">
-                <a:solidFill>
-                  <a:srgbClr val="000000"/>
-                </a:solidFill>
-                <a:latin typeface="Courier New" panose="02070309020205020404" pitchFamily="49" charset="0"/>
-              </a:rPr>
-              <a:t>clear</a:t>
-            </a:r>
-            <a:r>
-              <a:rPr lang="es-AR" dirty="0">
-                <a:solidFill>
-                  <a:srgbClr val="000000"/>
-                </a:solidFill>
-                <a:latin typeface="Courier New" panose="02070309020205020404" pitchFamily="49" charset="0"/>
-              </a:rPr>
-              <a:t> </a:t>
-            </a:r>
-            <a:r>
-              <a:rPr lang="es-AR" dirty="0" err="1">
-                <a:solidFill>
-                  <a:srgbClr val="A020F0"/>
-                </a:solidFill>
-                <a:latin typeface="Courier New" panose="02070309020205020404" pitchFamily="49" charset="0"/>
-              </a:rPr>
-              <a:t>all</a:t>
-            </a:r>
-            <a:endParaRPr lang="es-AR" dirty="0">
-              <a:solidFill>
-                <a:srgbClr val="A020F0"/>
-              </a:solidFill>
-              <a:latin typeface="Courier New" panose="02070309020205020404" pitchFamily="49" charset="0"/>
-            </a:endParaRPr>
-          </a:p>
-          <a:p>
-            <a:r>
-              <a:rPr lang="es-AR" dirty="0" err="1">
-                <a:solidFill>
-                  <a:srgbClr val="000000"/>
-                </a:solidFill>
-                <a:latin typeface="Courier New" panose="02070309020205020404" pitchFamily="49" charset="0"/>
-              </a:rPr>
-              <a:t>close</a:t>
-            </a:r>
-            <a:r>
-              <a:rPr lang="es-AR" dirty="0">
-                <a:solidFill>
-                  <a:srgbClr val="000000"/>
-                </a:solidFill>
-                <a:latin typeface="Courier New" panose="02070309020205020404" pitchFamily="49" charset="0"/>
-              </a:rPr>
-              <a:t> </a:t>
-            </a:r>
-            <a:r>
-              <a:rPr lang="es-AR" dirty="0" err="1">
-                <a:solidFill>
-                  <a:srgbClr val="A020F0"/>
-                </a:solidFill>
-                <a:latin typeface="Courier New" panose="02070309020205020404" pitchFamily="49" charset="0"/>
-              </a:rPr>
-              <a:t>all</a:t>
-            </a:r>
-            <a:endParaRPr lang="es-AR" dirty="0">
-              <a:solidFill>
-                <a:srgbClr val="A020F0"/>
-              </a:solidFill>
-              <a:latin typeface="Courier New" panose="02070309020205020404" pitchFamily="49" charset="0"/>
-            </a:endParaRPr>
-          </a:p>
-          <a:p>
-            <a:r>
-              <a:rPr lang="es-AR" dirty="0">
-                <a:solidFill>
-                  <a:srgbClr val="000000"/>
-                </a:solidFill>
-                <a:latin typeface="Courier New" panose="02070309020205020404" pitchFamily="49" charset="0"/>
-              </a:rPr>
-              <a:t>f=input(</a:t>
-            </a:r>
-            <a:r>
-              <a:rPr lang="es-AR" dirty="0">
-                <a:solidFill>
-                  <a:srgbClr val="A020F0"/>
-                </a:solidFill>
-                <a:latin typeface="Courier New" panose="02070309020205020404" pitchFamily="49" charset="0"/>
-              </a:rPr>
-              <a:t>'f='</a:t>
-            </a:r>
-            <a:r>
-              <a:rPr lang="es-AR" dirty="0">
-                <a:solidFill>
-                  <a:srgbClr val="000000"/>
-                </a:solidFill>
-                <a:latin typeface="Courier New" panose="02070309020205020404" pitchFamily="49" charset="0"/>
-              </a:rPr>
-              <a:t>); </a:t>
-            </a:r>
-            <a:r>
-              <a:rPr lang="es-AR" dirty="0">
-                <a:solidFill>
-                  <a:srgbClr val="228B22"/>
-                </a:solidFill>
-                <a:latin typeface="Courier New" panose="02070309020205020404" pitchFamily="49" charset="0"/>
-              </a:rPr>
-              <a:t>%frecuencia de la señal</a:t>
-            </a:r>
-          </a:p>
-          <a:p>
-            <a:r>
-              <a:rPr lang="es-AR" dirty="0">
-                <a:solidFill>
-                  <a:srgbClr val="000000"/>
-                </a:solidFill>
-                <a:latin typeface="Courier New" panose="02070309020205020404" pitchFamily="49" charset="0"/>
-              </a:rPr>
-              <a:t>N=input(</a:t>
-            </a:r>
-            <a:r>
-              <a:rPr lang="es-AR" dirty="0">
-                <a:solidFill>
-                  <a:srgbClr val="A020F0"/>
-                </a:solidFill>
-                <a:latin typeface="Courier New" panose="02070309020205020404" pitchFamily="49" charset="0"/>
-              </a:rPr>
-              <a:t>'N='</a:t>
-            </a:r>
-            <a:r>
-              <a:rPr lang="es-AR" dirty="0">
-                <a:solidFill>
-                  <a:srgbClr val="000000"/>
-                </a:solidFill>
-                <a:latin typeface="Courier New" panose="02070309020205020404" pitchFamily="49" charset="0"/>
-              </a:rPr>
-              <a:t>);</a:t>
-            </a:r>
-            <a:r>
-              <a:rPr lang="es-AR" dirty="0">
-                <a:solidFill>
-                  <a:srgbClr val="228B22"/>
-                </a:solidFill>
-                <a:latin typeface="Courier New" panose="02070309020205020404" pitchFamily="49" charset="0"/>
-              </a:rPr>
-              <a:t>%longitud de la muestra</a:t>
-            </a:r>
-          </a:p>
-          <a:p>
-            <a:r>
-              <a:rPr lang="es-AR" dirty="0" err="1">
-                <a:solidFill>
-                  <a:srgbClr val="000000"/>
-                </a:solidFill>
-                <a:latin typeface="Courier New" panose="02070309020205020404" pitchFamily="49" charset="0"/>
-              </a:rPr>
-              <a:t>fs</a:t>
-            </a:r>
-            <a:r>
-              <a:rPr lang="es-AR" dirty="0">
-                <a:solidFill>
-                  <a:srgbClr val="000000"/>
-                </a:solidFill>
-                <a:latin typeface="Courier New" panose="02070309020205020404" pitchFamily="49" charset="0"/>
-              </a:rPr>
-              <a:t>=input(</a:t>
-            </a:r>
-            <a:r>
-              <a:rPr lang="es-AR" dirty="0">
-                <a:solidFill>
-                  <a:srgbClr val="A020F0"/>
-                </a:solidFill>
-                <a:latin typeface="Courier New" panose="02070309020205020404" pitchFamily="49" charset="0"/>
-              </a:rPr>
-              <a:t>'</a:t>
-            </a:r>
-            <a:r>
-              <a:rPr lang="es-AR" dirty="0" err="1">
-                <a:solidFill>
-                  <a:srgbClr val="A020F0"/>
-                </a:solidFill>
-                <a:latin typeface="Courier New" panose="02070309020205020404" pitchFamily="49" charset="0"/>
-              </a:rPr>
-              <a:t>fs</a:t>
-            </a:r>
-            <a:r>
-              <a:rPr lang="es-AR" dirty="0">
-                <a:solidFill>
-                  <a:srgbClr val="A020F0"/>
-                </a:solidFill>
-                <a:latin typeface="Courier New" panose="02070309020205020404" pitchFamily="49" charset="0"/>
-              </a:rPr>
-              <a:t>='</a:t>
-            </a:r>
-            <a:r>
-              <a:rPr lang="es-AR" dirty="0">
-                <a:solidFill>
-                  <a:srgbClr val="000000"/>
-                </a:solidFill>
-                <a:latin typeface="Courier New" panose="02070309020205020404" pitchFamily="49" charset="0"/>
-              </a:rPr>
-              <a:t>)</a:t>
-            </a:r>
-            <a:r>
-              <a:rPr lang="es-AR" dirty="0">
-                <a:solidFill>
-                  <a:srgbClr val="228B22"/>
-                </a:solidFill>
-                <a:latin typeface="Courier New" panose="02070309020205020404" pitchFamily="49" charset="0"/>
-              </a:rPr>
-              <a:t>%frecuencia de muestreo</a:t>
-            </a:r>
-          </a:p>
-          <a:p>
-            <a:r>
-              <a:rPr lang="es-AR" dirty="0" err="1">
-                <a:solidFill>
-                  <a:srgbClr val="000000"/>
-                </a:solidFill>
-                <a:latin typeface="Courier New" panose="02070309020205020404" pitchFamily="49" charset="0"/>
-              </a:rPr>
-              <a:t>Ts</a:t>
-            </a:r>
-            <a:r>
-              <a:rPr lang="es-AR" dirty="0">
-                <a:solidFill>
-                  <a:srgbClr val="000000"/>
-                </a:solidFill>
-                <a:latin typeface="Courier New" panose="02070309020205020404" pitchFamily="49" charset="0"/>
-              </a:rPr>
-              <a:t>=1/</a:t>
-            </a:r>
-            <a:r>
-              <a:rPr lang="es-AR" dirty="0" err="1">
-                <a:solidFill>
-                  <a:srgbClr val="000000"/>
-                </a:solidFill>
-                <a:latin typeface="Courier New" panose="02070309020205020404" pitchFamily="49" charset="0"/>
-              </a:rPr>
-              <a:t>fs</a:t>
-            </a:r>
-            <a:r>
-              <a:rPr lang="es-AR" dirty="0">
-                <a:solidFill>
-                  <a:srgbClr val="000000"/>
-                </a:solidFill>
-                <a:latin typeface="Courier New" panose="02070309020205020404" pitchFamily="49" charset="0"/>
-              </a:rPr>
-              <a:t>;</a:t>
-            </a:r>
-            <a:r>
-              <a:rPr lang="es-AR" dirty="0">
-                <a:solidFill>
-                  <a:srgbClr val="228B22"/>
-                </a:solidFill>
-                <a:latin typeface="Courier New" panose="02070309020205020404" pitchFamily="49" charset="0"/>
-              </a:rPr>
-              <a:t>%período de muestreo</a:t>
-            </a:r>
-          </a:p>
-          <a:p>
-            <a:r>
-              <a:rPr lang="es-AR" dirty="0">
-                <a:solidFill>
-                  <a:srgbClr val="000000"/>
-                </a:solidFill>
-                <a:latin typeface="Courier New" panose="02070309020205020404" pitchFamily="49" charset="0"/>
-              </a:rPr>
-              <a:t>n=0:1:N-1; </a:t>
-            </a:r>
-            <a:r>
-              <a:rPr lang="es-AR" dirty="0">
-                <a:solidFill>
-                  <a:srgbClr val="228B22"/>
-                </a:solidFill>
-                <a:latin typeface="Courier New" panose="02070309020205020404" pitchFamily="49" charset="0"/>
-              </a:rPr>
-              <a:t>%secuencia de tiempo </a:t>
-            </a:r>
-          </a:p>
-          <a:p>
-            <a:r>
-              <a:rPr lang="es-AR" dirty="0">
-                <a:solidFill>
-                  <a:srgbClr val="000000"/>
-                </a:solidFill>
-                <a:latin typeface="Courier New" panose="02070309020205020404" pitchFamily="49" charset="0"/>
-              </a:rPr>
-              <a:t>y=sin(2*pi*f*n*</a:t>
-            </a:r>
-            <a:r>
-              <a:rPr lang="es-AR" dirty="0" err="1">
-                <a:solidFill>
-                  <a:srgbClr val="000000"/>
-                </a:solidFill>
-                <a:latin typeface="Courier New" panose="02070309020205020404" pitchFamily="49" charset="0"/>
-              </a:rPr>
-              <a:t>Ts</a:t>
-            </a:r>
-            <a:r>
-              <a:rPr lang="es-AR" dirty="0">
-                <a:solidFill>
-                  <a:srgbClr val="000000"/>
-                </a:solidFill>
-                <a:latin typeface="Courier New" panose="02070309020205020404" pitchFamily="49" charset="0"/>
-              </a:rPr>
-              <a:t>); </a:t>
-            </a:r>
-            <a:r>
-              <a:rPr lang="es-AR" dirty="0">
-                <a:solidFill>
-                  <a:srgbClr val="228B22"/>
-                </a:solidFill>
-                <a:latin typeface="Courier New" panose="02070309020205020404" pitchFamily="49" charset="0"/>
-              </a:rPr>
-              <a:t>%señal a representar</a:t>
-            </a:r>
-          </a:p>
-          <a:p>
-            <a:r>
-              <a:rPr lang="es-AR" dirty="0" err="1">
-                <a:solidFill>
-                  <a:srgbClr val="000000"/>
-                </a:solidFill>
-                <a:latin typeface="Courier New" panose="02070309020205020404" pitchFamily="49" charset="0"/>
-              </a:rPr>
-              <a:t>plot</a:t>
-            </a:r>
-            <a:r>
-              <a:rPr lang="es-AR" dirty="0">
-                <a:solidFill>
-                  <a:srgbClr val="000000"/>
-                </a:solidFill>
-                <a:latin typeface="Courier New" panose="02070309020205020404" pitchFamily="49" charset="0"/>
-              </a:rPr>
-              <a:t>(n*</a:t>
-            </a:r>
-            <a:r>
-              <a:rPr lang="es-AR" dirty="0" err="1">
-                <a:solidFill>
-                  <a:srgbClr val="000000"/>
-                </a:solidFill>
-                <a:latin typeface="Courier New" panose="02070309020205020404" pitchFamily="49" charset="0"/>
-              </a:rPr>
-              <a:t>Ts,y</a:t>
-            </a:r>
-            <a:r>
-              <a:rPr lang="es-AR" dirty="0">
-                <a:solidFill>
-                  <a:srgbClr val="000000"/>
-                </a:solidFill>
-                <a:latin typeface="Courier New" panose="02070309020205020404" pitchFamily="49" charset="0"/>
-              </a:rPr>
-              <a:t>,</a:t>
-            </a:r>
-            <a:r>
-              <a:rPr lang="es-AR" dirty="0">
-                <a:solidFill>
-                  <a:srgbClr val="A020F0"/>
-                </a:solidFill>
-                <a:latin typeface="Courier New" panose="02070309020205020404" pitchFamily="49" charset="0"/>
-              </a:rPr>
-              <a:t>'-o'</a:t>
-            </a:r>
-            <a:r>
-              <a:rPr lang="es-AR" dirty="0">
-                <a:solidFill>
-                  <a:srgbClr val="000000"/>
-                </a:solidFill>
-                <a:latin typeface="Courier New" panose="02070309020205020404" pitchFamily="49" charset="0"/>
-              </a:rPr>
-              <a:t>) </a:t>
-            </a:r>
-            <a:r>
-              <a:rPr lang="es-AR" dirty="0">
-                <a:solidFill>
-                  <a:srgbClr val="228B22"/>
-                </a:solidFill>
-                <a:latin typeface="Courier New" panose="02070309020205020404" pitchFamily="49" charset="0"/>
-              </a:rPr>
-              <a:t>%grafica la señal a representar</a:t>
-            </a:r>
-          </a:p>
-          <a:p>
-            <a:r>
-              <a:rPr lang="es-AR" dirty="0">
-                <a:solidFill>
-                  <a:srgbClr val="000000"/>
-                </a:solidFill>
-                <a:latin typeface="Courier New" panose="02070309020205020404" pitchFamily="49" charset="0"/>
-              </a:rPr>
-              <a:t>C = </a:t>
-            </a:r>
-            <a:r>
-              <a:rPr lang="es-AR" dirty="0" err="1">
-                <a:solidFill>
-                  <a:srgbClr val="000000"/>
-                </a:solidFill>
-                <a:latin typeface="Courier New" panose="02070309020205020404" pitchFamily="49" charset="0"/>
-              </a:rPr>
-              <a:t>zeros</a:t>
-            </a:r>
-            <a:r>
-              <a:rPr lang="es-AR" dirty="0">
-                <a:solidFill>
-                  <a:srgbClr val="000000"/>
-                </a:solidFill>
-                <a:latin typeface="Courier New" panose="02070309020205020404" pitchFamily="49" charset="0"/>
-              </a:rPr>
-              <a:t>(</a:t>
-            </a:r>
-            <a:r>
-              <a:rPr lang="es-AR" dirty="0" err="1">
-                <a:solidFill>
-                  <a:srgbClr val="000000"/>
-                </a:solidFill>
-                <a:latin typeface="Courier New" panose="02070309020205020404" pitchFamily="49" charset="0"/>
-              </a:rPr>
-              <a:t>size</a:t>
-            </a:r>
-            <a:r>
-              <a:rPr lang="es-AR" dirty="0">
-                <a:solidFill>
-                  <a:srgbClr val="000000"/>
-                </a:solidFill>
-                <a:latin typeface="Courier New" panose="02070309020205020404" pitchFamily="49" charset="0"/>
-              </a:rPr>
-              <a:t>(y)); </a:t>
-            </a:r>
-            <a:r>
-              <a:rPr lang="es-AR" dirty="0">
-                <a:solidFill>
-                  <a:srgbClr val="228B22"/>
-                </a:solidFill>
-                <a:latin typeface="Courier New" panose="02070309020205020404" pitchFamily="49" charset="0"/>
-              </a:rPr>
-              <a:t>%prepara vector de coeficientes con ceros</a:t>
-            </a:r>
-          </a:p>
-          <a:p>
-            <a:r>
-              <a:rPr lang="pt-BR" dirty="0">
-                <a:solidFill>
-                  <a:srgbClr val="000000"/>
-                </a:solidFill>
-                <a:latin typeface="Courier New" panose="02070309020205020404" pitchFamily="49" charset="0"/>
-              </a:rPr>
-              <a:t>  </a:t>
-            </a:r>
-            <a:r>
-              <a:rPr lang="pt-BR" dirty="0">
-                <a:solidFill>
-                  <a:srgbClr val="0000FF"/>
-                </a:solidFill>
-                <a:latin typeface="Courier New" panose="02070309020205020404" pitchFamily="49" charset="0"/>
-              </a:rPr>
-              <a:t>for</a:t>
-            </a:r>
-            <a:r>
-              <a:rPr lang="pt-BR" dirty="0">
-                <a:solidFill>
-                  <a:srgbClr val="000000"/>
-                </a:solidFill>
-                <a:latin typeface="Courier New" panose="02070309020205020404" pitchFamily="49" charset="0"/>
-              </a:rPr>
-              <a:t> k = 0 : N - 1  </a:t>
-            </a:r>
-            <a:r>
-              <a:rPr lang="pt-BR" dirty="0">
-                <a:solidFill>
-                  <a:srgbClr val="228B22"/>
-                </a:solidFill>
-                <a:latin typeface="Courier New" panose="02070309020205020404" pitchFamily="49" charset="0"/>
-              </a:rPr>
-              <a:t>% para cada coeficiente</a:t>
-            </a:r>
-          </a:p>
-          <a:p>
-            <a:r>
-              <a:rPr lang="es-AR" dirty="0">
-                <a:solidFill>
-                  <a:srgbClr val="000000"/>
-                </a:solidFill>
-                <a:latin typeface="Courier New" panose="02070309020205020404" pitchFamily="49" charset="0"/>
-              </a:rPr>
-              <a:t>    s = 0; </a:t>
-            </a:r>
-            <a:r>
-              <a:rPr lang="es-AR" dirty="0">
-                <a:solidFill>
-                  <a:srgbClr val="228B22"/>
-                </a:solidFill>
-                <a:latin typeface="Courier New" panose="02070309020205020404" pitchFamily="49" charset="0"/>
-              </a:rPr>
-              <a:t>%valor inicial del coeficiente</a:t>
-            </a:r>
-          </a:p>
-          <a:p>
-            <a:r>
-              <a:rPr lang="pt-BR" dirty="0">
-                <a:solidFill>
-                  <a:srgbClr val="000000"/>
-                </a:solidFill>
-                <a:latin typeface="Courier New" panose="02070309020205020404" pitchFamily="49" charset="0"/>
-              </a:rPr>
-              <a:t>    </a:t>
-            </a:r>
-            <a:r>
-              <a:rPr lang="pt-BR" dirty="0">
-                <a:solidFill>
-                  <a:srgbClr val="0000FF"/>
-                </a:solidFill>
-                <a:latin typeface="Courier New" panose="02070309020205020404" pitchFamily="49" charset="0"/>
-              </a:rPr>
-              <a:t>for</a:t>
-            </a:r>
-            <a:r>
-              <a:rPr lang="pt-BR" dirty="0">
-                <a:solidFill>
-                  <a:srgbClr val="000000"/>
-                </a:solidFill>
-                <a:latin typeface="Courier New" panose="02070309020205020404" pitchFamily="49" charset="0"/>
-              </a:rPr>
-              <a:t> n = 0 : N - 1  </a:t>
-            </a:r>
-            <a:r>
-              <a:rPr lang="pt-BR" dirty="0">
-                <a:solidFill>
-                  <a:srgbClr val="228B22"/>
-                </a:solidFill>
-                <a:latin typeface="Courier New" panose="02070309020205020404" pitchFamily="49" charset="0"/>
-              </a:rPr>
-              <a:t>% para cada valor de </a:t>
-            </a:r>
-            <a:r>
-              <a:rPr lang="pt-BR" dirty="0" err="1">
-                <a:solidFill>
-                  <a:srgbClr val="228B22"/>
-                </a:solidFill>
-                <a:latin typeface="Courier New" panose="02070309020205020404" pitchFamily="49" charset="0"/>
-              </a:rPr>
-              <a:t>tiempo</a:t>
-            </a:r>
-            <a:endParaRPr lang="pt-BR" dirty="0">
-              <a:solidFill>
-                <a:srgbClr val="228B22"/>
-              </a:solidFill>
-              <a:latin typeface="Courier New" panose="02070309020205020404" pitchFamily="49" charset="0"/>
-            </a:endParaRPr>
-          </a:p>
-          <a:p>
-            <a:r>
-              <a:rPr lang="pt-BR" dirty="0">
-                <a:solidFill>
-                  <a:srgbClr val="000000"/>
-                </a:solidFill>
-                <a:latin typeface="Courier New" panose="02070309020205020404" pitchFamily="49" charset="0"/>
-              </a:rPr>
-              <a:t>      </a:t>
-            </a:r>
-            <a:r>
-              <a:rPr lang="pt-BR" dirty="0">
-                <a:solidFill>
-                  <a:srgbClr val="228B22"/>
-                </a:solidFill>
-                <a:latin typeface="Courier New" panose="02070309020205020404" pitchFamily="49" charset="0"/>
-              </a:rPr>
-              <a:t>%s =  s+y1(n + 1) * </a:t>
-            </a:r>
-            <a:r>
-              <a:rPr lang="pt-BR" dirty="0" err="1">
-                <a:solidFill>
-                  <a:srgbClr val="228B22"/>
-                </a:solidFill>
-                <a:latin typeface="Courier New" panose="02070309020205020404" pitchFamily="49" charset="0"/>
-              </a:rPr>
-              <a:t>exp</a:t>
-            </a:r>
-            <a:r>
-              <a:rPr lang="pt-BR" dirty="0">
-                <a:solidFill>
-                  <a:srgbClr val="228B22"/>
-                </a:solidFill>
-                <a:latin typeface="Courier New" panose="02070309020205020404" pitchFamily="49" charset="0"/>
-              </a:rPr>
-              <a:t>(-j*(2 * </a:t>
-            </a:r>
-            <a:r>
-              <a:rPr lang="pt-BR" dirty="0" err="1">
-                <a:solidFill>
-                  <a:srgbClr val="228B22"/>
-                </a:solidFill>
-                <a:latin typeface="Courier New" panose="02070309020205020404" pitchFamily="49" charset="0"/>
-              </a:rPr>
-              <a:t>pi</a:t>
-            </a:r>
-            <a:r>
-              <a:rPr lang="pt-BR" dirty="0">
-                <a:solidFill>
-                  <a:srgbClr val="228B22"/>
-                </a:solidFill>
-                <a:latin typeface="Courier New" panose="02070309020205020404" pitchFamily="49" charset="0"/>
-              </a:rPr>
-              <a:t> * k / N)*n); %valor parcial de </a:t>
-            </a:r>
-            <a:r>
-              <a:rPr lang="pt-BR" dirty="0" err="1">
-                <a:solidFill>
-                  <a:srgbClr val="228B22"/>
-                </a:solidFill>
-                <a:latin typeface="Courier New" panose="02070309020205020404" pitchFamily="49" charset="0"/>
-              </a:rPr>
-              <a:t>coef</a:t>
-            </a:r>
-            <a:r>
-              <a:rPr lang="pt-BR" dirty="0">
-                <a:solidFill>
-                  <a:srgbClr val="228B22"/>
-                </a:solidFill>
-                <a:latin typeface="Courier New" panose="02070309020205020404" pitchFamily="49" charset="0"/>
-              </a:rPr>
-              <a:t>. </a:t>
-            </a:r>
-          </a:p>
-          <a:p>
-            <a:r>
-              <a:rPr lang="pt-BR" dirty="0">
-                <a:solidFill>
-                  <a:srgbClr val="000000"/>
-                </a:solidFill>
-                <a:latin typeface="Courier New" panose="02070309020205020404" pitchFamily="49" charset="0"/>
-              </a:rPr>
-              <a:t>      s =  </a:t>
-            </a:r>
-            <a:r>
-              <a:rPr lang="pt-BR" dirty="0" err="1">
-                <a:solidFill>
-                  <a:srgbClr val="000000"/>
-                </a:solidFill>
-                <a:latin typeface="Courier New" panose="02070309020205020404" pitchFamily="49" charset="0"/>
-              </a:rPr>
-              <a:t>s+y</a:t>
-            </a:r>
-            <a:r>
-              <a:rPr lang="pt-BR" dirty="0">
-                <a:solidFill>
-                  <a:srgbClr val="000000"/>
-                </a:solidFill>
-                <a:latin typeface="Courier New" panose="02070309020205020404" pitchFamily="49" charset="0"/>
-              </a:rPr>
-              <a:t>(n + 1) * </a:t>
-            </a:r>
-            <a:r>
-              <a:rPr lang="pt-BR" dirty="0" err="1">
-                <a:solidFill>
-                  <a:srgbClr val="000000"/>
-                </a:solidFill>
-                <a:latin typeface="Courier New" panose="02070309020205020404" pitchFamily="49" charset="0"/>
-              </a:rPr>
-              <a:t>exp</a:t>
-            </a:r>
-            <a:r>
-              <a:rPr lang="pt-BR" dirty="0">
-                <a:solidFill>
-                  <a:srgbClr val="000000"/>
-                </a:solidFill>
-                <a:latin typeface="Courier New" panose="02070309020205020404" pitchFamily="49" charset="0"/>
-              </a:rPr>
-              <a:t>(-j*(2 * </a:t>
-            </a:r>
-            <a:r>
-              <a:rPr lang="pt-BR" dirty="0" err="1">
-                <a:solidFill>
-                  <a:srgbClr val="000000"/>
-                </a:solidFill>
-                <a:latin typeface="Courier New" panose="02070309020205020404" pitchFamily="49" charset="0"/>
-              </a:rPr>
-              <a:t>pi</a:t>
-            </a:r>
-            <a:r>
-              <a:rPr lang="pt-BR" dirty="0">
-                <a:solidFill>
-                  <a:srgbClr val="000000"/>
-                </a:solidFill>
-                <a:latin typeface="Courier New" panose="02070309020205020404" pitchFamily="49" charset="0"/>
-              </a:rPr>
-              <a:t> *k*</a:t>
-            </a:r>
-            <a:r>
-              <a:rPr lang="pt-BR" dirty="0" err="1">
-                <a:solidFill>
-                  <a:srgbClr val="000000"/>
-                </a:solidFill>
-                <a:latin typeface="Courier New" panose="02070309020205020404" pitchFamily="49" charset="0"/>
-              </a:rPr>
-              <a:t>Ts</a:t>
-            </a:r>
-            <a:r>
-              <a:rPr lang="pt-BR" dirty="0">
-                <a:solidFill>
-                  <a:srgbClr val="000000"/>
-                </a:solidFill>
-                <a:latin typeface="Courier New" panose="02070309020205020404" pitchFamily="49" charset="0"/>
-              </a:rPr>
-              <a:t>)*n); </a:t>
-            </a:r>
-            <a:r>
-              <a:rPr lang="pt-BR" dirty="0">
-                <a:solidFill>
-                  <a:srgbClr val="228B22"/>
-                </a:solidFill>
-                <a:latin typeface="Courier New" panose="02070309020205020404" pitchFamily="49" charset="0"/>
-              </a:rPr>
-              <a:t>%valor parcial de </a:t>
-            </a:r>
-            <a:r>
-              <a:rPr lang="pt-BR" dirty="0" err="1">
-                <a:solidFill>
-                  <a:srgbClr val="228B22"/>
-                </a:solidFill>
-                <a:latin typeface="Courier New" panose="02070309020205020404" pitchFamily="49" charset="0"/>
-              </a:rPr>
-              <a:t>coef</a:t>
-            </a:r>
-            <a:r>
-              <a:rPr lang="pt-BR" dirty="0">
-                <a:solidFill>
-                  <a:srgbClr val="228B22"/>
-                </a:solidFill>
-                <a:latin typeface="Courier New" panose="02070309020205020404" pitchFamily="49" charset="0"/>
-              </a:rPr>
-              <a:t>.</a:t>
-            </a:r>
-          </a:p>
-          <a:p>
-            <a:r>
-              <a:rPr lang="es-AR" dirty="0">
-                <a:solidFill>
-                  <a:srgbClr val="000000"/>
-                </a:solidFill>
-                <a:latin typeface="Courier New" panose="02070309020205020404" pitchFamily="49" charset="0"/>
-              </a:rPr>
-              <a:t>    </a:t>
-            </a:r>
-            <a:r>
-              <a:rPr lang="es-AR" dirty="0" err="1">
-                <a:solidFill>
-                  <a:srgbClr val="0000FF"/>
-                </a:solidFill>
-                <a:latin typeface="Courier New" panose="02070309020205020404" pitchFamily="49" charset="0"/>
-              </a:rPr>
-              <a:t>end</a:t>
-            </a:r>
-            <a:endParaRPr lang="es-AR" dirty="0">
-              <a:solidFill>
-                <a:srgbClr val="0000FF"/>
-              </a:solidFill>
-              <a:latin typeface="Courier New" panose="02070309020205020404" pitchFamily="49" charset="0"/>
-            </a:endParaRPr>
-          </a:p>
-          <a:p>
-            <a:r>
-              <a:rPr lang="es-AR" dirty="0">
-                <a:solidFill>
-                  <a:srgbClr val="000000"/>
-                </a:solidFill>
-                <a:latin typeface="Courier New" panose="02070309020205020404" pitchFamily="49" charset="0"/>
-              </a:rPr>
-              <a:t>    C(k + 1) = s; </a:t>
-            </a:r>
-            <a:r>
-              <a:rPr lang="es-AR" dirty="0">
-                <a:solidFill>
-                  <a:srgbClr val="228B22"/>
-                </a:solidFill>
-                <a:latin typeface="Courier New" panose="02070309020205020404" pitchFamily="49" charset="0"/>
-              </a:rPr>
-              <a:t>% valor final de cada coeficiente</a:t>
-            </a:r>
-          </a:p>
-          <a:p>
-            <a:r>
-              <a:rPr lang="es-AR" dirty="0">
-                <a:solidFill>
-                  <a:srgbClr val="000000"/>
-                </a:solidFill>
-                <a:latin typeface="Courier New" panose="02070309020205020404" pitchFamily="49" charset="0"/>
-              </a:rPr>
-              <a:t>  </a:t>
-            </a:r>
-            <a:r>
-              <a:rPr lang="es-AR" dirty="0" err="1">
-                <a:solidFill>
-                  <a:srgbClr val="0000FF"/>
-                </a:solidFill>
-                <a:latin typeface="Courier New" panose="02070309020205020404" pitchFamily="49" charset="0"/>
-              </a:rPr>
-              <a:t>end</a:t>
-            </a:r>
-            <a:endParaRPr lang="es-AR" dirty="0">
-              <a:solidFill>
-                <a:srgbClr val="0000FF"/>
-              </a:solidFill>
-              <a:latin typeface="Courier New" panose="02070309020205020404" pitchFamily="49" charset="0"/>
-            </a:endParaRPr>
-          </a:p>
-          <a:p>
-            <a:r>
-              <a:rPr lang="es-AR" dirty="0">
-                <a:solidFill>
-                  <a:srgbClr val="000000"/>
-                </a:solidFill>
-                <a:latin typeface="Courier New" panose="02070309020205020404" pitchFamily="49" charset="0"/>
-              </a:rPr>
-              <a:t>  </a:t>
-            </a:r>
-            <a:r>
-              <a:rPr lang="es-AR" dirty="0" err="1">
-                <a:solidFill>
-                  <a:srgbClr val="000000"/>
-                </a:solidFill>
-                <a:latin typeface="Courier New" panose="02070309020205020404" pitchFamily="49" charset="0"/>
-              </a:rPr>
-              <a:t>deltaf</a:t>
-            </a:r>
-            <a:r>
-              <a:rPr lang="es-AR" dirty="0">
-                <a:solidFill>
-                  <a:srgbClr val="000000"/>
-                </a:solidFill>
-                <a:latin typeface="Courier New" panose="02070309020205020404" pitchFamily="49" charset="0"/>
-              </a:rPr>
-              <a:t>=</a:t>
-            </a:r>
-            <a:r>
-              <a:rPr lang="es-AR" dirty="0" err="1">
-                <a:solidFill>
-                  <a:srgbClr val="000000"/>
-                </a:solidFill>
-                <a:latin typeface="Courier New" panose="02070309020205020404" pitchFamily="49" charset="0"/>
-              </a:rPr>
-              <a:t>fs</a:t>
-            </a:r>
-            <a:r>
-              <a:rPr lang="es-AR" dirty="0">
-                <a:solidFill>
-                  <a:srgbClr val="000000"/>
-                </a:solidFill>
-                <a:latin typeface="Courier New" panose="02070309020205020404" pitchFamily="49" charset="0"/>
-              </a:rPr>
-              <a:t>/N;</a:t>
-            </a:r>
+              <a:rPr lang="es-ES" b="1" dirty="0">
+                <a:latin typeface="Times New Roman" panose="02020603050405020304" pitchFamily="18" charset="0"/>
+                <a:ea typeface="Times New Roman" panose="02020603050405020304" pitchFamily="18" charset="0"/>
+              </a:rPr>
+              <a:t>k</a:t>
+            </a:r>
+            <a:r>
+              <a:rPr lang="es-ES" dirty="0">
+                <a:latin typeface="Times New Roman" panose="02020603050405020304" pitchFamily="18" charset="0"/>
+                <a:ea typeface="Times New Roman" panose="02020603050405020304" pitchFamily="18" charset="0"/>
+              </a:rPr>
+              <a:t> es el índice para los tiempos y </a:t>
+            </a:r>
+            <a:r>
+              <a:rPr lang="es-ES" b="1" dirty="0">
+                <a:latin typeface="Times New Roman" panose="02020603050405020304" pitchFamily="18" charset="0"/>
+                <a:ea typeface="Times New Roman" panose="02020603050405020304" pitchFamily="18" charset="0"/>
+              </a:rPr>
+              <a:t>n</a:t>
+            </a:r>
+            <a:r>
+              <a:rPr lang="es-ES" dirty="0">
+                <a:latin typeface="Times New Roman" panose="02020603050405020304" pitchFamily="18" charset="0"/>
+                <a:ea typeface="Times New Roman" panose="02020603050405020304" pitchFamily="18" charset="0"/>
+              </a:rPr>
+              <a:t> es el índice para las frecuencias, ambos variando entre 0 y N-1, siendo </a:t>
+            </a:r>
+            <a:r>
+              <a:rPr lang="es-ES" b="1" dirty="0">
+                <a:latin typeface="Times New Roman" panose="02020603050405020304" pitchFamily="18" charset="0"/>
+                <a:ea typeface="Times New Roman" panose="02020603050405020304" pitchFamily="18" charset="0"/>
+              </a:rPr>
+              <a:t>N</a:t>
+            </a:r>
+            <a:r>
+              <a:rPr lang="es-ES" dirty="0">
+                <a:latin typeface="Times New Roman" panose="02020603050405020304" pitchFamily="18" charset="0"/>
+                <a:ea typeface="Times New Roman" panose="02020603050405020304" pitchFamily="18" charset="0"/>
+              </a:rPr>
+              <a:t> el número </a:t>
+            </a:r>
+            <a:r>
+              <a:rPr lang="es-ES" dirty="0" smtClean="0">
+                <a:latin typeface="Times New Roman" panose="02020603050405020304" pitchFamily="18" charset="0"/>
+                <a:ea typeface="Times New Roman" panose="02020603050405020304" pitchFamily="18" charset="0"/>
+              </a:rPr>
+              <a:t>de muestras </a:t>
+            </a:r>
+            <a:r>
+              <a:rPr lang="es-ES" dirty="0">
+                <a:latin typeface="Times New Roman" panose="02020603050405020304" pitchFamily="18" charset="0"/>
+                <a:ea typeface="Times New Roman" panose="02020603050405020304" pitchFamily="18" charset="0"/>
+              </a:rPr>
+              <a:t>tomadas de la señal.</a:t>
+            </a:r>
+            <a:endParaRPr lang="es-AR" dirty="0"/>
           </a:p>
         </p:txBody>
       </p:sp>
-      <p:sp>
-        <p:nvSpPr>
-          <p:cNvPr id="9" name="CuadroTexto 8"/>
-          <p:cNvSpPr txBox="1"/>
+      <p:pic>
+        <p:nvPicPr>
+          <p:cNvPr id="2051" name="Picture 3"/>
+          <p:cNvPicPr>
+            <a:picLocks noChangeAspect="1" noChangeArrowheads="1"/>
+          </p:cNvPicPr>
           <p:nvPr/>
-        </p:nvSpPr>
-        <p:spPr>
+        </p:nvPicPr>
+        <p:blipFill rotWithShape="1">
+          <a:blip r:embed="rId3">
+            <a:extLst>
+              <a:ext uri="{28A0092B-C50C-407E-A947-70E740481C1C}">
+                <a14:useLocalDpi xmlns:a14="http://schemas.microsoft.com/office/drawing/2010/main" val="0"/>
+              </a:ext>
+            </a:extLst>
+          </a:blip>
+          <a:srcRect b="14521"/>
+          <a:stretch/>
+        </p:blipFill>
+        <p:spPr bwMode="auto">
           <a:xfrm>
-            <a:off x="3514725" y="1493811"/>
-            <a:ext cx="1600200" cy="461665"/>
+            <a:off x="0" y="3012768"/>
+            <a:ext cx="4102100" cy="2013740"/>
           </a:xfrm>
           <a:prstGeom prst="rect">
             <a:avLst/>
           </a:prstGeom>
           <a:noFill/>
+          <a:ln>
+            <a:noFill/>
+          </a:ln>
+          <a:extLst>
+            <a:ext uri="{909E8E84-426E-40DD-AFC4-6F175D3DCCD1}">
+              <a14:hiddenFill xmlns:a14="http://schemas.microsoft.com/office/drawing/2010/main">
+                <a:solidFill>
+                  <a:srgbClr val="FFFFFF"/>
+                </a:solidFill>
+              </a14:hiddenFill>
+            </a:ext>
+            <a:ext uri="{91240B29-F687-4F45-9708-019B960494DF}">
+              <a14:hiddenLine xmlns:a14="http://schemas.microsoft.com/office/drawing/2010/main" w="9525">
+                <a:solidFill>
+                  <a:srgbClr val="000000"/>
+                </a:solidFill>
+                <a:miter lim="800000"/>
+                <a:headEnd/>
+                <a:tailEnd/>
+              </a14:hiddenLine>
+            </a:ext>
+          </a:extLst>
         </p:spPr>
+      </p:pic>
+      <p:pic>
+        <p:nvPicPr>
+          <p:cNvPr id="2052" name="Picture 4"/>
+          <p:cNvPicPr>
+            <a:picLocks noChangeAspect="1" noChangeArrowheads="1"/>
+          </p:cNvPicPr>
+          <p:nvPr/>
+        </p:nvPicPr>
+        <p:blipFill>
+          <a:blip r:embed="rId4">
+            <a:extLst>
+              <a:ext uri="{28A0092B-C50C-407E-A947-70E740481C1C}">
+                <a14:useLocalDpi xmlns:a14="http://schemas.microsoft.com/office/drawing/2010/main" val="0"/>
+              </a:ext>
+            </a:extLst>
+          </a:blip>
+          <a:srcRect/>
+          <a:stretch>
+            <a:fillRect/>
+          </a:stretch>
+        </p:blipFill>
+        <p:spPr bwMode="auto">
+          <a:xfrm>
+            <a:off x="4270375" y="3281670"/>
+            <a:ext cx="2241550" cy="736600"/>
+          </a:xfrm>
+          <a:prstGeom prst="rect">
+            <a:avLst/>
+          </a:prstGeom>
+          <a:noFill/>
+          <a:ln>
+            <a:noFill/>
+          </a:ln>
+          <a:extLst>
+            <a:ext uri="{909E8E84-426E-40DD-AFC4-6F175D3DCCD1}">
+              <a14:hiddenFill xmlns:a14="http://schemas.microsoft.com/office/drawing/2010/main">
+                <a:solidFill>
+                  <a:srgbClr val="FFFFFF"/>
+                </a:solidFill>
+              </a14:hiddenFill>
+            </a:ext>
+            <a:ext uri="{91240B29-F687-4F45-9708-019B960494DF}">
+              <a14:hiddenLine xmlns:a14="http://schemas.microsoft.com/office/drawing/2010/main" w="9525">
+                <a:solidFill>
+                  <a:srgbClr val="000000"/>
+                </a:solidFill>
+                <a:miter lim="800000"/>
+                <a:headEnd/>
+                <a:tailEnd/>
+              </a14:hiddenLine>
+            </a:ext>
+          </a:extLst>
+        </p:spPr>
+      </p:pic>
+      <p:pic>
+        <p:nvPicPr>
+          <p:cNvPr id="2053" name="Picture 5"/>
+          <p:cNvPicPr>
+            <a:picLocks noChangeAspect="1" noChangeArrowheads="1"/>
+          </p:cNvPicPr>
+          <p:nvPr/>
+        </p:nvPicPr>
+        <p:blipFill rotWithShape="1">
+          <a:blip r:embed="rId5">
+            <a:extLst>
+              <a:ext uri="{28A0092B-C50C-407E-A947-70E740481C1C}">
+                <a14:useLocalDpi xmlns:a14="http://schemas.microsoft.com/office/drawing/2010/main" val="0"/>
+              </a:ext>
+            </a:extLst>
+          </a:blip>
+          <a:srcRect b="17861"/>
+          <a:stretch/>
+        </p:blipFill>
+        <p:spPr bwMode="auto">
+          <a:xfrm>
+            <a:off x="6911998" y="2877838"/>
+            <a:ext cx="4654550" cy="1888127"/>
+          </a:xfrm>
+          <a:prstGeom prst="rect">
+            <a:avLst/>
+          </a:prstGeom>
+          <a:noFill/>
+          <a:ln>
+            <a:noFill/>
+          </a:ln>
+          <a:extLst>
+            <a:ext uri="{909E8E84-426E-40DD-AFC4-6F175D3DCCD1}">
+              <a14:hiddenFill xmlns:a14="http://schemas.microsoft.com/office/drawing/2010/main">
+                <a:solidFill>
+                  <a:srgbClr val="FFFFFF"/>
+                </a:solidFill>
+              </a14:hiddenFill>
+            </a:ext>
+            <a:ext uri="{91240B29-F687-4F45-9708-019B960494DF}">
+              <a14:hiddenLine xmlns:a14="http://schemas.microsoft.com/office/drawing/2010/main" w="9525">
+                <a:solidFill>
+                  <a:srgbClr val="000000"/>
+                </a:solidFill>
+                <a:miter lim="800000"/>
+                <a:headEnd/>
+                <a:tailEnd/>
+              </a14:hiddenLine>
+            </a:ext>
+          </a:extLst>
+        </p:spPr>
+      </p:pic>
+      <p:sp>
+        <p:nvSpPr>
+          <p:cNvPr id="7" name="Flecha derecha 6"/>
+          <p:cNvSpPr/>
+          <p:nvPr/>
+        </p:nvSpPr>
+        <p:spPr>
+          <a:xfrm>
+            <a:off x="4362739" y="4137891"/>
+            <a:ext cx="2462934" cy="517236"/>
+          </a:xfrm>
+          <a:prstGeom prst="rightArrow">
+            <a:avLst/>
+          </a:prstGeom>
+        </p:spPr>
+        <p:style>
+          <a:lnRef idx="2">
+            <a:schemeClr val="accent1">
+              <a:shade val="50000"/>
+            </a:schemeClr>
+          </a:lnRef>
+          <a:fillRef idx="1">
+            <a:schemeClr val="accent1"/>
+          </a:fillRef>
+          <a:effectRef idx="0">
+            <a:schemeClr val="accent1"/>
+          </a:effectRef>
+          <a:fontRef idx="minor">
+            <a:schemeClr val="lt1"/>
+          </a:fontRef>
+        </p:style>
         <p:txBody>
-          <a:bodyPr wrap="square" rtlCol="0">
-            <a:spAutoFit/>
-          </a:bodyPr>
+          <a:bodyPr rtlCol="0" anchor="ctr"/>
           <a:lstStyle/>
           <a:p>
-            <a:r>
-              <a:rPr lang="es-AR" sz="2400" b="1" dirty="0" smtClean="0"/>
-              <a:t>TDF</a:t>
-            </a:r>
-            <a:endParaRPr lang="es-AR" sz="2400" b="1" dirty="0"/>
+            <a:pPr algn="ctr"/>
+            <a:endParaRPr lang="es-AR"/>
           </a:p>
         </p:txBody>
       </p:sp>
+      <p:pic>
+        <p:nvPicPr>
+          <p:cNvPr id="2054" name="Picture 6"/>
+          <p:cNvPicPr>
+            <a:picLocks noChangeAspect="1" noChangeArrowheads="1"/>
+          </p:cNvPicPr>
+          <p:nvPr/>
+        </p:nvPicPr>
+        <p:blipFill rotWithShape="1">
+          <a:blip r:embed="rId6">
+            <a:extLst>
+              <a:ext uri="{28A0092B-C50C-407E-A947-70E740481C1C}">
+                <a14:useLocalDpi xmlns:a14="http://schemas.microsoft.com/office/drawing/2010/main" val="0"/>
+              </a:ext>
+            </a:extLst>
+          </a:blip>
+          <a:srcRect b="19373"/>
+          <a:stretch/>
+        </p:blipFill>
+        <p:spPr bwMode="auto">
+          <a:xfrm>
+            <a:off x="6888185" y="4802909"/>
+            <a:ext cx="4702175" cy="1790654"/>
+          </a:xfrm>
+          <a:prstGeom prst="rect">
+            <a:avLst/>
+          </a:prstGeom>
+          <a:noFill/>
+          <a:ln>
+            <a:noFill/>
+          </a:ln>
+          <a:extLst>
+            <a:ext uri="{909E8E84-426E-40DD-AFC4-6F175D3DCCD1}">
+              <a14:hiddenFill xmlns:a14="http://schemas.microsoft.com/office/drawing/2010/main">
+                <a:solidFill>
+                  <a:srgbClr val="FFFFFF"/>
+                </a:solidFill>
+              </a14:hiddenFill>
+            </a:ext>
+            <a:ext uri="{91240B29-F687-4F45-9708-019B960494DF}">
+              <a14:hiddenLine xmlns:a14="http://schemas.microsoft.com/office/drawing/2010/main" w="9525">
+                <a:solidFill>
+                  <a:srgbClr val="000000"/>
+                </a:solidFill>
+                <a:miter lim="800000"/>
+                <a:headEnd/>
+                <a:tailEnd/>
+              </a14:hiddenLine>
+            </a:ext>
+          </a:extLst>
+        </p:spPr>
+      </p:pic>
     </p:spTree>
     <p:extLst>
       <p:ext uri="{BB962C8B-B14F-4D97-AF65-F5344CB8AC3E}">
-        <p14:creationId xmlns:p14="http://schemas.microsoft.com/office/powerpoint/2010/main" val="3256858553"/>
+        <p14:creationId xmlns:p14="http://schemas.microsoft.com/office/powerpoint/2010/main" val="1856840530"/>
       </p:ext>
     </p:extLst>
   </p:cSld>
@@ -4047,6 +3493,1174 @@
 </file>
 
 <file path=ppt/slides/slide10.xml><?xml version="1.0" encoding="utf-8"?>
+<p:sld xmlns:a="http://schemas.openxmlformats.org/drawingml/2006/main" xmlns:r="http://schemas.openxmlformats.org/officeDocument/2006/relationships" xmlns:p="http://schemas.openxmlformats.org/presentationml/2006/main">
+  <p:cSld>
+    <p:spTree>
+      <p:nvGrpSpPr>
+        <p:cNvPr id="1" name=""/>
+        <p:cNvGrpSpPr/>
+        <p:nvPr/>
+      </p:nvGrpSpPr>
+      <p:grpSpPr>
+        <a:xfrm>
+          <a:off x="0" y="0"/>
+          <a:ext cx="0" cy="0"/>
+          <a:chOff x="0" y="0"/>
+          <a:chExt cx="0" cy="0"/>
+        </a:xfrm>
+      </p:grpSpPr>
+      <p:sp>
+        <p:nvSpPr>
+          <p:cNvPr id="4" name="Rectángulo 3"/>
+          <p:cNvSpPr/>
+          <p:nvPr/>
+        </p:nvSpPr>
+        <p:spPr>
+          <a:xfrm>
+            <a:off x="3512826" y="0"/>
+            <a:ext cx="1245854" cy="400110"/>
+          </a:xfrm>
+          <a:prstGeom prst="rect">
+            <a:avLst/>
+          </a:prstGeom>
+        </p:spPr>
+        <p:txBody>
+          <a:bodyPr wrap="none">
+            <a:spAutoFit/>
+          </a:bodyPr>
+          <a:lstStyle/>
+          <a:p>
+            <a:r>
+              <a:rPr lang="es-AR" sz="2000" b="1" dirty="0"/>
+              <a:t>TDF-Pulso</a:t>
+            </a:r>
+          </a:p>
+        </p:txBody>
+      </p:sp>
+      <p:sp>
+        <p:nvSpPr>
+          <p:cNvPr id="5" name="Rectángulo 4"/>
+          <p:cNvSpPr/>
+          <p:nvPr/>
+        </p:nvSpPr>
+        <p:spPr>
+          <a:xfrm>
+            <a:off x="0" y="0"/>
+            <a:ext cx="12367491" cy="7017306"/>
+          </a:xfrm>
+          <a:prstGeom prst="rect">
+            <a:avLst/>
+          </a:prstGeom>
+        </p:spPr>
+        <p:txBody>
+          <a:bodyPr wrap="square">
+            <a:spAutoFit/>
+          </a:bodyPr>
+          <a:lstStyle/>
+          <a:p>
+            <a:r>
+              <a:rPr lang="es-AR" dirty="0" err="1">
+                <a:solidFill>
+                  <a:srgbClr val="000000"/>
+                </a:solidFill>
+                <a:latin typeface="Courier New" panose="02070309020205020404" pitchFamily="49" charset="0"/>
+              </a:rPr>
+              <a:t>clear</a:t>
+            </a:r>
+            <a:r>
+              <a:rPr lang="es-AR" dirty="0">
+                <a:solidFill>
+                  <a:srgbClr val="000000"/>
+                </a:solidFill>
+                <a:latin typeface="Courier New" panose="02070309020205020404" pitchFamily="49" charset="0"/>
+              </a:rPr>
+              <a:t> </a:t>
+            </a:r>
+            <a:r>
+              <a:rPr lang="es-AR" dirty="0" err="1">
+                <a:solidFill>
+                  <a:srgbClr val="A020F0"/>
+                </a:solidFill>
+                <a:latin typeface="Courier New" panose="02070309020205020404" pitchFamily="49" charset="0"/>
+              </a:rPr>
+              <a:t>all</a:t>
+            </a:r>
+            <a:endParaRPr lang="es-AR" dirty="0">
+              <a:solidFill>
+                <a:srgbClr val="A020F0"/>
+              </a:solidFill>
+              <a:latin typeface="Courier New" panose="02070309020205020404" pitchFamily="49" charset="0"/>
+            </a:endParaRPr>
+          </a:p>
+          <a:p>
+            <a:r>
+              <a:rPr lang="es-AR" dirty="0" err="1">
+                <a:solidFill>
+                  <a:srgbClr val="000000"/>
+                </a:solidFill>
+                <a:latin typeface="Courier New" panose="02070309020205020404" pitchFamily="49" charset="0"/>
+              </a:rPr>
+              <a:t>close</a:t>
+            </a:r>
+            <a:r>
+              <a:rPr lang="es-AR" dirty="0">
+                <a:solidFill>
+                  <a:srgbClr val="000000"/>
+                </a:solidFill>
+                <a:latin typeface="Courier New" panose="02070309020205020404" pitchFamily="49" charset="0"/>
+              </a:rPr>
+              <a:t> </a:t>
+            </a:r>
+            <a:r>
+              <a:rPr lang="es-AR" dirty="0" err="1">
+                <a:solidFill>
+                  <a:srgbClr val="A020F0"/>
+                </a:solidFill>
+                <a:latin typeface="Courier New" panose="02070309020205020404" pitchFamily="49" charset="0"/>
+              </a:rPr>
+              <a:t>all</a:t>
+            </a:r>
+            <a:endParaRPr lang="es-AR" dirty="0">
+              <a:solidFill>
+                <a:srgbClr val="A020F0"/>
+              </a:solidFill>
+              <a:latin typeface="Courier New" panose="02070309020205020404" pitchFamily="49" charset="0"/>
+            </a:endParaRPr>
+          </a:p>
+          <a:p>
+            <a:r>
+              <a:rPr lang="it-IT" dirty="0">
+                <a:solidFill>
+                  <a:srgbClr val="000000"/>
+                </a:solidFill>
+                <a:latin typeface="Courier New" panose="02070309020205020404" pitchFamily="49" charset="0"/>
+              </a:rPr>
+              <a:t>ancho=input(</a:t>
+            </a:r>
+            <a:r>
+              <a:rPr lang="it-IT" dirty="0">
+                <a:solidFill>
+                  <a:srgbClr val="A020F0"/>
+                </a:solidFill>
+                <a:latin typeface="Courier New" panose="02070309020205020404" pitchFamily="49" charset="0"/>
+              </a:rPr>
+              <a:t>'ancho='</a:t>
+            </a:r>
+            <a:r>
+              <a:rPr lang="it-IT" dirty="0">
+                <a:solidFill>
+                  <a:srgbClr val="000000"/>
+                </a:solidFill>
+                <a:latin typeface="Courier New" panose="02070309020205020404" pitchFamily="49" charset="0"/>
+              </a:rPr>
+              <a:t>); </a:t>
+            </a:r>
+            <a:r>
+              <a:rPr lang="it-IT" dirty="0">
+                <a:solidFill>
+                  <a:srgbClr val="228B22"/>
+                </a:solidFill>
+                <a:latin typeface="Courier New" panose="02070309020205020404" pitchFamily="49" charset="0"/>
+              </a:rPr>
+              <a:t>%ancho del pulso</a:t>
+            </a:r>
+          </a:p>
+          <a:p>
+            <a:r>
+              <a:rPr lang="it-IT" dirty="0">
+                <a:solidFill>
+                  <a:srgbClr val="000000"/>
+                </a:solidFill>
+                <a:latin typeface="Courier New" panose="02070309020205020404" pitchFamily="49" charset="0"/>
+              </a:rPr>
+              <a:t>deltat=input(</a:t>
+            </a:r>
+            <a:r>
+              <a:rPr lang="it-IT" dirty="0">
+                <a:solidFill>
+                  <a:srgbClr val="A020F0"/>
+                </a:solidFill>
+                <a:latin typeface="Courier New" panose="02070309020205020404" pitchFamily="49" charset="0"/>
+              </a:rPr>
+              <a:t>'deltat='</a:t>
+            </a:r>
+            <a:r>
+              <a:rPr lang="it-IT" dirty="0">
+                <a:solidFill>
+                  <a:srgbClr val="000000"/>
+                </a:solidFill>
+                <a:latin typeface="Courier New" panose="02070309020205020404" pitchFamily="49" charset="0"/>
+              </a:rPr>
+              <a:t>); </a:t>
+            </a:r>
+            <a:r>
+              <a:rPr lang="it-IT" dirty="0">
+                <a:solidFill>
+                  <a:srgbClr val="228B22"/>
+                </a:solidFill>
+                <a:latin typeface="Courier New" panose="02070309020205020404" pitchFamily="49" charset="0"/>
+              </a:rPr>
+              <a:t>%retardo del pulso</a:t>
+            </a:r>
+          </a:p>
+          <a:p>
+            <a:r>
+              <a:rPr lang="es-AR" dirty="0" err="1">
+                <a:solidFill>
+                  <a:srgbClr val="000000"/>
+                </a:solidFill>
+                <a:latin typeface="Courier New" panose="02070309020205020404" pitchFamily="49" charset="0"/>
+              </a:rPr>
+              <a:t>fs</a:t>
+            </a:r>
+            <a:r>
+              <a:rPr lang="es-AR" dirty="0">
+                <a:solidFill>
+                  <a:srgbClr val="000000"/>
+                </a:solidFill>
+                <a:latin typeface="Courier New" panose="02070309020205020404" pitchFamily="49" charset="0"/>
+              </a:rPr>
+              <a:t>=input(</a:t>
+            </a:r>
+            <a:r>
+              <a:rPr lang="es-AR" dirty="0">
+                <a:solidFill>
+                  <a:srgbClr val="A020F0"/>
+                </a:solidFill>
+                <a:latin typeface="Courier New" panose="02070309020205020404" pitchFamily="49" charset="0"/>
+              </a:rPr>
+              <a:t>'</a:t>
+            </a:r>
+            <a:r>
+              <a:rPr lang="es-AR" dirty="0" err="1">
+                <a:solidFill>
+                  <a:srgbClr val="A020F0"/>
+                </a:solidFill>
+                <a:latin typeface="Courier New" panose="02070309020205020404" pitchFamily="49" charset="0"/>
+              </a:rPr>
+              <a:t>fs</a:t>
+            </a:r>
+            <a:r>
+              <a:rPr lang="es-AR" dirty="0">
+                <a:solidFill>
+                  <a:srgbClr val="A020F0"/>
+                </a:solidFill>
+                <a:latin typeface="Courier New" panose="02070309020205020404" pitchFamily="49" charset="0"/>
+              </a:rPr>
+              <a:t>='</a:t>
+            </a:r>
+            <a:r>
+              <a:rPr lang="es-AR" dirty="0">
+                <a:solidFill>
+                  <a:srgbClr val="000000"/>
+                </a:solidFill>
+                <a:latin typeface="Courier New" panose="02070309020205020404" pitchFamily="49" charset="0"/>
+              </a:rPr>
+              <a:t>)</a:t>
+            </a:r>
+            <a:r>
+              <a:rPr lang="es-AR" dirty="0">
+                <a:solidFill>
+                  <a:srgbClr val="228B22"/>
+                </a:solidFill>
+                <a:latin typeface="Courier New" panose="02070309020205020404" pitchFamily="49" charset="0"/>
+              </a:rPr>
+              <a:t>%frecuencia de muestreo</a:t>
+            </a:r>
+          </a:p>
+          <a:p>
+            <a:r>
+              <a:rPr lang="es-AR" dirty="0">
+                <a:solidFill>
+                  <a:srgbClr val="000000"/>
+                </a:solidFill>
+                <a:latin typeface="Courier New" panose="02070309020205020404" pitchFamily="49" charset="0"/>
+              </a:rPr>
+              <a:t>N=</a:t>
+            </a:r>
+            <a:r>
+              <a:rPr lang="es-AR" dirty="0" err="1">
+                <a:solidFill>
+                  <a:srgbClr val="000000"/>
+                </a:solidFill>
+                <a:latin typeface="Courier New" panose="02070309020205020404" pitchFamily="49" charset="0"/>
+              </a:rPr>
+              <a:t>fs</a:t>
+            </a:r>
+            <a:r>
+              <a:rPr lang="es-AR" dirty="0">
+                <a:solidFill>
+                  <a:srgbClr val="000000"/>
+                </a:solidFill>
+                <a:latin typeface="Courier New" panose="02070309020205020404" pitchFamily="49" charset="0"/>
+              </a:rPr>
+              <a:t>;</a:t>
+            </a:r>
+          </a:p>
+          <a:p>
+            <a:r>
+              <a:rPr lang="es-AR" dirty="0" err="1">
+                <a:solidFill>
+                  <a:srgbClr val="000000"/>
+                </a:solidFill>
+                <a:latin typeface="Courier New" panose="02070309020205020404" pitchFamily="49" charset="0"/>
+              </a:rPr>
+              <a:t>Ts</a:t>
+            </a:r>
+            <a:r>
+              <a:rPr lang="es-AR" dirty="0">
+                <a:solidFill>
+                  <a:srgbClr val="000000"/>
+                </a:solidFill>
+                <a:latin typeface="Courier New" panose="02070309020205020404" pitchFamily="49" charset="0"/>
+              </a:rPr>
+              <a:t>=1/</a:t>
+            </a:r>
+            <a:r>
+              <a:rPr lang="es-AR" dirty="0" err="1">
+                <a:solidFill>
+                  <a:srgbClr val="000000"/>
+                </a:solidFill>
+                <a:latin typeface="Courier New" panose="02070309020205020404" pitchFamily="49" charset="0"/>
+              </a:rPr>
+              <a:t>fs</a:t>
+            </a:r>
+            <a:r>
+              <a:rPr lang="es-AR" dirty="0">
+                <a:solidFill>
+                  <a:srgbClr val="000000"/>
+                </a:solidFill>
+                <a:latin typeface="Courier New" panose="02070309020205020404" pitchFamily="49" charset="0"/>
+              </a:rPr>
+              <a:t>;</a:t>
+            </a:r>
+            <a:r>
+              <a:rPr lang="es-AR" dirty="0">
+                <a:solidFill>
+                  <a:srgbClr val="228B22"/>
+                </a:solidFill>
+                <a:latin typeface="Courier New" panose="02070309020205020404" pitchFamily="49" charset="0"/>
+              </a:rPr>
+              <a:t>%período de muestreo</a:t>
+            </a:r>
+          </a:p>
+          <a:p>
+            <a:r>
+              <a:rPr lang="es-AR" dirty="0">
+                <a:solidFill>
+                  <a:srgbClr val="000000"/>
+                </a:solidFill>
+                <a:latin typeface="Courier New" panose="02070309020205020404" pitchFamily="49" charset="0"/>
+              </a:rPr>
+              <a:t>n=0:1:N-1; </a:t>
+            </a:r>
+            <a:r>
+              <a:rPr lang="es-AR" dirty="0">
+                <a:solidFill>
+                  <a:srgbClr val="228B22"/>
+                </a:solidFill>
+                <a:latin typeface="Courier New" panose="02070309020205020404" pitchFamily="49" charset="0"/>
+              </a:rPr>
+              <a:t>%secuencia de tiempo </a:t>
+            </a:r>
+          </a:p>
+          <a:p>
+            <a:r>
+              <a:rPr lang="es-AR" dirty="0">
+                <a:solidFill>
+                  <a:srgbClr val="000000"/>
+                </a:solidFill>
+                <a:latin typeface="Courier New" panose="02070309020205020404" pitchFamily="49" charset="0"/>
+              </a:rPr>
+              <a:t>y = 1*</a:t>
+            </a:r>
+            <a:r>
+              <a:rPr lang="es-AR" dirty="0" err="1">
+                <a:solidFill>
+                  <a:srgbClr val="000000"/>
+                </a:solidFill>
+                <a:latin typeface="Courier New" panose="02070309020205020404" pitchFamily="49" charset="0"/>
+              </a:rPr>
+              <a:t>square</a:t>
+            </a:r>
+            <a:r>
+              <a:rPr lang="es-AR" dirty="0">
+                <a:solidFill>
+                  <a:srgbClr val="000000"/>
+                </a:solidFill>
+                <a:latin typeface="Courier New" panose="02070309020205020404" pitchFamily="49" charset="0"/>
+              </a:rPr>
+              <a:t>(2*pi*1 * (n*</a:t>
+            </a:r>
+            <a:r>
+              <a:rPr lang="es-AR" dirty="0" err="1">
+                <a:solidFill>
+                  <a:srgbClr val="000000"/>
+                </a:solidFill>
+                <a:latin typeface="Courier New" panose="02070309020205020404" pitchFamily="49" charset="0"/>
+              </a:rPr>
+              <a:t>Ts-deltat</a:t>
+            </a:r>
+            <a:r>
+              <a:rPr lang="es-AR" dirty="0">
+                <a:solidFill>
+                  <a:srgbClr val="000000"/>
+                </a:solidFill>
+                <a:latin typeface="Courier New" panose="02070309020205020404" pitchFamily="49" charset="0"/>
+              </a:rPr>
+              <a:t>),ancho);</a:t>
+            </a:r>
+            <a:r>
+              <a:rPr lang="es-AR" dirty="0">
+                <a:solidFill>
+                  <a:srgbClr val="228B22"/>
+                </a:solidFill>
+                <a:latin typeface="Courier New" panose="02070309020205020404" pitchFamily="49" charset="0"/>
+              </a:rPr>
+              <a:t>%señal cuadrada</a:t>
+            </a:r>
+          </a:p>
+          <a:p>
+            <a:r>
+              <a:rPr lang="es-AR" dirty="0">
+                <a:solidFill>
+                  <a:srgbClr val="000000"/>
+                </a:solidFill>
+                <a:latin typeface="Courier New" panose="02070309020205020404" pitchFamily="49" charset="0"/>
+              </a:rPr>
+              <a:t>y=</a:t>
+            </a:r>
+            <a:r>
+              <a:rPr lang="es-AR" dirty="0" err="1">
+                <a:solidFill>
+                  <a:srgbClr val="000000"/>
+                </a:solidFill>
+                <a:latin typeface="Courier New" panose="02070309020205020404" pitchFamily="49" charset="0"/>
+              </a:rPr>
+              <a:t>heaviside</a:t>
+            </a:r>
+            <a:r>
+              <a:rPr lang="es-AR" dirty="0">
+                <a:solidFill>
+                  <a:srgbClr val="000000"/>
+                </a:solidFill>
+                <a:latin typeface="Courier New" panose="02070309020205020404" pitchFamily="49" charset="0"/>
+              </a:rPr>
+              <a:t>(y);</a:t>
+            </a:r>
+            <a:r>
+              <a:rPr lang="es-AR" dirty="0">
+                <a:solidFill>
+                  <a:srgbClr val="228B22"/>
+                </a:solidFill>
+                <a:latin typeface="Courier New" panose="02070309020205020404" pitchFamily="49" charset="0"/>
+              </a:rPr>
+              <a:t>%acota los valores del pulso entre 0 y 1</a:t>
+            </a:r>
+          </a:p>
+          <a:p>
+            <a:r>
+              <a:rPr lang="es-AR" dirty="0" err="1">
+                <a:solidFill>
+                  <a:srgbClr val="000000"/>
+                </a:solidFill>
+                <a:latin typeface="Courier New" panose="02070309020205020404" pitchFamily="49" charset="0"/>
+              </a:rPr>
+              <a:t>plot</a:t>
+            </a:r>
+            <a:r>
+              <a:rPr lang="es-AR" dirty="0">
+                <a:solidFill>
+                  <a:srgbClr val="000000"/>
+                </a:solidFill>
+                <a:latin typeface="Courier New" panose="02070309020205020404" pitchFamily="49" charset="0"/>
+              </a:rPr>
+              <a:t>(n*</a:t>
+            </a:r>
+            <a:r>
+              <a:rPr lang="es-AR" dirty="0" err="1">
+                <a:solidFill>
+                  <a:srgbClr val="000000"/>
+                </a:solidFill>
+                <a:latin typeface="Courier New" panose="02070309020205020404" pitchFamily="49" charset="0"/>
+              </a:rPr>
+              <a:t>Ts,y</a:t>
+            </a:r>
+            <a:r>
+              <a:rPr lang="es-AR" dirty="0">
+                <a:solidFill>
+                  <a:srgbClr val="000000"/>
+                </a:solidFill>
+                <a:latin typeface="Courier New" panose="02070309020205020404" pitchFamily="49" charset="0"/>
+              </a:rPr>
+              <a:t>,</a:t>
+            </a:r>
+            <a:r>
+              <a:rPr lang="es-AR" dirty="0">
+                <a:solidFill>
+                  <a:srgbClr val="A020F0"/>
+                </a:solidFill>
+                <a:latin typeface="Courier New" panose="02070309020205020404" pitchFamily="49" charset="0"/>
+              </a:rPr>
+              <a:t>'.'</a:t>
+            </a:r>
+            <a:r>
+              <a:rPr lang="es-AR" dirty="0">
+                <a:solidFill>
+                  <a:srgbClr val="000000"/>
+                </a:solidFill>
+                <a:latin typeface="Courier New" panose="02070309020205020404" pitchFamily="49" charset="0"/>
+              </a:rPr>
+              <a:t>) </a:t>
+            </a:r>
+            <a:r>
+              <a:rPr lang="es-AR" dirty="0">
+                <a:solidFill>
+                  <a:srgbClr val="228B22"/>
+                </a:solidFill>
+                <a:latin typeface="Courier New" panose="02070309020205020404" pitchFamily="49" charset="0"/>
+              </a:rPr>
+              <a:t>%grafica la señal a representar</a:t>
+            </a:r>
+          </a:p>
+          <a:p>
+            <a:r>
+              <a:rPr lang="es-AR" dirty="0">
+                <a:solidFill>
+                  <a:srgbClr val="000000"/>
+                </a:solidFill>
+                <a:latin typeface="Courier New" panose="02070309020205020404" pitchFamily="49" charset="0"/>
+              </a:rPr>
+              <a:t>C = </a:t>
+            </a:r>
+            <a:r>
+              <a:rPr lang="es-AR" dirty="0" err="1">
+                <a:solidFill>
+                  <a:srgbClr val="000000"/>
+                </a:solidFill>
+                <a:latin typeface="Courier New" panose="02070309020205020404" pitchFamily="49" charset="0"/>
+              </a:rPr>
+              <a:t>zeros</a:t>
+            </a:r>
+            <a:r>
+              <a:rPr lang="es-AR" dirty="0">
+                <a:solidFill>
+                  <a:srgbClr val="000000"/>
+                </a:solidFill>
+                <a:latin typeface="Courier New" panose="02070309020205020404" pitchFamily="49" charset="0"/>
+              </a:rPr>
+              <a:t>(</a:t>
+            </a:r>
+            <a:r>
+              <a:rPr lang="es-AR" dirty="0" err="1">
+                <a:solidFill>
+                  <a:srgbClr val="000000"/>
+                </a:solidFill>
+                <a:latin typeface="Courier New" panose="02070309020205020404" pitchFamily="49" charset="0"/>
+              </a:rPr>
+              <a:t>size</a:t>
+            </a:r>
+            <a:r>
+              <a:rPr lang="es-AR" dirty="0">
+                <a:solidFill>
+                  <a:srgbClr val="000000"/>
+                </a:solidFill>
+                <a:latin typeface="Courier New" panose="02070309020205020404" pitchFamily="49" charset="0"/>
+              </a:rPr>
+              <a:t>(y)); </a:t>
+            </a:r>
+            <a:r>
+              <a:rPr lang="es-AR" dirty="0">
+                <a:solidFill>
+                  <a:srgbClr val="228B22"/>
+                </a:solidFill>
+                <a:latin typeface="Courier New" panose="02070309020205020404" pitchFamily="49" charset="0"/>
+              </a:rPr>
+              <a:t>%prepara vector de coeficientes con ceros</a:t>
+            </a:r>
+          </a:p>
+          <a:p>
+            <a:r>
+              <a:rPr lang="pt-BR" dirty="0">
+                <a:solidFill>
+                  <a:srgbClr val="000000"/>
+                </a:solidFill>
+                <a:latin typeface="Courier New" panose="02070309020205020404" pitchFamily="49" charset="0"/>
+              </a:rPr>
+              <a:t>  </a:t>
+            </a:r>
+            <a:r>
+              <a:rPr lang="pt-BR" dirty="0">
+                <a:solidFill>
+                  <a:srgbClr val="0000FF"/>
+                </a:solidFill>
+                <a:latin typeface="Courier New" panose="02070309020205020404" pitchFamily="49" charset="0"/>
+              </a:rPr>
+              <a:t>for</a:t>
+            </a:r>
+            <a:r>
+              <a:rPr lang="pt-BR" dirty="0">
+                <a:solidFill>
+                  <a:srgbClr val="000000"/>
+                </a:solidFill>
+                <a:latin typeface="Courier New" panose="02070309020205020404" pitchFamily="49" charset="0"/>
+              </a:rPr>
+              <a:t> k = 0 : N - 1  </a:t>
+            </a:r>
+            <a:r>
+              <a:rPr lang="pt-BR" dirty="0">
+                <a:solidFill>
+                  <a:srgbClr val="228B22"/>
+                </a:solidFill>
+                <a:latin typeface="Courier New" panose="02070309020205020404" pitchFamily="49" charset="0"/>
+              </a:rPr>
+              <a:t>% para cada coeficiente</a:t>
+            </a:r>
+          </a:p>
+          <a:p>
+            <a:r>
+              <a:rPr lang="es-AR" dirty="0">
+                <a:solidFill>
+                  <a:srgbClr val="000000"/>
+                </a:solidFill>
+                <a:latin typeface="Courier New" panose="02070309020205020404" pitchFamily="49" charset="0"/>
+              </a:rPr>
+              <a:t>    s = 0; </a:t>
+            </a:r>
+            <a:r>
+              <a:rPr lang="es-AR" dirty="0">
+                <a:solidFill>
+                  <a:srgbClr val="228B22"/>
+                </a:solidFill>
+                <a:latin typeface="Courier New" panose="02070309020205020404" pitchFamily="49" charset="0"/>
+              </a:rPr>
+              <a:t>%valor inicial del coeficiente</a:t>
+            </a:r>
+          </a:p>
+          <a:p>
+            <a:r>
+              <a:rPr lang="pt-BR" dirty="0">
+                <a:solidFill>
+                  <a:srgbClr val="000000"/>
+                </a:solidFill>
+                <a:latin typeface="Courier New" panose="02070309020205020404" pitchFamily="49" charset="0"/>
+              </a:rPr>
+              <a:t>    </a:t>
+            </a:r>
+            <a:r>
+              <a:rPr lang="pt-BR" dirty="0">
+                <a:solidFill>
+                  <a:srgbClr val="0000FF"/>
+                </a:solidFill>
+                <a:latin typeface="Courier New" panose="02070309020205020404" pitchFamily="49" charset="0"/>
+              </a:rPr>
+              <a:t>for</a:t>
+            </a:r>
+            <a:r>
+              <a:rPr lang="pt-BR" dirty="0">
+                <a:solidFill>
+                  <a:srgbClr val="000000"/>
+                </a:solidFill>
+                <a:latin typeface="Courier New" panose="02070309020205020404" pitchFamily="49" charset="0"/>
+              </a:rPr>
+              <a:t> n = 0 : N - 1  </a:t>
+            </a:r>
+            <a:r>
+              <a:rPr lang="pt-BR" dirty="0">
+                <a:solidFill>
+                  <a:srgbClr val="228B22"/>
+                </a:solidFill>
+                <a:latin typeface="Courier New" panose="02070309020205020404" pitchFamily="49" charset="0"/>
+              </a:rPr>
+              <a:t>% para cada valor de </a:t>
+            </a:r>
+            <a:r>
+              <a:rPr lang="pt-BR" dirty="0" err="1">
+                <a:solidFill>
+                  <a:srgbClr val="228B22"/>
+                </a:solidFill>
+                <a:latin typeface="Courier New" panose="02070309020205020404" pitchFamily="49" charset="0"/>
+              </a:rPr>
+              <a:t>tiempo</a:t>
+            </a:r>
+            <a:endParaRPr lang="pt-BR" dirty="0">
+              <a:solidFill>
+                <a:srgbClr val="228B22"/>
+              </a:solidFill>
+              <a:latin typeface="Courier New" panose="02070309020205020404" pitchFamily="49" charset="0"/>
+            </a:endParaRPr>
+          </a:p>
+          <a:p>
+            <a:r>
+              <a:rPr lang="pt-BR" dirty="0">
+                <a:solidFill>
+                  <a:srgbClr val="000000"/>
+                </a:solidFill>
+                <a:latin typeface="Courier New" panose="02070309020205020404" pitchFamily="49" charset="0"/>
+              </a:rPr>
+              <a:t>      </a:t>
+            </a:r>
+            <a:r>
+              <a:rPr lang="pt-BR" dirty="0">
+                <a:solidFill>
+                  <a:srgbClr val="228B22"/>
+                </a:solidFill>
+                <a:latin typeface="Courier New" panose="02070309020205020404" pitchFamily="49" charset="0"/>
+              </a:rPr>
+              <a:t>%s =  s+y1(n + 1) * </a:t>
+            </a:r>
+            <a:r>
+              <a:rPr lang="pt-BR" dirty="0" err="1">
+                <a:solidFill>
+                  <a:srgbClr val="228B22"/>
+                </a:solidFill>
+                <a:latin typeface="Courier New" panose="02070309020205020404" pitchFamily="49" charset="0"/>
+              </a:rPr>
+              <a:t>exp</a:t>
+            </a:r>
+            <a:r>
+              <a:rPr lang="pt-BR" dirty="0">
+                <a:solidFill>
+                  <a:srgbClr val="228B22"/>
+                </a:solidFill>
+                <a:latin typeface="Courier New" panose="02070309020205020404" pitchFamily="49" charset="0"/>
+              </a:rPr>
+              <a:t>(-j*(2 * </a:t>
+            </a:r>
+            <a:r>
+              <a:rPr lang="pt-BR" dirty="0" err="1">
+                <a:solidFill>
+                  <a:srgbClr val="228B22"/>
+                </a:solidFill>
+                <a:latin typeface="Courier New" panose="02070309020205020404" pitchFamily="49" charset="0"/>
+              </a:rPr>
+              <a:t>pi</a:t>
+            </a:r>
+            <a:r>
+              <a:rPr lang="pt-BR" dirty="0">
+                <a:solidFill>
+                  <a:srgbClr val="228B22"/>
+                </a:solidFill>
+                <a:latin typeface="Courier New" panose="02070309020205020404" pitchFamily="49" charset="0"/>
+              </a:rPr>
+              <a:t> * k / N)*n); %valor parcial de </a:t>
+            </a:r>
+            <a:r>
+              <a:rPr lang="pt-BR" dirty="0" err="1">
+                <a:solidFill>
+                  <a:srgbClr val="228B22"/>
+                </a:solidFill>
+                <a:latin typeface="Courier New" panose="02070309020205020404" pitchFamily="49" charset="0"/>
+              </a:rPr>
+              <a:t>coef</a:t>
+            </a:r>
+            <a:r>
+              <a:rPr lang="pt-BR" dirty="0">
+                <a:solidFill>
+                  <a:srgbClr val="228B22"/>
+                </a:solidFill>
+                <a:latin typeface="Courier New" panose="02070309020205020404" pitchFamily="49" charset="0"/>
+              </a:rPr>
+              <a:t>. </a:t>
+            </a:r>
+          </a:p>
+          <a:p>
+            <a:r>
+              <a:rPr lang="pt-BR" dirty="0">
+                <a:solidFill>
+                  <a:srgbClr val="000000"/>
+                </a:solidFill>
+                <a:latin typeface="Courier New" panose="02070309020205020404" pitchFamily="49" charset="0"/>
+              </a:rPr>
+              <a:t>      s =  </a:t>
+            </a:r>
+            <a:r>
+              <a:rPr lang="pt-BR" dirty="0" err="1">
+                <a:solidFill>
+                  <a:srgbClr val="000000"/>
+                </a:solidFill>
+                <a:latin typeface="Courier New" panose="02070309020205020404" pitchFamily="49" charset="0"/>
+              </a:rPr>
+              <a:t>s+y</a:t>
+            </a:r>
+            <a:r>
+              <a:rPr lang="pt-BR" dirty="0">
+                <a:solidFill>
+                  <a:srgbClr val="000000"/>
+                </a:solidFill>
+                <a:latin typeface="Courier New" panose="02070309020205020404" pitchFamily="49" charset="0"/>
+              </a:rPr>
+              <a:t>(n + 1) * </a:t>
+            </a:r>
+            <a:r>
+              <a:rPr lang="pt-BR" dirty="0" err="1">
+                <a:solidFill>
+                  <a:srgbClr val="000000"/>
+                </a:solidFill>
+                <a:latin typeface="Courier New" panose="02070309020205020404" pitchFamily="49" charset="0"/>
+              </a:rPr>
+              <a:t>exp</a:t>
+            </a:r>
+            <a:r>
+              <a:rPr lang="pt-BR" dirty="0">
+                <a:solidFill>
+                  <a:srgbClr val="000000"/>
+                </a:solidFill>
+                <a:latin typeface="Courier New" panose="02070309020205020404" pitchFamily="49" charset="0"/>
+              </a:rPr>
+              <a:t>(-j*(2 * </a:t>
+            </a:r>
+            <a:r>
+              <a:rPr lang="pt-BR" dirty="0" err="1">
+                <a:solidFill>
+                  <a:srgbClr val="000000"/>
+                </a:solidFill>
+                <a:latin typeface="Courier New" panose="02070309020205020404" pitchFamily="49" charset="0"/>
+              </a:rPr>
+              <a:t>pi</a:t>
+            </a:r>
+            <a:r>
+              <a:rPr lang="pt-BR" dirty="0">
+                <a:solidFill>
+                  <a:srgbClr val="000000"/>
+                </a:solidFill>
+                <a:latin typeface="Courier New" panose="02070309020205020404" pitchFamily="49" charset="0"/>
+              </a:rPr>
+              <a:t> *k*</a:t>
+            </a:r>
+            <a:r>
+              <a:rPr lang="pt-BR" dirty="0" err="1">
+                <a:solidFill>
+                  <a:srgbClr val="000000"/>
+                </a:solidFill>
+                <a:latin typeface="Courier New" panose="02070309020205020404" pitchFamily="49" charset="0"/>
+              </a:rPr>
+              <a:t>Ts</a:t>
+            </a:r>
+            <a:r>
+              <a:rPr lang="pt-BR" dirty="0">
+                <a:solidFill>
+                  <a:srgbClr val="000000"/>
+                </a:solidFill>
+                <a:latin typeface="Courier New" panose="02070309020205020404" pitchFamily="49" charset="0"/>
+              </a:rPr>
+              <a:t>)*n); </a:t>
+            </a:r>
+            <a:r>
+              <a:rPr lang="pt-BR" dirty="0">
+                <a:solidFill>
+                  <a:srgbClr val="228B22"/>
+                </a:solidFill>
+                <a:latin typeface="Courier New" panose="02070309020205020404" pitchFamily="49" charset="0"/>
+              </a:rPr>
+              <a:t>%valor parcial de </a:t>
+            </a:r>
+            <a:r>
+              <a:rPr lang="pt-BR" dirty="0" err="1">
+                <a:solidFill>
+                  <a:srgbClr val="228B22"/>
+                </a:solidFill>
+                <a:latin typeface="Courier New" panose="02070309020205020404" pitchFamily="49" charset="0"/>
+              </a:rPr>
+              <a:t>coef</a:t>
+            </a:r>
+            <a:r>
+              <a:rPr lang="pt-BR" dirty="0">
+                <a:solidFill>
+                  <a:srgbClr val="228B22"/>
+                </a:solidFill>
+                <a:latin typeface="Courier New" panose="02070309020205020404" pitchFamily="49" charset="0"/>
+              </a:rPr>
+              <a:t>.</a:t>
+            </a:r>
+          </a:p>
+          <a:p>
+            <a:r>
+              <a:rPr lang="es-AR" dirty="0">
+                <a:solidFill>
+                  <a:srgbClr val="000000"/>
+                </a:solidFill>
+                <a:latin typeface="Courier New" panose="02070309020205020404" pitchFamily="49" charset="0"/>
+              </a:rPr>
+              <a:t>    </a:t>
+            </a:r>
+            <a:r>
+              <a:rPr lang="es-AR" dirty="0" err="1">
+                <a:solidFill>
+                  <a:srgbClr val="0000FF"/>
+                </a:solidFill>
+                <a:latin typeface="Courier New" panose="02070309020205020404" pitchFamily="49" charset="0"/>
+              </a:rPr>
+              <a:t>end</a:t>
+            </a:r>
+            <a:endParaRPr lang="es-AR" dirty="0">
+              <a:solidFill>
+                <a:srgbClr val="0000FF"/>
+              </a:solidFill>
+              <a:latin typeface="Courier New" panose="02070309020205020404" pitchFamily="49" charset="0"/>
+            </a:endParaRPr>
+          </a:p>
+          <a:p>
+            <a:r>
+              <a:rPr lang="pt-BR" dirty="0">
+                <a:solidFill>
+                  <a:srgbClr val="000000"/>
+                </a:solidFill>
+                <a:latin typeface="Courier New" panose="02070309020205020404" pitchFamily="49" charset="0"/>
+              </a:rPr>
+              <a:t>    C(k + 1) = s/N; </a:t>
+            </a:r>
+            <a:r>
+              <a:rPr lang="pt-BR" dirty="0">
+                <a:solidFill>
+                  <a:srgbClr val="228B22"/>
+                </a:solidFill>
+                <a:latin typeface="Courier New" panose="02070309020205020404" pitchFamily="49" charset="0"/>
+              </a:rPr>
+              <a:t>% valor final de cada coeficiente</a:t>
+            </a:r>
+          </a:p>
+          <a:p>
+            <a:r>
+              <a:rPr lang="es-AR" dirty="0">
+                <a:solidFill>
+                  <a:srgbClr val="000000"/>
+                </a:solidFill>
+                <a:latin typeface="Courier New" panose="02070309020205020404" pitchFamily="49" charset="0"/>
+              </a:rPr>
+              <a:t>  </a:t>
+            </a:r>
+            <a:r>
+              <a:rPr lang="es-AR" dirty="0" err="1">
+                <a:solidFill>
+                  <a:srgbClr val="0000FF"/>
+                </a:solidFill>
+                <a:latin typeface="Courier New" panose="02070309020205020404" pitchFamily="49" charset="0"/>
+              </a:rPr>
+              <a:t>end</a:t>
+            </a:r>
+            <a:endParaRPr lang="es-AR" dirty="0">
+              <a:solidFill>
+                <a:srgbClr val="0000FF"/>
+              </a:solidFill>
+              <a:latin typeface="Courier New" panose="02070309020205020404" pitchFamily="49" charset="0"/>
+            </a:endParaRPr>
+          </a:p>
+          <a:p>
+            <a:r>
+              <a:rPr lang="es-AR" dirty="0">
+                <a:solidFill>
+                  <a:srgbClr val="000000"/>
+                </a:solidFill>
+                <a:latin typeface="Courier New" panose="02070309020205020404" pitchFamily="49" charset="0"/>
+              </a:rPr>
+              <a:t>  </a:t>
+            </a:r>
+            <a:r>
+              <a:rPr lang="es-AR" dirty="0" err="1">
+                <a:solidFill>
+                  <a:srgbClr val="000000"/>
+                </a:solidFill>
+                <a:latin typeface="Courier New" panose="02070309020205020404" pitchFamily="49" charset="0"/>
+              </a:rPr>
+              <a:t>deltaf</a:t>
+            </a:r>
+            <a:r>
+              <a:rPr lang="es-AR" dirty="0">
+                <a:solidFill>
+                  <a:srgbClr val="000000"/>
+                </a:solidFill>
+                <a:latin typeface="Courier New" panose="02070309020205020404" pitchFamily="49" charset="0"/>
+              </a:rPr>
+              <a:t>=</a:t>
+            </a:r>
+            <a:r>
+              <a:rPr lang="es-AR" dirty="0" err="1">
+                <a:solidFill>
+                  <a:srgbClr val="000000"/>
+                </a:solidFill>
+                <a:latin typeface="Courier New" panose="02070309020205020404" pitchFamily="49" charset="0"/>
+              </a:rPr>
+              <a:t>fs</a:t>
+            </a:r>
+            <a:r>
+              <a:rPr lang="es-AR" dirty="0">
+                <a:solidFill>
+                  <a:srgbClr val="000000"/>
+                </a:solidFill>
+                <a:latin typeface="Courier New" panose="02070309020205020404" pitchFamily="49" charset="0"/>
+              </a:rPr>
+              <a:t>/N;</a:t>
+            </a:r>
+          </a:p>
+          <a:p>
+            <a:r>
+              <a:rPr lang="es-AR" dirty="0">
+                <a:solidFill>
+                  <a:srgbClr val="228B22"/>
+                </a:solidFill>
+                <a:latin typeface="Courier New" panose="02070309020205020404" pitchFamily="49" charset="0"/>
+              </a:rPr>
+              <a:t>%grafica la amplitud de los coeficientes (amplitud del espectro de </a:t>
+            </a:r>
+            <a:r>
+              <a:rPr lang="es-AR" dirty="0" err="1">
+                <a:solidFill>
+                  <a:srgbClr val="228B22"/>
+                </a:solidFill>
+                <a:latin typeface="Courier New" panose="02070309020205020404" pitchFamily="49" charset="0"/>
+              </a:rPr>
+              <a:t>frec</a:t>
+            </a:r>
+            <a:r>
+              <a:rPr lang="es-AR" dirty="0">
+                <a:solidFill>
+                  <a:srgbClr val="228B22"/>
+                </a:solidFill>
+                <a:latin typeface="Courier New" panose="02070309020205020404" pitchFamily="49" charset="0"/>
+              </a:rPr>
+              <a:t>.)</a:t>
+            </a:r>
+          </a:p>
+          <a:p>
+            <a:r>
+              <a:rPr lang="es-AR" dirty="0">
+                <a:solidFill>
+                  <a:srgbClr val="000000"/>
+                </a:solidFill>
+                <a:latin typeface="Courier New" panose="02070309020205020404" pitchFamily="49" charset="0"/>
+              </a:rPr>
+              <a:t>  figure</a:t>
+            </a:r>
+          </a:p>
+          <a:p>
+            <a:r>
+              <a:rPr lang="es-AR" dirty="0">
+                <a:solidFill>
+                  <a:srgbClr val="000000"/>
+                </a:solidFill>
+                <a:latin typeface="Courier New" panose="02070309020205020404" pitchFamily="49" charset="0"/>
+              </a:rPr>
+              <a:t>  </a:t>
+            </a:r>
+            <a:r>
+              <a:rPr lang="es-AR" dirty="0" err="1">
+                <a:solidFill>
+                  <a:srgbClr val="000000"/>
+                </a:solidFill>
+                <a:latin typeface="Courier New" panose="02070309020205020404" pitchFamily="49" charset="0"/>
+              </a:rPr>
+              <a:t>fre</a:t>
+            </a:r>
+            <a:r>
+              <a:rPr lang="es-AR" dirty="0">
+                <a:solidFill>
+                  <a:srgbClr val="000000"/>
+                </a:solidFill>
+                <a:latin typeface="Courier New" panose="02070309020205020404" pitchFamily="49" charset="0"/>
+              </a:rPr>
+              <a:t>=0:deltaf:(</a:t>
+            </a:r>
+            <a:r>
+              <a:rPr lang="es-AR" dirty="0" err="1">
+                <a:solidFill>
+                  <a:srgbClr val="000000"/>
+                </a:solidFill>
+                <a:latin typeface="Courier New" panose="02070309020205020404" pitchFamily="49" charset="0"/>
+              </a:rPr>
+              <a:t>length</a:t>
+            </a:r>
+            <a:r>
+              <a:rPr lang="es-AR" dirty="0">
+                <a:solidFill>
+                  <a:srgbClr val="000000"/>
+                </a:solidFill>
+                <a:latin typeface="Courier New" panose="02070309020205020404" pitchFamily="49" charset="0"/>
+              </a:rPr>
+              <a:t>(C)-1)*</a:t>
+            </a:r>
+            <a:r>
+              <a:rPr lang="es-AR" dirty="0" err="1">
+                <a:solidFill>
+                  <a:srgbClr val="000000"/>
+                </a:solidFill>
+                <a:latin typeface="Courier New" panose="02070309020205020404" pitchFamily="49" charset="0"/>
+              </a:rPr>
+              <a:t>deltaf</a:t>
+            </a:r>
+            <a:r>
+              <a:rPr lang="es-AR" dirty="0">
+                <a:solidFill>
+                  <a:srgbClr val="000000"/>
+                </a:solidFill>
+                <a:latin typeface="Courier New" panose="02070309020205020404" pitchFamily="49" charset="0"/>
+              </a:rPr>
+              <a:t>;</a:t>
+            </a:r>
+          </a:p>
+          <a:p>
+            <a:r>
+              <a:rPr lang="es-AR" dirty="0">
+                <a:solidFill>
+                  <a:srgbClr val="000000"/>
+                </a:solidFill>
+                <a:latin typeface="Courier New" panose="02070309020205020404" pitchFamily="49" charset="0"/>
+              </a:rPr>
+              <a:t>  </a:t>
+            </a:r>
+            <a:r>
+              <a:rPr lang="es-AR" dirty="0" err="1">
+                <a:solidFill>
+                  <a:srgbClr val="000000"/>
+                </a:solidFill>
+                <a:latin typeface="Courier New" panose="02070309020205020404" pitchFamily="49" charset="0"/>
+              </a:rPr>
+              <a:t>stem</a:t>
+            </a:r>
+            <a:r>
+              <a:rPr lang="es-AR" dirty="0">
+                <a:solidFill>
+                  <a:srgbClr val="000000"/>
+                </a:solidFill>
+                <a:latin typeface="Courier New" panose="02070309020205020404" pitchFamily="49" charset="0"/>
+              </a:rPr>
+              <a:t>(</a:t>
+            </a:r>
+            <a:r>
+              <a:rPr lang="es-AR" dirty="0" err="1">
+                <a:solidFill>
+                  <a:srgbClr val="000000"/>
+                </a:solidFill>
+                <a:latin typeface="Courier New" panose="02070309020205020404" pitchFamily="49" charset="0"/>
+              </a:rPr>
+              <a:t>fre,abs</a:t>
+            </a:r>
+            <a:r>
+              <a:rPr lang="es-AR" dirty="0">
+                <a:solidFill>
+                  <a:srgbClr val="000000"/>
+                </a:solidFill>
+                <a:latin typeface="Courier New" panose="02070309020205020404" pitchFamily="49" charset="0"/>
+              </a:rPr>
+              <a:t>(C))</a:t>
+            </a:r>
+          </a:p>
+        </p:txBody>
+      </p:sp>
+    </p:spTree>
+    <p:extLst>
+      <p:ext uri="{BB962C8B-B14F-4D97-AF65-F5344CB8AC3E}">
+        <p14:creationId xmlns:p14="http://schemas.microsoft.com/office/powerpoint/2010/main" val="3031141251"/>
+      </p:ext>
+    </p:extLst>
+  </p:cSld>
+  <p:clrMapOvr>
+    <a:masterClrMapping/>
+  </p:clrMapOvr>
+</p:sld>
+</file>
+
+<file path=ppt/slides/slide11.xml><?xml version="1.0" encoding="utf-8"?>
 <p:sld xmlns:a="http://schemas.openxmlformats.org/drawingml/2006/main" xmlns:r="http://schemas.openxmlformats.org/officeDocument/2006/relationships" xmlns:p="http://schemas.openxmlformats.org/presentationml/2006/main">
   <p:cSld>
     <p:spTree>
@@ -4192,7 +4806,7 @@
 </p:sld>
 </file>
 
-<file path=ppt/slides/slide11.xml><?xml version="1.0" encoding="utf-8"?>
+<file path=ppt/slides/slide12.xml><?xml version="1.0" encoding="utf-8"?>
 <p:sld xmlns:a="http://schemas.openxmlformats.org/drawingml/2006/main" xmlns:r="http://schemas.openxmlformats.org/officeDocument/2006/relationships" xmlns:p="http://schemas.openxmlformats.org/presentationml/2006/main">
   <p:cSld>
     <p:spTree>
@@ -4337,7 +4951,7 @@
 </p:sld>
 </file>
 
-<file path=ppt/slides/slide12.xml><?xml version="1.0" encoding="utf-8"?>
+<file path=ppt/slides/slide13.xml><?xml version="1.0" encoding="utf-8"?>
 <p:sld xmlns:a="http://schemas.openxmlformats.org/drawingml/2006/main" xmlns:r="http://schemas.openxmlformats.org/officeDocument/2006/relationships" xmlns:p="http://schemas.openxmlformats.org/presentationml/2006/main">
   <p:cSld>
     <p:spTree>
@@ -4504,7 +5118,7 @@
 </p:sld>
 </file>
 
-<file path=ppt/slides/slide13.xml><?xml version="1.0" encoding="utf-8"?>
+<file path=ppt/slides/slide14.xml><?xml version="1.0" encoding="utf-8"?>
 <p:sld xmlns:a="http://schemas.openxmlformats.org/drawingml/2006/main" xmlns:r="http://schemas.openxmlformats.org/officeDocument/2006/relationships" xmlns:p="http://schemas.openxmlformats.org/presentationml/2006/main">
   <p:cSld>
     <p:spTree>
@@ -5483,7 +6097,7 @@
 </p:sld>
 </file>
 
-<file path=ppt/slides/slide14.xml><?xml version="1.0" encoding="utf-8"?>
+<file path=ppt/slides/slide15.xml><?xml version="1.0" encoding="utf-8"?>
 <p:sld xmlns:a="http://schemas.openxmlformats.org/drawingml/2006/main" xmlns:r="http://schemas.openxmlformats.org/officeDocument/2006/relationships" xmlns:p="http://schemas.openxmlformats.org/presentationml/2006/main">
   <p:cSld>
     <p:spTree>
@@ -5623,6 +6237,1087 @@
       </p:grpSpPr>
       <p:sp>
         <p:nvSpPr>
+          <p:cNvPr id="4" name="9 CuadroTexto"/>
+          <p:cNvSpPr txBox="1"/>
+          <p:nvPr/>
+        </p:nvSpPr>
+        <p:spPr>
+          <a:xfrm>
+            <a:off x="3216700" y="921296"/>
+            <a:ext cx="4127092" cy="369332"/>
+          </a:xfrm>
+          <a:prstGeom prst="rect">
+            <a:avLst/>
+          </a:prstGeom>
+          <a:noFill/>
+        </p:spPr>
+        <p:txBody>
+          <a:bodyPr wrap="none" rtlCol="0">
+            <a:spAutoFit/>
+          </a:bodyPr>
+          <a:lstStyle/>
+          <a:p>
+            <a:r>
+              <a:rPr lang="es-AR" dirty="0" smtClean="0"/>
+              <a:t>,   Transformada Discreta de Fourier  (TDF)</a:t>
+            </a:r>
+            <a:endParaRPr lang="es-AR" dirty="0"/>
+          </a:p>
+        </p:txBody>
+      </p:sp>
+      <p:graphicFrame>
+        <p:nvGraphicFramePr>
+          <p:cNvPr id="5" name="Object 7"/>
+          <p:cNvGraphicFramePr>
+            <a:graphicFrameLocks noChangeAspect="1"/>
+          </p:cNvGraphicFramePr>
+          <p:nvPr>
+            <p:extLst>
+              <p:ext uri="{D42A27DB-BD31-4B8C-83A1-F6EECF244321}">
+                <p14:modId xmlns:p14="http://schemas.microsoft.com/office/powerpoint/2010/main" val="141827668"/>
+              </p:ext>
+            </p:extLst>
+          </p:nvPr>
+        </p:nvGraphicFramePr>
+        <p:xfrm>
+          <a:off x="771496" y="719124"/>
+          <a:ext cx="2374900" cy="769938"/>
+        </p:xfrm>
+        <a:graphic>
+          <a:graphicData uri="http://schemas.openxmlformats.org/presentationml/2006/ole">
+            <mc:AlternateContent xmlns:mc="http://schemas.openxmlformats.org/markup-compatibility/2006">
+              <mc:Choice xmlns:v="urn:schemas-microsoft-com:vml" Requires="v">
+                <p:oleObj spid="_x0000_s1057" name="Ecuación" r:id="rId3" imgW="1371600" imgH="444240" progId="Equation.3">
+                  <p:embed/>
+                </p:oleObj>
+              </mc:Choice>
+              <mc:Fallback>
+                <p:oleObj name="Ecuación" r:id="rId3" imgW="1371600" imgH="444240" progId="Equation.3">
+                  <p:embed/>
+                  <p:pic>
+                    <p:nvPicPr>
+                      <p:cNvPr id="1031" name="Object 7"/>
+                      <p:cNvPicPr>
+                        <a:picLocks noChangeAspect="1" noChangeArrowheads="1"/>
+                      </p:cNvPicPr>
+                      <p:nvPr/>
+                    </p:nvPicPr>
+                    <p:blipFill>
+                      <a:blip r:embed="rId4">
+                        <a:extLst>
+                          <a:ext uri="{28A0092B-C50C-407E-A947-70E740481C1C}">
+                            <a14:useLocalDpi xmlns:a14="http://schemas.microsoft.com/office/drawing/2010/main" val="0"/>
+                          </a:ext>
+                        </a:extLst>
+                      </a:blip>
+                      <a:srcRect/>
+                      <a:stretch>
+                        <a:fillRect/>
+                      </a:stretch>
+                    </p:blipFill>
+                    <p:spPr bwMode="auto">
+                      <a:xfrm>
+                        <a:off x="771496" y="719124"/>
+                        <a:ext cx="2374900" cy="769938"/>
+                      </a:xfrm>
+                      <a:prstGeom prst="rect">
+                        <a:avLst/>
+                      </a:prstGeom>
+                      <a:noFill/>
+                      <a:ln w="34925">
+                        <a:solidFill>
+                          <a:srgbClr val="FF0000"/>
+                        </a:solidFill>
+                        <a:miter lim="800000"/>
+                        <a:headEnd/>
+                        <a:tailEnd/>
+                      </a:ln>
+                      <a:extLst>
+                        <a:ext uri="{909E8E84-426E-40DD-AFC4-6F175D3DCCD1}">
+                          <a14:hiddenFill xmlns:a14="http://schemas.microsoft.com/office/drawing/2010/main">
+                            <a:solidFill>
+                              <a:srgbClr val="FFFFFF"/>
+                            </a:solidFill>
+                          </a14:hiddenFill>
+                        </a:ext>
+                      </a:extLst>
+                    </p:spPr>
+                  </p:pic>
+                </p:oleObj>
+              </mc:Fallback>
+            </mc:AlternateContent>
+          </a:graphicData>
+        </a:graphic>
+      </p:graphicFrame>
+      <p:sp>
+        <p:nvSpPr>
+          <p:cNvPr id="6" name="8 CuadroTexto"/>
+          <p:cNvSpPr txBox="1"/>
+          <p:nvPr/>
+        </p:nvSpPr>
+        <p:spPr>
+          <a:xfrm>
+            <a:off x="2832198" y="72793"/>
+            <a:ext cx="6407075" cy="646331"/>
+          </a:xfrm>
+          <a:prstGeom prst="rect">
+            <a:avLst/>
+          </a:prstGeom>
+          <a:noFill/>
+        </p:spPr>
+        <p:txBody>
+          <a:bodyPr wrap="none" rtlCol="0">
+            <a:spAutoFit/>
+          </a:bodyPr>
+          <a:lstStyle/>
+          <a:p>
+            <a:r>
+              <a:rPr lang="es-AR" sz="3400" b="1" dirty="0" smtClean="0"/>
+              <a:t>Transformada</a:t>
+            </a:r>
+            <a:r>
+              <a:rPr lang="es-AR" sz="3600" b="1" dirty="0" smtClean="0"/>
+              <a:t> Discreta de Fourier</a:t>
+            </a:r>
+            <a:endParaRPr lang="es-AR" sz="3600" b="1" dirty="0"/>
+          </a:p>
+        </p:txBody>
+      </p:sp>
+      <p:sp>
+        <p:nvSpPr>
+          <p:cNvPr id="7" name="Rectángulo 6"/>
+          <p:cNvSpPr/>
+          <p:nvPr/>
+        </p:nvSpPr>
+        <p:spPr>
+          <a:xfrm>
+            <a:off x="133348" y="1489062"/>
+            <a:ext cx="12058651" cy="5355312"/>
+          </a:xfrm>
+          <a:prstGeom prst="rect">
+            <a:avLst/>
+          </a:prstGeom>
+        </p:spPr>
+        <p:txBody>
+          <a:bodyPr wrap="square">
+            <a:spAutoFit/>
+          </a:bodyPr>
+          <a:lstStyle/>
+          <a:p>
+            <a:r>
+              <a:rPr lang="es-AR" dirty="0" err="1">
+                <a:solidFill>
+                  <a:srgbClr val="000000"/>
+                </a:solidFill>
+                <a:latin typeface="Courier New" panose="02070309020205020404" pitchFamily="49" charset="0"/>
+              </a:rPr>
+              <a:t>clear</a:t>
+            </a:r>
+            <a:r>
+              <a:rPr lang="es-AR" dirty="0">
+                <a:solidFill>
+                  <a:srgbClr val="000000"/>
+                </a:solidFill>
+                <a:latin typeface="Courier New" panose="02070309020205020404" pitchFamily="49" charset="0"/>
+              </a:rPr>
+              <a:t> </a:t>
+            </a:r>
+            <a:r>
+              <a:rPr lang="es-AR" dirty="0" err="1">
+                <a:solidFill>
+                  <a:srgbClr val="A020F0"/>
+                </a:solidFill>
+                <a:latin typeface="Courier New" panose="02070309020205020404" pitchFamily="49" charset="0"/>
+              </a:rPr>
+              <a:t>all</a:t>
+            </a:r>
+            <a:endParaRPr lang="es-AR" dirty="0">
+              <a:solidFill>
+                <a:srgbClr val="A020F0"/>
+              </a:solidFill>
+              <a:latin typeface="Courier New" panose="02070309020205020404" pitchFamily="49" charset="0"/>
+            </a:endParaRPr>
+          </a:p>
+          <a:p>
+            <a:r>
+              <a:rPr lang="es-AR" dirty="0" err="1">
+                <a:solidFill>
+                  <a:srgbClr val="000000"/>
+                </a:solidFill>
+                <a:latin typeface="Courier New" panose="02070309020205020404" pitchFamily="49" charset="0"/>
+              </a:rPr>
+              <a:t>close</a:t>
+            </a:r>
+            <a:r>
+              <a:rPr lang="es-AR" dirty="0">
+                <a:solidFill>
+                  <a:srgbClr val="000000"/>
+                </a:solidFill>
+                <a:latin typeface="Courier New" panose="02070309020205020404" pitchFamily="49" charset="0"/>
+              </a:rPr>
+              <a:t> </a:t>
+            </a:r>
+            <a:r>
+              <a:rPr lang="es-AR" dirty="0" err="1">
+                <a:solidFill>
+                  <a:srgbClr val="A020F0"/>
+                </a:solidFill>
+                <a:latin typeface="Courier New" panose="02070309020205020404" pitchFamily="49" charset="0"/>
+              </a:rPr>
+              <a:t>all</a:t>
+            </a:r>
+            <a:endParaRPr lang="es-AR" dirty="0">
+              <a:solidFill>
+                <a:srgbClr val="A020F0"/>
+              </a:solidFill>
+              <a:latin typeface="Courier New" panose="02070309020205020404" pitchFamily="49" charset="0"/>
+            </a:endParaRPr>
+          </a:p>
+          <a:p>
+            <a:r>
+              <a:rPr lang="es-AR" dirty="0">
+                <a:solidFill>
+                  <a:srgbClr val="000000"/>
+                </a:solidFill>
+                <a:latin typeface="Courier New" panose="02070309020205020404" pitchFamily="49" charset="0"/>
+              </a:rPr>
+              <a:t>f=input(</a:t>
+            </a:r>
+            <a:r>
+              <a:rPr lang="es-AR" dirty="0">
+                <a:solidFill>
+                  <a:srgbClr val="A020F0"/>
+                </a:solidFill>
+                <a:latin typeface="Courier New" panose="02070309020205020404" pitchFamily="49" charset="0"/>
+              </a:rPr>
+              <a:t>'f='</a:t>
+            </a:r>
+            <a:r>
+              <a:rPr lang="es-AR" dirty="0">
+                <a:solidFill>
+                  <a:srgbClr val="000000"/>
+                </a:solidFill>
+                <a:latin typeface="Courier New" panose="02070309020205020404" pitchFamily="49" charset="0"/>
+              </a:rPr>
+              <a:t>); </a:t>
+            </a:r>
+            <a:r>
+              <a:rPr lang="es-AR" dirty="0">
+                <a:solidFill>
+                  <a:srgbClr val="228B22"/>
+                </a:solidFill>
+                <a:latin typeface="Courier New" panose="02070309020205020404" pitchFamily="49" charset="0"/>
+              </a:rPr>
+              <a:t>%frecuencia de la señal</a:t>
+            </a:r>
+          </a:p>
+          <a:p>
+            <a:r>
+              <a:rPr lang="es-AR" dirty="0">
+                <a:solidFill>
+                  <a:srgbClr val="000000"/>
+                </a:solidFill>
+                <a:latin typeface="Courier New" panose="02070309020205020404" pitchFamily="49" charset="0"/>
+              </a:rPr>
+              <a:t>N=input(</a:t>
+            </a:r>
+            <a:r>
+              <a:rPr lang="es-AR" dirty="0">
+                <a:solidFill>
+                  <a:srgbClr val="A020F0"/>
+                </a:solidFill>
+                <a:latin typeface="Courier New" panose="02070309020205020404" pitchFamily="49" charset="0"/>
+              </a:rPr>
+              <a:t>'N='</a:t>
+            </a:r>
+            <a:r>
+              <a:rPr lang="es-AR" dirty="0">
+                <a:solidFill>
+                  <a:srgbClr val="000000"/>
+                </a:solidFill>
+                <a:latin typeface="Courier New" panose="02070309020205020404" pitchFamily="49" charset="0"/>
+              </a:rPr>
+              <a:t>);</a:t>
+            </a:r>
+            <a:r>
+              <a:rPr lang="es-AR" dirty="0">
+                <a:solidFill>
+                  <a:srgbClr val="228B22"/>
+                </a:solidFill>
+                <a:latin typeface="Courier New" panose="02070309020205020404" pitchFamily="49" charset="0"/>
+              </a:rPr>
+              <a:t>%longitud de la muestra</a:t>
+            </a:r>
+          </a:p>
+          <a:p>
+            <a:r>
+              <a:rPr lang="es-AR" dirty="0" err="1">
+                <a:solidFill>
+                  <a:srgbClr val="000000"/>
+                </a:solidFill>
+                <a:latin typeface="Courier New" panose="02070309020205020404" pitchFamily="49" charset="0"/>
+              </a:rPr>
+              <a:t>fs</a:t>
+            </a:r>
+            <a:r>
+              <a:rPr lang="es-AR" dirty="0">
+                <a:solidFill>
+                  <a:srgbClr val="000000"/>
+                </a:solidFill>
+                <a:latin typeface="Courier New" panose="02070309020205020404" pitchFamily="49" charset="0"/>
+              </a:rPr>
+              <a:t>=input(</a:t>
+            </a:r>
+            <a:r>
+              <a:rPr lang="es-AR" dirty="0">
+                <a:solidFill>
+                  <a:srgbClr val="A020F0"/>
+                </a:solidFill>
+                <a:latin typeface="Courier New" panose="02070309020205020404" pitchFamily="49" charset="0"/>
+              </a:rPr>
+              <a:t>'</a:t>
+            </a:r>
+            <a:r>
+              <a:rPr lang="es-AR" dirty="0" err="1">
+                <a:solidFill>
+                  <a:srgbClr val="A020F0"/>
+                </a:solidFill>
+                <a:latin typeface="Courier New" panose="02070309020205020404" pitchFamily="49" charset="0"/>
+              </a:rPr>
+              <a:t>fs</a:t>
+            </a:r>
+            <a:r>
+              <a:rPr lang="es-AR" dirty="0">
+                <a:solidFill>
+                  <a:srgbClr val="A020F0"/>
+                </a:solidFill>
+                <a:latin typeface="Courier New" panose="02070309020205020404" pitchFamily="49" charset="0"/>
+              </a:rPr>
+              <a:t>='</a:t>
+            </a:r>
+            <a:r>
+              <a:rPr lang="es-AR" dirty="0">
+                <a:solidFill>
+                  <a:srgbClr val="000000"/>
+                </a:solidFill>
+                <a:latin typeface="Courier New" panose="02070309020205020404" pitchFamily="49" charset="0"/>
+              </a:rPr>
+              <a:t>)</a:t>
+            </a:r>
+            <a:r>
+              <a:rPr lang="es-AR" dirty="0">
+                <a:solidFill>
+                  <a:srgbClr val="228B22"/>
+                </a:solidFill>
+                <a:latin typeface="Courier New" panose="02070309020205020404" pitchFamily="49" charset="0"/>
+              </a:rPr>
+              <a:t>%frecuencia de muestreo</a:t>
+            </a:r>
+          </a:p>
+          <a:p>
+            <a:r>
+              <a:rPr lang="es-AR" dirty="0" err="1">
+                <a:solidFill>
+                  <a:srgbClr val="000000"/>
+                </a:solidFill>
+                <a:latin typeface="Courier New" panose="02070309020205020404" pitchFamily="49" charset="0"/>
+              </a:rPr>
+              <a:t>Ts</a:t>
+            </a:r>
+            <a:r>
+              <a:rPr lang="es-AR" dirty="0">
+                <a:solidFill>
+                  <a:srgbClr val="000000"/>
+                </a:solidFill>
+                <a:latin typeface="Courier New" panose="02070309020205020404" pitchFamily="49" charset="0"/>
+              </a:rPr>
+              <a:t>=1/</a:t>
+            </a:r>
+            <a:r>
+              <a:rPr lang="es-AR" dirty="0" err="1">
+                <a:solidFill>
+                  <a:srgbClr val="000000"/>
+                </a:solidFill>
+                <a:latin typeface="Courier New" panose="02070309020205020404" pitchFamily="49" charset="0"/>
+              </a:rPr>
+              <a:t>fs</a:t>
+            </a:r>
+            <a:r>
+              <a:rPr lang="es-AR" dirty="0">
+                <a:solidFill>
+                  <a:srgbClr val="000000"/>
+                </a:solidFill>
+                <a:latin typeface="Courier New" panose="02070309020205020404" pitchFamily="49" charset="0"/>
+              </a:rPr>
+              <a:t>;</a:t>
+            </a:r>
+            <a:r>
+              <a:rPr lang="es-AR" dirty="0">
+                <a:solidFill>
+                  <a:srgbClr val="228B22"/>
+                </a:solidFill>
+                <a:latin typeface="Courier New" panose="02070309020205020404" pitchFamily="49" charset="0"/>
+              </a:rPr>
+              <a:t>%período de muestreo</a:t>
+            </a:r>
+          </a:p>
+          <a:p>
+            <a:r>
+              <a:rPr lang="es-AR" dirty="0">
+                <a:solidFill>
+                  <a:srgbClr val="000000"/>
+                </a:solidFill>
+                <a:latin typeface="Courier New" panose="02070309020205020404" pitchFamily="49" charset="0"/>
+              </a:rPr>
+              <a:t>n=0:1:N-1; </a:t>
+            </a:r>
+            <a:r>
+              <a:rPr lang="es-AR" dirty="0">
+                <a:solidFill>
+                  <a:srgbClr val="228B22"/>
+                </a:solidFill>
+                <a:latin typeface="Courier New" panose="02070309020205020404" pitchFamily="49" charset="0"/>
+              </a:rPr>
+              <a:t>%secuencia de tiempo </a:t>
+            </a:r>
+          </a:p>
+          <a:p>
+            <a:r>
+              <a:rPr lang="es-AR" dirty="0">
+                <a:solidFill>
+                  <a:srgbClr val="000000"/>
+                </a:solidFill>
+                <a:latin typeface="Courier New" panose="02070309020205020404" pitchFamily="49" charset="0"/>
+              </a:rPr>
+              <a:t>y=sin(2*pi*f*n*</a:t>
+            </a:r>
+            <a:r>
+              <a:rPr lang="es-AR" dirty="0" err="1">
+                <a:solidFill>
+                  <a:srgbClr val="000000"/>
+                </a:solidFill>
+                <a:latin typeface="Courier New" panose="02070309020205020404" pitchFamily="49" charset="0"/>
+              </a:rPr>
+              <a:t>Ts</a:t>
+            </a:r>
+            <a:r>
+              <a:rPr lang="es-AR" dirty="0">
+                <a:solidFill>
+                  <a:srgbClr val="000000"/>
+                </a:solidFill>
+                <a:latin typeface="Courier New" panose="02070309020205020404" pitchFamily="49" charset="0"/>
+              </a:rPr>
+              <a:t>); </a:t>
+            </a:r>
+            <a:r>
+              <a:rPr lang="es-AR" dirty="0">
+                <a:solidFill>
+                  <a:srgbClr val="228B22"/>
+                </a:solidFill>
+                <a:latin typeface="Courier New" panose="02070309020205020404" pitchFamily="49" charset="0"/>
+              </a:rPr>
+              <a:t>%señal a representar</a:t>
+            </a:r>
+          </a:p>
+          <a:p>
+            <a:r>
+              <a:rPr lang="es-AR" dirty="0" err="1">
+                <a:solidFill>
+                  <a:srgbClr val="000000"/>
+                </a:solidFill>
+                <a:latin typeface="Courier New" panose="02070309020205020404" pitchFamily="49" charset="0"/>
+              </a:rPr>
+              <a:t>plot</a:t>
+            </a:r>
+            <a:r>
+              <a:rPr lang="es-AR" dirty="0">
+                <a:solidFill>
+                  <a:srgbClr val="000000"/>
+                </a:solidFill>
+                <a:latin typeface="Courier New" panose="02070309020205020404" pitchFamily="49" charset="0"/>
+              </a:rPr>
+              <a:t>(n*</a:t>
+            </a:r>
+            <a:r>
+              <a:rPr lang="es-AR" dirty="0" err="1">
+                <a:solidFill>
+                  <a:srgbClr val="000000"/>
+                </a:solidFill>
+                <a:latin typeface="Courier New" panose="02070309020205020404" pitchFamily="49" charset="0"/>
+              </a:rPr>
+              <a:t>Ts,y</a:t>
+            </a:r>
+            <a:r>
+              <a:rPr lang="es-AR" dirty="0">
+                <a:solidFill>
+                  <a:srgbClr val="000000"/>
+                </a:solidFill>
+                <a:latin typeface="Courier New" panose="02070309020205020404" pitchFamily="49" charset="0"/>
+              </a:rPr>
+              <a:t>,</a:t>
+            </a:r>
+            <a:r>
+              <a:rPr lang="es-AR" dirty="0">
+                <a:solidFill>
+                  <a:srgbClr val="A020F0"/>
+                </a:solidFill>
+                <a:latin typeface="Courier New" panose="02070309020205020404" pitchFamily="49" charset="0"/>
+              </a:rPr>
+              <a:t>'-o'</a:t>
+            </a:r>
+            <a:r>
+              <a:rPr lang="es-AR" dirty="0">
+                <a:solidFill>
+                  <a:srgbClr val="000000"/>
+                </a:solidFill>
+                <a:latin typeface="Courier New" panose="02070309020205020404" pitchFamily="49" charset="0"/>
+              </a:rPr>
+              <a:t>) </a:t>
+            </a:r>
+            <a:r>
+              <a:rPr lang="es-AR" dirty="0">
+                <a:solidFill>
+                  <a:srgbClr val="228B22"/>
+                </a:solidFill>
+                <a:latin typeface="Courier New" panose="02070309020205020404" pitchFamily="49" charset="0"/>
+              </a:rPr>
+              <a:t>%grafica la señal a representar</a:t>
+            </a:r>
+          </a:p>
+          <a:p>
+            <a:r>
+              <a:rPr lang="es-AR" dirty="0">
+                <a:solidFill>
+                  <a:srgbClr val="000000"/>
+                </a:solidFill>
+                <a:latin typeface="Courier New" panose="02070309020205020404" pitchFamily="49" charset="0"/>
+              </a:rPr>
+              <a:t>C = </a:t>
+            </a:r>
+            <a:r>
+              <a:rPr lang="es-AR" dirty="0" err="1">
+                <a:solidFill>
+                  <a:srgbClr val="000000"/>
+                </a:solidFill>
+                <a:latin typeface="Courier New" panose="02070309020205020404" pitchFamily="49" charset="0"/>
+              </a:rPr>
+              <a:t>zeros</a:t>
+            </a:r>
+            <a:r>
+              <a:rPr lang="es-AR" dirty="0">
+                <a:solidFill>
+                  <a:srgbClr val="000000"/>
+                </a:solidFill>
+                <a:latin typeface="Courier New" panose="02070309020205020404" pitchFamily="49" charset="0"/>
+              </a:rPr>
+              <a:t>(</a:t>
+            </a:r>
+            <a:r>
+              <a:rPr lang="es-AR" dirty="0" err="1">
+                <a:solidFill>
+                  <a:srgbClr val="000000"/>
+                </a:solidFill>
+                <a:latin typeface="Courier New" panose="02070309020205020404" pitchFamily="49" charset="0"/>
+              </a:rPr>
+              <a:t>size</a:t>
+            </a:r>
+            <a:r>
+              <a:rPr lang="es-AR" dirty="0">
+                <a:solidFill>
+                  <a:srgbClr val="000000"/>
+                </a:solidFill>
+                <a:latin typeface="Courier New" panose="02070309020205020404" pitchFamily="49" charset="0"/>
+              </a:rPr>
+              <a:t>(y)); </a:t>
+            </a:r>
+            <a:r>
+              <a:rPr lang="es-AR" dirty="0">
+                <a:solidFill>
+                  <a:srgbClr val="228B22"/>
+                </a:solidFill>
+                <a:latin typeface="Courier New" panose="02070309020205020404" pitchFamily="49" charset="0"/>
+              </a:rPr>
+              <a:t>%prepara vector de coeficientes con ceros</a:t>
+            </a:r>
+          </a:p>
+          <a:p>
+            <a:r>
+              <a:rPr lang="pt-BR" dirty="0">
+                <a:solidFill>
+                  <a:srgbClr val="000000"/>
+                </a:solidFill>
+                <a:latin typeface="Courier New" panose="02070309020205020404" pitchFamily="49" charset="0"/>
+              </a:rPr>
+              <a:t>  </a:t>
+            </a:r>
+            <a:r>
+              <a:rPr lang="pt-BR" dirty="0">
+                <a:solidFill>
+                  <a:srgbClr val="0000FF"/>
+                </a:solidFill>
+                <a:latin typeface="Courier New" panose="02070309020205020404" pitchFamily="49" charset="0"/>
+              </a:rPr>
+              <a:t>for</a:t>
+            </a:r>
+            <a:r>
+              <a:rPr lang="pt-BR" dirty="0">
+                <a:solidFill>
+                  <a:srgbClr val="000000"/>
+                </a:solidFill>
+                <a:latin typeface="Courier New" panose="02070309020205020404" pitchFamily="49" charset="0"/>
+              </a:rPr>
+              <a:t> k = 0 : N - 1  </a:t>
+            </a:r>
+            <a:r>
+              <a:rPr lang="pt-BR" dirty="0">
+                <a:solidFill>
+                  <a:srgbClr val="228B22"/>
+                </a:solidFill>
+                <a:latin typeface="Courier New" panose="02070309020205020404" pitchFamily="49" charset="0"/>
+              </a:rPr>
+              <a:t>% para cada coeficiente</a:t>
+            </a:r>
+          </a:p>
+          <a:p>
+            <a:r>
+              <a:rPr lang="es-AR" dirty="0">
+                <a:solidFill>
+                  <a:srgbClr val="000000"/>
+                </a:solidFill>
+                <a:latin typeface="Courier New" panose="02070309020205020404" pitchFamily="49" charset="0"/>
+              </a:rPr>
+              <a:t>    s = 0; </a:t>
+            </a:r>
+            <a:r>
+              <a:rPr lang="es-AR" dirty="0">
+                <a:solidFill>
+                  <a:srgbClr val="228B22"/>
+                </a:solidFill>
+                <a:latin typeface="Courier New" panose="02070309020205020404" pitchFamily="49" charset="0"/>
+              </a:rPr>
+              <a:t>%valor inicial del coeficiente</a:t>
+            </a:r>
+          </a:p>
+          <a:p>
+            <a:r>
+              <a:rPr lang="pt-BR" dirty="0">
+                <a:solidFill>
+                  <a:srgbClr val="000000"/>
+                </a:solidFill>
+                <a:latin typeface="Courier New" panose="02070309020205020404" pitchFamily="49" charset="0"/>
+              </a:rPr>
+              <a:t>    </a:t>
+            </a:r>
+            <a:r>
+              <a:rPr lang="pt-BR" dirty="0">
+                <a:solidFill>
+                  <a:srgbClr val="0000FF"/>
+                </a:solidFill>
+                <a:latin typeface="Courier New" panose="02070309020205020404" pitchFamily="49" charset="0"/>
+              </a:rPr>
+              <a:t>for</a:t>
+            </a:r>
+            <a:r>
+              <a:rPr lang="pt-BR" dirty="0">
+                <a:solidFill>
+                  <a:srgbClr val="000000"/>
+                </a:solidFill>
+                <a:latin typeface="Courier New" panose="02070309020205020404" pitchFamily="49" charset="0"/>
+              </a:rPr>
+              <a:t> n = 0 : N - 1  </a:t>
+            </a:r>
+            <a:r>
+              <a:rPr lang="pt-BR" dirty="0">
+                <a:solidFill>
+                  <a:srgbClr val="228B22"/>
+                </a:solidFill>
+                <a:latin typeface="Courier New" panose="02070309020205020404" pitchFamily="49" charset="0"/>
+              </a:rPr>
+              <a:t>% para cada valor de </a:t>
+            </a:r>
+            <a:r>
+              <a:rPr lang="pt-BR" dirty="0" err="1">
+                <a:solidFill>
+                  <a:srgbClr val="228B22"/>
+                </a:solidFill>
+                <a:latin typeface="Courier New" panose="02070309020205020404" pitchFamily="49" charset="0"/>
+              </a:rPr>
+              <a:t>tiempo</a:t>
+            </a:r>
+            <a:endParaRPr lang="pt-BR" dirty="0">
+              <a:solidFill>
+                <a:srgbClr val="228B22"/>
+              </a:solidFill>
+              <a:latin typeface="Courier New" panose="02070309020205020404" pitchFamily="49" charset="0"/>
+            </a:endParaRPr>
+          </a:p>
+          <a:p>
+            <a:r>
+              <a:rPr lang="pt-BR" dirty="0">
+                <a:solidFill>
+                  <a:srgbClr val="000000"/>
+                </a:solidFill>
+                <a:latin typeface="Courier New" panose="02070309020205020404" pitchFamily="49" charset="0"/>
+              </a:rPr>
+              <a:t>      </a:t>
+            </a:r>
+            <a:r>
+              <a:rPr lang="pt-BR" dirty="0">
+                <a:solidFill>
+                  <a:srgbClr val="228B22"/>
+                </a:solidFill>
+                <a:latin typeface="Courier New" panose="02070309020205020404" pitchFamily="49" charset="0"/>
+              </a:rPr>
+              <a:t>%s =  s+y1(n + 1) * </a:t>
+            </a:r>
+            <a:r>
+              <a:rPr lang="pt-BR" dirty="0" err="1">
+                <a:solidFill>
+                  <a:srgbClr val="228B22"/>
+                </a:solidFill>
+                <a:latin typeface="Courier New" panose="02070309020205020404" pitchFamily="49" charset="0"/>
+              </a:rPr>
+              <a:t>exp</a:t>
+            </a:r>
+            <a:r>
+              <a:rPr lang="pt-BR" dirty="0">
+                <a:solidFill>
+                  <a:srgbClr val="228B22"/>
+                </a:solidFill>
+                <a:latin typeface="Courier New" panose="02070309020205020404" pitchFamily="49" charset="0"/>
+              </a:rPr>
+              <a:t>(-j*(2 * </a:t>
+            </a:r>
+            <a:r>
+              <a:rPr lang="pt-BR" dirty="0" err="1">
+                <a:solidFill>
+                  <a:srgbClr val="228B22"/>
+                </a:solidFill>
+                <a:latin typeface="Courier New" panose="02070309020205020404" pitchFamily="49" charset="0"/>
+              </a:rPr>
+              <a:t>pi</a:t>
+            </a:r>
+            <a:r>
+              <a:rPr lang="pt-BR" dirty="0">
+                <a:solidFill>
+                  <a:srgbClr val="228B22"/>
+                </a:solidFill>
+                <a:latin typeface="Courier New" panose="02070309020205020404" pitchFamily="49" charset="0"/>
+              </a:rPr>
+              <a:t> * k / N)*n); %valor parcial de </a:t>
+            </a:r>
+            <a:r>
+              <a:rPr lang="pt-BR" dirty="0" err="1">
+                <a:solidFill>
+                  <a:srgbClr val="228B22"/>
+                </a:solidFill>
+                <a:latin typeface="Courier New" panose="02070309020205020404" pitchFamily="49" charset="0"/>
+              </a:rPr>
+              <a:t>coef</a:t>
+            </a:r>
+            <a:r>
+              <a:rPr lang="pt-BR" dirty="0">
+                <a:solidFill>
+                  <a:srgbClr val="228B22"/>
+                </a:solidFill>
+                <a:latin typeface="Courier New" panose="02070309020205020404" pitchFamily="49" charset="0"/>
+              </a:rPr>
+              <a:t>. </a:t>
+            </a:r>
+          </a:p>
+          <a:p>
+            <a:r>
+              <a:rPr lang="pt-BR" dirty="0">
+                <a:solidFill>
+                  <a:srgbClr val="000000"/>
+                </a:solidFill>
+                <a:latin typeface="Courier New" panose="02070309020205020404" pitchFamily="49" charset="0"/>
+              </a:rPr>
+              <a:t>      s =  </a:t>
+            </a:r>
+            <a:r>
+              <a:rPr lang="pt-BR" dirty="0" err="1">
+                <a:solidFill>
+                  <a:srgbClr val="000000"/>
+                </a:solidFill>
+                <a:latin typeface="Courier New" panose="02070309020205020404" pitchFamily="49" charset="0"/>
+              </a:rPr>
+              <a:t>s+y</a:t>
+            </a:r>
+            <a:r>
+              <a:rPr lang="pt-BR" dirty="0">
+                <a:solidFill>
+                  <a:srgbClr val="000000"/>
+                </a:solidFill>
+                <a:latin typeface="Courier New" panose="02070309020205020404" pitchFamily="49" charset="0"/>
+              </a:rPr>
+              <a:t>(n + 1) * </a:t>
+            </a:r>
+            <a:r>
+              <a:rPr lang="pt-BR" dirty="0" err="1">
+                <a:solidFill>
+                  <a:srgbClr val="000000"/>
+                </a:solidFill>
+                <a:latin typeface="Courier New" panose="02070309020205020404" pitchFamily="49" charset="0"/>
+              </a:rPr>
+              <a:t>exp</a:t>
+            </a:r>
+            <a:r>
+              <a:rPr lang="pt-BR" dirty="0">
+                <a:solidFill>
+                  <a:srgbClr val="000000"/>
+                </a:solidFill>
+                <a:latin typeface="Courier New" panose="02070309020205020404" pitchFamily="49" charset="0"/>
+              </a:rPr>
+              <a:t>(-j*(2 * </a:t>
+            </a:r>
+            <a:r>
+              <a:rPr lang="pt-BR" dirty="0" err="1">
+                <a:solidFill>
+                  <a:srgbClr val="000000"/>
+                </a:solidFill>
+                <a:latin typeface="Courier New" panose="02070309020205020404" pitchFamily="49" charset="0"/>
+              </a:rPr>
+              <a:t>pi</a:t>
+            </a:r>
+            <a:r>
+              <a:rPr lang="pt-BR" dirty="0">
+                <a:solidFill>
+                  <a:srgbClr val="000000"/>
+                </a:solidFill>
+                <a:latin typeface="Courier New" panose="02070309020205020404" pitchFamily="49" charset="0"/>
+              </a:rPr>
+              <a:t> *k*</a:t>
+            </a:r>
+            <a:r>
+              <a:rPr lang="pt-BR" dirty="0" err="1">
+                <a:solidFill>
+                  <a:srgbClr val="000000"/>
+                </a:solidFill>
+                <a:latin typeface="Courier New" panose="02070309020205020404" pitchFamily="49" charset="0"/>
+              </a:rPr>
+              <a:t>Ts</a:t>
+            </a:r>
+            <a:r>
+              <a:rPr lang="pt-BR" dirty="0">
+                <a:solidFill>
+                  <a:srgbClr val="000000"/>
+                </a:solidFill>
+                <a:latin typeface="Courier New" panose="02070309020205020404" pitchFamily="49" charset="0"/>
+              </a:rPr>
+              <a:t>)*n); </a:t>
+            </a:r>
+            <a:r>
+              <a:rPr lang="pt-BR" dirty="0">
+                <a:solidFill>
+                  <a:srgbClr val="228B22"/>
+                </a:solidFill>
+                <a:latin typeface="Courier New" panose="02070309020205020404" pitchFamily="49" charset="0"/>
+              </a:rPr>
+              <a:t>%valor parcial de </a:t>
+            </a:r>
+            <a:r>
+              <a:rPr lang="pt-BR" dirty="0" err="1">
+                <a:solidFill>
+                  <a:srgbClr val="228B22"/>
+                </a:solidFill>
+                <a:latin typeface="Courier New" panose="02070309020205020404" pitchFamily="49" charset="0"/>
+              </a:rPr>
+              <a:t>coef</a:t>
+            </a:r>
+            <a:r>
+              <a:rPr lang="pt-BR" dirty="0">
+                <a:solidFill>
+                  <a:srgbClr val="228B22"/>
+                </a:solidFill>
+                <a:latin typeface="Courier New" panose="02070309020205020404" pitchFamily="49" charset="0"/>
+              </a:rPr>
+              <a:t>.</a:t>
+            </a:r>
+          </a:p>
+          <a:p>
+            <a:r>
+              <a:rPr lang="es-AR" dirty="0">
+                <a:solidFill>
+                  <a:srgbClr val="000000"/>
+                </a:solidFill>
+                <a:latin typeface="Courier New" panose="02070309020205020404" pitchFamily="49" charset="0"/>
+              </a:rPr>
+              <a:t>    </a:t>
+            </a:r>
+            <a:r>
+              <a:rPr lang="es-AR" dirty="0" err="1">
+                <a:solidFill>
+                  <a:srgbClr val="0000FF"/>
+                </a:solidFill>
+                <a:latin typeface="Courier New" panose="02070309020205020404" pitchFamily="49" charset="0"/>
+              </a:rPr>
+              <a:t>end</a:t>
+            </a:r>
+            <a:endParaRPr lang="es-AR" dirty="0">
+              <a:solidFill>
+                <a:srgbClr val="0000FF"/>
+              </a:solidFill>
+              <a:latin typeface="Courier New" panose="02070309020205020404" pitchFamily="49" charset="0"/>
+            </a:endParaRPr>
+          </a:p>
+          <a:p>
+            <a:r>
+              <a:rPr lang="es-AR" dirty="0">
+                <a:solidFill>
+                  <a:srgbClr val="000000"/>
+                </a:solidFill>
+                <a:latin typeface="Courier New" panose="02070309020205020404" pitchFamily="49" charset="0"/>
+              </a:rPr>
+              <a:t>    C(k + 1) = s; </a:t>
+            </a:r>
+            <a:r>
+              <a:rPr lang="es-AR" dirty="0">
+                <a:solidFill>
+                  <a:srgbClr val="228B22"/>
+                </a:solidFill>
+                <a:latin typeface="Courier New" panose="02070309020205020404" pitchFamily="49" charset="0"/>
+              </a:rPr>
+              <a:t>% valor final de cada coeficiente</a:t>
+            </a:r>
+          </a:p>
+          <a:p>
+            <a:r>
+              <a:rPr lang="es-AR" dirty="0">
+                <a:solidFill>
+                  <a:srgbClr val="000000"/>
+                </a:solidFill>
+                <a:latin typeface="Courier New" panose="02070309020205020404" pitchFamily="49" charset="0"/>
+              </a:rPr>
+              <a:t>  </a:t>
+            </a:r>
+            <a:r>
+              <a:rPr lang="es-AR" dirty="0" err="1">
+                <a:solidFill>
+                  <a:srgbClr val="0000FF"/>
+                </a:solidFill>
+                <a:latin typeface="Courier New" panose="02070309020205020404" pitchFamily="49" charset="0"/>
+              </a:rPr>
+              <a:t>end</a:t>
+            </a:r>
+            <a:endParaRPr lang="es-AR" dirty="0">
+              <a:solidFill>
+                <a:srgbClr val="0000FF"/>
+              </a:solidFill>
+              <a:latin typeface="Courier New" panose="02070309020205020404" pitchFamily="49" charset="0"/>
+            </a:endParaRPr>
+          </a:p>
+          <a:p>
+            <a:r>
+              <a:rPr lang="es-AR" dirty="0">
+                <a:solidFill>
+                  <a:srgbClr val="000000"/>
+                </a:solidFill>
+                <a:latin typeface="Courier New" panose="02070309020205020404" pitchFamily="49" charset="0"/>
+              </a:rPr>
+              <a:t>  </a:t>
+            </a:r>
+            <a:r>
+              <a:rPr lang="es-AR" dirty="0" err="1">
+                <a:solidFill>
+                  <a:srgbClr val="000000"/>
+                </a:solidFill>
+                <a:latin typeface="Courier New" panose="02070309020205020404" pitchFamily="49" charset="0"/>
+              </a:rPr>
+              <a:t>deltaf</a:t>
+            </a:r>
+            <a:r>
+              <a:rPr lang="es-AR" dirty="0">
+                <a:solidFill>
+                  <a:srgbClr val="000000"/>
+                </a:solidFill>
+                <a:latin typeface="Courier New" panose="02070309020205020404" pitchFamily="49" charset="0"/>
+              </a:rPr>
+              <a:t>=</a:t>
+            </a:r>
+            <a:r>
+              <a:rPr lang="es-AR" dirty="0" err="1">
+                <a:solidFill>
+                  <a:srgbClr val="000000"/>
+                </a:solidFill>
+                <a:latin typeface="Courier New" panose="02070309020205020404" pitchFamily="49" charset="0"/>
+              </a:rPr>
+              <a:t>fs</a:t>
+            </a:r>
+            <a:r>
+              <a:rPr lang="es-AR" dirty="0">
+                <a:solidFill>
+                  <a:srgbClr val="000000"/>
+                </a:solidFill>
+                <a:latin typeface="Courier New" panose="02070309020205020404" pitchFamily="49" charset="0"/>
+              </a:rPr>
+              <a:t>/N;</a:t>
+            </a:r>
+          </a:p>
+        </p:txBody>
+      </p:sp>
+      <p:sp>
+        <p:nvSpPr>
+          <p:cNvPr id="9" name="CuadroTexto 8"/>
+          <p:cNvSpPr txBox="1"/>
+          <p:nvPr/>
+        </p:nvSpPr>
+        <p:spPr>
+          <a:xfrm>
+            <a:off x="3514725" y="1493811"/>
+            <a:ext cx="1600200" cy="461665"/>
+          </a:xfrm>
+          <a:prstGeom prst="rect">
+            <a:avLst/>
+          </a:prstGeom>
+          <a:noFill/>
+        </p:spPr>
+        <p:txBody>
+          <a:bodyPr wrap="square" rtlCol="0">
+            <a:spAutoFit/>
+          </a:bodyPr>
+          <a:lstStyle/>
+          <a:p>
+            <a:r>
+              <a:rPr lang="es-AR" sz="2400" b="1" dirty="0" smtClean="0"/>
+              <a:t>TDF</a:t>
+            </a:r>
+            <a:endParaRPr lang="es-AR" sz="2400" b="1" dirty="0"/>
+          </a:p>
+        </p:txBody>
+      </p:sp>
+    </p:spTree>
+    <p:extLst>
+      <p:ext uri="{BB962C8B-B14F-4D97-AF65-F5344CB8AC3E}">
+        <p14:creationId xmlns:p14="http://schemas.microsoft.com/office/powerpoint/2010/main" val="3256858553"/>
+      </p:ext>
+    </p:extLst>
+  </p:cSld>
+  <p:clrMapOvr>
+    <a:masterClrMapping/>
+  </p:clrMapOvr>
+</p:sld>
+</file>
+
+<file path=ppt/slides/slide3.xml><?xml version="1.0" encoding="utf-8"?>
+<p:sld xmlns:a="http://schemas.openxmlformats.org/drawingml/2006/main" xmlns:r="http://schemas.openxmlformats.org/officeDocument/2006/relationships" xmlns:p="http://schemas.openxmlformats.org/presentationml/2006/main">
+  <p:cSld>
+    <p:spTree>
+      <p:nvGrpSpPr>
+        <p:cNvPr id="1" name=""/>
+        <p:cNvGrpSpPr/>
+        <p:nvPr/>
+      </p:nvGrpSpPr>
+      <p:grpSpPr>
+        <a:xfrm>
+          <a:off x="0" y="0"/>
+          <a:ext cx="0" cy="0"/>
+          <a:chOff x="0" y="0"/>
+          <a:chExt cx="0" cy="0"/>
+        </a:xfrm>
+      </p:grpSpPr>
+      <p:sp>
+        <p:nvSpPr>
           <p:cNvPr id="4" name="Rectángulo 3"/>
           <p:cNvSpPr/>
           <p:nvPr/>
@@ -6214,7 +7909,7 @@
 </p:sld>
 </file>
 
-<file path=ppt/slides/slide3.xml><?xml version="1.0" encoding="utf-8"?>
+<file path=ppt/slides/slide4.xml><?xml version="1.0" encoding="utf-8"?>
 <p:sld xmlns:a="http://schemas.openxmlformats.org/drawingml/2006/main" xmlns:r="http://schemas.openxmlformats.org/officeDocument/2006/relationships" xmlns:p="http://schemas.openxmlformats.org/presentationml/2006/main">
   <p:cSld>
     <p:spTree>
@@ -6427,6 +8122,60 @@
           </a:p>
         </p:txBody>
       </p:sp>
+      <p:pic>
+        <p:nvPicPr>
+          <p:cNvPr id="3074" name="Picture 2"/>
+          <p:cNvPicPr>
+            <a:picLocks noChangeAspect="1" noChangeArrowheads="1"/>
+          </p:cNvPicPr>
+          <p:nvPr/>
+        </p:nvPicPr>
+        <p:blipFill>
+          <a:blip r:embed="rId4">
+            <a:extLst>
+              <a:ext uri="{28A0092B-C50C-407E-A947-70E740481C1C}">
+                <a14:useLocalDpi xmlns:a14="http://schemas.microsoft.com/office/drawing/2010/main" val="0"/>
+              </a:ext>
+            </a:extLst>
+          </a:blip>
+          <a:srcRect/>
+          <a:stretch>
+            <a:fillRect/>
+          </a:stretch>
+        </p:blipFill>
+        <p:spPr bwMode="auto">
+          <a:xfrm>
+            <a:off x="3543301" y="5794109"/>
+            <a:ext cx="2838449" cy="827402"/>
+          </a:xfrm>
+          <a:prstGeom prst="rect">
+            <a:avLst/>
+          </a:prstGeom>
+          <a:noFill/>
+          <a:ln>
+            <a:noFill/>
+          </a:ln>
+          <a:extLst>
+            <a:ext uri="{909E8E84-426E-40DD-AFC4-6F175D3DCCD1}">
+              <a14:hiddenFill xmlns:a14="http://schemas.microsoft.com/office/drawing/2010/main">
+                <a:solidFill>
+                  <a:srgbClr val="FFFFFF"/>
+                </a:solidFill>
+              </a14:hiddenFill>
+            </a:ext>
+            <a:ext uri="{91240B29-F687-4F45-9708-019B960494DF}">
+              <a14:hiddenLine xmlns:a14="http://schemas.microsoft.com/office/drawing/2010/main" w="9525">
+                <a:solidFill>
+                  <a:srgbClr val="000000"/>
+                </a:solidFill>
+                <a:miter lim="800000"/>
+                <a:headEnd/>
+                <a:tailEnd/>
+              </a14:hiddenLine>
+            </a:ext>
+          </a:extLst>
+        </p:spPr>
+      </p:pic>
     </p:spTree>
     <p:extLst>
       <p:ext uri="{BB962C8B-B14F-4D97-AF65-F5344CB8AC3E}">
@@ -6440,7 +8189,7 @@
 </p:sld>
 </file>
 
-<file path=ppt/slides/slide4.xml><?xml version="1.0" encoding="utf-8"?>
+<file path=ppt/slides/slide5.xml><?xml version="1.0" encoding="utf-8"?>
 <p:sld xmlns:a="http://schemas.openxmlformats.org/drawingml/2006/main" xmlns:r="http://schemas.openxmlformats.org/officeDocument/2006/relationships" xmlns:p="http://schemas.openxmlformats.org/presentationml/2006/main">
   <p:cSld>
     <p:spTree>
@@ -7619,7 +9368,7 @@
 </p:sld>
 </file>
 
-<file path=ppt/slides/slide5.xml><?xml version="1.0" encoding="utf-8"?>
+<file path=ppt/slides/slide6.xml><?xml version="1.0" encoding="utf-8"?>
 <p:sld xmlns:a="http://schemas.openxmlformats.org/drawingml/2006/main" xmlns:r="http://schemas.openxmlformats.org/officeDocument/2006/relationships" xmlns:p="http://schemas.openxmlformats.org/presentationml/2006/main">
   <p:cSld>
     <p:spTree>
@@ -8448,7 +10197,7 @@
 </p:sld>
 </file>
 
-<file path=ppt/slides/slide6.xml><?xml version="1.0" encoding="utf-8"?>
+<file path=ppt/slides/slide7.xml><?xml version="1.0" encoding="utf-8"?>
 <p:sld xmlns:a="http://schemas.openxmlformats.org/drawingml/2006/main" xmlns:r="http://schemas.openxmlformats.org/officeDocument/2006/relationships" xmlns:p="http://schemas.openxmlformats.org/presentationml/2006/main">
   <p:cSld>
     <p:spTree>
@@ -8516,11 +10265,7 @@
             </a:r>
             <a:r>
               <a:rPr lang="es-AR" sz="2000" dirty="0"/>
-              <a:t>). Presentar gráficos en el dominio del tiempo y en el dominio de la frecuencia (sólo amplitud). </a:t>
-            </a:r>
-            <a:r>
-              <a:rPr lang="es-AR" sz="2000" dirty="0"/>
-              <a:t> </a:t>
+              <a:t>). Presentar gráficos en el dominio del tiempo y en el dominio de la frecuencia (sólo amplitud).  </a:t>
             </a:r>
             <a:r>
               <a:rPr lang="es-AR" sz="2000" dirty="0" smtClean="0"/>
@@ -8678,7 +10423,7 @@
 </p:sld>
 </file>
 
-<file path=ppt/slides/slide7.xml><?xml version="1.0" encoding="utf-8"?>
+<file path=ppt/slides/slide8.xml><?xml version="1.0" encoding="utf-8"?>
 <p:sld xmlns:a="http://schemas.openxmlformats.org/drawingml/2006/main" xmlns:r="http://schemas.openxmlformats.org/officeDocument/2006/relationships" xmlns:p="http://schemas.openxmlformats.org/presentationml/2006/main">
   <p:cSld>
     <p:spTree>
@@ -8811,7 +10556,7 @@
 </p:sld>
 </file>
 
-<file path=ppt/slides/slide8.xml><?xml version="1.0" encoding="utf-8"?>
+<file path=ppt/slides/slide9.xml><?xml version="1.0" encoding="utf-8"?>
 <p:sld xmlns:a="http://schemas.openxmlformats.org/drawingml/2006/main" xmlns:r="http://schemas.openxmlformats.org/officeDocument/2006/relationships" xmlns:p="http://schemas.openxmlformats.org/presentationml/2006/main">
   <p:cSld>
     <p:spTree>
@@ -9017,1174 +10762,6 @@
     <p:extLst>
       <p:ext uri="{BB962C8B-B14F-4D97-AF65-F5344CB8AC3E}">
         <p14:creationId xmlns:p14="http://schemas.microsoft.com/office/powerpoint/2010/main" val="971927149"/>
-      </p:ext>
-    </p:extLst>
-  </p:cSld>
-  <p:clrMapOvr>
-    <a:masterClrMapping/>
-  </p:clrMapOvr>
-</p:sld>
-</file>
-
-<file path=ppt/slides/slide9.xml><?xml version="1.0" encoding="utf-8"?>
-<p:sld xmlns:a="http://schemas.openxmlformats.org/drawingml/2006/main" xmlns:r="http://schemas.openxmlformats.org/officeDocument/2006/relationships" xmlns:p="http://schemas.openxmlformats.org/presentationml/2006/main">
-  <p:cSld>
-    <p:spTree>
-      <p:nvGrpSpPr>
-        <p:cNvPr id="1" name=""/>
-        <p:cNvGrpSpPr/>
-        <p:nvPr/>
-      </p:nvGrpSpPr>
-      <p:grpSpPr>
-        <a:xfrm>
-          <a:off x="0" y="0"/>
-          <a:ext cx="0" cy="0"/>
-          <a:chOff x="0" y="0"/>
-          <a:chExt cx="0" cy="0"/>
-        </a:xfrm>
-      </p:grpSpPr>
-      <p:sp>
-        <p:nvSpPr>
-          <p:cNvPr id="4" name="Rectángulo 3"/>
-          <p:cNvSpPr/>
-          <p:nvPr/>
-        </p:nvSpPr>
-        <p:spPr>
-          <a:xfrm>
-            <a:off x="3512826" y="0"/>
-            <a:ext cx="1245854" cy="400110"/>
-          </a:xfrm>
-          <a:prstGeom prst="rect">
-            <a:avLst/>
-          </a:prstGeom>
-        </p:spPr>
-        <p:txBody>
-          <a:bodyPr wrap="none">
-            <a:spAutoFit/>
-          </a:bodyPr>
-          <a:lstStyle/>
-          <a:p>
-            <a:r>
-              <a:rPr lang="es-AR" sz="2000" b="1" dirty="0"/>
-              <a:t>TDF-Pulso</a:t>
-            </a:r>
-          </a:p>
-        </p:txBody>
-      </p:sp>
-      <p:sp>
-        <p:nvSpPr>
-          <p:cNvPr id="5" name="Rectángulo 4"/>
-          <p:cNvSpPr/>
-          <p:nvPr/>
-        </p:nvSpPr>
-        <p:spPr>
-          <a:xfrm>
-            <a:off x="0" y="0"/>
-            <a:ext cx="12367491" cy="7017306"/>
-          </a:xfrm>
-          <a:prstGeom prst="rect">
-            <a:avLst/>
-          </a:prstGeom>
-        </p:spPr>
-        <p:txBody>
-          <a:bodyPr wrap="square">
-            <a:spAutoFit/>
-          </a:bodyPr>
-          <a:lstStyle/>
-          <a:p>
-            <a:r>
-              <a:rPr lang="es-AR" dirty="0" err="1">
-                <a:solidFill>
-                  <a:srgbClr val="000000"/>
-                </a:solidFill>
-                <a:latin typeface="Courier New" panose="02070309020205020404" pitchFamily="49" charset="0"/>
-              </a:rPr>
-              <a:t>clear</a:t>
-            </a:r>
-            <a:r>
-              <a:rPr lang="es-AR" dirty="0">
-                <a:solidFill>
-                  <a:srgbClr val="000000"/>
-                </a:solidFill>
-                <a:latin typeface="Courier New" panose="02070309020205020404" pitchFamily="49" charset="0"/>
-              </a:rPr>
-              <a:t> </a:t>
-            </a:r>
-            <a:r>
-              <a:rPr lang="es-AR" dirty="0" err="1">
-                <a:solidFill>
-                  <a:srgbClr val="A020F0"/>
-                </a:solidFill>
-                <a:latin typeface="Courier New" panose="02070309020205020404" pitchFamily="49" charset="0"/>
-              </a:rPr>
-              <a:t>all</a:t>
-            </a:r>
-            <a:endParaRPr lang="es-AR" dirty="0">
-              <a:solidFill>
-                <a:srgbClr val="A020F0"/>
-              </a:solidFill>
-              <a:latin typeface="Courier New" panose="02070309020205020404" pitchFamily="49" charset="0"/>
-            </a:endParaRPr>
-          </a:p>
-          <a:p>
-            <a:r>
-              <a:rPr lang="es-AR" dirty="0" err="1">
-                <a:solidFill>
-                  <a:srgbClr val="000000"/>
-                </a:solidFill>
-                <a:latin typeface="Courier New" panose="02070309020205020404" pitchFamily="49" charset="0"/>
-              </a:rPr>
-              <a:t>close</a:t>
-            </a:r>
-            <a:r>
-              <a:rPr lang="es-AR" dirty="0">
-                <a:solidFill>
-                  <a:srgbClr val="000000"/>
-                </a:solidFill>
-                <a:latin typeface="Courier New" panose="02070309020205020404" pitchFamily="49" charset="0"/>
-              </a:rPr>
-              <a:t> </a:t>
-            </a:r>
-            <a:r>
-              <a:rPr lang="es-AR" dirty="0" err="1">
-                <a:solidFill>
-                  <a:srgbClr val="A020F0"/>
-                </a:solidFill>
-                <a:latin typeface="Courier New" panose="02070309020205020404" pitchFamily="49" charset="0"/>
-              </a:rPr>
-              <a:t>all</a:t>
-            </a:r>
-            <a:endParaRPr lang="es-AR" dirty="0">
-              <a:solidFill>
-                <a:srgbClr val="A020F0"/>
-              </a:solidFill>
-              <a:latin typeface="Courier New" panose="02070309020205020404" pitchFamily="49" charset="0"/>
-            </a:endParaRPr>
-          </a:p>
-          <a:p>
-            <a:r>
-              <a:rPr lang="it-IT" dirty="0">
-                <a:solidFill>
-                  <a:srgbClr val="000000"/>
-                </a:solidFill>
-                <a:latin typeface="Courier New" panose="02070309020205020404" pitchFamily="49" charset="0"/>
-              </a:rPr>
-              <a:t>ancho=input(</a:t>
-            </a:r>
-            <a:r>
-              <a:rPr lang="it-IT" dirty="0">
-                <a:solidFill>
-                  <a:srgbClr val="A020F0"/>
-                </a:solidFill>
-                <a:latin typeface="Courier New" panose="02070309020205020404" pitchFamily="49" charset="0"/>
-              </a:rPr>
-              <a:t>'ancho='</a:t>
-            </a:r>
-            <a:r>
-              <a:rPr lang="it-IT" dirty="0">
-                <a:solidFill>
-                  <a:srgbClr val="000000"/>
-                </a:solidFill>
-                <a:latin typeface="Courier New" panose="02070309020205020404" pitchFamily="49" charset="0"/>
-              </a:rPr>
-              <a:t>); </a:t>
-            </a:r>
-            <a:r>
-              <a:rPr lang="it-IT" dirty="0">
-                <a:solidFill>
-                  <a:srgbClr val="228B22"/>
-                </a:solidFill>
-                <a:latin typeface="Courier New" panose="02070309020205020404" pitchFamily="49" charset="0"/>
-              </a:rPr>
-              <a:t>%ancho del pulso</a:t>
-            </a:r>
-          </a:p>
-          <a:p>
-            <a:r>
-              <a:rPr lang="it-IT" dirty="0">
-                <a:solidFill>
-                  <a:srgbClr val="000000"/>
-                </a:solidFill>
-                <a:latin typeface="Courier New" panose="02070309020205020404" pitchFamily="49" charset="0"/>
-              </a:rPr>
-              <a:t>deltat=input(</a:t>
-            </a:r>
-            <a:r>
-              <a:rPr lang="it-IT" dirty="0">
-                <a:solidFill>
-                  <a:srgbClr val="A020F0"/>
-                </a:solidFill>
-                <a:latin typeface="Courier New" panose="02070309020205020404" pitchFamily="49" charset="0"/>
-              </a:rPr>
-              <a:t>'deltat='</a:t>
-            </a:r>
-            <a:r>
-              <a:rPr lang="it-IT" dirty="0">
-                <a:solidFill>
-                  <a:srgbClr val="000000"/>
-                </a:solidFill>
-                <a:latin typeface="Courier New" panose="02070309020205020404" pitchFamily="49" charset="0"/>
-              </a:rPr>
-              <a:t>); </a:t>
-            </a:r>
-            <a:r>
-              <a:rPr lang="it-IT" dirty="0">
-                <a:solidFill>
-                  <a:srgbClr val="228B22"/>
-                </a:solidFill>
-                <a:latin typeface="Courier New" panose="02070309020205020404" pitchFamily="49" charset="0"/>
-              </a:rPr>
-              <a:t>%retardo del pulso</a:t>
-            </a:r>
-          </a:p>
-          <a:p>
-            <a:r>
-              <a:rPr lang="es-AR" dirty="0" err="1">
-                <a:solidFill>
-                  <a:srgbClr val="000000"/>
-                </a:solidFill>
-                <a:latin typeface="Courier New" panose="02070309020205020404" pitchFamily="49" charset="0"/>
-              </a:rPr>
-              <a:t>fs</a:t>
-            </a:r>
-            <a:r>
-              <a:rPr lang="es-AR" dirty="0">
-                <a:solidFill>
-                  <a:srgbClr val="000000"/>
-                </a:solidFill>
-                <a:latin typeface="Courier New" panose="02070309020205020404" pitchFamily="49" charset="0"/>
-              </a:rPr>
-              <a:t>=input(</a:t>
-            </a:r>
-            <a:r>
-              <a:rPr lang="es-AR" dirty="0">
-                <a:solidFill>
-                  <a:srgbClr val="A020F0"/>
-                </a:solidFill>
-                <a:latin typeface="Courier New" panose="02070309020205020404" pitchFamily="49" charset="0"/>
-              </a:rPr>
-              <a:t>'</a:t>
-            </a:r>
-            <a:r>
-              <a:rPr lang="es-AR" dirty="0" err="1">
-                <a:solidFill>
-                  <a:srgbClr val="A020F0"/>
-                </a:solidFill>
-                <a:latin typeface="Courier New" panose="02070309020205020404" pitchFamily="49" charset="0"/>
-              </a:rPr>
-              <a:t>fs</a:t>
-            </a:r>
-            <a:r>
-              <a:rPr lang="es-AR" dirty="0">
-                <a:solidFill>
-                  <a:srgbClr val="A020F0"/>
-                </a:solidFill>
-                <a:latin typeface="Courier New" panose="02070309020205020404" pitchFamily="49" charset="0"/>
-              </a:rPr>
-              <a:t>='</a:t>
-            </a:r>
-            <a:r>
-              <a:rPr lang="es-AR" dirty="0">
-                <a:solidFill>
-                  <a:srgbClr val="000000"/>
-                </a:solidFill>
-                <a:latin typeface="Courier New" panose="02070309020205020404" pitchFamily="49" charset="0"/>
-              </a:rPr>
-              <a:t>)</a:t>
-            </a:r>
-            <a:r>
-              <a:rPr lang="es-AR" dirty="0">
-                <a:solidFill>
-                  <a:srgbClr val="228B22"/>
-                </a:solidFill>
-                <a:latin typeface="Courier New" panose="02070309020205020404" pitchFamily="49" charset="0"/>
-              </a:rPr>
-              <a:t>%frecuencia de muestreo</a:t>
-            </a:r>
-          </a:p>
-          <a:p>
-            <a:r>
-              <a:rPr lang="es-AR" dirty="0">
-                <a:solidFill>
-                  <a:srgbClr val="000000"/>
-                </a:solidFill>
-                <a:latin typeface="Courier New" panose="02070309020205020404" pitchFamily="49" charset="0"/>
-              </a:rPr>
-              <a:t>N=</a:t>
-            </a:r>
-            <a:r>
-              <a:rPr lang="es-AR" dirty="0" err="1">
-                <a:solidFill>
-                  <a:srgbClr val="000000"/>
-                </a:solidFill>
-                <a:latin typeface="Courier New" panose="02070309020205020404" pitchFamily="49" charset="0"/>
-              </a:rPr>
-              <a:t>fs</a:t>
-            </a:r>
-            <a:r>
-              <a:rPr lang="es-AR" dirty="0">
-                <a:solidFill>
-                  <a:srgbClr val="000000"/>
-                </a:solidFill>
-                <a:latin typeface="Courier New" panose="02070309020205020404" pitchFamily="49" charset="0"/>
-              </a:rPr>
-              <a:t>;</a:t>
-            </a:r>
-          </a:p>
-          <a:p>
-            <a:r>
-              <a:rPr lang="es-AR" dirty="0" err="1">
-                <a:solidFill>
-                  <a:srgbClr val="000000"/>
-                </a:solidFill>
-                <a:latin typeface="Courier New" panose="02070309020205020404" pitchFamily="49" charset="0"/>
-              </a:rPr>
-              <a:t>Ts</a:t>
-            </a:r>
-            <a:r>
-              <a:rPr lang="es-AR" dirty="0">
-                <a:solidFill>
-                  <a:srgbClr val="000000"/>
-                </a:solidFill>
-                <a:latin typeface="Courier New" panose="02070309020205020404" pitchFamily="49" charset="0"/>
-              </a:rPr>
-              <a:t>=1/</a:t>
-            </a:r>
-            <a:r>
-              <a:rPr lang="es-AR" dirty="0" err="1">
-                <a:solidFill>
-                  <a:srgbClr val="000000"/>
-                </a:solidFill>
-                <a:latin typeface="Courier New" panose="02070309020205020404" pitchFamily="49" charset="0"/>
-              </a:rPr>
-              <a:t>fs</a:t>
-            </a:r>
-            <a:r>
-              <a:rPr lang="es-AR" dirty="0">
-                <a:solidFill>
-                  <a:srgbClr val="000000"/>
-                </a:solidFill>
-                <a:latin typeface="Courier New" panose="02070309020205020404" pitchFamily="49" charset="0"/>
-              </a:rPr>
-              <a:t>;</a:t>
-            </a:r>
-            <a:r>
-              <a:rPr lang="es-AR" dirty="0">
-                <a:solidFill>
-                  <a:srgbClr val="228B22"/>
-                </a:solidFill>
-                <a:latin typeface="Courier New" panose="02070309020205020404" pitchFamily="49" charset="0"/>
-              </a:rPr>
-              <a:t>%período de muestreo</a:t>
-            </a:r>
-          </a:p>
-          <a:p>
-            <a:r>
-              <a:rPr lang="es-AR" dirty="0">
-                <a:solidFill>
-                  <a:srgbClr val="000000"/>
-                </a:solidFill>
-                <a:latin typeface="Courier New" panose="02070309020205020404" pitchFamily="49" charset="0"/>
-              </a:rPr>
-              <a:t>n=0:1:N-1; </a:t>
-            </a:r>
-            <a:r>
-              <a:rPr lang="es-AR" dirty="0">
-                <a:solidFill>
-                  <a:srgbClr val="228B22"/>
-                </a:solidFill>
-                <a:latin typeface="Courier New" panose="02070309020205020404" pitchFamily="49" charset="0"/>
-              </a:rPr>
-              <a:t>%secuencia de tiempo </a:t>
-            </a:r>
-          </a:p>
-          <a:p>
-            <a:r>
-              <a:rPr lang="es-AR" dirty="0">
-                <a:solidFill>
-                  <a:srgbClr val="000000"/>
-                </a:solidFill>
-                <a:latin typeface="Courier New" panose="02070309020205020404" pitchFamily="49" charset="0"/>
-              </a:rPr>
-              <a:t>y = 1*</a:t>
-            </a:r>
-            <a:r>
-              <a:rPr lang="es-AR" dirty="0" err="1">
-                <a:solidFill>
-                  <a:srgbClr val="000000"/>
-                </a:solidFill>
-                <a:latin typeface="Courier New" panose="02070309020205020404" pitchFamily="49" charset="0"/>
-              </a:rPr>
-              <a:t>square</a:t>
-            </a:r>
-            <a:r>
-              <a:rPr lang="es-AR" dirty="0">
-                <a:solidFill>
-                  <a:srgbClr val="000000"/>
-                </a:solidFill>
-                <a:latin typeface="Courier New" panose="02070309020205020404" pitchFamily="49" charset="0"/>
-              </a:rPr>
-              <a:t>(2*pi*1 * (n*</a:t>
-            </a:r>
-            <a:r>
-              <a:rPr lang="es-AR" dirty="0" err="1">
-                <a:solidFill>
-                  <a:srgbClr val="000000"/>
-                </a:solidFill>
-                <a:latin typeface="Courier New" panose="02070309020205020404" pitchFamily="49" charset="0"/>
-              </a:rPr>
-              <a:t>Ts-deltat</a:t>
-            </a:r>
-            <a:r>
-              <a:rPr lang="es-AR" dirty="0">
-                <a:solidFill>
-                  <a:srgbClr val="000000"/>
-                </a:solidFill>
-                <a:latin typeface="Courier New" panose="02070309020205020404" pitchFamily="49" charset="0"/>
-              </a:rPr>
-              <a:t>),ancho);</a:t>
-            </a:r>
-            <a:r>
-              <a:rPr lang="es-AR" dirty="0">
-                <a:solidFill>
-                  <a:srgbClr val="228B22"/>
-                </a:solidFill>
-                <a:latin typeface="Courier New" panose="02070309020205020404" pitchFamily="49" charset="0"/>
-              </a:rPr>
-              <a:t>%señal cuadrada</a:t>
-            </a:r>
-          </a:p>
-          <a:p>
-            <a:r>
-              <a:rPr lang="es-AR" dirty="0">
-                <a:solidFill>
-                  <a:srgbClr val="000000"/>
-                </a:solidFill>
-                <a:latin typeface="Courier New" panose="02070309020205020404" pitchFamily="49" charset="0"/>
-              </a:rPr>
-              <a:t>y=</a:t>
-            </a:r>
-            <a:r>
-              <a:rPr lang="es-AR" dirty="0" err="1">
-                <a:solidFill>
-                  <a:srgbClr val="000000"/>
-                </a:solidFill>
-                <a:latin typeface="Courier New" panose="02070309020205020404" pitchFamily="49" charset="0"/>
-              </a:rPr>
-              <a:t>heaviside</a:t>
-            </a:r>
-            <a:r>
-              <a:rPr lang="es-AR" dirty="0">
-                <a:solidFill>
-                  <a:srgbClr val="000000"/>
-                </a:solidFill>
-                <a:latin typeface="Courier New" panose="02070309020205020404" pitchFamily="49" charset="0"/>
-              </a:rPr>
-              <a:t>(y);</a:t>
-            </a:r>
-            <a:r>
-              <a:rPr lang="es-AR" dirty="0">
-                <a:solidFill>
-                  <a:srgbClr val="228B22"/>
-                </a:solidFill>
-                <a:latin typeface="Courier New" panose="02070309020205020404" pitchFamily="49" charset="0"/>
-              </a:rPr>
-              <a:t>%acota los valores del pulso entre 0 y 1</a:t>
-            </a:r>
-          </a:p>
-          <a:p>
-            <a:r>
-              <a:rPr lang="es-AR" dirty="0" err="1">
-                <a:solidFill>
-                  <a:srgbClr val="000000"/>
-                </a:solidFill>
-                <a:latin typeface="Courier New" panose="02070309020205020404" pitchFamily="49" charset="0"/>
-              </a:rPr>
-              <a:t>plot</a:t>
-            </a:r>
-            <a:r>
-              <a:rPr lang="es-AR" dirty="0">
-                <a:solidFill>
-                  <a:srgbClr val="000000"/>
-                </a:solidFill>
-                <a:latin typeface="Courier New" panose="02070309020205020404" pitchFamily="49" charset="0"/>
-              </a:rPr>
-              <a:t>(n*</a:t>
-            </a:r>
-            <a:r>
-              <a:rPr lang="es-AR" dirty="0" err="1">
-                <a:solidFill>
-                  <a:srgbClr val="000000"/>
-                </a:solidFill>
-                <a:latin typeface="Courier New" panose="02070309020205020404" pitchFamily="49" charset="0"/>
-              </a:rPr>
-              <a:t>Ts,y</a:t>
-            </a:r>
-            <a:r>
-              <a:rPr lang="es-AR" dirty="0">
-                <a:solidFill>
-                  <a:srgbClr val="000000"/>
-                </a:solidFill>
-                <a:latin typeface="Courier New" panose="02070309020205020404" pitchFamily="49" charset="0"/>
-              </a:rPr>
-              <a:t>,</a:t>
-            </a:r>
-            <a:r>
-              <a:rPr lang="es-AR" dirty="0">
-                <a:solidFill>
-                  <a:srgbClr val="A020F0"/>
-                </a:solidFill>
-                <a:latin typeface="Courier New" panose="02070309020205020404" pitchFamily="49" charset="0"/>
-              </a:rPr>
-              <a:t>'.'</a:t>
-            </a:r>
-            <a:r>
-              <a:rPr lang="es-AR" dirty="0">
-                <a:solidFill>
-                  <a:srgbClr val="000000"/>
-                </a:solidFill>
-                <a:latin typeface="Courier New" panose="02070309020205020404" pitchFamily="49" charset="0"/>
-              </a:rPr>
-              <a:t>) </a:t>
-            </a:r>
-            <a:r>
-              <a:rPr lang="es-AR" dirty="0">
-                <a:solidFill>
-                  <a:srgbClr val="228B22"/>
-                </a:solidFill>
-                <a:latin typeface="Courier New" panose="02070309020205020404" pitchFamily="49" charset="0"/>
-              </a:rPr>
-              <a:t>%grafica la señal a representar</a:t>
-            </a:r>
-          </a:p>
-          <a:p>
-            <a:r>
-              <a:rPr lang="es-AR" dirty="0">
-                <a:solidFill>
-                  <a:srgbClr val="000000"/>
-                </a:solidFill>
-                <a:latin typeface="Courier New" panose="02070309020205020404" pitchFamily="49" charset="0"/>
-              </a:rPr>
-              <a:t>C = </a:t>
-            </a:r>
-            <a:r>
-              <a:rPr lang="es-AR" dirty="0" err="1">
-                <a:solidFill>
-                  <a:srgbClr val="000000"/>
-                </a:solidFill>
-                <a:latin typeface="Courier New" panose="02070309020205020404" pitchFamily="49" charset="0"/>
-              </a:rPr>
-              <a:t>zeros</a:t>
-            </a:r>
-            <a:r>
-              <a:rPr lang="es-AR" dirty="0">
-                <a:solidFill>
-                  <a:srgbClr val="000000"/>
-                </a:solidFill>
-                <a:latin typeface="Courier New" panose="02070309020205020404" pitchFamily="49" charset="0"/>
-              </a:rPr>
-              <a:t>(</a:t>
-            </a:r>
-            <a:r>
-              <a:rPr lang="es-AR" dirty="0" err="1">
-                <a:solidFill>
-                  <a:srgbClr val="000000"/>
-                </a:solidFill>
-                <a:latin typeface="Courier New" panose="02070309020205020404" pitchFamily="49" charset="0"/>
-              </a:rPr>
-              <a:t>size</a:t>
-            </a:r>
-            <a:r>
-              <a:rPr lang="es-AR" dirty="0">
-                <a:solidFill>
-                  <a:srgbClr val="000000"/>
-                </a:solidFill>
-                <a:latin typeface="Courier New" panose="02070309020205020404" pitchFamily="49" charset="0"/>
-              </a:rPr>
-              <a:t>(y)); </a:t>
-            </a:r>
-            <a:r>
-              <a:rPr lang="es-AR" dirty="0">
-                <a:solidFill>
-                  <a:srgbClr val="228B22"/>
-                </a:solidFill>
-                <a:latin typeface="Courier New" panose="02070309020205020404" pitchFamily="49" charset="0"/>
-              </a:rPr>
-              <a:t>%prepara vector de coeficientes con ceros</a:t>
-            </a:r>
-          </a:p>
-          <a:p>
-            <a:r>
-              <a:rPr lang="pt-BR" dirty="0">
-                <a:solidFill>
-                  <a:srgbClr val="000000"/>
-                </a:solidFill>
-                <a:latin typeface="Courier New" panose="02070309020205020404" pitchFamily="49" charset="0"/>
-              </a:rPr>
-              <a:t>  </a:t>
-            </a:r>
-            <a:r>
-              <a:rPr lang="pt-BR" dirty="0">
-                <a:solidFill>
-                  <a:srgbClr val="0000FF"/>
-                </a:solidFill>
-                <a:latin typeface="Courier New" panose="02070309020205020404" pitchFamily="49" charset="0"/>
-              </a:rPr>
-              <a:t>for</a:t>
-            </a:r>
-            <a:r>
-              <a:rPr lang="pt-BR" dirty="0">
-                <a:solidFill>
-                  <a:srgbClr val="000000"/>
-                </a:solidFill>
-                <a:latin typeface="Courier New" panose="02070309020205020404" pitchFamily="49" charset="0"/>
-              </a:rPr>
-              <a:t> k = 0 : N - 1  </a:t>
-            </a:r>
-            <a:r>
-              <a:rPr lang="pt-BR" dirty="0">
-                <a:solidFill>
-                  <a:srgbClr val="228B22"/>
-                </a:solidFill>
-                <a:latin typeface="Courier New" panose="02070309020205020404" pitchFamily="49" charset="0"/>
-              </a:rPr>
-              <a:t>% para cada coeficiente</a:t>
-            </a:r>
-          </a:p>
-          <a:p>
-            <a:r>
-              <a:rPr lang="es-AR" dirty="0">
-                <a:solidFill>
-                  <a:srgbClr val="000000"/>
-                </a:solidFill>
-                <a:latin typeface="Courier New" panose="02070309020205020404" pitchFamily="49" charset="0"/>
-              </a:rPr>
-              <a:t>    s = 0; </a:t>
-            </a:r>
-            <a:r>
-              <a:rPr lang="es-AR" dirty="0">
-                <a:solidFill>
-                  <a:srgbClr val="228B22"/>
-                </a:solidFill>
-                <a:latin typeface="Courier New" panose="02070309020205020404" pitchFamily="49" charset="0"/>
-              </a:rPr>
-              <a:t>%valor inicial del coeficiente</a:t>
-            </a:r>
-          </a:p>
-          <a:p>
-            <a:r>
-              <a:rPr lang="pt-BR" dirty="0">
-                <a:solidFill>
-                  <a:srgbClr val="000000"/>
-                </a:solidFill>
-                <a:latin typeface="Courier New" panose="02070309020205020404" pitchFamily="49" charset="0"/>
-              </a:rPr>
-              <a:t>    </a:t>
-            </a:r>
-            <a:r>
-              <a:rPr lang="pt-BR" dirty="0">
-                <a:solidFill>
-                  <a:srgbClr val="0000FF"/>
-                </a:solidFill>
-                <a:latin typeface="Courier New" panose="02070309020205020404" pitchFamily="49" charset="0"/>
-              </a:rPr>
-              <a:t>for</a:t>
-            </a:r>
-            <a:r>
-              <a:rPr lang="pt-BR" dirty="0">
-                <a:solidFill>
-                  <a:srgbClr val="000000"/>
-                </a:solidFill>
-                <a:latin typeface="Courier New" panose="02070309020205020404" pitchFamily="49" charset="0"/>
-              </a:rPr>
-              <a:t> n = 0 : N - 1  </a:t>
-            </a:r>
-            <a:r>
-              <a:rPr lang="pt-BR" dirty="0">
-                <a:solidFill>
-                  <a:srgbClr val="228B22"/>
-                </a:solidFill>
-                <a:latin typeface="Courier New" panose="02070309020205020404" pitchFamily="49" charset="0"/>
-              </a:rPr>
-              <a:t>% para cada valor de </a:t>
-            </a:r>
-            <a:r>
-              <a:rPr lang="pt-BR" dirty="0" err="1">
-                <a:solidFill>
-                  <a:srgbClr val="228B22"/>
-                </a:solidFill>
-                <a:latin typeface="Courier New" panose="02070309020205020404" pitchFamily="49" charset="0"/>
-              </a:rPr>
-              <a:t>tiempo</a:t>
-            </a:r>
-            <a:endParaRPr lang="pt-BR" dirty="0">
-              <a:solidFill>
-                <a:srgbClr val="228B22"/>
-              </a:solidFill>
-              <a:latin typeface="Courier New" panose="02070309020205020404" pitchFamily="49" charset="0"/>
-            </a:endParaRPr>
-          </a:p>
-          <a:p>
-            <a:r>
-              <a:rPr lang="pt-BR" dirty="0">
-                <a:solidFill>
-                  <a:srgbClr val="000000"/>
-                </a:solidFill>
-                <a:latin typeface="Courier New" panose="02070309020205020404" pitchFamily="49" charset="0"/>
-              </a:rPr>
-              <a:t>      </a:t>
-            </a:r>
-            <a:r>
-              <a:rPr lang="pt-BR" dirty="0">
-                <a:solidFill>
-                  <a:srgbClr val="228B22"/>
-                </a:solidFill>
-                <a:latin typeface="Courier New" panose="02070309020205020404" pitchFamily="49" charset="0"/>
-              </a:rPr>
-              <a:t>%s =  s+y1(n + 1) * </a:t>
-            </a:r>
-            <a:r>
-              <a:rPr lang="pt-BR" dirty="0" err="1">
-                <a:solidFill>
-                  <a:srgbClr val="228B22"/>
-                </a:solidFill>
-                <a:latin typeface="Courier New" panose="02070309020205020404" pitchFamily="49" charset="0"/>
-              </a:rPr>
-              <a:t>exp</a:t>
-            </a:r>
-            <a:r>
-              <a:rPr lang="pt-BR" dirty="0">
-                <a:solidFill>
-                  <a:srgbClr val="228B22"/>
-                </a:solidFill>
-                <a:latin typeface="Courier New" panose="02070309020205020404" pitchFamily="49" charset="0"/>
-              </a:rPr>
-              <a:t>(-j*(2 * </a:t>
-            </a:r>
-            <a:r>
-              <a:rPr lang="pt-BR" dirty="0" err="1">
-                <a:solidFill>
-                  <a:srgbClr val="228B22"/>
-                </a:solidFill>
-                <a:latin typeface="Courier New" panose="02070309020205020404" pitchFamily="49" charset="0"/>
-              </a:rPr>
-              <a:t>pi</a:t>
-            </a:r>
-            <a:r>
-              <a:rPr lang="pt-BR" dirty="0">
-                <a:solidFill>
-                  <a:srgbClr val="228B22"/>
-                </a:solidFill>
-                <a:latin typeface="Courier New" panose="02070309020205020404" pitchFamily="49" charset="0"/>
-              </a:rPr>
-              <a:t> * k / N)*n); %valor parcial de </a:t>
-            </a:r>
-            <a:r>
-              <a:rPr lang="pt-BR" dirty="0" err="1">
-                <a:solidFill>
-                  <a:srgbClr val="228B22"/>
-                </a:solidFill>
-                <a:latin typeface="Courier New" panose="02070309020205020404" pitchFamily="49" charset="0"/>
-              </a:rPr>
-              <a:t>coef</a:t>
-            </a:r>
-            <a:r>
-              <a:rPr lang="pt-BR" dirty="0">
-                <a:solidFill>
-                  <a:srgbClr val="228B22"/>
-                </a:solidFill>
-                <a:latin typeface="Courier New" panose="02070309020205020404" pitchFamily="49" charset="0"/>
-              </a:rPr>
-              <a:t>. </a:t>
-            </a:r>
-          </a:p>
-          <a:p>
-            <a:r>
-              <a:rPr lang="pt-BR" dirty="0">
-                <a:solidFill>
-                  <a:srgbClr val="000000"/>
-                </a:solidFill>
-                <a:latin typeface="Courier New" panose="02070309020205020404" pitchFamily="49" charset="0"/>
-              </a:rPr>
-              <a:t>      s =  </a:t>
-            </a:r>
-            <a:r>
-              <a:rPr lang="pt-BR" dirty="0" err="1">
-                <a:solidFill>
-                  <a:srgbClr val="000000"/>
-                </a:solidFill>
-                <a:latin typeface="Courier New" panose="02070309020205020404" pitchFamily="49" charset="0"/>
-              </a:rPr>
-              <a:t>s+y</a:t>
-            </a:r>
-            <a:r>
-              <a:rPr lang="pt-BR" dirty="0">
-                <a:solidFill>
-                  <a:srgbClr val="000000"/>
-                </a:solidFill>
-                <a:latin typeface="Courier New" panose="02070309020205020404" pitchFamily="49" charset="0"/>
-              </a:rPr>
-              <a:t>(n + 1) * </a:t>
-            </a:r>
-            <a:r>
-              <a:rPr lang="pt-BR" dirty="0" err="1">
-                <a:solidFill>
-                  <a:srgbClr val="000000"/>
-                </a:solidFill>
-                <a:latin typeface="Courier New" panose="02070309020205020404" pitchFamily="49" charset="0"/>
-              </a:rPr>
-              <a:t>exp</a:t>
-            </a:r>
-            <a:r>
-              <a:rPr lang="pt-BR" dirty="0">
-                <a:solidFill>
-                  <a:srgbClr val="000000"/>
-                </a:solidFill>
-                <a:latin typeface="Courier New" panose="02070309020205020404" pitchFamily="49" charset="0"/>
-              </a:rPr>
-              <a:t>(-j*(2 * </a:t>
-            </a:r>
-            <a:r>
-              <a:rPr lang="pt-BR" dirty="0" err="1">
-                <a:solidFill>
-                  <a:srgbClr val="000000"/>
-                </a:solidFill>
-                <a:latin typeface="Courier New" panose="02070309020205020404" pitchFamily="49" charset="0"/>
-              </a:rPr>
-              <a:t>pi</a:t>
-            </a:r>
-            <a:r>
-              <a:rPr lang="pt-BR" dirty="0">
-                <a:solidFill>
-                  <a:srgbClr val="000000"/>
-                </a:solidFill>
-                <a:latin typeface="Courier New" panose="02070309020205020404" pitchFamily="49" charset="0"/>
-              </a:rPr>
-              <a:t> *k*</a:t>
-            </a:r>
-            <a:r>
-              <a:rPr lang="pt-BR" dirty="0" err="1">
-                <a:solidFill>
-                  <a:srgbClr val="000000"/>
-                </a:solidFill>
-                <a:latin typeface="Courier New" panose="02070309020205020404" pitchFamily="49" charset="0"/>
-              </a:rPr>
-              <a:t>Ts</a:t>
-            </a:r>
-            <a:r>
-              <a:rPr lang="pt-BR" dirty="0">
-                <a:solidFill>
-                  <a:srgbClr val="000000"/>
-                </a:solidFill>
-                <a:latin typeface="Courier New" panose="02070309020205020404" pitchFamily="49" charset="0"/>
-              </a:rPr>
-              <a:t>)*n); </a:t>
-            </a:r>
-            <a:r>
-              <a:rPr lang="pt-BR" dirty="0">
-                <a:solidFill>
-                  <a:srgbClr val="228B22"/>
-                </a:solidFill>
-                <a:latin typeface="Courier New" panose="02070309020205020404" pitchFamily="49" charset="0"/>
-              </a:rPr>
-              <a:t>%valor parcial de </a:t>
-            </a:r>
-            <a:r>
-              <a:rPr lang="pt-BR" dirty="0" err="1">
-                <a:solidFill>
-                  <a:srgbClr val="228B22"/>
-                </a:solidFill>
-                <a:latin typeface="Courier New" panose="02070309020205020404" pitchFamily="49" charset="0"/>
-              </a:rPr>
-              <a:t>coef</a:t>
-            </a:r>
-            <a:r>
-              <a:rPr lang="pt-BR" dirty="0">
-                <a:solidFill>
-                  <a:srgbClr val="228B22"/>
-                </a:solidFill>
-                <a:latin typeface="Courier New" panose="02070309020205020404" pitchFamily="49" charset="0"/>
-              </a:rPr>
-              <a:t>.</a:t>
-            </a:r>
-          </a:p>
-          <a:p>
-            <a:r>
-              <a:rPr lang="es-AR" dirty="0">
-                <a:solidFill>
-                  <a:srgbClr val="000000"/>
-                </a:solidFill>
-                <a:latin typeface="Courier New" panose="02070309020205020404" pitchFamily="49" charset="0"/>
-              </a:rPr>
-              <a:t>    </a:t>
-            </a:r>
-            <a:r>
-              <a:rPr lang="es-AR" dirty="0" err="1">
-                <a:solidFill>
-                  <a:srgbClr val="0000FF"/>
-                </a:solidFill>
-                <a:latin typeface="Courier New" panose="02070309020205020404" pitchFamily="49" charset="0"/>
-              </a:rPr>
-              <a:t>end</a:t>
-            </a:r>
-            <a:endParaRPr lang="es-AR" dirty="0">
-              <a:solidFill>
-                <a:srgbClr val="0000FF"/>
-              </a:solidFill>
-              <a:latin typeface="Courier New" panose="02070309020205020404" pitchFamily="49" charset="0"/>
-            </a:endParaRPr>
-          </a:p>
-          <a:p>
-            <a:r>
-              <a:rPr lang="pt-BR" dirty="0">
-                <a:solidFill>
-                  <a:srgbClr val="000000"/>
-                </a:solidFill>
-                <a:latin typeface="Courier New" panose="02070309020205020404" pitchFamily="49" charset="0"/>
-              </a:rPr>
-              <a:t>    C(k + 1) = s/N; </a:t>
-            </a:r>
-            <a:r>
-              <a:rPr lang="pt-BR" dirty="0">
-                <a:solidFill>
-                  <a:srgbClr val="228B22"/>
-                </a:solidFill>
-                <a:latin typeface="Courier New" panose="02070309020205020404" pitchFamily="49" charset="0"/>
-              </a:rPr>
-              <a:t>% valor final de cada coeficiente</a:t>
-            </a:r>
-          </a:p>
-          <a:p>
-            <a:r>
-              <a:rPr lang="es-AR" dirty="0">
-                <a:solidFill>
-                  <a:srgbClr val="000000"/>
-                </a:solidFill>
-                <a:latin typeface="Courier New" panose="02070309020205020404" pitchFamily="49" charset="0"/>
-              </a:rPr>
-              <a:t>  </a:t>
-            </a:r>
-            <a:r>
-              <a:rPr lang="es-AR" dirty="0" err="1">
-                <a:solidFill>
-                  <a:srgbClr val="0000FF"/>
-                </a:solidFill>
-                <a:latin typeface="Courier New" panose="02070309020205020404" pitchFamily="49" charset="0"/>
-              </a:rPr>
-              <a:t>end</a:t>
-            </a:r>
-            <a:endParaRPr lang="es-AR" dirty="0">
-              <a:solidFill>
-                <a:srgbClr val="0000FF"/>
-              </a:solidFill>
-              <a:latin typeface="Courier New" panose="02070309020205020404" pitchFamily="49" charset="0"/>
-            </a:endParaRPr>
-          </a:p>
-          <a:p>
-            <a:r>
-              <a:rPr lang="es-AR" dirty="0">
-                <a:solidFill>
-                  <a:srgbClr val="000000"/>
-                </a:solidFill>
-                <a:latin typeface="Courier New" panose="02070309020205020404" pitchFamily="49" charset="0"/>
-              </a:rPr>
-              <a:t>  </a:t>
-            </a:r>
-            <a:r>
-              <a:rPr lang="es-AR" dirty="0" err="1">
-                <a:solidFill>
-                  <a:srgbClr val="000000"/>
-                </a:solidFill>
-                <a:latin typeface="Courier New" panose="02070309020205020404" pitchFamily="49" charset="0"/>
-              </a:rPr>
-              <a:t>deltaf</a:t>
-            </a:r>
-            <a:r>
-              <a:rPr lang="es-AR" dirty="0">
-                <a:solidFill>
-                  <a:srgbClr val="000000"/>
-                </a:solidFill>
-                <a:latin typeface="Courier New" panose="02070309020205020404" pitchFamily="49" charset="0"/>
-              </a:rPr>
-              <a:t>=</a:t>
-            </a:r>
-            <a:r>
-              <a:rPr lang="es-AR" dirty="0" err="1">
-                <a:solidFill>
-                  <a:srgbClr val="000000"/>
-                </a:solidFill>
-                <a:latin typeface="Courier New" panose="02070309020205020404" pitchFamily="49" charset="0"/>
-              </a:rPr>
-              <a:t>fs</a:t>
-            </a:r>
-            <a:r>
-              <a:rPr lang="es-AR" dirty="0">
-                <a:solidFill>
-                  <a:srgbClr val="000000"/>
-                </a:solidFill>
-                <a:latin typeface="Courier New" panose="02070309020205020404" pitchFamily="49" charset="0"/>
-              </a:rPr>
-              <a:t>/N;</a:t>
-            </a:r>
-          </a:p>
-          <a:p>
-            <a:r>
-              <a:rPr lang="es-AR" dirty="0">
-                <a:solidFill>
-                  <a:srgbClr val="228B22"/>
-                </a:solidFill>
-                <a:latin typeface="Courier New" panose="02070309020205020404" pitchFamily="49" charset="0"/>
-              </a:rPr>
-              <a:t>%grafica la amplitud de los coeficientes (amplitud del espectro de </a:t>
-            </a:r>
-            <a:r>
-              <a:rPr lang="es-AR" dirty="0" err="1">
-                <a:solidFill>
-                  <a:srgbClr val="228B22"/>
-                </a:solidFill>
-                <a:latin typeface="Courier New" panose="02070309020205020404" pitchFamily="49" charset="0"/>
-              </a:rPr>
-              <a:t>frec</a:t>
-            </a:r>
-            <a:r>
-              <a:rPr lang="es-AR" dirty="0">
-                <a:solidFill>
-                  <a:srgbClr val="228B22"/>
-                </a:solidFill>
-                <a:latin typeface="Courier New" panose="02070309020205020404" pitchFamily="49" charset="0"/>
-              </a:rPr>
-              <a:t>.)</a:t>
-            </a:r>
-          </a:p>
-          <a:p>
-            <a:r>
-              <a:rPr lang="es-AR" dirty="0">
-                <a:solidFill>
-                  <a:srgbClr val="000000"/>
-                </a:solidFill>
-                <a:latin typeface="Courier New" panose="02070309020205020404" pitchFamily="49" charset="0"/>
-              </a:rPr>
-              <a:t>  figure</a:t>
-            </a:r>
-          </a:p>
-          <a:p>
-            <a:r>
-              <a:rPr lang="es-AR" dirty="0">
-                <a:solidFill>
-                  <a:srgbClr val="000000"/>
-                </a:solidFill>
-                <a:latin typeface="Courier New" panose="02070309020205020404" pitchFamily="49" charset="0"/>
-              </a:rPr>
-              <a:t>  </a:t>
-            </a:r>
-            <a:r>
-              <a:rPr lang="es-AR" dirty="0" err="1">
-                <a:solidFill>
-                  <a:srgbClr val="000000"/>
-                </a:solidFill>
-                <a:latin typeface="Courier New" panose="02070309020205020404" pitchFamily="49" charset="0"/>
-              </a:rPr>
-              <a:t>fre</a:t>
-            </a:r>
-            <a:r>
-              <a:rPr lang="es-AR" dirty="0">
-                <a:solidFill>
-                  <a:srgbClr val="000000"/>
-                </a:solidFill>
-                <a:latin typeface="Courier New" panose="02070309020205020404" pitchFamily="49" charset="0"/>
-              </a:rPr>
-              <a:t>=0:deltaf:(</a:t>
-            </a:r>
-            <a:r>
-              <a:rPr lang="es-AR" dirty="0" err="1">
-                <a:solidFill>
-                  <a:srgbClr val="000000"/>
-                </a:solidFill>
-                <a:latin typeface="Courier New" panose="02070309020205020404" pitchFamily="49" charset="0"/>
-              </a:rPr>
-              <a:t>length</a:t>
-            </a:r>
-            <a:r>
-              <a:rPr lang="es-AR" dirty="0">
-                <a:solidFill>
-                  <a:srgbClr val="000000"/>
-                </a:solidFill>
-                <a:latin typeface="Courier New" panose="02070309020205020404" pitchFamily="49" charset="0"/>
-              </a:rPr>
-              <a:t>(C)-1)*</a:t>
-            </a:r>
-            <a:r>
-              <a:rPr lang="es-AR" dirty="0" err="1">
-                <a:solidFill>
-                  <a:srgbClr val="000000"/>
-                </a:solidFill>
-                <a:latin typeface="Courier New" panose="02070309020205020404" pitchFamily="49" charset="0"/>
-              </a:rPr>
-              <a:t>deltaf</a:t>
-            </a:r>
-            <a:r>
-              <a:rPr lang="es-AR" dirty="0">
-                <a:solidFill>
-                  <a:srgbClr val="000000"/>
-                </a:solidFill>
-                <a:latin typeface="Courier New" panose="02070309020205020404" pitchFamily="49" charset="0"/>
-              </a:rPr>
-              <a:t>;</a:t>
-            </a:r>
-          </a:p>
-          <a:p>
-            <a:r>
-              <a:rPr lang="es-AR" dirty="0">
-                <a:solidFill>
-                  <a:srgbClr val="000000"/>
-                </a:solidFill>
-                <a:latin typeface="Courier New" panose="02070309020205020404" pitchFamily="49" charset="0"/>
-              </a:rPr>
-              <a:t>  </a:t>
-            </a:r>
-            <a:r>
-              <a:rPr lang="es-AR" dirty="0" err="1">
-                <a:solidFill>
-                  <a:srgbClr val="000000"/>
-                </a:solidFill>
-                <a:latin typeface="Courier New" panose="02070309020205020404" pitchFamily="49" charset="0"/>
-              </a:rPr>
-              <a:t>stem</a:t>
-            </a:r>
-            <a:r>
-              <a:rPr lang="es-AR" dirty="0">
-                <a:solidFill>
-                  <a:srgbClr val="000000"/>
-                </a:solidFill>
-                <a:latin typeface="Courier New" panose="02070309020205020404" pitchFamily="49" charset="0"/>
-              </a:rPr>
-              <a:t>(</a:t>
-            </a:r>
-            <a:r>
-              <a:rPr lang="es-AR" dirty="0" err="1">
-                <a:solidFill>
-                  <a:srgbClr val="000000"/>
-                </a:solidFill>
-                <a:latin typeface="Courier New" panose="02070309020205020404" pitchFamily="49" charset="0"/>
-              </a:rPr>
-              <a:t>fre,abs</a:t>
-            </a:r>
-            <a:r>
-              <a:rPr lang="es-AR" dirty="0">
-                <a:solidFill>
-                  <a:srgbClr val="000000"/>
-                </a:solidFill>
-                <a:latin typeface="Courier New" panose="02070309020205020404" pitchFamily="49" charset="0"/>
-              </a:rPr>
-              <a:t>(C))</a:t>
-            </a:r>
-          </a:p>
-        </p:txBody>
-      </p:sp>
-    </p:spTree>
-    <p:extLst>
-      <p:ext uri="{BB962C8B-B14F-4D97-AF65-F5344CB8AC3E}">
-        <p14:creationId xmlns:p14="http://schemas.microsoft.com/office/powerpoint/2010/main" val="3031141251"/>
       </p:ext>
     </p:extLst>
   </p:cSld>
